--- a/00_Relazione/Simulazione sistema e Modello di controllo/Simulazione e Controllo.pptx
+++ b/00_Relazione/Simulazione sistema e Modello di controllo/Simulazione e Controllo.pptx
@@ -239,7 +239,7 @@
             <a:pPr rtl="0"/>
             <a:fld id="{23AEF8A9-CFB5-40C0-BAE2-5B4633EC9F63}" type="datetime1">
               <a:rPr lang="it-IT" smtClean="0"/>
-              <a:t>10/01/2020</a:t>
+              <a:t>15/01/2020</a:t>
             </a:fld>
             <a:endParaRPr lang="it-IT" dirty="0"/>
           </a:p>
@@ -416,7 +416,7 @@
             <a:fld id="{09F431D3-F76B-41A6-8072-4F6D884C46F8}" type="datetime1">
               <a:rPr lang="it-IT" smtClean="0"/>
               <a:pPr/>
-              <a:t>10/01/2020</a:t>
+              <a:t>15/01/2020</a:t>
             </a:fld>
             <a:endParaRPr lang="it-IT" dirty="0"/>
           </a:p>
@@ -1614,7 +1614,7 @@
             <a:fld id="{982DBDC9-B003-41F0-B8B2-2F0AA2C1B651}" type="datetime1">
               <a:rPr lang="it-IT" smtClean="0"/>
               <a:pPr/>
-              <a:t>10/01/2020</a:t>
+              <a:t>15/01/2020</a:t>
             </a:fld>
             <a:endParaRPr lang="it-IT" dirty="0"/>
           </a:p>
@@ -1845,7 +1845,7 @@
             <a:fld id="{07E64E86-02CD-4AD8-8F6E-73FB87F29031}" type="datetime1">
               <a:rPr lang="it-IT" smtClean="0"/>
               <a:pPr/>
-              <a:t>10/01/2020</a:t>
+              <a:t>15/01/2020</a:t>
             </a:fld>
             <a:endParaRPr lang="it-IT" dirty="0"/>
           </a:p>
@@ -2671,7 +2671,7 @@
             <a:fld id="{56884175-B988-418C-8366-CD8114C73802}" type="datetime1">
               <a:rPr lang="it-IT" smtClean="0"/>
               <a:pPr/>
-              <a:t>10/01/2020</a:t>
+              <a:t>15/01/2020</a:t>
             </a:fld>
             <a:endParaRPr lang="it-IT" dirty="0"/>
           </a:p>
@@ -2880,7 +2880,7 @@
             <a:fld id="{07EF584B-7CE1-48A1-AB7A-1EEAB5F615CD}" type="datetime1">
               <a:rPr lang="it-IT" smtClean="0"/>
               <a:pPr/>
-              <a:t>10/01/2020</a:t>
+              <a:t>15/01/2020</a:t>
             </a:fld>
             <a:endParaRPr lang="it-IT" dirty="0"/>
           </a:p>
@@ -4149,7 +4149,7 @@
             <a:fld id="{2F956552-D53A-4557-8C38-42CBEA2EE1F9}" type="datetime1">
               <a:rPr lang="it-IT" smtClean="0"/>
               <a:pPr/>
-              <a:t>10/01/2020</a:t>
+              <a:t>15/01/2020</a:t>
             </a:fld>
             <a:endParaRPr lang="it-IT" dirty="0"/>
           </a:p>
@@ -4482,7 +4482,7 @@
             <a:fld id="{F68A04E6-3A63-4A5D-901F-B7E0EE19AFD7}" type="datetime1">
               <a:rPr lang="it-IT" smtClean="0"/>
               <a:pPr/>
-              <a:t>10/01/2020</a:t>
+              <a:t>15/01/2020</a:t>
             </a:fld>
             <a:endParaRPr lang="it-IT" dirty="0"/>
           </a:p>
@@ -4941,7 +4941,7 @@
             <a:fld id="{E89D5404-FB42-4B9E-BE7A-7821366B0BBC}" type="datetime1">
               <a:rPr lang="it-IT" smtClean="0"/>
               <a:pPr/>
-              <a:t>10/01/2020</a:t>
+              <a:t>15/01/2020</a:t>
             </a:fld>
             <a:endParaRPr lang="it-IT" dirty="0"/>
           </a:p>
@@ -5082,7 +5082,7 @@
             <a:fld id="{DA63B92F-6927-4909-8675-8FB028AE3CD8}" type="datetime1">
               <a:rPr lang="it-IT" smtClean="0"/>
               <a:pPr/>
-              <a:t>10/01/2020</a:t>
+              <a:t>15/01/2020</a:t>
             </a:fld>
             <a:endParaRPr lang="it-IT" dirty="0"/>
           </a:p>
@@ -5427,7 +5427,7 @@
             <a:fld id="{ACB5D043-5A31-4D67-9FB4-6681AB6A05C6}" type="datetime1">
               <a:rPr lang="it-IT" smtClean="0"/>
               <a:pPr/>
-              <a:t>10/01/2020</a:t>
+              <a:t>15/01/2020</a:t>
             </a:fld>
             <a:endParaRPr lang="it-IT" dirty="0"/>
           </a:p>
@@ -5930,7 +5930,7 @@
             <a:fld id="{7B44B99B-722F-4DC5-AC4D-948C49352303}" type="datetime1">
               <a:rPr lang="it-IT" smtClean="0"/>
               <a:pPr/>
-              <a:t>10/01/2020</a:t>
+              <a:t>15/01/2020</a:t>
             </a:fld>
             <a:endParaRPr lang="it-IT" dirty="0"/>
           </a:p>
@@ -6386,7 +6386,7 @@
             <a:fld id="{239C2E7C-B484-43C6-BE81-E8A28A90F8D9}" type="datetime1">
               <a:rPr lang="it-IT" smtClean="0"/>
               <a:pPr/>
-              <a:t>10/01/2020</a:t>
+              <a:t>15/01/2020</a:t>
             </a:fld>
             <a:endParaRPr lang="it-IT" dirty="0"/>
           </a:p>
@@ -7289,7 +7289,7 @@
             <a:fld id="{62DE71F0-C68A-46D7-94E0-C7A236B6AC63}" type="datetime1">
               <a:rPr lang="it-IT" smtClean="0"/>
               <a:pPr/>
-              <a:t>10/01/2020</a:t>
+              <a:t>15/01/2020</a:t>
             </a:fld>
             <a:endParaRPr lang="it-IT" dirty="0"/>
           </a:p>
@@ -7834,6 +7834,4083 @@
           </a:p>
         </p:txBody>
       </p:sp>
+      <p:sp>
+        <p:nvSpPr>
+          <p:cNvPr id="5" name="CasellaDiTesto 4">
+            <a:extLst>
+              <a:ext uri="{FF2B5EF4-FFF2-40B4-BE49-F238E27FC236}">
+                <a16:creationId xmlns:a16="http://schemas.microsoft.com/office/drawing/2014/main" id="{9EB7B90F-0792-4AFB-B6CC-BA12C8642365}"/>
+              </a:ext>
+            </a:extLst>
+          </p:cNvPr>
+          <p:cNvSpPr txBox="1"/>
+          <p:nvPr/>
+        </p:nvSpPr>
+        <p:spPr>
+          <a:xfrm>
+            <a:off x="1593436" y="836713"/>
+            <a:ext cx="9782800" cy="1200329"/>
+          </a:xfrm>
+          <a:prstGeom prst="rect">
+            <a:avLst/>
+          </a:prstGeom>
+          <a:noFill/>
+        </p:spPr>
+        <p:txBody>
+          <a:bodyPr wrap="square" rtlCol="0">
+            <a:spAutoFit/>
+          </a:bodyPr>
+          <a:lstStyle/>
+          <a:p>
+            <a:pPr algn="just"/>
+            <a:r>
+              <a:rPr lang="it-IT" dirty="0"/>
+              <a:t>Abbiamo visto come si può ottenere la dinamica del sistema utilizzando Eulero-Lagrange e un po’ di meccanica analitica.</a:t>
+            </a:r>
+          </a:p>
+          <a:p>
+            <a:pPr algn="just"/>
+            <a:r>
+              <a:rPr lang="it-IT" dirty="0"/>
+              <a:t>Per passare da questa rappresentazione differenziale a una rappresentazione nello spazio di stato, è sufficiente definire lo stato:</a:t>
+            </a:r>
+          </a:p>
+        </p:txBody>
+      </p:sp>
+      <p:grpSp>
+        <p:nvGrpSpPr>
+          <p:cNvPr id="20" name="Gruppo 19">
+            <a:extLst>
+              <a:ext uri="{FF2B5EF4-FFF2-40B4-BE49-F238E27FC236}">
+                <a16:creationId xmlns:a16="http://schemas.microsoft.com/office/drawing/2014/main" id="{37F9D0CB-F915-470C-8579-EBF1576B927A}"/>
+              </a:ext>
+            </a:extLst>
+          </p:cNvPr>
+          <p:cNvGrpSpPr/>
+          <p:nvPr/>
+        </p:nvGrpSpPr>
+        <p:grpSpPr>
+          <a:xfrm>
+            <a:off x="7462564" y="4908515"/>
+            <a:ext cx="3581237" cy="1667023"/>
+            <a:chOff x="7205510" y="4908515"/>
+            <a:chExt cx="3581237" cy="1667023"/>
+          </a:xfrm>
+        </p:grpSpPr>
+        <p:grpSp>
+          <p:nvGrpSpPr>
+            <p:cNvPr id="18" name="Gruppo 17">
+              <a:extLst>
+                <a:ext uri="{FF2B5EF4-FFF2-40B4-BE49-F238E27FC236}">
+                  <a16:creationId xmlns:a16="http://schemas.microsoft.com/office/drawing/2014/main" id="{6D7AF389-5BED-411C-8519-BC2D195198CD}"/>
+                </a:ext>
+              </a:extLst>
+            </p:cNvPr>
+            <p:cNvGrpSpPr/>
+            <p:nvPr/>
+          </p:nvGrpSpPr>
+          <p:grpSpPr>
+            <a:xfrm>
+              <a:off x="7205510" y="4908515"/>
+              <a:ext cx="3581237" cy="1667023"/>
+              <a:chOff x="7750596" y="5013176"/>
+              <a:chExt cx="3581237" cy="1667023"/>
+            </a:xfrm>
+          </p:grpSpPr>
+          <mc:AlternateContent xmlns:mc="http://schemas.openxmlformats.org/markup-compatibility/2006">
+            <mc:Choice xmlns:a14="http://schemas.microsoft.com/office/drawing/2010/main" Requires="a14">
+              <p:sp>
+                <p:nvSpPr>
+                  <p:cNvPr id="13" name="Rettangolo 12">
+                    <a:extLst>
+                      <a:ext uri="{FF2B5EF4-FFF2-40B4-BE49-F238E27FC236}">
+                        <a16:creationId xmlns:a16="http://schemas.microsoft.com/office/drawing/2014/main" id="{1983EEB8-1931-423C-99C6-2A5917F701D6}"/>
+                      </a:ext>
+                    </a:extLst>
+                  </p:cNvPr>
+                  <p:cNvSpPr/>
+                  <p:nvPr/>
+                </p:nvSpPr>
+                <p:spPr>
+                  <a:xfrm>
+                    <a:off x="7750596" y="6288297"/>
+                    <a:ext cx="2329292" cy="391902"/>
+                  </a:xfrm>
+                  <a:prstGeom prst="rect">
+                    <a:avLst/>
+                  </a:prstGeom>
+                </p:spPr>
+                <p:txBody>
+                  <a:bodyPr wrap="none">
+                    <a:spAutoFit/>
+                  </a:bodyPr>
+                  <a:lstStyle/>
+                  <a:p>
+                    <a:pPr/>
+                    <a14:m>
+                      <m:oMathPara xmlns:m="http://schemas.openxmlformats.org/officeDocument/2006/math">
+                        <m:oMathParaPr>
+                          <m:jc m:val="left"/>
+                        </m:oMathParaPr>
+                        <m:oMath xmlns:m="http://schemas.openxmlformats.org/officeDocument/2006/math">
+                          <m:sSub>
+                            <m:sSubPr>
+                              <m:ctrlPr>
+                                <a:rPr lang="it-IT" i="1" smtClean="0">
+                                  <a:latin typeface="Cambria Math" panose="02040503050406030204" pitchFamily="18" charset="0"/>
+                                  <a:ea typeface="Cambria Math" panose="02040503050406030204" pitchFamily="18" charset="0"/>
+                                </a:rPr>
+                              </m:ctrlPr>
+                            </m:sSubPr>
+                            <m:e>
+                              <m:r>
+                                <a:rPr lang="it-IT" i="1">
+                                  <a:latin typeface="Cambria Math" panose="02040503050406030204" pitchFamily="18" charset="0"/>
+                                  <a:ea typeface="Cambria Math" panose="02040503050406030204" pitchFamily="18" charset="0"/>
+                                </a:rPr>
+                                <m:t>𝐾</m:t>
+                              </m:r>
+                            </m:e>
+                            <m:sub>
+                              <m:r>
+                                <a:rPr lang="it-IT" i="1">
+                                  <a:latin typeface="Cambria Math" panose="02040503050406030204" pitchFamily="18" charset="0"/>
+                                  <a:ea typeface="Cambria Math" panose="02040503050406030204" pitchFamily="18" charset="0"/>
+                                </a:rPr>
+                                <m:t>𝑚𝑙𝑔</m:t>
+                              </m:r>
+                            </m:sub>
+                          </m:sSub>
+                          <m:r>
+                            <a:rPr lang="it-IT" b="0" i="1" smtClean="0">
+                              <a:latin typeface="Cambria Math" panose="02040503050406030204" pitchFamily="18" charset="0"/>
+                              <a:ea typeface="Cambria Math" panose="02040503050406030204" pitchFamily="18" charset="0"/>
+                            </a:rPr>
+                            <m:t>≔</m:t>
+                          </m:r>
+                          <m:r>
+                            <a:rPr lang="it-IT" b="0" i="1" smtClean="0">
+                              <a:latin typeface="Cambria Math" panose="02040503050406030204" pitchFamily="18" charset="0"/>
+                              <a:ea typeface="Cambria Math" panose="02040503050406030204" pitchFamily="18" charset="0"/>
+                            </a:rPr>
+                            <m:t>𝑟𝑖𝑐h𝑖𝑎𝑚𝑜</m:t>
+                          </m:r>
+                          <m:r>
+                            <a:rPr lang="it-IT" b="0" i="1" smtClean="0">
+                              <a:latin typeface="Cambria Math" panose="02040503050406030204" pitchFamily="18" charset="0"/>
+                              <a:ea typeface="Cambria Math" panose="02040503050406030204" pitchFamily="18" charset="0"/>
+                            </a:rPr>
+                            <m:t> </m:t>
+                          </m:r>
+                          <m:sSub>
+                            <m:sSubPr>
+                              <m:ctrlPr>
+                                <a:rPr lang="it-IT" b="0" i="1" smtClean="0">
+                                  <a:latin typeface="Cambria Math" panose="02040503050406030204" pitchFamily="18" charset="0"/>
+                                  <a:ea typeface="Cambria Math" panose="02040503050406030204" pitchFamily="18" charset="0"/>
+                                </a:rPr>
+                              </m:ctrlPr>
+                            </m:sSubPr>
+                            <m:e>
+                              <m:r>
+                                <a:rPr lang="it-IT" b="0" i="1" smtClean="0">
+                                  <a:latin typeface="Cambria Math" panose="02040503050406030204" pitchFamily="18" charset="0"/>
+                                  <a:ea typeface="Cambria Math" panose="02040503050406030204" pitchFamily="18" charset="0"/>
+                                </a:rPr>
+                                <m:t>𝐹</m:t>
+                              </m:r>
+                            </m:e>
+                            <m:sub>
+                              <m:r>
+                                <a:rPr lang="it-IT" b="0" i="1" smtClean="0">
+                                  <a:latin typeface="Cambria Math" panose="02040503050406030204" pitchFamily="18" charset="0"/>
+                                  <a:ea typeface="Cambria Math" panose="02040503050406030204" pitchFamily="18" charset="0"/>
+                                </a:rPr>
+                                <m:t>𝑔</m:t>
+                              </m:r>
+                            </m:sub>
+                          </m:sSub>
+                        </m:oMath>
+                      </m:oMathPara>
+                    </a14:m>
+                    <a:endParaRPr lang="it-IT" dirty="0"/>
+                  </a:p>
+                </p:txBody>
+              </p:sp>
+            </mc:Choice>
+            <mc:Fallback>
+              <p:sp>
+                <p:nvSpPr>
+                  <p:cNvPr id="13" name="Rettangolo 12">
+                    <a:extLst>
+                      <a:ext uri="{FF2B5EF4-FFF2-40B4-BE49-F238E27FC236}">
+                        <a16:creationId xmlns:a16="http://schemas.microsoft.com/office/drawing/2014/main" id="{1983EEB8-1931-423C-99C6-2A5917F701D6}"/>
+                      </a:ext>
+                    </a:extLst>
+                  </p:cNvPr>
+                  <p:cNvSpPr>
+                    <a:spLocks noRot="1" noChangeAspect="1" noMove="1" noResize="1" noEditPoints="1" noAdjustHandles="1" noChangeArrowheads="1" noChangeShapeType="1" noTextEdit="1"/>
+                  </p:cNvSpPr>
+                  <p:nvPr/>
+                </p:nvSpPr>
+                <p:spPr>
+                  <a:xfrm>
+                    <a:off x="7750596" y="6288297"/>
+                    <a:ext cx="2329292" cy="391902"/>
+                  </a:xfrm>
+                  <a:prstGeom prst="rect">
+                    <a:avLst/>
+                  </a:prstGeom>
+                  <a:blipFill>
+                    <a:blip r:embed="rId2"/>
+                    <a:stretch>
+                      <a:fillRect b="-9231"/>
+                    </a:stretch>
+                  </a:blipFill>
+                </p:spPr>
+                <p:txBody>
+                  <a:bodyPr/>
+                  <a:lstStyle/>
+                  <a:p>
+                    <a:r>
+                      <a:rPr lang="it-IT">
+                        <a:noFill/>
+                      </a:rPr>
+                      <a:t> </a:t>
+                    </a:r>
+                  </a:p>
+                </p:txBody>
+              </p:sp>
+            </mc:Fallback>
+          </mc:AlternateContent>
+          <mc:AlternateContent xmlns:mc="http://schemas.openxmlformats.org/markup-compatibility/2006">
+            <mc:Choice xmlns:a14="http://schemas.microsoft.com/office/drawing/2010/main" Requires="a14">
+              <p:sp>
+                <p:nvSpPr>
+                  <p:cNvPr id="14" name="Rettangolo 13">
+                    <a:extLst>
+                      <a:ext uri="{FF2B5EF4-FFF2-40B4-BE49-F238E27FC236}">
+                        <a16:creationId xmlns:a16="http://schemas.microsoft.com/office/drawing/2014/main" id="{CA7B9C97-7AB9-4F02-AEC1-D858FB7C29E0}"/>
+                      </a:ext>
+                    </a:extLst>
+                  </p:cNvPr>
+                  <p:cNvSpPr/>
+                  <p:nvPr/>
+                </p:nvSpPr>
+                <p:spPr>
+                  <a:xfrm>
+                    <a:off x="7755918" y="5013176"/>
+                    <a:ext cx="3575915" cy="394532"/>
+                  </a:xfrm>
+                  <a:prstGeom prst="rect">
+                    <a:avLst/>
+                  </a:prstGeom>
+                </p:spPr>
+                <p:txBody>
+                  <a:bodyPr wrap="none">
+                    <a:spAutoFit/>
+                  </a:bodyPr>
+                  <a:lstStyle/>
+                  <a:p>
+                    <a:pPr/>
+                    <a14:m>
+                      <m:oMathPara xmlns:m="http://schemas.openxmlformats.org/officeDocument/2006/math">
+                        <m:oMathParaPr>
+                          <m:jc m:val="left"/>
+                        </m:oMathParaPr>
+                        <m:oMath xmlns:m="http://schemas.openxmlformats.org/officeDocument/2006/math">
+                          <m:sSub>
+                            <m:sSubPr>
+                              <m:ctrlPr>
+                                <a:rPr lang="it-IT" i="1" smtClean="0">
+                                  <a:latin typeface="Cambria Math" panose="02040503050406030204" pitchFamily="18" charset="0"/>
+                                </a:rPr>
+                              </m:ctrlPr>
+                            </m:sSubPr>
+                            <m:e>
+                              <m:r>
+                                <a:rPr lang="it-IT" i="1">
+                                  <a:latin typeface="Cambria Math" panose="02040503050406030204" pitchFamily="18" charset="0"/>
+                                </a:rPr>
+                                <m:t>𝐼</m:t>
+                              </m:r>
+                            </m:e>
+                            <m:sub>
+                              <m:sSub>
+                                <m:sSubPr>
+                                  <m:ctrlPr>
+                                    <a:rPr lang="it-IT" i="1">
+                                      <a:latin typeface="Cambria Math" panose="02040503050406030204" pitchFamily="18" charset="0"/>
+                                    </a:rPr>
+                                  </m:ctrlPr>
+                                </m:sSubPr>
+                                <m:e>
+                                  <m:r>
+                                    <a:rPr lang="it-IT" i="1">
+                                      <a:latin typeface="Cambria Math" panose="02040503050406030204" pitchFamily="18" charset="0"/>
+                                    </a:rPr>
+                                    <m:t>𝐵</m:t>
+                                  </m:r>
+                                </m:e>
+                                <m:sub>
+                                  <m:r>
+                                    <a:rPr lang="it-IT" i="1">
+                                      <a:latin typeface="Cambria Math" panose="02040503050406030204" pitchFamily="18" charset="0"/>
+                                    </a:rPr>
+                                    <m:t>𝑡𝑜𝑡</m:t>
+                                  </m:r>
+                                </m:sub>
+                              </m:sSub>
+                            </m:sub>
+                          </m:sSub>
+                          <m:r>
+                            <a:rPr lang="it-IT" b="0" i="1" smtClean="0">
+                              <a:latin typeface="Cambria Math" panose="02040503050406030204" pitchFamily="18" charset="0"/>
+                            </a:rPr>
+                            <m:t>≔</m:t>
+                          </m:r>
+                          <m:r>
+                            <a:rPr lang="it-IT" b="0" i="1" smtClean="0">
+                              <a:latin typeface="Cambria Math" panose="02040503050406030204" pitchFamily="18" charset="0"/>
+                            </a:rPr>
+                            <m:t>𝐼𝑛𝑒𝑟𝑖𝑧𝑎</m:t>
+                          </m:r>
+                          <m:r>
+                            <a:rPr lang="it-IT" b="0" i="1" smtClean="0">
+                              <a:latin typeface="Cambria Math" panose="02040503050406030204" pitchFamily="18" charset="0"/>
+                            </a:rPr>
+                            <m:t> </m:t>
+                          </m:r>
+                          <m:r>
+                            <a:rPr lang="it-IT" b="0" i="1" smtClean="0">
+                              <a:latin typeface="Cambria Math" panose="02040503050406030204" pitchFamily="18" charset="0"/>
+                            </a:rPr>
+                            <m:t>𝑏𝑟𝑎𝑐𝑐𝑖𝑜</m:t>
+                          </m:r>
+                          <m:r>
+                            <a:rPr lang="it-IT" b="0" i="1" smtClean="0">
+                              <a:latin typeface="Cambria Math" panose="02040503050406030204" pitchFamily="18" charset="0"/>
+                            </a:rPr>
+                            <m:t>+</m:t>
+                          </m:r>
+                          <m:r>
+                            <a:rPr lang="it-IT" b="0" i="1" smtClean="0">
+                              <a:latin typeface="Cambria Math" panose="02040503050406030204" pitchFamily="18" charset="0"/>
+                            </a:rPr>
+                            <m:t>𝑐𝑎𝑟𝑖𝑐𝑜</m:t>
+                          </m:r>
+                        </m:oMath>
+                      </m:oMathPara>
+                    </a14:m>
+                    <a:endParaRPr lang="it-IT" dirty="0"/>
+                  </a:p>
+                </p:txBody>
+              </p:sp>
+            </mc:Choice>
+            <mc:Fallback>
+              <p:sp>
+                <p:nvSpPr>
+                  <p:cNvPr id="14" name="Rettangolo 13">
+                    <a:extLst>
+                      <a:ext uri="{FF2B5EF4-FFF2-40B4-BE49-F238E27FC236}">
+                        <a16:creationId xmlns:a16="http://schemas.microsoft.com/office/drawing/2014/main" id="{CA7B9C97-7AB9-4F02-AEC1-D858FB7C29E0}"/>
+                      </a:ext>
+                    </a:extLst>
+                  </p:cNvPr>
+                  <p:cNvSpPr>
+                    <a:spLocks noRot="1" noChangeAspect="1" noMove="1" noResize="1" noEditPoints="1" noAdjustHandles="1" noChangeArrowheads="1" noChangeShapeType="1" noTextEdit="1"/>
+                  </p:cNvSpPr>
+                  <p:nvPr/>
+                </p:nvSpPr>
+                <p:spPr>
+                  <a:xfrm>
+                    <a:off x="7755918" y="5013176"/>
+                    <a:ext cx="3575915" cy="394532"/>
+                  </a:xfrm>
+                  <a:prstGeom prst="rect">
+                    <a:avLst/>
+                  </a:prstGeom>
+                  <a:blipFill>
+                    <a:blip r:embed="rId3"/>
+                    <a:stretch>
+                      <a:fillRect b="-1538"/>
+                    </a:stretch>
+                  </a:blipFill>
+                </p:spPr>
+                <p:txBody>
+                  <a:bodyPr/>
+                  <a:lstStyle/>
+                  <a:p>
+                    <a:r>
+                      <a:rPr lang="it-IT">
+                        <a:noFill/>
+                      </a:rPr>
+                      <a:t> </a:t>
+                    </a:r>
+                  </a:p>
+                </p:txBody>
+              </p:sp>
+            </mc:Fallback>
+          </mc:AlternateContent>
+          <mc:AlternateContent xmlns:mc="http://schemas.openxmlformats.org/markup-compatibility/2006">
+            <mc:Choice xmlns:a14="http://schemas.microsoft.com/office/drawing/2010/main" Requires="a14">
+              <p:sp>
+                <p:nvSpPr>
+                  <p:cNvPr id="15" name="Rettangolo 14">
+                    <a:extLst>
+                      <a:ext uri="{FF2B5EF4-FFF2-40B4-BE49-F238E27FC236}">
+                        <a16:creationId xmlns:a16="http://schemas.microsoft.com/office/drawing/2014/main" id="{F1FF8A7F-7CEE-40CE-91E3-391155CB9F65}"/>
+                      </a:ext>
+                    </a:extLst>
+                  </p:cNvPr>
+                  <p:cNvSpPr/>
+                  <p:nvPr/>
+                </p:nvSpPr>
+                <p:spPr>
+                  <a:xfrm>
+                    <a:off x="7750596" y="5353680"/>
+                    <a:ext cx="2244139" cy="369332"/>
+                  </a:xfrm>
+                  <a:prstGeom prst="rect">
+                    <a:avLst/>
+                  </a:prstGeom>
+                </p:spPr>
+                <p:txBody>
+                  <a:bodyPr wrap="none">
+                    <a:spAutoFit/>
+                  </a:bodyPr>
+                  <a:lstStyle/>
+                  <a:p>
+                    <a:pPr/>
+                    <a14:m>
+                      <m:oMathPara xmlns:m="http://schemas.openxmlformats.org/officeDocument/2006/math">
+                        <m:oMathParaPr>
+                          <m:jc m:val="left"/>
+                        </m:oMathParaPr>
+                        <m:oMath xmlns:m="http://schemas.openxmlformats.org/officeDocument/2006/math">
+                          <m:sSub>
+                            <m:sSubPr>
+                              <m:ctrlPr>
+                                <a:rPr lang="it-IT" i="1" smtClean="0">
+                                  <a:latin typeface="Cambria Math" panose="02040503050406030204" pitchFamily="18" charset="0"/>
+                                </a:rPr>
+                              </m:ctrlPr>
+                            </m:sSubPr>
+                            <m:e>
+                              <m:r>
+                                <a:rPr lang="it-IT" i="1">
+                                  <a:latin typeface="Cambria Math" panose="02040503050406030204" pitchFamily="18" charset="0"/>
+                                </a:rPr>
+                                <m:t>𝐼</m:t>
+                              </m:r>
+                            </m:e>
+                            <m:sub>
+                              <m:r>
+                                <a:rPr lang="it-IT" i="1">
+                                  <a:latin typeface="Cambria Math" panose="02040503050406030204" pitchFamily="18" charset="0"/>
+                                </a:rPr>
+                                <m:t>𝐷</m:t>
+                              </m:r>
+                            </m:sub>
+                          </m:sSub>
+                          <m:r>
+                            <a:rPr lang="it-IT" b="0" i="1" smtClean="0">
+                              <a:latin typeface="Cambria Math" panose="02040503050406030204" pitchFamily="18" charset="0"/>
+                            </a:rPr>
+                            <m:t>≔</m:t>
+                          </m:r>
+                          <m:r>
+                            <a:rPr lang="it-IT" b="0" i="1" smtClean="0">
+                              <a:latin typeface="Cambria Math" panose="02040503050406030204" pitchFamily="18" charset="0"/>
+                            </a:rPr>
+                            <m:t>𝐼𝑛𝑒𝑟𝑧𝑖𝑎</m:t>
+                          </m:r>
+                          <m:r>
+                            <a:rPr lang="it-IT" b="0" i="1" smtClean="0">
+                              <a:latin typeface="Cambria Math" panose="02040503050406030204" pitchFamily="18" charset="0"/>
+                            </a:rPr>
+                            <m:t> </m:t>
+                          </m:r>
+                          <m:r>
+                            <a:rPr lang="it-IT" b="0" i="1" smtClean="0">
+                              <a:latin typeface="Cambria Math" panose="02040503050406030204" pitchFamily="18" charset="0"/>
+                            </a:rPr>
+                            <m:t>𝐷𝑖𝑠𝑐𝑜</m:t>
+                          </m:r>
+                        </m:oMath>
+                      </m:oMathPara>
+                    </a14:m>
+                    <a:endParaRPr lang="it-IT" dirty="0"/>
+                  </a:p>
+                </p:txBody>
+              </p:sp>
+            </mc:Choice>
+            <mc:Fallback>
+              <p:sp>
+                <p:nvSpPr>
+                  <p:cNvPr id="15" name="Rettangolo 14">
+                    <a:extLst>
+                      <a:ext uri="{FF2B5EF4-FFF2-40B4-BE49-F238E27FC236}">
+                        <a16:creationId xmlns:a16="http://schemas.microsoft.com/office/drawing/2014/main" id="{F1FF8A7F-7CEE-40CE-91E3-391155CB9F65}"/>
+                      </a:ext>
+                    </a:extLst>
+                  </p:cNvPr>
+                  <p:cNvSpPr>
+                    <a:spLocks noRot="1" noChangeAspect="1" noMove="1" noResize="1" noEditPoints="1" noAdjustHandles="1" noChangeArrowheads="1" noChangeShapeType="1" noTextEdit="1"/>
+                  </p:cNvSpPr>
+                  <p:nvPr/>
+                </p:nvSpPr>
+                <p:spPr>
+                  <a:xfrm>
+                    <a:off x="7750596" y="5353680"/>
+                    <a:ext cx="2244139" cy="369332"/>
+                  </a:xfrm>
+                  <a:prstGeom prst="rect">
+                    <a:avLst/>
+                  </a:prstGeom>
+                  <a:blipFill>
+                    <a:blip r:embed="rId4"/>
+                    <a:stretch>
+                      <a:fillRect b="-1639"/>
+                    </a:stretch>
+                  </a:blipFill>
+                </p:spPr>
+                <p:txBody>
+                  <a:bodyPr/>
+                  <a:lstStyle/>
+                  <a:p>
+                    <a:r>
+                      <a:rPr lang="it-IT">
+                        <a:noFill/>
+                      </a:rPr>
+                      <a:t> </a:t>
+                    </a:r>
+                  </a:p>
+                </p:txBody>
+              </p:sp>
+            </mc:Fallback>
+          </mc:AlternateContent>
+          <mc:AlternateContent xmlns:mc="http://schemas.openxmlformats.org/markup-compatibility/2006">
+            <mc:Choice xmlns:a14="http://schemas.microsoft.com/office/drawing/2010/main" Requires="a14">
+              <p:sp>
+                <p:nvSpPr>
+                  <p:cNvPr id="16" name="Rettangolo 15">
+                    <a:extLst>
+                      <a:ext uri="{FF2B5EF4-FFF2-40B4-BE49-F238E27FC236}">
+                        <a16:creationId xmlns:a16="http://schemas.microsoft.com/office/drawing/2014/main" id="{CF7F29EC-83FC-4BF4-A6EA-9BB260E7B4FB}"/>
+                      </a:ext>
+                    </a:extLst>
+                  </p:cNvPr>
+                  <p:cNvSpPr/>
+                  <p:nvPr/>
+                </p:nvSpPr>
+                <p:spPr>
+                  <a:xfrm>
+                    <a:off x="7750596" y="5665219"/>
+                    <a:ext cx="3482428" cy="369332"/>
+                  </a:xfrm>
+                  <a:prstGeom prst="rect">
+                    <a:avLst/>
+                  </a:prstGeom>
+                </p:spPr>
+                <p:txBody>
+                  <a:bodyPr wrap="none">
+                    <a:spAutoFit/>
+                  </a:bodyPr>
+                  <a:lstStyle/>
+                  <a:p>
+                    <a:pPr/>
+                    <a14:m>
+                      <m:oMathPara xmlns:m="http://schemas.openxmlformats.org/officeDocument/2006/math">
+                        <m:oMathParaPr>
+                          <m:jc m:val="left"/>
+                        </m:oMathParaPr>
+                        <m:oMath xmlns:m="http://schemas.openxmlformats.org/officeDocument/2006/math">
+                          <m:sSub>
+                            <m:sSubPr>
+                              <m:ctrlPr>
+                                <a:rPr lang="it-IT" i="1" smtClean="0">
+                                  <a:latin typeface="Cambria Math" panose="02040503050406030204" pitchFamily="18" charset="0"/>
+                                  <a:ea typeface="Cambria Math" panose="02040503050406030204" pitchFamily="18" charset="0"/>
+                                </a:rPr>
+                              </m:ctrlPr>
+                            </m:sSubPr>
+                            <m:e>
+                              <m:r>
+                                <a:rPr lang="it-IT" i="1">
+                                  <a:latin typeface="Cambria Math" panose="02040503050406030204" pitchFamily="18" charset="0"/>
+                                  <a:ea typeface="Cambria Math" panose="02040503050406030204" pitchFamily="18" charset="0"/>
+                                </a:rPr>
+                                <m:t>𝐷</m:t>
+                              </m:r>
+                            </m:e>
+                            <m:sub>
+                              <m:r>
+                                <a:rPr lang="it-IT" i="1">
+                                  <a:latin typeface="Cambria Math" panose="02040503050406030204" pitchFamily="18" charset="0"/>
+                                  <a:ea typeface="Cambria Math" panose="02040503050406030204" pitchFamily="18" charset="0"/>
+                                </a:rPr>
+                                <m:t>1</m:t>
+                              </m:r>
+                            </m:sub>
+                          </m:sSub>
+                          <m:r>
+                            <a:rPr lang="it-IT" b="0" i="1" smtClean="0">
+                              <a:latin typeface="Cambria Math" panose="02040503050406030204" pitchFamily="18" charset="0"/>
+                              <a:ea typeface="Cambria Math" panose="02040503050406030204" pitchFamily="18" charset="0"/>
+                            </a:rPr>
+                            <m:t>≔</m:t>
+                          </m:r>
+                          <m:r>
+                            <a:rPr lang="it-IT" b="0" i="1" smtClean="0">
+                              <a:latin typeface="Cambria Math" panose="02040503050406030204" pitchFamily="18" charset="0"/>
+                              <a:ea typeface="Cambria Math" panose="02040503050406030204" pitchFamily="18" charset="0"/>
+                            </a:rPr>
+                            <m:t>𝐴𝑡𝑡𝑟𝑖𝑡𝑜</m:t>
+                          </m:r>
+                          <m:r>
+                            <a:rPr lang="it-IT" b="0" i="1" smtClean="0">
+                              <a:latin typeface="Cambria Math" panose="02040503050406030204" pitchFamily="18" charset="0"/>
+                              <a:ea typeface="Cambria Math" panose="02040503050406030204" pitchFamily="18" charset="0"/>
+                            </a:rPr>
+                            <m:t> </m:t>
+                          </m:r>
+                          <m:r>
+                            <a:rPr lang="it-IT" b="0" i="1" smtClean="0">
+                              <a:latin typeface="Cambria Math" panose="02040503050406030204" pitchFamily="18" charset="0"/>
+                              <a:ea typeface="Cambria Math" panose="02040503050406030204" pitchFamily="18" charset="0"/>
+                            </a:rPr>
+                            <m:t>𝑣𝑖𝑠𝑐𝑜𝑠𝑜</m:t>
+                          </m:r>
+                          <m:r>
+                            <a:rPr lang="it-IT" b="0" i="1" smtClean="0">
+                              <a:latin typeface="Cambria Math" panose="02040503050406030204" pitchFamily="18" charset="0"/>
+                              <a:ea typeface="Cambria Math" panose="02040503050406030204" pitchFamily="18" charset="0"/>
+                            </a:rPr>
+                            <m:t> </m:t>
+                          </m:r>
+                          <m:r>
+                            <a:rPr lang="it-IT" b="0" i="1" smtClean="0">
+                              <a:latin typeface="Cambria Math" panose="02040503050406030204" pitchFamily="18" charset="0"/>
+                              <a:ea typeface="Cambria Math" panose="02040503050406030204" pitchFamily="18" charset="0"/>
+                            </a:rPr>
+                            <m:t>𝑠𝑢𝑙</m:t>
+                          </m:r>
+                          <m:r>
+                            <a:rPr lang="it-IT" b="0" i="1" smtClean="0">
+                              <a:latin typeface="Cambria Math" panose="02040503050406030204" pitchFamily="18" charset="0"/>
+                              <a:ea typeface="Cambria Math" panose="02040503050406030204" pitchFamily="18" charset="0"/>
+                            </a:rPr>
+                            <m:t> </m:t>
+                          </m:r>
+                          <m:r>
+                            <a:rPr lang="it-IT" b="0" i="1" smtClean="0">
+                              <a:latin typeface="Cambria Math" panose="02040503050406030204" pitchFamily="18" charset="0"/>
+                              <a:ea typeface="Cambria Math" panose="02040503050406030204" pitchFamily="18" charset="0"/>
+                            </a:rPr>
+                            <m:t>𝑝𝑒𝑟𝑛𝑜</m:t>
+                          </m:r>
+                        </m:oMath>
+                      </m:oMathPara>
+                    </a14:m>
+                    <a:endParaRPr lang="it-IT" dirty="0"/>
+                  </a:p>
+                </p:txBody>
+              </p:sp>
+            </mc:Choice>
+            <mc:Fallback>
+              <p:sp>
+                <p:nvSpPr>
+                  <p:cNvPr id="16" name="Rettangolo 15">
+                    <a:extLst>
+                      <a:ext uri="{FF2B5EF4-FFF2-40B4-BE49-F238E27FC236}">
+                        <a16:creationId xmlns:a16="http://schemas.microsoft.com/office/drawing/2014/main" id="{CF7F29EC-83FC-4BF4-A6EA-9BB260E7B4FB}"/>
+                      </a:ext>
+                    </a:extLst>
+                  </p:cNvPr>
+                  <p:cNvSpPr>
+                    <a:spLocks noRot="1" noChangeAspect="1" noMove="1" noResize="1" noEditPoints="1" noAdjustHandles="1" noChangeArrowheads="1" noChangeShapeType="1" noTextEdit="1"/>
+                  </p:cNvSpPr>
+                  <p:nvPr/>
+                </p:nvSpPr>
+                <p:spPr>
+                  <a:xfrm>
+                    <a:off x="7750596" y="5665219"/>
+                    <a:ext cx="3482428" cy="369332"/>
+                  </a:xfrm>
+                  <a:prstGeom prst="rect">
+                    <a:avLst/>
+                  </a:prstGeom>
+                  <a:blipFill>
+                    <a:blip r:embed="rId5"/>
+                    <a:stretch>
+                      <a:fillRect b="-9836"/>
+                    </a:stretch>
+                  </a:blipFill>
+                </p:spPr>
+                <p:txBody>
+                  <a:bodyPr/>
+                  <a:lstStyle/>
+                  <a:p>
+                    <a:r>
+                      <a:rPr lang="it-IT">
+                        <a:noFill/>
+                      </a:rPr>
+                      <a:t> </a:t>
+                    </a:r>
+                  </a:p>
+                </p:txBody>
+              </p:sp>
+            </mc:Fallback>
+          </mc:AlternateContent>
+          <mc:AlternateContent xmlns:mc="http://schemas.openxmlformats.org/markup-compatibility/2006">
+            <mc:Choice xmlns:a14="http://schemas.microsoft.com/office/drawing/2010/main" Requires="a14">
+              <p:sp>
+                <p:nvSpPr>
+                  <p:cNvPr id="17" name="Rettangolo 16">
+                    <a:extLst>
+                      <a:ext uri="{FF2B5EF4-FFF2-40B4-BE49-F238E27FC236}">
+                        <a16:creationId xmlns:a16="http://schemas.microsoft.com/office/drawing/2014/main" id="{389FD9F6-A06F-4F6B-A6FB-60EC3BB7FD83}"/>
+                      </a:ext>
+                    </a:extLst>
+                  </p:cNvPr>
+                  <p:cNvSpPr/>
+                  <p:nvPr/>
+                </p:nvSpPr>
+                <p:spPr>
+                  <a:xfrm>
+                    <a:off x="7750596" y="5976758"/>
+                    <a:ext cx="3244029" cy="369332"/>
+                  </a:xfrm>
+                  <a:prstGeom prst="rect">
+                    <a:avLst/>
+                  </a:prstGeom>
+                </p:spPr>
+                <p:txBody>
+                  <a:bodyPr wrap="none">
+                    <a:spAutoFit/>
+                  </a:bodyPr>
+                  <a:lstStyle/>
+                  <a:p>
+                    <a:pPr/>
+                    <a14:m>
+                      <m:oMathPara xmlns:m="http://schemas.openxmlformats.org/officeDocument/2006/math">
+                        <m:oMathParaPr>
+                          <m:jc m:val="left"/>
+                        </m:oMathParaPr>
+                        <m:oMath xmlns:m="http://schemas.openxmlformats.org/officeDocument/2006/math">
+                          <m:sSub>
+                            <m:sSubPr>
+                              <m:ctrlPr>
+                                <a:rPr lang="it-IT" i="1" smtClean="0">
+                                  <a:latin typeface="Cambria Math" panose="02040503050406030204" pitchFamily="18" charset="0"/>
+                                  <a:ea typeface="Cambria Math" panose="02040503050406030204" pitchFamily="18" charset="0"/>
+                                </a:rPr>
+                              </m:ctrlPr>
+                            </m:sSubPr>
+                            <m:e>
+                              <m:r>
+                                <a:rPr lang="it-IT" i="1">
+                                  <a:latin typeface="Cambria Math" panose="02040503050406030204" pitchFamily="18" charset="0"/>
+                                  <a:ea typeface="Cambria Math" panose="02040503050406030204" pitchFamily="18" charset="0"/>
+                                </a:rPr>
+                                <m:t>𝐷</m:t>
+                              </m:r>
+                            </m:e>
+                            <m:sub>
+                              <m:r>
+                                <a:rPr lang="it-IT" i="1">
+                                  <a:latin typeface="Cambria Math" panose="02040503050406030204" pitchFamily="18" charset="0"/>
+                                  <a:ea typeface="Cambria Math" panose="02040503050406030204" pitchFamily="18" charset="0"/>
+                                </a:rPr>
+                                <m:t>2</m:t>
+                              </m:r>
+                            </m:sub>
+                          </m:sSub>
+                          <m:r>
+                            <a:rPr lang="it-IT" b="0" i="0" smtClean="0">
+                              <a:latin typeface="Cambria Math" panose="02040503050406030204" pitchFamily="18" charset="0"/>
+                              <a:ea typeface="Cambria Math" panose="02040503050406030204" pitchFamily="18" charset="0"/>
+                            </a:rPr>
+                            <m:t>≔</m:t>
+                          </m:r>
+                          <m:r>
+                            <m:rPr>
+                              <m:sty m:val="p"/>
+                            </m:rPr>
+                            <a:rPr lang="it-IT" b="0" i="0" smtClean="0">
+                              <a:latin typeface="Cambria Math" panose="02040503050406030204" pitchFamily="18" charset="0"/>
+                              <a:ea typeface="Cambria Math" panose="02040503050406030204" pitchFamily="18" charset="0"/>
+                            </a:rPr>
+                            <m:t>Attrito</m:t>
+                          </m:r>
+                          <m:r>
+                            <a:rPr lang="it-IT" b="0" i="0" smtClean="0">
+                              <a:latin typeface="Cambria Math" panose="02040503050406030204" pitchFamily="18" charset="0"/>
+                              <a:ea typeface="Cambria Math" panose="02040503050406030204" pitchFamily="18" charset="0"/>
+                            </a:rPr>
+                            <m:t> </m:t>
+                          </m:r>
+                          <m:r>
+                            <m:rPr>
+                              <m:sty m:val="p"/>
+                            </m:rPr>
+                            <a:rPr lang="it-IT" b="0" i="0" smtClean="0">
+                              <a:latin typeface="Cambria Math" panose="02040503050406030204" pitchFamily="18" charset="0"/>
+                              <a:ea typeface="Cambria Math" panose="02040503050406030204" pitchFamily="18" charset="0"/>
+                            </a:rPr>
+                            <m:t>viscoso</m:t>
+                          </m:r>
+                          <m:r>
+                            <a:rPr lang="it-IT" b="0" i="0" smtClean="0">
+                              <a:latin typeface="Cambria Math" panose="02040503050406030204" pitchFamily="18" charset="0"/>
+                              <a:ea typeface="Cambria Math" panose="02040503050406030204" pitchFamily="18" charset="0"/>
+                            </a:rPr>
+                            <m:t> </m:t>
+                          </m:r>
+                          <m:r>
+                            <m:rPr>
+                              <m:sty m:val="p"/>
+                            </m:rPr>
+                            <a:rPr lang="it-IT" b="0" i="0" smtClean="0">
+                              <a:latin typeface="Cambria Math" panose="02040503050406030204" pitchFamily="18" charset="0"/>
+                              <a:ea typeface="Cambria Math" panose="02040503050406030204" pitchFamily="18" charset="0"/>
+                            </a:rPr>
+                            <m:t>sul</m:t>
+                          </m:r>
+                          <m:r>
+                            <a:rPr lang="it-IT" b="0" i="0" smtClean="0">
+                              <a:latin typeface="Cambria Math" panose="02040503050406030204" pitchFamily="18" charset="0"/>
+                              <a:ea typeface="Cambria Math" panose="02040503050406030204" pitchFamily="18" charset="0"/>
+                            </a:rPr>
+                            <m:t> </m:t>
+                          </m:r>
+                          <m:r>
+                            <m:rPr>
+                              <m:sty m:val="p"/>
+                            </m:rPr>
+                            <a:rPr lang="it-IT" b="0" i="0" smtClean="0">
+                              <a:latin typeface="Cambria Math" panose="02040503050406030204" pitchFamily="18" charset="0"/>
+                              <a:ea typeface="Cambria Math" panose="02040503050406030204" pitchFamily="18" charset="0"/>
+                            </a:rPr>
+                            <m:t>disco</m:t>
+                          </m:r>
+                        </m:oMath>
+                      </m:oMathPara>
+                    </a14:m>
+                    <a:endParaRPr lang="it-IT" dirty="0"/>
+                  </a:p>
+                </p:txBody>
+              </p:sp>
+            </mc:Choice>
+            <mc:Fallback>
+              <p:sp>
+                <p:nvSpPr>
+                  <p:cNvPr id="17" name="Rettangolo 16">
+                    <a:extLst>
+                      <a:ext uri="{FF2B5EF4-FFF2-40B4-BE49-F238E27FC236}">
+                        <a16:creationId xmlns:a16="http://schemas.microsoft.com/office/drawing/2014/main" id="{389FD9F6-A06F-4F6B-A6FB-60EC3BB7FD83}"/>
+                      </a:ext>
+                    </a:extLst>
+                  </p:cNvPr>
+                  <p:cNvSpPr>
+                    <a:spLocks noRot="1" noChangeAspect="1" noMove="1" noResize="1" noEditPoints="1" noAdjustHandles="1" noChangeArrowheads="1" noChangeShapeType="1" noTextEdit="1"/>
+                  </p:cNvSpPr>
+                  <p:nvPr/>
+                </p:nvSpPr>
+                <p:spPr>
+                  <a:xfrm>
+                    <a:off x="7750596" y="5976758"/>
+                    <a:ext cx="3244029" cy="369332"/>
+                  </a:xfrm>
+                  <a:prstGeom prst="rect">
+                    <a:avLst/>
+                  </a:prstGeom>
+                  <a:blipFill>
+                    <a:blip r:embed="rId6"/>
+                    <a:stretch>
+                      <a:fillRect b="-1639"/>
+                    </a:stretch>
+                  </a:blipFill>
+                </p:spPr>
+                <p:txBody>
+                  <a:bodyPr/>
+                  <a:lstStyle/>
+                  <a:p>
+                    <a:r>
+                      <a:rPr lang="it-IT">
+                        <a:noFill/>
+                      </a:rPr>
+                      <a:t> </a:t>
+                    </a:r>
+                  </a:p>
+                </p:txBody>
+              </p:sp>
+            </mc:Fallback>
+          </mc:AlternateContent>
+        </p:grpSp>
+        <p:sp>
+          <p:nvSpPr>
+            <p:cNvPr id="19" name="Rettangolo 18">
+              <a:extLst>
+                <a:ext uri="{FF2B5EF4-FFF2-40B4-BE49-F238E27FC236}">
+                  <a16:creationId xmlns:a16="http://schemas.microsoft.com/office/drawing/2014/main" id="{744CF2CD-82CD-42F0-A3B2-333D149CE6FC}"/>
+                </a:ext>
+              </a:extLst>
+            </p:cNvPr>
+            <p:cNvSpPr/>
+            <p:nvPr/>
+          </p:nvSpPr>
+          <p:spPr>
+            <a:xfrm>
+              <a:off x="7205510" y="4908515"/>
+              <a:ext cx="3482428" cy="1667023"/>
+            </a:xfrm>
+            <a:prstGeom prst="rect">
+              <a:avLst/>
+            </a:prstGeom>
+            <a:noFill/>
+            <a:ln w="12700">
+              <a:solidFill>
+                <a:schemeClr val="tx1"/>
+              </a:solidFill>
+            </a:ln>
+          </p:spPr>
+          <p:style>
+            <a:lnRef idx="0">
+              <a:scrgbClr r="0" g="0" b="0"/>
+            </a:lnRef>
+            <a:fillRef idx="0">
+              <a:scrgbClr r="0" g="0" b="0"/>
+            </a:fillRef>
+            <a:effectRef idx="0">
+              <a:scrgbClr r="0" g="0" b="0"/>
+            </a:effectRef>
+            <a:fontRef idx="minor">
+              <a:schemeClr val="accent1"/>
+            </a:fontRef>
+          </p:style>
+          <p:txBody>
+            <a:bodyPr rtlCol="0" anchor="ctr"/>
+            <a:lstStyle/>
+            <a:p>
+              <a:pPr algn="ctr"/>
+              <a:endParaRPr lang="it-IT"/>
+            </a:p>
+          </p:txBody>
+        </p:sp>
+      </p:grpSp>
+      <p:grpSp>
+        <p:nvGrpSpPr>
+          <p:cNvPr id="22" name="Gruppo 21">
+            <a:extLst>
+              <a:ext uri="{FF2B5EF4-FFF2-40B4-BE49-F238E27FC236}">
+                <a16:creationId xmlns:a16="http://schemas.microsoft.com/office/drawing/2014/main" id="{51DE94EB-AC95-4003-A3FA-860889C23320}"/>
+              </a:ext>
+            </a:extLst>
+          </p:cNvPr>
+          <p:cNvGrpSpPr/>
+          <p:nvPr/>
+        </p:nvGrpSpPr>
+        <p:grpSpPr>
+          <a:xfrm>
+            <a:off x="1593436" y="2276872"/>
+            <a:ext cx="7525312" cy="1200329"/>
+            <a:chOff x="1593436" y="2276872"/>
+            <a:chExt cx="7525312" cy="1200329"/>
+          </a:xfrm>
+        </p:grpSpPr>
+        <mc:AlternateContent xmlns:mc="http://schemas.openxmlformats.org/markup-compatibility/2006">
+          <mc:Choice xmlns:a14="http://schemas.microsoft.com/office/drawing/2010/main" Requires="a14">
+            <p:sp>
+              <p:nvSpPr>
+                <p:cNvPr id="2" name="CasellaDiTesto 1">
+                  <a:extLst>
+                    <a:ext uri="{FF2B5EF4-FFF2-40B4-BE49-F238E27FC236}">
+                      <a16:creationId xmlns:a16="http://schemas.microsoft.com/office/drawing/2014/main" id="{0F2F084B-03E3-4576-9BBF-F4722897DA6A}"/>
+                    </a:ext>
+                  </a:extLst>
+                </p:cNvPr>
+                <p:cNvSpPr txBox="1"/>
+                <p:nvPr/>
+              </p:nvSpPr>
+              <p:spPr>
+                <a:xfrm>
+                  <a:off x="1773932" y="2369799"/>
+                  <a:ext cx="1694053" cy="1059201"/>
+                </a:xfrm>
+                <a:prstGeom prst="rect">
+                  <a:avLst/>
+                </a:prstGeom>
+                <a:noFill/>
+              </p:spPr>
+              <p:txBody>
+                <a:bodyPr wrap="none" lIns="0" tIns="0" rIns="0" bIns="0" rtlCol="0">
+                  <a:spAutoFit/>
+                </a:bodyPr>
+                <a:lstStyle/>
+                <a:p>
+                  <a14:m>
+                    <m:oMathPara xmlns:m="http://schemas.openxmlformats.org/officeDocument/2006/math">
+                      <m:oMathParaPr>
+                        <m:jc m:val="centerGroup"/>
+                      </m:oMathParaPr>
+                      <m:oMath xmlns:m="http://schemas.openxmlformats.org/officeDocument/2006/math">
+                        <m:r>
+                          <a:rPr lang="it-IT" b="0" i="1" smtClean="0">
+                            <a:latin typeface="Cambria Math" panose="02040503050406030204" pitchFamily="18" charset="0"/>
+                          </a:rPr>
+                          <m:t>𝑥</m:t>
+                        </m:r>
+                        <m:r>
+                          <a:rPr lang="it-IT" b="0" i="1" smtClean="0">
+                            <a:latin typeface="Cambria Math" panose="02040503050406030204" pitchFamily="18" charset="0"/>
+                          </a:rPr>
+                          <m:t>=</m:t>
+                        </m:r>
+                        <m:d>
+                          <m:dPr>
+                            <m:begChr m:val="["/>
+                            <m:endChr m:val="]"/>
+                            <m:ctrlPr>
+                              <a:rPr lang="it-IT" b="0" i="1" smtClean="0">
+                                <a:latin typeface="Cambria Math" panose="02040503050406030204" pitchFamily="18" charset="0"/>
+                              </a:rPr>
+                            </m:ctrlPr>
+                          </m:dPr>
+                          <m:e>
+                            <m:m>
+                              <m:mPr>
+                                <m:mcs>
+                                  <m:mc>
+                                    <m:mcPr>
+                                      <m:count m:val="1"/>
+                                      <m:mcJc m:val="center"/>
+                                    </m:mcPr>
+                                  </m:mc>
+                                </m:mcs>
+                                <m:ctrlPr>
+                                  <a:rPr lang="it-IT" b="0" i="1" smtClean="0">
+                                    <a:latin typeface="Cambria Math" panose="02040503050406030204" pitchFamily="18" charset="0"/>
+                                  </a:rPr>
+                                </m:ctrlPr>
+                              </m:mPr>
+                              <m:mr>
+                                <m:e>
+                                  <m:m>
+                                    <m:mPr>
+                                      <m:mcs>
+                                        <m:mc>
+                                          <m:mcPr>
+                                            <m:count m:val="1"/>
+                                            <m:mcJc m:val="center"/>
+                                          </m:mcPr>
+                                        </m:mc>
+                                      </m:mcs>
+                                      <m:ctrlPr>
+                                        <a:rPr lang="it-IT" b="0" i="1" smtClean="0">
+                                          <a:latin typeface="Cambria Math" panose="02040503050406030204" pitchFamily="18" charset="0"/>
+                                        </a:rPr>
+                                      </m:ctrlPr>
+                                    </m:mPr>
+                                    <m:mr>
+                                      <m:e>
+                                        <m:acc>
+                                          <m:accPr>
+                                            <m:chr m:val="̇"/>
+                                            <m:ctrlPr>
+                                              <a:rPr lang="it-IT" b="0" i="1" smtClean="0">
+                                                <a:latin typeface="Cambria Math" panose="02040503050406030204" pitchFamily="18" charset="0"/>
+                                              </a:rPr>
+                                            </m:ctrlPr>
+                                          </m:accPr>
+                                          <m:e>
+                                            <m:sSub>
+                                              <m:sSubPr>
+                                                <m:ctrlPr>
+                                                  <a:rPr lang="it-IT" b="0" i="1" smtClean="0">
+                                                    <a:latin typeface="Cambria Math" panose="02040503050406030204" pitchFamily="18" charset="0"/>
+                                                  </a:rPr>
+                                                </m:ctrlPr>
+                                              </m:sSubPr>
+                                              <m:e>
+                                                <m:r>
+                                                  <m:rPr>
+                                                    <m:brk m:alnAt="7"/>
+                                                  </m:rPr>
+                                                  <a:rPr lang="it-IT" i="1">
+                                                    <a:latin typeface="Cambria Math" panose="02040503050406030204" pitchFamily="18" charset="0"/>
+                                                  </a:rPr>
+                                                  <m:t>𝑞</m:t>
+                                                </m:r>
+                                              </m:e>
+                                              <m:sub>
+                                                <m:r>
+                                                  <m:rPr>
+                                                    <m:brk m:alnAt="7"/>
+                                                  </m:rPr>
+                                                  <a:rPr lang="it-IT" b="0" i="1" smtClean="0">
+                                                    <a:latin typeface="Cambria Math" panose="02040503050406030204" pitchFamily="18" charset="0"/>
+                                                  </a:rPr>
+                                                  <m:t>2</m:t>
+                                                </m:r>
+                                              </m:sub>
+                                            </m:sSub>
+                                          </m:e>
+                                        </m:acc>
+                                      </m:e>
+                                    </m:mr>
+                                    <m:mr>
+                                      <m:e>
+                                        <m:sSub>
+                                          <m:sSubPr>
+                                            <m:ctrlPr>
+                                              <a:rPr lang="it-IT" b="0" i="1" smtClean="0">
+                                                <a:latin typeface="Cambria Math" panose="02040503050406030204" pitchFamily="18" charset="0"/>
+                                              </a:rPr>
+                                            </m:ctrlPr>
+                                          </m:sSubPr>
+                                          <m:e>
+                                            <m:r>
+                                              <a:rPr lang="it-IT" b="0" i="1" smtClean="0">
+                                                <a:latin typeface="Cambria Math" panose="02040503050406030204" pitchFamily="18" charset="0"/>
+                                              </a:rPr>
+                                              <m:t>𝑞</m:t>
+                                            </m:r>
+                                          </m:e>
+                                          <m:sub>
+                                            <m:r>
+                                              <a:rPr lang="it-IT" b="0" i="1" smtClean="0">
+                                                <a:latin typeface="Cambria Math" panose="02040503050406030204" pitchFamily="18" charset="0"/>
+                                              </a:rPr>
+                                              <m:t>2</m:t>
+                                            </m:r>
+                                          </m:sub>
+                                        </m:sSub>
+                                      </m:e>
+                                    </m:mr>
+                                  </m:m>
+                                </m:e>
+                              </m:mr>
+                              <m:mr>
+                                <m:e>
+                                  <m:m>
+                                    <m:mPr>
+                                      <m:mcs>
+                                        <m:mc>
+                                          <m:mcPr>
+                                            <m:count m:val="1"/>
+                                            <m:mcJc m:val="center"/>
+                                          </m:mcPr>
+                                        </m:mc>
+                                      </m:mcs>
+                                      <m:ctrlPr>
+                                        <a:rPr lang="it-IT" b="0" i="1" smtClean="0">
+                                          <a:latin typeface="Cambria Math" panose="02040503050406030204" pitchFamily="18" charset="0"/>
+                                        </a:rPr>
+                                      </m:ctrlPr>
+                                    </m:mPr>
+                                    <m:mr>
+                                      <m:e>
+                                        <m:acc>
+                                          <m:accPr>
+                                            <m:chr m:val="̇"/>
+                                            <m:ctrlPr>
+                                              <a:rPr lang="it-IT" i="1">
+                                                <a:latin typeface="Cambria Math" panose="02040503050406030204" pitchFamily="18" charset="0"/>
+                                              </a:rPr>
+                                            </m:ctrlPr>
+                                          </m:accPr>
+                                          <m:e>
+                                            <m:sSub>
+                                              <m:sSubPr>
+                                                <m:ctrlPr>
+                                                  <a:rPr lang="it-IT" i="1">
+                                                    <a:latin typeface="Cambria Math" panose="02040503050406030204" pitchFamily="18" charset="0"/>
+                                                  </a:rPr>
+                                                </m:ctrlPr>
+                                              </m:sSubPr>
+                                              <m:e>
+                                                <m:r>
+                                                  <m:rPr>
+                                                    <m:brk m:alnAt="7"/>
+                                                  </m:rPr>
+                                                  <a:rPr lang="it-IT" i="1">
+                                                    <a:latin typeface="Cambria Math" panose="02040503050406030204" pitchFamily="18" charset="0"/>
+                                                  </a:rPr>
+                                                  <m:t>𝑞</m:t>
+                                                </m:r>
+                                              </m:e>
+                                              <m:sub>
+                                                <m:r>
+                                                  <a:rPr lang="it-IT" b="0" i="1" smtClean="0">
+                                                    <a:latin typeface="Cambria Math" panose="02040503050406030204" pitchFamily="18" charset="0"/>
+                                                  </a:rPr>
+                                                  <m:t>1</m:t>
+                                                </m:r>
+                                              </m:sub>
+                                            </m:sSub>
+                                          </m:e>
+                                        </m:acc>
+                                      </m:e>
+                                    </m:mr>
+                                    <m:mr>
+                                      <m:e>
+                                        <m:sSub>
+                                          <m:sSubPr>
+                                            <m:ctrlPr>
+                                              <a:rPr lang="it-IT" b="0" i="1" smtClean="0">
+                                                <a:latin typeface="Cambria Math" panose="02040503050406030204" pitchFamily="18" charset="0"/>
+                                              </a:rPr>
+                                            </m:ctrlPr>
+                                          </m:sSubPr>
+                                          <m:e>
+                                            <m:r>
+                                              <a:rPr lang="it-IT" b="0" i="1" smtClean="0">
+                                                <a:latin typeface="Cambria Math" panose="02040503050406030204" pitchFamily="18" charset="0"/>
+                                              </a:rPr>
+                                              <m:t>𝑞</m:t>
+                                            </m:r>
+                                          </m:e>
+                                          <m:sub>
+                                            <m:r>
+                                              <a:rPr lang="it-IT" b="0" i="1" smtClean="0">
+                                                <a:latin typeface="Cambria Math" panose="02040503050406030204" pitchFamily="18" charset="0"/>
+                                              </a:rPr>
+                                              <m:t>1</m:t>
+                                            </m:r>
+                                          </m:sub>
+                                        </m:sSub>
+                                      </m:e>
+                                    </m:mr>
+                                  </m:m>
+                                </m:e>
+                              </m:mr>
+                            </m:m>
+                          </m:e>
+                        </m:d>
+                        <m:r>
+                          <a:rPr lang="it-IT" b="0" i="1" smtClean="0">
+                            <a:latin typeface="Cambria Math" panose="02040503050406030204" pitchFamily="18" charset="0"/>
+                          </a:rPr>
+                          <m:t>=</m:t>
+                        </m:r>
+                        <m:d>
+                          <m:dPr>
+                            <m:begChr m:val="["/>
+                            <m:endChr m:val="]"/>
+                            <m:ctrlPr>
+                              <a:rPr lang="it-IT" i="1">
+                                <a:latin typeface="Cambria Math" panose="02040503050406030204" pitchFamily="18" charset="0"/>
+                              </a:rPr>
+                            </m:ctrlPr>
+                          </m:dPr>
+                          <m:e>
+                            <m:m>
+                              <m:mPr>
+                                <m:mcs>
+                                  <m:mc>
+                                    <m:mcPr>
+                                      <m:count m:val="1"/>
+                                      <m:mcJc m:val="center"/>
+                                    </m:mcPr>
+                                  </m:mc>
+                                </m:mcs>
+                                <m:ctrlPr>
+                                  <a:rPr lang="it-IT" i="1">
+                                    <a:latin typeface="Cambria Math" panose="02040503050406030204" pitchFamily="18" charset="0"/>
+                                  </a:rPr>
+                                </m:ctrlPr>
+                              </m:mPr>
+                              <m:mr>
+                                <m:e>
+                                  <m:eqArr>
+                                    <m:eqArrPr>
+                                      <m:ctrlPr>
+                                        <a:rPr lang="it-IT" b="0" i="1" smtClean="0">
+                                          <a:latin typeface="Cambria Math" panose="02040503050406030204" pitchFamily="18" charset="0"/>
+                                        </a:rPr>
+                                      </m:ctrlPr>
+                                    </m:eqArrPr>
+                                    <m:e>
+                                      <m:sSub>
+                                        <m:sSubPr>
+                                          <m:ctrlPr>
+                                            <a:rPr lang="it-IT" b="0" i="1" smtClean="0">
+                                              <a:latin typeface="Cambria Math" panose="02040503050406030204" pitchFamily="18" charset="0"/>
+                                            </a:rPr>
+                                          </m:ctrlPr>
+                                        </m:sSubPr>
+                                        <m:e>
+                                          <m:r>
+                                            <a:rPr lang="it-IT" b="0" i="1" smtClean="0">
+                                              <a:latin typeface="Cambria Math" panose="02040503050406030204" pitchFamily="18" charset="0"/>
+                                            </a:rPr>
+                                            <m:t>𝑥</m:t>
+                                          </m:r>
+                                        </m:e>
+                                        <m:sub>
+                                          <m:r>
+                                            <a:rPr lang="it-IT" b="0" i="1" smtClean="0">
+                                              <a:latin typeface="Cambria Math" panose="02040503050406030204" pitchFamily="18" charset="0"/>
+                                            </a:rPr>
+                                            <m:t>1</m:t>
+                                          </m:r>
+                                        </m:sub>
+                                      </m:sSub>
+                                    </m:e>
+                                    <m:e>
+                                      <m:sSub>
+                                        <m:sSubPr>
+                                          <m:ctrlPr>
+                                            <a:rPr lang="it-IT" b="0" i="1" smtClean="0">
+                                              <a:latin typeface="Cambria Math" panose="02040503050406030204" pitchFamily="18" charset="0"/>
+                                            </a:rPr>
+                                          </m:ctrlPr>
+                                        </m:sSubPr>
+                                        <m:e>
+                                          <m:r>
+                                            <a:rPr lang="it-IT" b="0" i="1" smtClean="0">
+                                              <a:latin typeface="Cambria Math" panose="02040503050406030204" pitchFamily="18" charset="0"/>
+                                            </a:rPr>
+                                            <m:t>𝑥</m:t>
+                                          </m:r>
+                                        </m:e>
+                                        <m:sub>
+                                          <m:r>
+                                            <a:rPr lang="it-IT" b="0" i="1" smtClean="0">
+                                              <a:latin typeface="Cambria Math" panose="02040503050406030204" pitchFamily="18" charset="0"/>
+                                            </a:rPr>
+                                            <m:t>2</m:t>
+                                          </m:r>
+                                        </m:sub>
+                                      </m:sSub>
+                                    </m:e>
+                                  </m:eqArr>
+                                </m:e>
+                              </m:mr>
+                              <m:mr>
+                                <m:e>
+                                  <m:m>
+                                    <m:mPr>
+                                      <m:mcs>
+                                        <m:mc>
+                                          <m:mcPr>
+                                            <m:count m:val="1"/>
+                                            <m:mcJc m:val="center"/>
+                                          </m:mcPr>
+                                        </m:mc>
+                                      </m:mcs>
+                                      <m:ctrlPr>
+                                        <a:rPr lang="it-IT" i="1">
+                                          <a:latin typeface="Cambria Math" panose="02040503050406030204" pitchFamily="18" charset="0"/>
+                                        </a:rPr>
+                                      </m:ctrlPr>
+                                    </m:mPr>
+                                    <m:mr>
+                                      <m:e>
+                                        <m:sSub>
+                                          <m:sSubPr>
+                                            <m:ctrlPr>
+                                              <a:rPr lang="it-IT" b="0" i="1" smtClean="0">
+                                                <a:latin typeface="Cambria Math" panose="02040503050406030204" pitchFamily="18" charset="0"/>
+                                              </a:rPr>
+                                            </m:ctrlPr>
+                                          </m:sSubPr>
+                                          <m:e>
+                                            <m:r>
+                                              <m:rPr>
+                                                <m:brk m:alnAt="7"/>
+                                              </m:rPr>
+                                              <a:rPr lang="it-IT" b="0" i="1" smtClean="0">
+                                                <a:latin typeface="Cambria Math" panose="02040503050406030204" pitchFamily="18" charset="0"/>
+                                              </a:rPr>
+                                              <m:t>𝑥</m:t>
+                                            </m:r>
+                                          </m:e>
+                                          <m:sub>
+                                            <m:r>
+                                              <m:rPr>
+                                                <m:brk m:alnAt="7"/>
+                                              </m:rPr>
+                                              <a:rPr lang="it-IT" b="0" i="1" smtClean="0">
+                                                <a:latin typeface="Cambria Math" panose="02040503050406030204" pitchFamily="18" charset="0"/>
+                                              </a:rPr>
+                                              <m:t>3</m:t>
+                                            </m:r>
+                                          </m:sub>
+                                        </m:sSub>
+                                      </m:e>
+                                    </m:mr>
+                                    <m:mr>
+                                      <m:e>
+                                        <m:sSub>
+                                          <m:sSubPr>
+                                            <m:ctrlPr>
+                                              <a:rPr lang="it-IT" i="1">
+                                                <a:latin typeface="Cambria Math" panose="02040503050406030204" pitchFamily="18" charset="0"/>
+                                              </a:rPr>
+                                            </m:ctrlPr>
+                                          </m:sSubPr>
+                                          <m:e>
+                                            <m:r>
+                                              <a:rPr lang="it-IT" b="0" i="1" smtClean="0">
+                                                <a:latin typeface="Cambria Math" panose="02040503050406030204" pitchFamily="18" charset="0"/>
+                                              </a:rPr>
+                                              <m:t>𝑥</m:t>
+                                            </m:r>
+                                          </m:e>
+                                          <m:sub>
+                                            <m:r>
+                                              <a:rPr lang="it-IT" b="0" i="1" smtClean="0">
+                                                <a:latin typeface="Cambria Math" panose="02040503050406030204" pitchFamily="18" charset="0"/>
+                                              </a:rPr>
+                                              <m:t>4</m:t>
+                                            </m:r>
+                                          </m:sub>
+                                        </m:sSub>
+                                      </m:e>
+                                    </m:mr>
+                                  </m:m>
+                                </m:e>
+                              </m:mr>
+                            </m:m>
+                          </m:e>
+                        </m:d>
+                      </m:oMath>
+                    </m:oMathPara>
+                  </a14:m>
+                  <a:endParaRPr lang="it-IT" dirty="0"/>
+                </a:p>
+              </p:txBody>
+            </p:sp>
+          </mc:Choice>
+          <mc:Fallback>
+            <p:sp>
+              <p:nvSpPr>
+                <p:cNvPr id="2" name="CasellaDiTesto 1">
+                  <a:extLst>
+                    <a:ext uri="{FF2B5EF4-FFF2-40B4-BE49-F238E27FC236}">
+                      <a16:creationId xmlns:a16="http://schemas.microsoft.com/office/drawing/2014/main" id="{0F2F084B-03E3-4576-9BBF-F4722897DA6A}"/>
+                    </a:ext>
+                  </a:extLst>
+                </p:cNvPr>
+                <p:cNvSpPr txBox="1">
+                  <a:spLocks noRot="1" noChangeAspect="1" noMove="1" noResize="1" noEditPoints="1" noAdjustHandles="1" noChangeArrowheads="1" noChangeShapeType="1" noTextEdit="1"/>
+                </p:cNvSpPr>
+                <p:nvPr/>
+              </p:nvSpPr>
+              <p:spPr>
+                <a:xfrm>
+                  <a:off x="1773932" y="2369799"/>
+                  <a:ext cx="1694053" cy="1059201"/>
+                </a:xfrm>
+                <a:prstGeom prst="rect">
+                  <a:avLst/>
+                </a:prstGeom>
+                <a:blipFill>
+                  <a:blip r:embed="rId7"/>
+                  <a:stretch>
+                    <a:fillRect/>
+                  </a:stretch>
+                </a:blipFill>
+              </p:spPr>
+              <p:txBody>
+                <a:bodyPr/>
+                <a:lstStyle/>
+                <a:p>
+                  <a:r>
+                    <a:rPr lang="it-IT">
+                      <a:noFill/>
+                    </a:rPr>
+                    <a:t> </a:t>
+                  </a:r>
+                </a:p>
+              </p:txBody>
+            </p:sp>
+          </mc:Fallback>
+        </mc:AlternateContent>
+        <mc:AlternateContent xmlns:mc="http://schemas.openxmlformats.org/markup-compatibility/2006">
+          <mc:Choice xmlns:a14="http://schemas.microsoft.com/office/drawing/2010/main" Requires="a14">
+            <p:sp>
+              <p:nvSpPr>
+                <p:cNvPr id="6" name="CasellaDiTesto 5">
+                  <a:extLst>
+                    <a:ext uri="{FF2B5EF4-FFF2-40B4-BE49-F238E27FC236}">
+                      <a16:creationId xmlns:a16="http://schemas.microsoft.com/office/drawing/2014/main" id="{ADD93670-599C-40F5-B718-7B272D52322C}"/>
+                    </a:ext>
+                  </a:extLst>
+                </p:cNvPr>
+                <p:cNvSpPr txBox="1"/>
+                <p:nvPr/>
+              </p:nvSpPr>
+              <p:spPr>
+                <a:xfrm>
+                  <a:off x="3574132" y="2369799"/>
+                  <a:ext cx="1694053" cy="1075615"/>
+                </a:xfrm>
+                <a:prstGeom prst="rect">
+                  <a:avLst/>
+                </a:prstGeom>
+                <a:noFill/>
+              </p:spPr>
+              <p:txBody>
+                <a:bodyPr wrap="none" lIns="0" tIns="0" rIns="0" bIns="0" rtlCol="0">
+                  <a:spAutoFit/>
+                </a:bodyPr>
+                <a:lstStyle/>
+                <a:p>
+                  <a14:m>
+                    <m:oMathPara xmlns:m="http://schemas.openxmlformats.org/officeDocument/2006/math">
+                      <m:oMathParaPr>
+                        <m:jc m:val="centerGroup"/>
+                      </m:oMathParaPr>
+                      <m:oMath xmlns:m="http://schemas.openxmlformats.org/officeDocument/2006/math">
+                        <m:acc>
+                          <m:accPr>
+                            <m:chr m:val="̇"/>
+                            <m:ctrlPr>
+                              <a:rPr lang="it-IT" b="0" i="1" smtClean="0">
+                                <a:latin typeface="Cambria Math" panose="02040503050406030204" pitchFamily="18" charset="0"/>
+                              </a:rPr>
+                            </m:ctrlPr>
+                          </m:accPr>
+                          <m:e>
+                            <m:r>
+                              <a:rPr lang="it-IT" b="0" i="1" smtClean="0">
+                                <a:latin typeface="Cambria Math" panose="02040503050406030204" pitchFamily="18" charset="0"/>
+                              </a:rPr>
+                              <m:t>𝑥</m:t>
+                            </m:r>
+                          </m:e>
+                        </m:acc>
+                        <m:r>
+                          <a:rPr lang="it-IT" b="0" i="1" smtClean="0">
+                            <a:latin typeface="Cambria Math" panose="02040503050406030204" pitchFamily="18" charset="0"/>
+                          </a:rPr>
+                          <m:t>=</m:t>
+                        </m:r>
+                        <m:d>
+                          <m:dPr>
+                            <m:begChr m:val="["/>
+                            <m:endChr m:val="]"/>
+                            <m:ctrlPr>
+                              <a:rPr lang="it-IT" b="0" i="1" smtClean="0">
+                                <a:latin typeface="Cambria Math" panose="02040503050406030204" pitchFamily="18" charset="0"/>
+                              </a:rPr>
+                            </m:ctrlPr>
+                          </m:dPr>
+                          <m:e>
+                            <m:m>
+                              <m:mPr>
+                                <m:mcs>
+                                  <m:mc>
+                                    <m:mcPr>
+                                      <m:count m:val="1"/>
+                                      <m:mcJc m:val="center"/>
+                                    </m:mcPr>
+                                  </m:mc>
+                                </m:mcs>
+                                <m:ctrlPr>
+                                  <a:rPr lang="it-IT" b="0" i="1" smtClean="0">
+                                    <a:latin typeface="Cambria Math" panose="02040503050406030204" pitchFamily="18" charset="0"/>
+                                  </a:rPr>
+                                </m:ctrlPr>
+                              </m:mPr>
+                              <m:mr>
+                                <m:e>
+                                  <m:m>
+                                    <m:mPr>
+                                      <m:mcs>
+                                        <m:mc>
+                                          <m:mcPr>
+                                            <m:count m:val="1"/>
+                                            <m:mcJc m:val="center"/>
+                                          </m:mcPr>
+                                        </m:mc>
+                                      </m:mcs>
+                                      <m:ctrlPr>
+                                        <a:rPr lang="it-IT" b="0" i="1" smtClean="0">
+                                          <a:latin typeface="Cambria Math" panose="02040503050406030204" pitchFamily="18" charset="0"/>
+                                        </a:rPr>
+                                      </m:ctrlPr>
+                                    </m:mPr>
+                                    <m:mr>
+                                      <m:e>
+                                        <m:acc>
+                                          <m:accPr>
+                                            <m:chr m:val="̈"/>
+                                            <m:ctrlPr>
+                                              <a:rPr lang="it-IT" b="0" i="1" smtClean="0">
+                                                <a:latin typeface="Cambria Math" panose="02040503050406030204" pitchFamily="18" charset="0"/>
+                                              </a:rPr>
+                                            </m:ctrlPr>
+                                          </m:accPr>
+                                          <m:e>
+                                            <m:sSub>
+                                              <m:sSubPr>
+                                                <m:ctrlPr>
+                                                  <a:rPr lang="it-IT" b="0" i="1" smtClean="0">
+                                                    <a:latin typeface="Cambria Math" panose="02040503050406030204" pitchFamily="18" charset="0"/>
+                                                  </a:rPr>
+                                                </m:ctrlPr>
+                                              </m:sSubPr>
+                                              <m:e>
+                                                <m:r>
+                                                  <a:rPr lang="it-IT" b="0" i="1" smtClean="0">
+                                                    <a:latin typeface="Cambria Math" panose="02040503050406030204" pitchFamily="18" charset="0"/>
+                                                  </a:rPr>
+                                                  <m:t>𝑞</m:t>
+                                                </m:r>
+                                              </m:e>
+                                              <m:sub>
+                                                <m:r>
+                                                  <a:rPr lang="it-IT" b="0" i="1" smtClean="0">
+                                                    <a:latin typeface="Cambria Math" panose="02040503050406030204" pitchFamily="18" charset="0"/>
+                                                  </a:rPr>
+                                                  <m:t>2</m:t>
+                                                </m:r>
+                                              </m:sub>
+                                            </m:sSub>
+                                          </m:e>
+                                        </m:acc>
+                                      </m:e>
+                                    </m:mr>
+                                    <m:mr>
+                                      <m:e>
+                                        <m:acc>
+                                          <m:accPr>
+                                            <m:chr m:val="̇"/>
+                                            <m:ctrlPr>
+                                              <a:rPr lang="it-IT" i="1">
+                                                <a:latin typeface="Cambria Math" panose="02040503050406030204" pitchFamily="18" charset="0"/>
+                                              </a:rPr>
+                                            </m:ctrlPr>
+                                          </m:accPr>
+                                          <m:e>
+                                            <m:sSub>
+                                              <m:sSubPr>
+                                                <m:ctrlPr>
+                                                  <a:rPr lang="it-IT" i="1">
+                                                    <a:latin typeface="Cambria Math" panose="02040503050406030204" pitchFamily="18" charset="0"/>
+                                                  </a:rPr>
+                                                </m:ctrlPr>
+                                              </m:sSubPr>
+                                              <m:e>
+                                                <m:r>
+                                                  <m:rPr>
+                                                    <m:brk m:alnAt="7"/>
+                                                  </m:rPr>
+                                                  <a:rPr lang="it-IT" i="1">
+                                                    <a:latin typeface="Cambria Math" panose="02040503050406030204" pitchFamily="18" charset="0"/>
+                                                  </a:rPr>
+                                                  <m:t>𝑞</m:t>
+                                                </m:r>
+                                              </m:e>
+                                              <m:sub>
+                                                <m:r>
+                                                  <m:rPr>
+                                                    <m:brk m:alnAt="7"/>
+                                                  </m:rPr>
+                                                  <a:rPr lang="it-IT" i="1">
+                                                    <a:latin typeface="Cambria Math" panose="02040503050406030204" pitchFamily="18" charset="0"/>
+                                                  </a:rPr>
+                                                  <m:t>2</m:t>
+                                                </m:r>
+                                              </m:sub>
+                                            </m:sSub>
+                                          </m:e>
+                                        </m:acc>
+                                      </m:e>
+                                    </m:mr>
+                                  </m:m>
+                                </m:e>
+                              </m:mr>
+                              <m:mr>
+                                <m:e>
+                                  <m:m>
+                                    <m:mPr>
+                                      <m:mcs>
+                                        <m:mc>
+                                          <m:mcPr>
+                                            <m:count m:val="1"/>
+                                            <m:mcJc m:val="center"/>
+                                          </m:mcPr>
+                                        </m:mc>
+                                      </m:mcs>
+                                      <m:ctrlPr>
+                                        <a:rPr lang="it-IT" b="0" i="1" smtClean="0">
+                                          <a:latin typeface="Cambria Math" panose="02040503050406030204" pitchFamily="18" charset="0"/>
+                                        </a:rPr>
+                                      </m:ctrlPr>
+                                    </m:mPr>
+                                    <m:mr>
+                                      <m:e>
+                                        <m:acc>
+                                          <m:accPr>
+                                            <m:chr m:val="̈"/>
+                                            <m:ctrlPr>
+                                              <a:rPr lang="it-IT" b="0" i="1" smtClean="0">
+                                                <a:latin typeface="Cambria Math" panose="02040503050406030204" pitchFamily="18" charset="0"/>
+                                              </a:rPr>
+                                            </m:ctrlPr>
+                                          </m:accPr>
+                                          <m:e>
+                                            <m:sSub>
+                                              <m:sSubPr>
+                                                <m:ctrlPr>
+                                                  <a:rPr lang="it-IT" b="0" i="1" smtClean="0">
+                                                    <a:latin typeface="Cambria Math" panose="02040503050406030204" pitchFamily="18" charset="0"/>
+                                                  </a:rPr>
+                                                </m:ctrlPr>
+                                              </m:sSubPr>
+                                              <m:e>
+                                                <m:r>
+                                                  <a:rPr lang="it-IT" b="0" i="1" smtClean="0">
+                                                    <a:latin typeface="Cambria Math" panose="02040503050406030204" pitchFamily="18" charset="0"/>
+                                                  </a:rPr>
+                                                  <m:t>𝑞</m:t>
+                                                </m:r>
+                                              </m:e>
+                                              <m:sub>
+                                                <m:r>
+                                                  <a:rPr lang="it-IT" b="0" i="1" smtClean="0">
+                                                    <a:latin typeface="Cambria Math" panose="02040503050406030204" pitchFamily="18" charset="0"/>
+                                                  </a:rPr>
+                                                  <m:t>1</m:t>
+                                                </m:r>
+                                              </m:sub>
+                                            </m:sSub>
+                                          </m:e>
+                                        </m:acc>
+                                      </m:e>
+                                    </m:mr>
+                                    <m:mr>
+                                      <m:e>
+                                        <m:acc>
+                                          <m:accPr>
+                                            <m:chr m:val="̇"/>
+                                            <m:ctrlPr>
+                                              <a:rPr lang="it-IT" i="1">
+                                                <a:latin typeface="Cambria Math" panose="02040503050406030204" pitchFamily="18" charset="0"/>
+                                              </a:rPr>
+                                            </m:ctrlPr>
+                                          </m:accPr>
+                                          <m:e>
+                                            <m:sSub>
+                                              <m:sSubPr>
+                                                <m:ctrlPr>
+                                                  <a:rPr lang="it-IT" i="1">
+                                                    <a:latin typeface="Cambria Math" panose="02040503050406030204" pitchFamily="18" charset="0"/>
+                                                  </a:rPr>
+                                                </m:ctrlPr>
+                                              </m:sSubPr>
+                                              <m:e>
+                                                <m:r>
+                                                  <m:rPr>
+                                                    <m:brk m:alnAt="7"/>
+                                                  </m:rPr>
+                                                  <a:rPr lang="it-IT" i="1">
+                                                    <a:latin typeface="Cambria Math" panose="02040503050406030204" pitchFamily="18" charset="0"/>
+                                                  </a:rPr>
+                                                  <m:t>𝑞</m:t>
+                                                </m:r>
+                                              </m:e>
+                                              <m:sub>
+                                                <m:r>
+                                                  <a:rPr lang="it-IT" i="1">
+                                                    <a:latin typeface="Cambria Math" panose="02040503050406030204" pitchFamily="18" charset="0"/>
+                                                  </a:rPr>
+                                                  <m:t>1</m:t>
+                                                </m:r>
+                                              </m:sub>
+                                            </m:sSub>
+                                          </m:e>
+                                        </m:acc>
+                                      </m:e>
+                                    </m:mr>
+                                  </m:m>
+                                </m:e>
+                              </m:mr>
+                            </m:m>
+                          </m:e>
+                        </m:d>
+                        <m:r>
+                          <a:rPr lang="it-IT" b="0" i="0" smtClean="0">
+                            <a:latin typeface="Cambria Math" panose="02040503050406030204" pitchFamily="18" charset="0"/>
+                          </a:rPr>
+                          <m:t>=</m:t>
+                        </m:r>
+                        <m:d>
+                          <m:dPr>
+                            <m:begChr m:val="["/>
+                            <m:endChr m:val="]"/>
+                            <m:ctrlPr>
+                              <a:rPr lang="it-IT" i="1">
+                                <a:latin typeface="Cambria Math" panose="02040503050406030204" pitchFamily="18" charset="0"/>
+                              </a:rPr>
+                            </m:ctrlPr>
+                          </m:dPr>
+                          <m:e>
+                            <m:m>
+                              <m:mPr>
+                                <m:mcs>
+                                  <m:mc>
+                                    <m:mcPr>
+                                      <m:count m:val="1"/>
+                                      <m:mcJc m:val="center"/>
+                                    </m:mcPr>
+                                  </m:mc>
+                                </m:mcs>
+                                <m:ctrlPr>
+                                  <a:rPr lang="it-IT" i="1">
+                                    <a:latin typeface="Cambria Math" panose="02040503050406030204" pitchFamily="18" charset="0"/>
+                                  </a:rPr>
+                                </m:ctrlPr>
+                              </m:mPr>
+                              <m:mr>
+                                <m:e>
+                                  <m:m>
+                                    <m:mPr>
+                                      <m:mcs>
+                                        <m:mc>
+                                          <m:mcPr>
+                                            <m:count m:val="1"/>
+                                            <m:mcJc m:val="center"/>
+                                          </m:mcPr>
+                                        </m:mc>
+                                      </m:mcs>
+                                      <m:ctrlPr>
+                                        <a:rPr lang="it-IT" i="1">
+                                          <a:latin typeface="Cambria Math" panose="02040503050406030204" pitchFamily="18" charset="0"/>
+                                        </a:rPr>
+                                      </m:ctrlPr>
+                                    </m:mPr>
+                                    <m:mr>
+                                      <m:e>
+                                        <m:acc>
+                                          <m:accPr>
+                                            <m:chr m:val="̇"/>
+                                            <m:ctrlPr>
+                                              <a:rPr lang="it-IT" i="1">
+                                                <a:latin typeface="Cambria Math" panose="02040503050406030204" pitchFamily="18" charset="0"/>
+                                              </a:rPr>
+                                            </m:ctrlPr>
+                                          </m:accPr>
+                                          <m:e>
+                                            <m:sSub>
+                                              <m:sSubPr>
+                                                <m:ctrlPr>
+                                                  <a:rPr lang="it-IT" i="1">
+                                                    <a:latin typeface="Cambria Math" panose="02040503050406030204" pitchFamily="18" charset="0"/>
+                                                  </a:rPr>
+                                                </m:ctrlPr>
+                                              </m:sSubPr>
+                                              <m:e>
+                                                <m:r>
+                                                  <a:rPr lang="it-IT" b="0" i="1" smtClean="0">
+                                                    <a:latin typeface="Cambria Math" panose="02040503050406030204" pitchFamily="18" charset="0"/>
+                                                  </a:rPr>
+                                                  <m:t>𝑥</m:t>
+                                                </m:r>
+                                              </m:e>
+                                              <m:sub>
+                                                <m:r>
+                                                  <a:rPr lang="it-IT" i="1">
+                                                    <a:latin typeface="Cambria Math" panose="02040503050406030204" pitchFamily="18" charset="0"/>
+                                                  </a:rPr>
+                                                  <m:t>1</m:t>
+                                                </m:r>
+                                              </m:sub>
+                                            </m:sSub>
+                                          </m:e>
+                                        </m:acc>
+                                      </m:e>
+                                    </m:mr>
+                                    <m:mr>
+                                      <m:e>
+                                        <m:acc>
+                                          <m:accPr>
+                                            <m:chr m:val="̇"/>
+                                            <m:ctrlPr>
+                                              <a:rPr lang="it-IT" i="1">
+                                                <a:latin typeface="Cambria Math" panose="02040503050406030204" pitchFamily="18" charset="0"/>
+                                              </a:rPr>
+                                            </m:ctrlPr>
+                                          </m:accPr>
+                                          <m:e>
+                                            <m:sSub>
+                                              <m:sSubPr>
+                                                <m:ctrlPr>
+                                                  <a:rPr lang="it-IT" i="1">
+                                                    <a:latin typeface="Cambria Math" panose="02040503050406030204" pitchFamily="18" charset="0"/>
+                                                  </a:rPr>
+                                                </m:ctrlPr>
+                                              </m:sSubPr>
+                                              <m:e>
+                                                <m:r>
+                                                  <a:rPr lang="it-IT" b="0" i="1" smtClean="0">
+                                                    <a:latin typeface="Cambria Math" panose="02040503050406030204" pitchFamily="18" charset="0"/>
+                                                  </a:rPr>
+                                                  <m:t>𝑥</m:t>
+                                                </m:r>
+                                              </m:e>
+                                              <m:sub>
+                                                <m:r>
+                                                  <m:rPr>
+                                                    <m:brk m:alnAt="7"/>
+                                                  </m:rPr>
+                                                  <a:rPr lang="it-IT" i="1">
+                                                    <a:latin typeface="Cambria Math" panose="02040503050406030204" pitchFamily="18" charset="0"/>
+                                                  </a:rPr>
+                                                  <m:t>2</m:t>
+                                                </m:r>
+                                              </m:sub>
+                                            </m:sSub>
+                                          </m:e>
+                                        </m:acc>
+                                      </m:e>
+                                    </m:mr>
+                                  </m:m>
+                                </m:e>
+                              </m:mr>
+                              <m:mr>
+                                <m:e>
+                                  <m:m>
+                                    <m:mPr>
+                                      <m:mcs>
+                                        <m:mc>
+                                          <m:mcPr>
+                                            <m:count m:val="1"/>
+                                            <m:mcJc m:val="center"/>
+                                          </m:mcPr>
+                                        </m:mc>
+                                      </m:mcs>
+                                      <m:ctrlPr>
+                                        <a:rPr lang="it-IT" i="1">
+                                          <a:latin typeface="Cambria Math" panose="02040503050406030204" pitchFamily="18" charset="0"/>
+                                        </a:rPr>
+                                      </m:ctrlPr>
+                                    </m:mPr>
+                                    <m:mr>
+                                      <m:e>
+                                        <m:acc>
+                                          <m:accPr>
+                                            <m:chr m:val="̇"/>
+                                            <m:ctrlPr>
+                                              <a:rPr lang="it-IT" i="1">
+                                                <a:latin typeface="Cambria Math" panose="02040503050406030204" pitchFamily="18" charset="0"/>
+                                              </a:rPr>
+                                            </m:ctrlPr>
+                                          </m:accPr>
+                                          <m:e>
+                                            <m:sSub>
+                                              <m:sSubPr>
+                                                <m:ctrlPr>
+                                                  <a:rPr lang="it-IT" i="1">
+                                                    <a:latin typeface="Cambria Math" panose="02040503050406030204" pitchFamily="18" charset="0"/>
+                                                  </a:rPr>
+                                                </m:ctrlPr>
+                                              </m:sSubPr>
+                                              <m:e>
+                                                <m:r>
+                                                  <a:rPr lang="it-IT" b="0" i="1" smtClean="0">
+                                                    <a:latin typeface="Cambria Math" panose="02040503050406030204" pitchFamily="18" charset="0"/>
+                                                  </a:rPr>
+                                                  <m:t>𝑥</m:t>
+                                                </m:r>
+                                              </m:e>
+                                              <m:sub>
+                                                <m:r>
+                                                  <a:rPr lang="it-IT" b="0" i="1" smtClean="0">
+                                                    <a:latin typeface="Cambria Math" panose="02040503050406030204" pitchFamily="18" charset="0"/>
+                                                  </a:rPr>
+                                                  <m:t>3</m:t>
+                                                </m:r>
+                                              </m:sub>
+                                            </m:sSub>
+                                          </m:e>
+                                        </m:acc>
+                                      </m:e>
+                                    </m:mr>
+                                    <m:mr>
+                                      <m:e>
+                                        <m:acc>
+                                          <m:accPr>
+                                            <m:chr m:val="̇"/>
+                                            <m:ctrlPr>
+                                              <a:rPr lang="it-IT" i="1">
+                                                <a:latin typeface="Cambria Math" panose="02040503050406030204" pitchFamily="18" charset="0"/>
+                                              </a:rPr>
+                                            </m:ctrlPr>
+                                          </m:accPr>
+                                          <m:e>
+                                            <m:sSub>
+                                              <m:sSubPr>
+                                                <m:ctrlPr>
+                                                  <a:rPr lang="it-IT" i="1">
+                                                    <a:latin typeface="Cambria Math" panose="02040503050406030204" pitchFamily="18" charset="0"/>
+                                                  </a:rPr>
+                                                </m:ctrlPr>
+                                              </m:sSubPr>
+                                              <m:e>
+                                                <m:r>
+                                                  <a:rPr lang="it-IT" b="0" i="1" smtClean="0">
+                                                    <a:latin typeface="Cambria Math" panose="02040503050406030204" pitchFamily="18" charset="0"/>
+                                                  </a:rPr>
+                                                  <m:t>𝑥</m:t>
+                                                </m:r>
+                                              </m:e>
+                                              <m:sub>
+                                                <m:r>
+                                                  <a:rPr lang="it-IT" b="0" i="1" smtClean="0">
+                                                    <a:latin typeface="Cambria Math" panose="02040503050406030204" pitchFamily="18" charset="0"/>
+                                                  </a:rPr>
+                                                  <m:t>4</m:t>
+                                                </m:r>
+                                              </m:sub>
+                                            </m:sSub>
+                                          </m:e>
+                                        </m:acc>
+                                      </m:e>
+                                    </m:mr>
+                                  </m:m>
+                                </m:e>
+                              </m:mr>
+                            </m:m>
+                          </m:e>
+                        </m:d>
+                      </m:oMath>
+                    </m:oMathPara>
+                  </a14:m>
+                  <a:endParaRPr lang="it-IT" dirty="0"/>
+                </a:p>
+              </p:txBody>
+            </p:sp>
+          </mc:Choice>
+          <mc:Fallback>
+            <p:sp>
+              <p:nvSpPr>
+                <p:cNvPr id="6" name="CasellaDiTesto 5">
+                  <a:extLst>
+                    <a:ext uri="{FF2B5EF4-FFF2-40B4-BE49-F238E27FC236}">
+                      <a16:creationId xmlns:a16="http://schemas.microsoft.com/office/drawing/2014/main" id="{ADD93670-599C-40F5-B718-7B272D52322C}"/>
+                    </a:ext>
+                  </a:extLst>
+                </p:cNvPr>
+                <p:cNvSpPr txBox="1">
+                  <a:spLocks noRot="1" noChangeAspect="1" noMove="1" noResize="1" noEditPoints="1" noAdjustHandles="1" noChangeArrowheads="1" noChangeShapeType="1" noTextEdit="1"/>
+                </p:cNvSpPr>
+                <p:nvPr/>
+              </p:nvSpPr>
+              <p:spPr>
+                <a:xfrm>
+                  <a:off x="3574132" y="2369799"/>
+                  <a:ext cx="1694053" cy="1075615"/>
+                </a:xfrm>
+                <a:prstGeom prst="rect">
+                  <a:avLst/>
+                </a:prstGeom>
+                <a:blipFill>
+                  <a:blip r:embed="rId8"/>
+                  <a:stretch>
+                    <a:fillRect/>
+                  </a:stretch>
+                </a:blipFill>
+              </p:spPr>
+              <p:txBody>
+                <a:bodyPr/>
+                <a:lstStyle/>
+                <a:p>
+                  <a:r>
+                    <a:rPr lang="it-IT">
+                      <a:noFill/>
+                    </a:rPr>
+                    <a:t> </a:t>
+                  </a:r>
+                </a:p>
+              </p:txBody>
+            </p:sp>
+          </mc:Fallback>
+        </mc:AlternateContent>
+        <mc:AlternateContent xmlns:mc="http://schemas.openxmlformats.org/markup-compatibility/2006">
+          <mc:Choice xmlns:a14="http://schemas.microsoft.com/office/drawing/2010/main" Requires="a14">
+            <p:sp>
+              <p:nvSpPr>
+                <p:cNvPr id="8" name="Rettangolo 7">
+                  <a:extLst>
+                    <a:ext uri="{FF2B5EF4-FFF2-40B4-BE49-F238E27FC236}">
+                      <a16:creationId xmlns:a16="http://schemas.microsoft.com/office/drawing/2014/main" id="{D8E9314D-6579-42C6-82F4-1D82B5742B3D}"/>
+                    </a:ext>
+                  </a:extLst>
+                </p:cNvPr>
+                <p:cNvSpPr/>
+                <p:nvPr/>
+              </p:nvSpPr>
+              <p:spPr>
+                <a:xfrm>
+                  <a:off x="5268185" y="2720882"/>
+                  <a:ext cx="3727944" cy="369332"/>
+                </a:xfrm>
+                <a:prstGeom prst="rect">
+                  <a:avLst/>
+                </a:prstGeom>
+              </p:spPr>
+              <p:txBody>
+                <a:bodyPr wrap="none">
+                  <a:spAutoFit/>
+                </a:bodyPr>
+                <a:lstStyle/>
+                <a:p>
+                  <a14:m>
+                    <m:oMathPara xmlns:m="http://schemas.openxmlformats.org/officeDocument/2006/math">
+                      <m:oMathParaPr>
+                        <m:jc m:val="centerGroup"/>
+                      </m:oMathParaPr>
+                      <m:oMath xmlns:m="http://schemas.openxmlformats.org/officeDocument/2006/math">
+                        <m:r>
+                          <a:rPr lang="it-IT" i="1" smtClean="0">
+                            <a:latin typeface="Cambria Math" panose="02040503050406030204" pitchFamily="18" charset="0"/>
+                            <a:ea typeface="Cambria Math" panose="02040503050406030204" pitchFamily="18" charset="0"/>
+                          </a:rPr>
+                          <m:t>𝑢</m:t>
+                        </m:r>
+                        <m:r>
+                          <a:rPr lang="it-IT" b="0" i="1" smtClean="0">
+                            <a:latin typeface="Cambria Math" panose="02040503050406030204" pitchFamily="18" charset="0"/>
+                            <a:ea typeface="Cambria Math" panose="02040503050406030204" pitchFamily="18" charset="0"/>
+                          </a:rPr>
+                          <m:t>≔</m:t>
+                        </m:r>
+                        <m:r>
+                          <a:rPr lang="it-IT" b="0" i="1" smtClean="0">
+                            <a:latin typeface="Cambria Math" panose="02040503050406030204" pitchFamily="18" charset="0"/>
+                            <a:ea typeface="Cambria Math" panose="02040503050406030204" pitchFamily="18" charset="0"/>
+                          </a:rPr>
+                          <m:t>𝐶𝑜𝑝𝑝𝑖𝑎</m:t>
+                        </m:r>
+                        <m:r>
+                          <a:rPr lang="it-IT" b="0" i="1" smtClean="0">
+                            <a:latin typeface="Cambria Math" panose="02040503050406030204" pitchFamily="18" charset="0"/>
+                            <a:ea typeface="Cambria Math" panose="02040503050406030204" pitchFamily="18" charset="0"/>
+                          </a:rPr>
+                          <m:t> </m:t>
+                        </m:r>
+                        <m:r>
+                          <a:rPr lang="it-IT" b="0" i="1" smtClean="0">
+                            <a:latin typeface="Cambria Math" panose="02040503050406030204" pitchFamily="18" charset="0"/>
+                            <a:ea typeface="Cambria Math" panose="02040503050406030204" pitchFamily="18" charset="0"/>
+                          </a:rPr>
+                          <m:t>𝑔𝑒𝑛𝑒𝑟𝑎𝑡𝑎</m:t>
+                        </m:r>
+                        <m:r>
+                          <a:rPr lang="it-IT" b="0" i="1" smtClean="0">
+                            <a:latin typeface="Cambria Math" panose="02040503050406030204" pitchFamily="18" charset="0"/>
+                            <a:ea typeface="Cambria Math" panose="02040503050406030204" pitchFamily="18" charset="0"/>
+                          </a:rPr>
+                          <m:t> </m:t>
+                        </m:r>
+                        <m:r>
+                          <a:rPr lang="it-IT" b="0" i="1" smtClean="0">
+                            <a:latin typeface="Cambria Math" panose="02040503050406030204" pitchFamily="18" charset="0"/>
+                            <a:ea typeface="Cambria Math" panose="02040503050406030204" pitchFamily="18" charset="0"/>
+                          </a:rPr>
+                          <m:t>𝑑𝑎𝑙</m:t>
+                        </m:r>
+                        <m:r>
+                          <a:rPr lang="it-IT" b="0" i="1" smtClean="0">
+                            <a:latin typeface="Cambria Math" panose="02040503050406030204" pitchFamily="18" charset="0"/>
+                            <a:ea typeface="Cambria Math" panose="02040503050406030204" pitchFamily="18" charset="0"/>
+                          </a:rPr>
+                          <m:t> </m:t>
+                        </m:r>
+                        <m:r>
+                          <a:rPr lang="it-IT" b="0" i="1" smtClean="0">
+                            <a:latin typeface="Cambria Math" panose="02040503050406030204" pitchFamily="18" charset="0"/>
+                            <a:ea typeface="Cambria Math" panose="02040503050406030204" pitchFamily="18" charset="0"/>
+                          </a:rPr>
+                          <m:t>𝑚𝑜𝑡𝑜𝑟𝑒</m:t>
+                        </m:r>
+                      </m:oMath>
+                    </m:oMathPara>
+                  </a14:m>
+                  <a:endParaRPr lang="it-IT" dirty="0"/>
+                </a:p>
+              </p:txBody>
+            </p:sp>
+          </mc:Choice>
+          <mc:Fallback>
+            <p:sp>
+              <p:nvSpPr>
+                <p:cNvPr id="8" name="Rettangolo 7">
+                  <a:extLst>
+                    <a:ext uri="{FF2B5EF4-FFF2-40B4-BE49-F238E27FC236}">
+                      <a16:creationId xmlns:a16="http://schemas.microsoft.com/office/drawing/2014/main" id="{D8E9314D-6579-42C6-82F4-1D82B5742B3D}"/>
+                    </a:ext>
+                  </a:extLst>
+                </p:cNvPr>
+                <p:cNvSpPr>
+                  <a:spLocks noRot="1" noChangeAspect="1" noMove="1" noResize="1" noEditPoints="1" noAdjustHandles="1" noChangeArrowheads="1" noChangeShapeType="1" noTextEdit="1"/>
+                </p:cNvSpPr>
+                <p:nvPr/>
+              </p:nvSpPr>
+              <p:spPr>
+                <a:xfrm>
+                  <a:off x="5268185" y="2720882"/>
+                  <a:ext cx="3727944" cy="369332"/>
+                </a:xfrm>
+                <a:prstGeom prst="rect">
+                  <a:avLst/>
+                </a:prstGeom>
+                <a:blipFill>
+                  <a:blip r:embed="rId9"/>
+                  <a:stretch>
+                    <a:fillRect b="-16393"/>
+                  </a:stretch>
+                </a:blipFill>
+              </p:spPr>
+              <p:txBody>
+                <a:bodyPr/>
+                <a:lstStyle/>
+                <a:p>
+                  <a:r>
+                    <a:rPr lang="it-IT">
+                      <a:noFill/>
+                    </a:rPr>
+                    <a:t> </a:t>
+                  </a:r>
+                </a:p>
+              </p:txBody>
+            </p:sp>
+          </mc:Fallback>
+        </mc:AlternateContent>
+        <p:sp>
+          <p:nvSpPr>
+            <p:cNvPr id="21" name="Rettangolo 20">
+              <a:extLst>
+                <a:ext uri="{FF2B5EF4-FFF2-40B4-BE49-F238E27FC236}">
+                  <a16:creationId xmlns:a16="http://schemas.microsoft.com/office/drawing/2014/main" id="{DD206341-598B-42FF-B74D-E1AB5499BD48}"/>
+                </a:ext>
+              </a:extLst>
+            </p:cNvPr>
+            <p:cNvSpPr/>
+            <p:nvPr/>
+          </p:nvSpPr>
+          <p:spPr>
+            <a:xfrm>
+              <a:off x="1593436" y="2276872"/>
+              <a:ext cx="7525312" cy="1200329"/>
+            </a:xfrm>
+            <a:prstGeom prst="rect">
+              <a:avLst/>
+            </a:prstGeom>
+            <a:noFill/>
+            <a:ln w="9525" cap="flat" cmpd="sng" algn="ctr">
+              <a:solidFill>
+                <a:schemeClr val="accent1"/>
+              </a:solidFill>
+              <a:prstDash val="solid"/>
+              <a:round/>
+              <a:headEnd type="none" w="med" len="med"/>
+              <a:tailEnd type="none" w="med" len="med"/>
+            </a:ln>
+          </p:spPr>
+          <p:style>
+            <a:lnRef idx="0">
+              <a:scrgbClr r="0" g="0" b="0"/>
+            </a:lnRef>
+            <a:fillRef idx="0">
+              <a:scrgbClr r="0" g="0" b="0"/>
+            </a:fillRef>
+            <a:effectRef idx="0">
+              <a:scrgbClr r="0" g="0" b="0"/>
+            </a:effectRef>
+            <a:fontRef idx="minor">
+              <a:schemeClr val="accent1"/>
+            </a:fontRef>
+          </p:style>
+          <p:txBody>
+            <a:bodyPr rtlCol="0" anchor="ctr"/>
+            <a:lstStyle/>
+            <a:p>
+              <a:pPr algn="ctr"/>
+              <a:endParaRPr lang="it-IT"/>
+            </a:p>
+          </p:txBody>
+        </p:sp>
+      </p:grpSp>
+      <p:grpSp>
+        <p:nvGrpSpPr>
+          <p:cNvPr id="24" name="Gruppo 23">
+            <a:extLst>
+              <a:ext uri="{FF2B5EF4-FFF2-40B4-BE49-F238E27FC236}">
+                <a16:creationId xmlns:a16="http://schemas.microsoft.com/office/drawing/2014/main" id="{29F04AB1-9686-42F1-9C6B-3BDF9164CB8A}"/>
+              </a:ext>
+            </a:extLst>
+          </p:cNvPr>
+          <p:cNvGrpSpPr/>
+          <p:nvPr/>
+        </p:nvGrpSpPr>
+        <p:grpSpPr>
+          <a:xfrm>
+            <a:off x="1652899" y="3964169"/>
+            <a:ext cx="7842196" cy="2147191"/>
+            <a:chOff x="1652899" y="3964169"/>
+            <a:chExt cx="7842196" cy="2147191"/>
+          </a:xfrm>
+        </p:grpSpPr>
+        <mc:AlternateContent xmlns:mc="http://schemas.openxmlformats.org/markup-compatibility/2006">
+          <mc:Choice xmlns:a14="http://schemas.microsoft.com/office/drawing/2010/main" Requires="a14">
+            <p:sp>
+              <p:nvSpPr>
+                <p:cNvPr id="9" name="Rettangolo 8">
+                  <a:extLst>
+                    <a:ext uri="{FF2B5EF4-FFF2-40B4-BE49-F238E27FC236}">
+                      <a16:creationId xmlns:a16="http://schemas.microsoft.com/office/drawing/2014/main" id="{308A7774-5B36-4241-BFE6-FA80BA2789C3}"/>
+                    </a:ext>
+                  </a:extLst>
+                </p:cNvPr>
+                <p:cNvSpPr/>
+                <p:nvPr/>
+              </p:nvSpPr>
+              <p:spPr>
+                <a:xfrm>
+                  <a:off x="1808147" y="5377740"/>
+                  <a:ext cx="1053173" cy="369332"/>
+                </a:xfrm>
+                <a:prstGeom prst="rect">
+                  <a:avLst/>
+                </a:prstGeom>
+              </p:spPr>
+              <p:txBody>
+                <a:bodyPr wrap="none">
+                  <a:spAutoFit/>
+                </a:bodyPr>
+                <a:lstStyle/>
+                <a:p>
+                  <a:pPr/>
+                  <a14:m>
+                    <m:oMathPara xmlns:m="http://schemas.openxmlformats.org/officeDocument/2006/math">
+                      <m:oMathParaPr>
+                        <m:jc m:val="left"/>
+                      </m:oMathParaPr>
+                      <m:oMath xmlns:m="http://schemas.openxmlformats.org/officeDocument/2006/math">
+                        <m:acc>
+                          <m:accPr>
+                            <m:chr m:val="̇"/>
+                            <m:ctrlPr>
+                              <a:rPr lang="it-IT" i="1">
+                                <a:latin typeface="Cambria Math" panose="02040503050406030204" pitchFamily="18" charset="0"/>
+                              </a:rPr>
+                            </m:ctrlPr>
+                          </m:accPr>
+                          <m:e>
+                            <m:sSub>
+                              <m:sSubPr>
+                                <m:ctrlPr>
+                                  <a:rPr lang="it-IT" i="1">
+                                    <a:latin typeface="Cambria Math" panose="02040503050406030204" pitchFamily="18" charset="0"/>
+                                  </a:rPr>
+                                </m:ctrlPr>
+                              </m:sSubPr>
+                              <m:e>
+                                <m:r>
+                                  <a:rPr lang="it-IT" i="1">
+                                    <a:latin typeface="Cambria Math" panose="02040503050406030204" pitchFamily="18" charset="0"/>
+                                  </a:rPr>
+                                  <m:t>𝑥</m:t>
+                                </m:r>
+                              </m:e>
+                              <m:sub>
+                                <m:r>
+                                  <m:rPr>
+                                    <m:brk m:alnAt="7"/>
+                                  </m:rPr>
+                                  <a:rPr lang="it-IT" i="1">
+                                    <a:latin typeface="Cambria Math" panose="02040503050406030204" pitchFamily="18" charset="0"/>
+                                  </a:rPr>
+                                  <m:t>2</m:t>
+                                </m:r>
+                              </m:sub>
+                            </m:sSub>
+                          </m:e>
+                        </m:acc>
+                        <m:r>
+                          <a:rPr lang="it-IT" i="1">
+                            <a:latin typeface="Cambria Math" panose="02040503050406030204" pitchFamily="18" charset="0"/>
+                          </a:rPr>
+                          <m:t>=</m:t>
+                        </m:r>
+                        <m:sSub>
+                          <m:sSubPr>
+                            <m:ctrlPr>
+                              <a:rPr lang="it-IT" i="1">
+                                <a:latin typeface="Cambria Math" panose="02040503050406030204" pitchFamily="18" charset="0"/>
+                              </a:rPr>
+                            </m:ctrlPr>
+                          </m:sSubPr>
+                          <m:e>
+                            <m:r>
+                              <a:rPr lang="it-IT" i="1">
+                                <a:latin typeface="Cambria Math" panose="02040503050406030204" pitchFamily="18" charset="0"/>
+                              </a:rPr>
+                              <m:t>𝑥</m:t>
+                            </m:r>
+                          </m:e>
+                          <m:sub>
+                            <m:r>
+                              <a:rPr lang="it-IT" i="1">
+                                <a:latin typeface="Cambria Math" panose="02040503050406030204" pitchFamily="18" charset="0"/>
+                              </a:rPr>
+                              <m:t>1</m:t>
+                            </m:r>
+                          </m:sub>
+                        </m:sSub>
+                      </m:oMath>
+                    </m:oMathPara>
+                  </a14:m>
+                  <a:endParaRPr lang="it-IT" dirty="0"/>
+                </a:p>
+              </p:txBody>
+            </p:sp>
+          </mc:Choice>
+          <mc:Fallback>
+            <p:sp>
+              <p:nvSpPr>
+                <p:cNvPr id="9" name="Rettangolo 8">
+                  <a:extLst>
+                    <a:ext uri="{FF2B5EF4-FFF2-40B4-BE49-F238E27FC236}">
+                      <a16:creationId xmlns:a16="http://schemas.microsoft.com/office/drawing/2014/main" id="{308A7774-5B36-4241-BFE6-FA80BA2789C3}"/>
+                    </a:ext>
+                  </a:extLst>
+                </p:cNvPr>
+                <p:cNvSpPr>
+                  <a:spLocks noRot="1" noChangeAspect="1" noMove="1" noResize="1" noEditPoints="1" noAdjustHandles="1" noChangeArrowheads="1" noChangeShapeType="1" noTextEdit="1"/>
+                </p:cNvSpPr>
+                <p:nvPr/>
+              </p:nvSpPr>
+              <p:spPr>
+                <a:xfrm>
+                  <a:off x="1808147" y="5377740"/>
+                  <a:ext cx="1053173" cy="369332"/>
+                </a:xfrm>
+                <a:prstGeom prst="rect">
+                  <a:avLst/>
+                </a:prstGeom>
+                <a:blipFill>
+                  <a:blip r:embed="rId10"/>
+                  <a:stretch>
+                    <a:fillRect b="-1639"/>
+                  </a:stretch>
+                </a:blipFill>
+              </p:spPr>
+              <p:txBody>
+                <a:bodyPr/>
+                <a:lstStyle/>
+                <a:p>
+                  <a:r>
+                    <a:rPr lang="it-IT">
+                      <a:noFill/>
+                    </a:rPr>
+                    <a:t> </a:t>
+                  </a:r>
+                </a:p>
+              </p:txBody>
+            </p:sp>
+          </mc:Fallback>
+        </mc:AlternateContent>
+        <mc:AlternateContent xmlns:mc="http://schemas.openxmlformats.org/markup-compatibility/2006">
+          <mc:Choice xmlns:a14="http://schemas.microsoft.com/office/drawing/2010/main" Requires="a14">
+            <p:sp>
+              <p:nvSpPr>
+                <p:cNvPr id="10" name="Rettangolo 9">
+                  <a:extLst>
+                    <a:ext uri="{FF2B5EF4-FFF2-40B4-BE49-F238E27FC236}">
+                      <a16:creationId xmlns:a16="http://schemas.microsoft.com/office/drawing/2014/main" id="{2D9D1309-A1A4-494C-B813-20C4EE1CAE32}"/>
+                    </a:ext>
+                  </a:extLst>
+                </p:cNvPr>
+                <p:cNvSpPr/>
+                <p:nvPr/>
+              </p:nvSpPr>
+              <p:spPr>
+                <a:xfrm>
+                  <a:off x="1808147" y="5742027"/>
+                  <a:ext cx="1058495" cy="369332"/>
+                </a:xfrm>
+                <a:prstGeom prst="rect">
+                  <a:avLst/>
+                </a:prstGeom>
+              </p:spPr>
+              <p:txBody>
+                <a:bodyPr wrap="none">
+                  <a:spAutoFit/>
+                </a:bodyPr>
+                <a:lstStyle/>
+                <a:p>
+                  <a:pPr/>
+                  <a14:m>
+                    <m:oMathPara xmlns:m="http://schemas.openxmlformats.org/officeDocument/2006/math">
+                      <m:oMathParaPr>
+                        <m:jc m:val="left"/>
+                      </m:oMathParaPr>
+                      <m:oMath xmlns:m="http://schemas.openxmlformats.org/officeDocument/2006/math">
+                        <m:acc>
+                          <m:accPr>
+                            <m:chr m:val="̇"/>
+                            <m:ctrlPr>
+                              <a:rPr lang="it-IT" i="1">
+                                <a:latin typeface="Cambria Math" panose="02040503050406030204" pitchFamily="18" charset="0"/>
+                              </a:rPr>
+                            </m:ctrlPr>
+                          </m:accPr>
+                          <m:e>
+                            <m:sSub>
+                              <m:sSubPr>
+                                <m:ctrlPr>
+                                  <a:rPr lang="it-IT" i="1">
+                                    <a:latin typeface="Cambria Math" panose="02040503050406030204" pitchFamily="18" charset="0"/>
+                                  </a:rPr>
+                                </m:ctrlPr>
+                              </m:sSubPr>
+                              <m:e>
+                                <m:r>
+                                  <a:rPr lang="it-IT" i="1">
+                                    <a:latin typeface="Cambria Math" panose="02040503050406030204" pitchFamily="18" charset="0"/>
+                                  </a:rPr>
+                                  <m:t>𝑥</m:t>
+                                </m:r>
+                              </m:e>
+                              <m:sub>
+                                <m:r>
+                                  <a:rPr lang="it-IT" i="1">
+                                    <a:latin typeface="Cambria Math" panose="02040503050406030204" pitchFamily="18" charset="0"/>
+                                  </a:rPr>
+                                  <m:t>4</m:t>
+                                </m:r>
+                              </m:sub>
+                            </m:sSub>
+                          </m:e>
+                        </m:acc>
+                        <m:r>
+                          <a:rPr lang="it-IT" i="1">
+                            <a:latin typeface="Cambria Math" panose="02040503050406030204" pitchFamily="18" charset="0"/>
+                          </a:rPr>
+                          <m:t>=</m:t>
+                        </m:r>
+                        <m:sSub>
+                          <m:sSubPr>
+                            <m:ctrlPr>
+                              <a:rPr lang="it-IT" i="1">
+                                <a:latin typeface="Cambria Math" panose="02040503050406030204" pitchFamily="18" charset="0"/>
+                              </a:rPr>
+                            </m:ctrlPr>
+                          </m:sSubPr>
+                          <m:e>
+                            <m:r>
+                              <a:rPr lang="it-IT" i="1">
+                                <a:latin typeface="Cambria Math" panose="02040503050406030204" pitchFamily="18" charset="0"/>
+                              </a:rPr>
+                              <m:t>𝑥</m:t>
+                            </m:r>
+                          </m:e>
+                          <m:sub>
+                            <m:r>
+                              <a:rPr lang="it-IT" i="1">
+                                <a:latin typeface="Cambria Math" panose="02040503050406030204" pitchFamily="18" charset="0"/>
+                              </a:rPr>
+                              <m:t>3</m:t>
+                            </m:r>
+                          </m:sub>
+                        </m:sSub>
+                      </m:oMath>
+                    </m:oMathPara>
+                  </a14:m>
+                  <a:endParaRPr lang="it-IT" dirty="0"/>
+                </a:p>
+              </p:txBody>
+            </p:sp>
+          </mc:Choice>
+          <mc:Fallback>
+            <p:sp>
+              <p:nvSpPr>
+                <p:cNvPr id="10" name="Rettangolo 9">
+                  <a:extLst>
+                    <a:ext uri="{FF2B5EF4-FFF2-40B4-BE49-F238E27FC236}">
+                      <a16:creationId xmlns:a16="http://schemas.microsoft.com/office/drawing/2014/main" id="{2D9D1309-A1A4-494C-B813-20C4EE1CAE32}"/>
+                    </a:ext>
+                  </a:extLst>
+                </p:cNvPr>
+                <p:cNvSpPr>
+                  <a:spLocks noRot="1" noChangeAspect="1" noMove="1" noResize="1" noEditPoints="1" noAdjustHandles="1" noChangeArrowheads="1" noChangeShapeType="1" noTextEdit="1"/>
+                </p:cNvSpPr>
+                <p:nvPr/>
+              </p:nvSpPr>
+              <p:spPr>
+                <a:xfrm>
+                  <a:off x="1808147" y="5742027"/>
+                  <a:ext cx="1058495" cy="369332"/>
+                </a:xfrm>
+                <a:prstGeom prst="rect">
+                  <a:avLst/>
+                </a:prstGeom>
+                <a:blipFill>
+                  <a:blip r:embed="rId11"/>
+                  <a:stretch>
+                    <a:fillRect b="-1639"/>
+                  </a:stretch>
+                </a:blipFill>
+              </p:spPr>
+              <p:txBody>
+                <a:bodyPr/>
+                <a:lstStyle/>
+                <a:p>
+                  <a:r>
+                    <a:rPr lang="it-IT">
+                      <a:noFill/>
+                    </a:rPr>
+                    <a:t> </a:t>
+                  </a:r>
+                </a:p>
+              </p:txBody>
+            </p:sp>
+          </mc:Fallback>
+        </mc:AlternateContent>
+        <mc:AlternateContent xmlns:mc="http://schemas.openxmlformats.org/markup-compatibility/2006">
+          <mc:Choice xmlns:a14="http://schemas.microsoft.com/office/drawing/2010/main" Requires="a14">
+            <p:sp>
+              <p:nvSpPr>
+                <p:cNvPr id="11" name="Rettangolo 10">
+                  <a:extLst>
+                    <a:ext uri="{FF2B5EF4-FFF2-40B4-BE49-F238E27FC236}">
+                      <a16:creationId xmlns:a16="http://schemas.microsoft.com/office/drawing/2014/main" id="{17E35C80-1FDF-4A6F-855A-58B2E6263E22}"/>
+                    </a:ext>
+                  </a:extLst>
+                </p:cNvPr>
+                <p:cNvSpPr/>
+                <p:nvPr/>
+              </p:nvSpPr>
+              <p:spPr>
+                <a:xfrm>
+                  <a:off x="1808147" y="4682656"/>
+                  <a:ext cx="5047920" cy="700128"/>
+                </a:xfrm>
+                <a:prstGeom prst="rect">
+                  <a:avLst/>
+                </a:prstGeom>
+              </p:spPr>
+              <p:txBody>
+                <a:bodyPr wrap="none">
+                  <a:spAutoFit/>
+                </a:bodyPr>
+                <a:lstStyle/>
+                <a:p>
+                  <a:pPr/>
+                  <a14:m>
+                    <m:oMathPara xmlns:m="http://schemas.openxmlformats.org/officeDocument/2006/math">
+                      <m:oMathParaPr>
+                        <m:jc m:val="left"/>
+                      </m:oMathParaPr>
+                      <m:oMath xmlns:m="http://schemas.openxmlformats.org/officeDocument/2006/math">
+                        <m:acc>
+                          <m:accPr>
+                            <m:chr m:val="̇"/>
+                            <m:ctrlPr>
+                              <a:rPr lang="it-IT" i="1">
+                                <a:latin typeface="Cambria Math" panose="02040503050406030204" pitchFamily="18" charset="0"/>
+                              </a:rPr>
+                            </m:ctrlPr>
+                          </m:accPr>
+                          <m:e>
+                            <m:sSub>
+                              <m:sSubPr>
+                                <m:ctrlPr>
+                                  <a:rPr lang="it-IT" i="1">
+                                    <a:latin typeface="Cambria Math" panose="02040503050406030204" pitchFamily="18" charset="0"/>
+                                  </a:rPr>
+                                </m:ctrlPr>
+                              </m:sSubPr>
+                              <m:e>
+                                <m:r>
+                                  <a:rPr lang="it-IT" i="1">
+                                    <a:latin typeface="Cambria Math" panose="02040503050406030204" pitchFamily="18" charset="0"/>
+                                  </a:rPr>
+                                  <m:t>𝑥</m:t>
+                                </m:r>
+                              </m:e>
+                              <m:sub>
+                                <m:r>
+                                  <a:rPr lang="it-IT" i="1">
+                                    <a:latin typeface="Cambria Math" panose="02040503050406030204" pitchFamily="18" charset="0"/>
+                                  </a:rPr>
+                                  <m:t>3</m:t>
+                                </m:r>
+                              </m:sub>
+                            </m:sSub>
+                          </m:e>
+                        </m:acc>
+                        <m:r>
+                          <a:rPr lang="it-IT" i="1">
+                            <a:latin typeface="Cambria Math" panose="02040503050406030204" pitchFamily="18" charset="0"/>
+                          </a:rPr>
+                          <m:t>=</m:t>
+                        </m:r>
+                        <m:f>
+                          <m:fPr>
+                            <m:ctrlPr>
+                              <a:rPr lang="it-IT" i="1">
+                                <a:latin typeface="Cambria Math" panose="02040503050406030204" pitchFamily="18" charset="0"/>
+                                <a:ea typeface="Cambria Math" panose="02040503050406030204" pitchFamily="18" charset="0"/>
+                              </a:rPr>
+                            </m:ctrlPr>
+                          </m:fPr>
+                          <m:num>
+                            <m:sSub>
+                              <m:sSubPr>
+                                <m:ctrlPr>
+                                  <a:rPr lang="it-IT" i="1">
+                                    <a:latin typeface="Cambria Math" panose="02040503050406030204" pitchFamily="18" charset="0"/>
+                                    <a:ea typeface="Cambria Math" panose="02040503050406030204" pitchFamily="18" charset="0"/>
+                                  </a:rPr>
+                                </m:ctrlPr>
+                              </m:sSubPr>
+                              <m:e>
+                                <m:r>
+                                  <a:rPr lang="it-IT" i="1">
+                                    <a:latin typeface="Cambria Math" panose="02040503050406030204" pitchFamily="18" charset="0"/>
+                                    <a:ea typeface="Cambria Math" panose="02040503050406030204" pitchFamily="18" charset="0"/>
+                                  </a:rPr>
+                                  <m:t>𝐷</m:t>
+                                </m:r>
+                              </m:e>
+                              <m:sub>
+                                <m:r>
+                                  <a:rPr lang="it-IT" i="1">
+                                    <a:latin typeface="Cambria Math" panose="02040503050406030204" pitchFamily="18" charset="0"/>
+                                    <a:ea typeface="Cambria Math" panose="02040503050406030204" pitchFamily="18" charset="0"/>
+                                  </a:rPr>
+                                  <m:t>2</m:t>
+                                </m:r>
+                              </m:sub>
+                            </m:sSub>
+                          </m:num>
+                          <m:den>
+                            <m:sSub>
+                              <m:sSubPr>
+                                <m:ctrlPr>
+                                  <a:rPr lang="it-IT" i="1">
+                                    <a:latin typeface="Cambria Math" panose="02040503050406030204" pitchFamily="18" charset="0"/>
+                                  </a:rPr>
+                                </m:ctrlPr>
+                              </m:sSubPr>
+                              <m:e>
+                                <m:r>
+                                  <a:rPr lang="it-IT" i="1">
+                                    <a:latin typeface="Cambria Math" panose="02040503050406030204" pitchFamily="18" charset="0"/>
+                                  </a:rPr>
+                                  <m:t>𝐼</m:t>
+                                </m:r>
+                              </m:e>
+                              <m:sub>
+                                <m:sSub>
+                                  <m:sSubPr>
+                                    <m:ctrlPr>
+                                      <a:rPr lang="it-IT" i="1">
+                                        <a:latin typeface="Cambria Math" panose="02040503050406030204" pitchFamily="18" charset="0"/>
+                                      </a:rPr>
+                                    </m:ctrlPr>
+                                  </m:sSubPr>
+                                  <m:e>
+                                    <m:r>
+                                      <a:rPr lang="it-IT" i="1">
+                                        <a:latin typeface="Cambria Math" panose="02040503050406030204" pitchFamily="18" charset="0"/>
+                                      </a:rPr>
+                                      <m:t>𝐵</m:t>
+                                    </m:r>
+                                  </m:e>
+                                  <m:sub>
+                                    <m:r>
+                                      <a:rPr lang="it-IT" i="1">
+                                        <a:latin typeface="Cambria Math" panose="02040503050406030204" pitchFamily="18" charset="0"/>
+                                      </a:rPr>
+                                      <m:t>𝑡𝑜𝑡</m:t>
+                                    </m:r>
+                                  </m:sub>
+                                </m:sSub>
+                              </m:sub>
+                            </m:sSub>
+                          </m:den>
+                        </m:f>
+                        <m:r>
+                          <a:rPr lang="it-IT" i="1">
+                            <a:latin typeface="Cambria Math" panose="02040503050406030204" pitchFamily="18" charset="0"/>
+                            <a:ea typeface="Cambria Math" panose="02040503050406030204" pitchFamily="18" charset="0"/>
+                          </a:rPr>
+                          <m:t>∙</m:t>
+                        </m:r>
+                        <m:sSub>
+                          <m:sSubPr>
+                            <m:ctrlPr>
+                              <a:rPr lang="it-IT" i="1">
+                                <a:latin typeface="Cambria Math" panose="02040503050406030204" pitchFamily="18" charset="0"/>
+                                <a:ea typeface="Cambria Math" panose="02040503050406030204" pitchFamily="18" charset="0"/>
+                              </a:rPr>
+                            </m:ctrlPr>
+                          </m:sSubPr>
+                          <m:e>
+                            <m:r>
+                              <a:rPr lang="it-IT" i="1">
+                                <a:latin typeface="Cambria Math" panose="02040503050406030204" pitchFamily="18" charset="0"/>
+                                <a:ea typeface="Cambria Math" panose="02040503050406030204" pitchFamily="18" charset="0"/>
+                              </a:rPr>
+                              <m:t>𝑥</m:t>
+                            </m:r>
+                          </m:e>
+                          <m:sub>
+                            <m:r>
+                              <a:rPr lang="it-IT" i="1">
+                                <a:latin typeface="Cambria Math" panose="02040503050406030204" pitchFamily="18" charset="0"/>
+                                <a:ea typeface="Cambria Math" panose="02040503050406030204" pitchFamily="18" charset="0"/>
+                              </a:rPr>
+                              <m:t>1</m:t>
+                            </m:r>
+                          </m:sub>
+                        </m:sSub>
+                        <m:r>
+                          <a:rPr lang="it-IT" i="1">
+                            <a:latin typeface="Cambria Math" panose="02040503050406030204" pitchFamily="18" charset="0"/>
+                            <a:ea typeface="Cambria Math" panose="02040503050406030204" pitchFamily="18" charset="0"/>
+                          </a:rPr>
+                          <m:t>+</m:t>
+                        </m:r>
+                        <m:f>
+                          <m:fPr>
+                            <m:ctrlPr>
+                              <a:rPr lang="it-IT" i="1">
+                                <a:latin typeface="Cambria Math" panose="02040503050406030204" pitchFamily="18" charset="0"/>
+                                <a:ea typeface="Cambria Math" panose="02040503050406030204" pitchFamily="18" charset="0"/>
+                              </a:rPr>
+                            </m:ctrlPr>
+                          </m:fPr>
+                          <m:num>
+                            <m:sSub>
+                              <m:sSubPr>
+                                <m:ctrlPr>
+                                  <a:rPr lang="it-IT" i="1">
+                                    <a:latin typeface="Cambria Math" panose="02040503050406030204" pitchFamily="18" charset="0"/>
+                                    <a:ea typeface="Cambria Math" panose="02040503050406030204" pitchFamily="18" charset="0"/>
+                                  </a:rPr>
+                                </m:ctrlPr>
+                              </m:sSubPr>
+                              <m:e>
+                                <m:r>
+                                  <a:rPr lang="it-IT" i="1">
+                                    <a:latin typeface="Cambria Math" panose="02040503050406030204" pitchFamily="18" charset="0"/>
+                                    <a:ea typeface="Cambria Math" panose="02040503050406030204" pitchFamily="18" charset="0"/>
+                                  </a:rPr>
+                                  <m:t>𝐾</m:t>
+                                </m:r>
+                              </m:e>
+                              <m:sub>
+                                <m:r>
+                                  <a:rPr lang="it-IT" i="1">
+                                    <a:latin typeface="Cambria Math" panose="02040503050406030204" pitchFamily="18" charset="0"/>
+                                    <a:ea typeface="Cambria Math" panose="02040503050406030204" pitchFamily="18" charset="0"/>
+                                  </a:rPr>
+                                  <m:t>𝑚𝑙𝑔</m:t>
+                                </m:r>
+                              </m:sub>
+                            </m:sSub>
+                          </m:num>
+                          <m:den>
+                            <m:sSub>
+                              <m:sSubPr>
+                                <m:ctrlPr>
+                                  <a:rPr lang="it-IT" i="1">
+                                    <a:latin typeface="Cambria Math" panose="02040503050406030204" pitchFamily="18" charset="0"/>
+                                  </a:rPr>
+                                </m:ctrlPr>
+                              </m:sSubPr>
+                              <m:e>
+                                <m:r>
+                                  <a:rPr lang="it-IT" i="1">
+                                    <a:latin typeface="Cambria Math" panose="02040503050406030204" pitchFamily="18" charset="0"/>
+                                  </a:rPr>
+                                  <m:t>𝐼</m:t>
+                                </m:r>
+                              </m:e>
+                              <m:sub>
+                                <m:sSub>
+                                  <m:sSubPr>
+                                    <m:ctrlPr>
+                                      <a:rPr lang="it-IT" i="1">
+                                        <a:latin typeface="Cambria Math" panose="02040503050406030204" pitchFamily="18" charset="0"/>
+                                      </a:rPr>
+                                    </m:ctrlPr>
+                                  </m:sSubPr>
+                                  <m:e>
+                                    <m:r>
+                                      <a:rPr lang="it-IT" i="1">
+                                        <a:latin typeface="Cambria Math" panose="02040503050406030204" pitchFamily="18" charset="0"/>
+                                      </a:rPr>
+                                      <m:t>𝐵</m:t>
+                                    </m:r>
+                                  </m:e>
+                                  <m:sub>
+                                    <m:r>
+                                      <a:rPr lang="it-IT" i="1">
+                                        <a:latin typeface="Cambria Math" panose="02040503050406030204" pitchFamily="18" charset="0"/>
+                                      </a:rPr>
+                                      <m:t>𝑡𝑜𝑡</m:t>
+                                    </m:r>
+                                  </m:sub>
+                                </m:sSub>
+                              </m:sub>
+                            </m:sSub>
+                          </m:den>
+                        </m:f>
+                        <m:r>
+                          <a:rPr lang="it-IT" i="1">
+                            <a:latin typeface="Cambria Math" panose="02040503050406030204" pitchFamily="18" charset="0"/>
+                            <a:ea typeface="Cambria Math" panose="02040503050406030204" pitchFamily="18" charset="0"/>
+                          </a:rPr>
+                          <m:t>∙</m:t>
+                        </m:r>
+                        <m:func>
+                          <m:funcPr>
+                            <m:ctrlPr>
+                              <a:rPr lang="it-IT" i="1">
+                                <a:latin typeface="Cambria Math" panose="02040503050406030204" pitchFamily="18" charset="0"/>
+                                <a:ea typeface="Cambria Math" panose="02040503050406030204" pitchFamily="18" charset="0"/>
+                              </a:rPr>
+                            </m:ctrlPr>
+                          </m:funcPr>
+                          <m:fName>
+                            <m:r>
+                              <m:rPr>
+                                <m:sty m:val="p"/>
+                              </m:rPr>
+                              <a:rPr lang="it-IT">
+                                <a:latin typeface="Cambria Math" panose="02040503050406030204" pitchFamily="18" charset="0"/>
+                                <a:ea typeface="Cambria Math" panose="02040503050406030204" pitchFamily="18" charset="0"/>
+                              </a:rPr>
+                              <m:t>sin</m:t>
+                            </m:r>
+                          </m:fName>
+                          <m:e>
+                            <m:d>
+                              <m:dPr>
+                                <m:ctrlPr>
+                                  <a:rPr lang="it-IT" i="1">
+                                    <a:latin typeface="Cambria Math" panose="02040503050406030204" pitchFamily="18" charset="0"/>
+                                    <a:ea typeface="Cambria Math" panose="02040503050406030204" pitchFamily="18" charset="0"/>
+                                  </a:rPr>
+                                </m:ctrlPr>
+                              </m:dPr>
+                              <m:e>
+                                <m:sSub>
+                                  <m:sSubPr>
+                                    <m:ctrlPr>
+                                      <a:rPr lang="it-IT" i="1">
+                                        <a:latin typeface="Cambria Math" panose="02040503050406030204" pitchFamily="18" charset="0"/>
+                                        <a:ea typeface="Cambria Math" panose="02040503050406030204" pitchFamily="18" charset="0"/>
+                                      </a:rPr>
+                                    </m:ctrlPr>
+                                  </m:sSubPr>
+                                  <m:e>
+                                    <m:r>
+                                      <a:rPr lang="it-IT" i="1">
+                                        <a:latin typeface="Cambria Math" panose="02040503050406030204" pitchFamily="18" charset="0"/>
+                                        <a:ea typeface="Cambria Math" panose="02040503050406030204" pitchFamily="18" charset="0"/>
+                                      </a:rPr>
+                                      <m:t>𝑥</m:t>
+                                    </m:r>
+                                  </m:e>
+                                  <m:sub>
+                                    <m:r>
+                                      <a:rPr lang="it-IT" i="1">
+                                        <a:latin typeface="Cambria Math" panose="02040503050406030204" pitchFamily="18" charset="0"/>
+                                        <a:ea typeface="Cambria Math" panose="02040503050406030204" pitchFamily="18" charset="0"/>
+                                      </a:rPr>
+                                      <m:t>4</m:t>
+                                    </m:r>
+                                  </m:sub>
+                                </m:sSub>
+                              </m:e>
+                            </m:d>
+                          </m:e>
+                        </m:func>
+                        <m:r>
+                          <a:rPr lang="it-IT" i="1">
+                            <a:latin typeface="Cambria Math" panose="02040503050406030204" pitchFamily="18" charset="0"/>
+                            <a:ea typeface="Cambria Math" panose="02040503050406030204" pitchFamily="18" charset="0"/>
+                          </a:rPr>
+                          <m:t>−</m:t>
+                        </m:r>
+                        <m:f>
+                          <m:fPr>
+                            <m:ctrlPr>
+                              <a:rPr lang="it-IT" i="1">
+                                <a:latin typeface="Cambria Math" panose="02040503050406030204" pitchFamily="18" charset="0"/>
+                                <a:ea typeface="Cambria Math" panose="02040503050406030204" pitchFamily="18" charset="0"/>
+                              </a:rPr>
+                            </m:ctrlPr>
+                          </m:fPr>
+                          <m:num>
+                            <m:sSub>
+                              <m:sSubPr>
+                                <m:ctrlPr>
+                                  <a:rPr lang="it-IT" i="1">
+                                    <a:latin typeface="Cambria Math" panose="02040503050406030204" pitchFamily="18" charset="0"/>
+                                    <a:ea typeface="Cambria Math" panose="02040503050406030204" pitchFamily="18" charset="0"/>
+                                  </a:rPr>
+                                </m:ctrlPr>
+                              </m:sSubPr>
+                              <m:e>
+                                <m:r>
+                                  <a:rPr lang="it-IT" i="1">
+                                    <a:latin typeface="Cambria Math" panose="02040503050406030204" pitchFamily="18" charset="0"/>
+                                    <a:ea typeface="Cambria Math" panose="02040503050406030204" pitchFamily="18" charset="0"/>
+                                  </a:rPr>
+                                  <m:t>𝐷</m:t>
+                                </m:r>
+                              </m:e>
+                              <m:sub>
+                                <m:r>
+                                  <a:rPr lang="it-IT" i="1">
+                                    <a:latin typeface="Cambria Math" panose="02040503050406030204" pitchFamily="18" charset="0"/>
+                                    <a:ea typeface="Cambria Math" panose="02040503050406030204" pitchFamily="18" charset="0"/>
+                                  </a:rPr>
+                                  <m:t>1</m:t>
+                                </m:r>
+                              </m:sub>
+                            </m:sSub>
+                          </m:num>
+                          <m:den>
+                            <m:sSub>
+                              <m:sSubPr>
+                                <m:ctrlPr>
+                                  <a:rPr lang="it-IT" i="1">
+                                    <a:latin typeface="Cambria Math" panose="02040503050406030204" pitchFamily="18" charset="0"/>
+                                  </a:rPr>
+                                </m:ctrlPr>
+                              </m:sSubPr>
+                              <m:e>
+                                <m:r>
+                                  <a:rPr lang="it-IT" i="1">
+                                    <a:latin typeface="Cambria Math" panose="02040503050406030204" pitchFamily="18" charset="0"/>
+                                  </a:rPr>
+                                  <m:t>𝐼</m:t>
+                                </m:r>
+                              </m:e>
+                              <m:sub>
+                                <m:sSub>
+                                  <m:sSubPr>
+                                    <m:ctrlPr>
+                                      <a:rPr lang="it-IT" i="1">
+                                        <a:latin typeface="Cambria Math" panose="02040503050406030204" pitchFamily="18" charset="0"/>
+                                      </a:rPr>
+                                    </m:ctrlPr>
+                                  </m:sSubPr>
+                                  <m:e>
+                                    <m:r>
+                                      <a:rPr lang="it-IT" i="1">
+                                        <a:latin typeface="Cambria Math" panose="02040503050406030204" pitchFamily="18" charset="0"/>
+                                      </a:rPr>
+                                      <m:t>𝐵</m:t>
+                                    </m:r>
+                                  </m:e>
+                                  <m:sub>
+                                    <m:r>
+                                      <a:rPr lang="it-IT" i="1">
+                                        <a:latin typeface="Cambria Math" panose="02040503050406030204" pitchFamily="18" charset="0"/>
+                                      </a:rPr>
+                                      <m:t>𝑡𝑜𝑡</m:t>
+                                    </m:r>
+                                  </m:sub>
+                                </m:sSub>
+                              </m:sub>
+                            </m:sSub>
+                          </m:den>
+                        </m:f>
+                        <m:r>
+                          <a:rPr lang="it-IT" i="1">
+                            <a:latin typeface="Cambria Math" panose="02040503050406030204" pitchFamily="18" charset="0"/>
+                            <a:ea typeface="Cambria Math" panose="02040503050406030204" pitchFamily="18" charset="0"/>
+                          </a:rPr>
+                          <m:t>∙</m:t>
+                        </m:r>
+                        <m:sSub>
+                          <m:sSubPr>
+                            <m:ctrlPr>
+                              <a:rPr lang="it-IT" i="1">
+                                <a:latin typeface="Cambria Math" panose="02040503050406030204" pitchFamily="18" charset="0"/>
+                                <a:ea typeface="Cambria Math" panose="02040503050406030204" pitchFamily="18" charset="0"/>
+                              </a:rPr>
+                            </m:ctrlPr>
+                          </m:sSubPr>
+                          <m:e>
+                            <m:r>
+                              <a:rPr lang="it-IT" i="1">
+                                <a:latin typeface="Cambria Math" panose="02040503050406030204" pitchFamily="18" charset="0"/>
+                                <a:ea typeface="Cambria Math" panose="02040503050406030204" pitchFamily="18" charset="0"/>
+                              </a:rPr>
+                              <m:t>𝑥</m:t>
+                            </m:r>
+                          </m:e>
+                          <m:sub>
+                            <m:r>
+                              <a:rPr lang="it-IT" i="1">
+                                <a:latin typeface="Cambria Math" panose="02040503050406030204" pitchFamily="18" charset="0"/>
+                                <a:ea typeface="Cambria Math" panose="02040503050406030204" pitchFamily="18" charset="0"/>
+                              </a:rPr>
+                              <m:t>3</m:t>
+                            </m:r>
+                          </m:sub>
+                        </m:sSub>
+                        <m:r>
+                          <a:rPr lang="it-IT" i="1">
+                            <a:latin typeface="Cambria Math" panose="02040503050406030204" pitchFamily="18" charset="0"/>
+                            <a:ea typeface="Cambria Math" panose="02040503050406030204" pitchFamily="18" charset="0"/>
+                          </a:rPr>
+                          <m:t>−</m:t>
+                        </m:r>
+                        <m:f>
+                          <m:fPr>
+                            <m:ctrlPr>
+                              <a:rPr lang="it-IT" i="1">
+                                <a:latin typeface="Cambria Math" panose="02040503050406030204" pitchFamily="18" charset="0"/>
+                                <a:ea typeface="Cambria Math" panose="02040503050406030204" pitchFamily="18" charset="0"/>
+                              </a:rPr>
+                            </m:ctrlPr>
+                          </m:fPr>
+                          <m:num>
+                            <m:r>
+                              <a:rPr lang="it-IT" i="1">
+                                <a:highlight>
+                                  <a:srgbClr val="00FF00"/>
+                                </a:highlight>
+                                <a:latin typeface="Cambria Math" panose="02040503050406030204" pitchFamily="18" charset="0"/>
+                                <a:ea typeface="Cambria Math" panose="02040503050406030204" pitchFamily="18" charset="0"/>
+                              </a:rPr>
+                              <m:t>𝑢</m:t>
+                            </m:r>
+                          </m:num>
+                          <m:den>
+                            <m:sSub>
+                              <m:sSubPr>
+                                <m:ctrlPr>
+                                  <a:rPr lang="it-IT" i="1">
+                                    <a:latin typeface="Cambria Math" panose="02040503050406030204" pitchFamily="18" charset="0"/>
+                                  </a:rPr>
+                                </m:ctrlPr>
+                              </m:sSubPr>
+                              <m:e>
+                                <m:r>
+                                  <a:rPr lang="it-IT" i="1">
+                                    <a:latin typeface="Cambria Math" panose="02040503050406030204" pitchFamily="18" charset="0"/>
+                                  </a:rPr>
+                                  <m:t>𝐼</m:t>
+                                </m:r>
+                              </m:e>
+                              <m:sub>
+                                <m:sSub>
+                                  <m:sSubPr>
+                                    <m:ctrlPr>
+                                      <a:rPr lang="it-IT" i="1">
+                                        <a:latin typeface="Cambria Math" panose="02040503050406030204" pitchFamily="18" charset="0"/>
+                                      </a:rPr>
+                                    </m:ctrlPr>
+                                  </m:sSubPr>
+                                  <m:e>
+                                    <m:r>
+                                      <a:rPr lang="it-IT" i="1">
+                                        <a:latin typeface="Cambria Math" panose="02040503050406030204" pitchFamily="18" charset="0"/>
+                                      </a:rPr>
+                                      <m:t>𝐵</m:t>
+                                    </m:r>
+                                  </m:e>
+                                  <m:sub>
+                                    <m:r>
+                                      <a:rPr lang="it-IT" i="1">
+                                        <a:latin typeface="Cambria Math" panose="02040503050406030204" pitchFamily="18" charset="0"/>
+                                      </a:rPr>
+                                      <m:t>𝑡𝑜𝑡</m:t>
+                                    </m:r>
+                                  </m:sub>
+                                </m:sSub>
+                              </m:sub>
+                            </m:sSub>
+                          </m:den>
+                        </m:f>
+                      </m:oMath>
+                    </m:oMathPara>
+                  </a14:m>
+                  <a:endParaRPr lang="it-IT" dirty="0"/>
+                </a:p>
+              </p:txBody>
+            </p:sp>
+          </mc:Choice>
+          <mc:Fallback>
+            <p:sp>
+              <p:nvSpPr>
+                <p:cNvPr id="11" name="Rettangolo 10">
+                  <a:extLst>
+                    <a:ext uri="{FF2B5EF4-FFF2-40B4-BE49-F238E27FC236}">
+                      <a16:creationId xmlns:a16="http://schemas.microsoft.com/office/drawing/2014/main" id="{17E35C80-1FDF-4A6F-855A-58B2E6263E22}"/>
+                    </a:ext>
+                  </a:extLst>
+                </p:cNvPr>
+                <p:cNvSpPr>
+                  <a:spLocks noRot="1" noChangeAspect="1" noMove="1" noResize="1" noEditPoints="1" noAdjustHandles="1" noChangeArrowheads="1" noChangeShapeType="1" noTextEdit="1"/>
+                </p:cNvSpPr>
+                <p:nvPr/>
+              </p:nvSpPr>
+              <p:spPr>
+                <a:xfrm>
+                  <a:off x="1808147" y="4682656"/>
+                  <a:ext cx="5047920" cy="700128"/>
+                </a:xfrm>
+                <a:prstGeom prst="rect">
+                  <a:avLst/>
+                </a:prstGeom>
+                <a:blipFill>
+                  <a:blip r:embed="rId12"/>
+                  <a:stretch>
+                    <a:fillRect/>
+                  </a:stretch>
+                </a:blipFill>
+              </p:spPr>
+              <p:txBody>
+                <a:bodyPr/>
+                <a:lstStyle/>
+                <a:p>
+                  <a:r>
+                    <a:rPr lang="it-IT">
+                      <a:noFill/>
+                    </a:rPr>
+                    <a:t> </a:t>
+                  </a:r>
+                </a:p>
+              </p:txBody>
+            </p:sp>
+          </mc:Fallback>
+        </mc:AlternateContent>
+        <mc:AlternateContent xmlns:mc="http://schemas.openxmlformats.org/markup-compatibility/2006">
+          <mc:Choice xmlns:a14="http://schemas.microsoft.com/office/drawing/2010/main" Requires="a14">
+            <p:sp>
+              <p:nvSpPr>
+                <p:cNvPr id="12" name="Rettangolo 11">
+                  <a:extLst>
+                    <a:ext uri="{FF2B5EF4-FFF2-40B4-BE49-F238E27FC236}">
+                      <a16:creationId xmlns:a16="http://schemas.microsoft.com/office/drawing/2014/main" id="{16BCF218-CD3D-4618-8616-A773D4B925F1}"/>
+                    </a:ext>
+                  </a:extLst>
+                </p:cNvPr>
+                <p:cNvSpPr/>
+                <p:nvPr/>
+              </p:nvSpPr>
+              <p:spPr>
+                <a:xfrm>
+                  <a:off x="1808147" y="3964169"/>
+                  <a:ext cx="7686948" cy="723531"/>
+                </a:xfrm>
+                <a:prstGeom prst="rect">
+                  <a:avLst/>
+                </a:prstGeom>
+              </p:spPr>
+              <p:txBody>
+                <a:bodyPr wrap="square">
+                  <a:spAutoFit/>
+                </a:bodyPr>
+                <a:lstStyle/>
+                <a:p>
+                  <a:pPr/>
+                  <a14:m>
+                    <m:oMathPara xmlns:m="http://schemas.openxmlformats.org/officeDocument/2006/math">
+                      <m:oMathParaPr>
+                        <m:jc m:val="left"/>
+                      </m:oMathParaPr>
+                      <m:oMath xmlns:m="http://schemas.openxmlformats.org/officeDocument/2006/math">
+                        <m:acc>
+                          <m:accPr>
+                            <m:chr m:val="̇"/>
+                            <m:ctrlPr>
+                              <a:rPr lang="it-IT" i="1">
+                                <a:latin typeface="Cambria Math" panose="02040503050406030204" pitchFamily="18" charset="0"/>
+                              </a:rPr>
+                            </m:ctrlPr>
+                          </m:accPr>
+                          <m:e>
+                            <m:sSub>
+                              <m:sSubPr>
+                                <m:ctrlPr>
+                                  <a:rPr lang="it-IT" i="1">
+                                    <a:latin typeface="Cambria Math" panose="02040503050406030204" pitchFamily="18" charset="0"/>
+                                  </a:rPr>
+                                </m:ctrlPr>
+                              </m:sSubPr>
+                              <m:e>
+                                <m:r>
+                                  <a:rPr lang="it-IT" i="1">
+                                    <a:latin typeface="Cambria Math" panose="02040503050406030204" pitchFamily="18" charset="0"/>
+                                  </a:rPr>
+                                  <m:t>𝑥</m:t>
+                                </m:r>
+                              </m:e>
+                              <m:sub>
+                                <m:r>
+                                  <a:rPr lang="it-IT" i="1">
+                                    <a:latin typeface="Cambria Math" panose="02040503050406030204" pitchFamily="18" charset="0"/>
+                                  </a:rPr>
+                                  <m:t>1</m:t>
+                                </m:r>
+                              </m:sub>
+                            </m:sSub>
+                          </m:e>
+                        </m:acc>
+                        <m:r>
+                          <a:rPr lang="it-IT" i="1">
+                            <a:latin typeface="Cambria Math" panose="02040503050406030204" pitchFamily="18" charset="0"/>
+                          </a:rPr>
+                          <m:t>=−</m:t>
+                        </m:r>
+                        <m:d>
+                          <m:dPr>
+                            <m:ctrlPr>
+                              <a:rPr lang="it-IT" i="1">
+                                <a:latin typeface="Cambria Math" panose="02040503050406030204" pitchFamily="18" charset="0"/>
+                              </a:rPr>
+                            </m:ctrlPr>
+                          </m:dPr>
+                          <m:e>
+                            <m:f>
+                              <m:fPr>
+                                <m:ctrlPr>
+                                  <a:rPr lang="it-IT" i="1">
+                                    <a:latin typeface="Cambria Math" panose="02040503050406030204" pitchFamily="18" charset="0"/>
+                                  </a:rPr>
+                                </m:ctrlPr>
+                              </m:fPr>
+                              <m:num>
+                                <m:r>
+                                  <a:rPr lang="it-IT" i="1">
+                                    <a:latin typeface="Cambria Math" panose="02040503050406030204" pitchFamily="18" charset="0"/>
+                                  </a:rPr>
+                                  <m:t>1</m:t>
+                                </m:r>
+                              </m:num>
+                              <m:den>
+                                <m:sSub>
+                                  <m:sSubPr>
+                                    <m:ctrlPr>
+                                      <a:rPr lang="it-IT" i="1">
+                                        <a:latin typeface="Cambria Math" panose="02040503050406030204" pitchFamily="18" charset="0"/>
+                                      </a:rPr>
+                                    </m:ctrlPr>
+                                  </m:sSubPr>
+                                  <m:e>
+                                    <m:r>
+                                      <a:rPr lang="it-IT" i="1">
+                                        <a:latin typeface="Cambria Math" panose="02040503050406030204" pitchFamily="18" charset="0"/>
+                                      </a:rPr>
+                                      <m:t>𝐼</m:t>
+                                    </m:r>
+                                  </m:e>
+                                  <m:sub>
+                                    <m:sSub>
+                                      <m:sSubPr>
+                                        <m:ctrlPr>
+                                          <a:rPr lang="it-IT" i="1">
+                                            <a:latin typeface="Cambria Math" panose="02040503050406030204" pitchFamily="18" charset="0"/>
+                                          </a:rPr>
+                                        </m:ctrlPr>
+                                      </m:sSubPr>
+                                      <m:e>
+                                        <m:r>
+                                          <a:rPr lang="it-IT" i="1">
+                                            <a:latin typeface="Cambria Math" panose="02040503050406030204" pitchFamily="18" charset="0"/>
+                                          </a:rPr>
+                                          <m:t>𝐵</m:t>
+                                        </m:r>
+                                      </m:e>
+                                      <m:sub>
+                                        <m:r>
+                                          <a:rPr lang="it-IT" i="1">
+                                            <a:latin typeface="Cambria Math" panose="02040503050406030204" pitchFamily="18" charset="0"/>
+                                          </a:rPr>
+                                          <m:t>𝑡𝑜𝑡</m:t>
+                                        </m:r>
+                                      </m:sub>
+                                    </m:sSub>
+                                  </m:sub>
+                                </m:sSub>
+                              </m:den>
+                            </m:f>
+                            <m:r>
+                              <a:rPr lang="it-IT" i="1">
+                                <a:latin typeface="Cambria Math" panose="02040503050406030204" pitchFamily="18" charset="0"/>
+                              </a:rPr>
+                              <m:t>+</m:t>
+                            </m:r>
+                            <m:f>
+                              <m:fPr>
+                                <m:ctrlPr>
+                                  <a:rPr lang="it-IT" i="1">
+                                    <a:latin typeface="Cambria Math" panose="02040503050406030204" pitchFamily="18" charset="0"/>
+                                  </a:rPr>
+                                </m:ctrlPr>
+                              </m:fPr>
+                              <m:num>
+                                <m:r>
+                                  <a:rPr lang="it-IT" i="1">
+                                    <a:latin typeface="Cambria Math" panose="02040503050406030204" pitchFamily="18" charset="0"/>
+                                  </a:rPr>
+                                  <m:t>1</m:t>
+                                </m:r>
+                              </m:num>
+                              <m:den>
+                                <m:sSub>
+                                  <m:sSubPr>
+                                    <m:ctrlPr>
+                                      <a:rPr lang="it-IT" i="1">
+                                        <a:latin typeface="Cambria Math" panose="02040503050406030204" pitchFamily="18" charset="0"/>
+                                      </a:rPr>
+                                    </m:ctrlPr>
+                                  </m:sSubPr>
+                                  <m:e>
+                                    <m:r>
+                                      <a:rPr lang="it-IT" i="1">
+                                        <a:latin typeface="Cambria Math" panose="02040503050406030204" pitchFamily="18" charset="0"/>
+                                      </a:rPr>
+                                      <m:t>𝐼</m:t>
+                                    </m:r>
+                                  </m:e>
+                                  <m:sub>
+                                    <m:r>
+                                      <a:rPr lang="it-IT" i="1">
+                                        <a:latin typeface="Cambria Math" panose="02040503050406030204" pitchFamily="18" charset="0"/>
+                                      </a:rPr>
+                                      <m:t>𝐷</m:t>
+                                    </m:r>
+                                  </m:sub>
+                                </m:sSub>
+                              </m:den>
+                            </m:f>
+                          </m:e>
+                        </m:d>
+                        <m:r>
+                          <a:rPr lang="it-IT" i="1">
+                            <a:latin typeface="Cambria Math" panose="02040503050406030204" pitchFamily="18" charset="0"/>
+                            <a:ea typeface="Cambria Math" panose="02040503050406030204" pitchFamily="18" charset="0"/>
+                          </a:rPr>
+                          <m:t>∙</m:t>
+                        </m:r>
+                        <m:sSub>
+                          <m:sSubPr>
+                            <m:ctrlPr>
+                              <a:rPr lang="it-IT" i="1">
+                                <a:latin typeface="Cambria Math" panose="02040503050406030204" pitchFamily="18" charset="0"/>
+                                <a:ea typeface="Cambria Math" panose="02040503050406030204" pitchFamily="18" charset="0"/>
+                              </a:rPr>
+                            </m:ctrlPr>
+                          </m:sSubPr>
+                          <m:e>
+                            <m:r>
+                              <a:rPr lang="it-IT" i="1">
+                                <a:latin typeface="Cambria Math" panose="02040503050406030204" pitchFamily="18" charset="0"/>
+                                <a:ea typeface="Cambria Math" panose="02040503050406030204" pitchFamily="18" charset="0"/>
+                              </a:rPr>
+                              <m:t>𝐷</m:t>
+                            </m:r>
+                          </m:e>
+                          <m:sub>
+                            <m:r>
+                              <a:rPr lang="it-IT" i="1">
+                                <a:latin typeface="Cambria Math" panose="02040503050406030204" pitchFamily="18" charset="0"/>
+                                <a:ea typeface="Cambria Math" panose="02040503050406030204" pitchFamily="18" charset="0"/>
+                              </a:rPr>
+                              <m:t>2</m:t>
+                            </m:r>
+                          </m:sub>
+                        </m:sSub>
+                        <m:r>
+                          <a:rPr lang="it-IT" i="1">
+                            <a:latin typeface="Cambria Math" panose="02040503050406030204" pitchFamily="18" charset="0"/>
+                            <a:ea typeface="Cambria Math" panose="02040503050406030204" pitchFamily="18" charset="0"/>
+                          </a:rPr>
+                          <m:t>∙</m:t>
+                        </m:r>
+                        <m:sSub>
+                          <m:sSubPr>
+                            <m:ctrlPr>
+                              <a:rPr lang="it-IT" i="1">
+                                <a:latin typeface="Cambria Math" panose="02040503050406030204" pitchFamily="18" charset="0"/>
+                                <a:ea typeface="Cambria Math" panose="02040503050406030204" pitchFamily="18" charset="0"/>
+                              </a:rPr>
+                            </m:ctrlPr>
+                          </m:sSubPr>
+                          <m:e>
+                            <m:r>
+                              <a:rPr lang="it-IT" i="1">
+                                <a:latin typeface="Cambria Math" panose="02040503050406030204" pitchFamily="18" charset="0"/>
+                                <a:ea typeface="Cambria Math" panose="02040503050406030204" pitchFamily="18" charset="0"/>
+                              </a:rPr>
+                              <m:t>𝑥</m:t>
+                            </m:r>
+                          </m:e>
+                          <m:sub>
+                            <m:r>
+                              <a:rPr lang="it-IT" i="1">
+                                <a:latin typeface="Cambria Math" panose="02040503050406030204" pitchFamily="18" charset="0"/>
+                                <a:ea typeface="Cambria Math" panose="02040503050406030204" pitchFamily="18" charset="0"/>
+                              </a:rPr>
+                              <m:t>1</m:t>
+                            </m:r>
+                          </m:sub>
+                        </m:sSub>
+                        <m:r>
+                          <a:rPr lang="it-IT" i="1">
+                            <a:latin typeface="Cambria Math" panose="02040503050406030204" pitchFamily="18" charset="0"/>
+                            <a:ea typeface="Cambria Math" panose="02040503050406030204" pitchFamily="18" charset="0"/>
+                          </a:rPr>
+                          <m:t>−</m:t>
+                        </m:r>
+                        <m:f>
+                          <m:fPr>
+                            <m:ctrlPr>
+                              <a:rPr lang="it-IT" i="1">
+                                <a:latin typeface="Cambria Math" panose="02040503050406030204" pitchFamily="18" charset="0"/>
+                                <a:ea typeface="Cambria Math" panose="02040503050406030204" pitchFamily="18" charset="0"/>
+                              </a:rPr>
+                            </m:ctrlPr>
+                          </m:fPr>
+                          <m:num>
+                            <m:sSub>
+                              <m:sSubPr>
+                                <m:ctrlPr>
+                                  <a:rPr lang="it-IT" i="1">
+                                    <a:latin typeface="Cambria Math" panose="02040503050406030204" pitchFamily="18" charset="0"/>
+                                    <a:ea typeface="Cambria Math" panose="02040503050406030204" pitchFamily="18" charset="0"/>
+                                  </a:rPr>
+                                </m:ctrlPr>
+                              </m:sSubPr>
+                              <m:e>
+                                <m:r>
+                                  <a:rPr lang="it-IT" i="1">
+                                    <a:latin typeface="Cambria Math" panose="02040503050406030204" pitchFamily="18" charset="0"/>
+                                    <a:ea typeface="Cambria Math" panose="02040503050406030204" pitchFamily="18" charset="0"/>
+                                  </a:rPr>
+                                  <m:t>𝐾</m:t>
+                                </m:r>
+                              </m:e>
+                              <m:sub>
+                                <m:r>
+                                  <a:rPr lang="it-IT" i="1">
+                                    <a:latin typeface="Cambria Math" panose="02040503050406030204" pitchFamily="18" charset="0"/>
+                                    <a:ea typeface="Cambria Math" panose="02040503050406030204" pitchFamily="18" charset="0"/>
+                                  </a:rPr>
+                                  <m:t>𝑚𝑙𝑔</m:t>
+                                </m:r>
+                              </m:sub>
+                            </m:sSub>
+                          </m:num>
+                          <m:den>
+                            <m:sSub>
+                              <m:sSubPr>
+                                <m:ctrlPr>
+                                  <a:rPr lang="it-IT" i="1">
+                                    <a:latin typeface="Cambria Math" panose="02040503050406030204" pitchFamily="18" charset="0"/>
+                                  </a:rPr>
+                                </m:ctrlPr>
+                              </m:sSubPr>
+                              <m:e>
+                                <m:r>
+                                  <a:rPr lang="it-IT" i="1">
+                                    <a:latin typeface="Cambria Math" panose="02040503050406030204" pitchFamily="18" charset="0"/>
+                                  </a:rPr>
+                                  <m:t>𝐼</m:t>
+                                </m:r>
+                              </m:e>
+                              <m:sub>
+                                <m:sSub>
+                                  <m:sSubPr>
+                                    <m:ctrlPr>
+                                      <a:rPr lang="it-IT" i="1">
+                                        <a:latin typeface="Cambria Math" panose="02040503050406030204" pitchFamily="18" charset="0"/>
+                                      </a:rPr>
+                                    </m:ctrlPr>
+                                  </m:sSubPr>
+                                  <m:e>
+                                    <m:r>
+                                      <a:rPr lang="it-IT" i="1">
+                                        <a:latin typeface="Cambria Math" panose="02040503050406030204" pitchFamily="18" charset="0"/>
+                                      </a:rPr>
+                                      <m:t>𝐵</m:t>
+                                    </m:r>
+                                  </m:e>
+                                  <m:sub>
+                                    <m:r>
+                                      <a:rPr lang="it-IT" i="1">
+                                        <a:latin typeface="Cambria Math" panose="02040503050406030204" pitchFamily="18" charset="0"/>
+                                      </a:rPr>
+                                      <m:t>𝑡𝑜𝑡</m:t>
+                                    </m:r>
+                                  </m:sub>
+                                </m:sSub>
+                              </m:sub>
+                            </m:sSub>
+                          </m:den>
+                        </m:f>
+                        <m:r>
+                          <a:rPr lang="it-IT" i="1">
+                            <a:latin typeface="Cambria Math" panose="02040503050406030204" pitchFamily="18" charset="0"/>
+                            <a:ea typeface="Cambria Math" panose="02040503050406030204" pitchFamily="18" charset="0"/>
+                          </a:rPr>
+                          <m:t>∙</m:t>
+                        </m:r>
+                        <m:func>
+                          <m:funcPr>
+                            <m:ctrlPr>
+                              <a:rPr lang="it-IT" i="1">
+                                <a:latin typeface="Cambria Math" panose="02040503050406030204" pitchFamily="18" charset="0"/>
+                                <a:ea typeface="Cambria Math" panose="02040503050406030204" pitchFamily="18" charset="0"/>
+                              </a:rPr>
+                            </m:ctrlPr>
+                          </m:funcPr>
+                          <m:fName>
+                            <m:r>
+                              <m:rPr>
+                                <m:sty m:val="p"/>
+                              </m:rPr>
+                              <a:rPr lang="it-IT">
+                                <a:latin typeface="Cambria Math" panose="02040503050406030204" pitchFamily="18" charset="0"/>
+                                <a:ea typeface="Cambria Math" panose="02040503050406030204" pitchFamily="18" charset="0"/>
+                              </a:rPr>
+                              <m:t>sin</m:t>
+                            </m:r>
+                          </m:fName>
+                          <m:e>
+                            <m:d>
+                              <m:dPr>
+                                <m:ctrlPr>
+                                  <a:rPr lang="it-IT" i="1">
+                                    <a:latin typeface="Cambria Math" panose="02040503050406030204" pitchFamily="18" charset="0"/>
+                                    <a:ea typeface="Cambria Math" panose="02040503050406030204" pitchFamily="18" charset="0"/>
+                                  </a:rPr>
+                                </m:ctrlPr>
+                              </m:dPr>
+                              <m:e>
+                                <m:sSub>
+                                  <m:sSubPr>
+                                    <m:ctrlPr>
+                                      <a:rPr lang="it-IT" i="1">
+                                        <a:latin typeface="Cambria Math" panose="02040503050406030204" pitchFamily="18" charset="0"/>
+                                        <a:ea typeface="Cambria Math" panose="02040503050406030204" pitchFamily="18" charset="0"/>
+                                      </a:rPr>
+                                    </m:ctrlPr>
+                                  </m:sSubPr>
+                                  <m:e>
+                                    <m:r>
+                                      <a:rPr lang="it-IT" i="1">
+                                        <a:latin typeface="Cambria Math" panose="02040503050406030204" pitchFamily="18" charset="0"/>
+                                        <a:ea typeface="Cambria Math" panose="02040503050406030204" pitchFamily="18" charset="0"/>
+                                      </a:rPr>
+                                      <m:t>𝑥</m:t>
+                                    </m:r>
+                                  </m:e>
+                                  <m:sub>
+                                    <m:r>
+                                      <a:rPr lang="it-IT" i="1">
+                                        <a:latin typeface="Cambria Math" panose="02040503050406030204" pitchFamily="18" charset="0"/>
+                                        <a:ea typeface="Cambria Math" panose="02040503050406030204" pitchFamily="18" charset="0"/>
+                                      </a:rPr>
+                                      <m:t>4</m:t>
+                                    </m:r>
+                                  </m:sub>
+                                </m:sSub>
+                              </m:e>
+                            </m:d>
+                          </m:e>
+                        </m:func>
+                        <m:r>
+                          <a:rPr lang="it-IT" i="1">
+                            <a:latin typeface="Cambria Math" panose="02040503050406030204" pitchFamily="18" charset="0"/>
+                            <a:ea typeface="Cambria Math" panose="02040503050406030204" pitchFamily="18" charset="0"/>
+                          </a:rPr>
+                          <m:t>+</m:t>
+                        </m:r>
+                        <m:f>
+                          <m:fPr>
+                            <m:ctrlPr>
+                              <a:rPr lang="it-IT" i="1">
+                                <a:latin typeface="Cambria Math" panose="02040503050406030204" pitchFamily="18" charset="0"/>
+                                <a:ea typeface="Cambria Math" panose="02040503050406030204" pitchFamily="18" charset="0"/>
+                              </a:rPr>
+                            </m:ctrlPr>
+                          </m:fPr>
+                          <m:num>
+                            <m:sSub>
+                              <m:sSubPr>
+                                <m:ctrlPr>
+                                  <a:rPr lang="it-IT" i="1">
+                                    <a:latin typeface="Cambria Math" panose="02040503050406030204" pitchFamily="18" charset="0"/>
+                                    <a:ea typeface="Cambria Math" panose="02040503050406030204" pitchFamily="18" charset="0"/>
+                                  </a:rPr>
+                                </m:ctrlPr>
+                              </m:sSubPr>
+                              <m:e>
+                                <m:r>
+                                  <a:rPr lang="it-IT" i="1">
+                                    <a:latin typeface="Cambria Math" panose="02040503050406030204" pitchFamily="18" charset="0"/>
+                                    <a:ea typeface="Cambria Math" panose="02040503050406030204" pitchFamily="18" charset="0"/>
+                                  </a:rPr>
+                                  <m:t>𝐷</m:t>
+                                </m:r>
+                              </m:e>
+                              <m:sub>
+                                <m:r>
+                                  <a:rPr lang="it-IT" i="1">
+                                    <a:latin typeface="Cambria Math" panose="02040503050406030204" pitchFamily="18" charset="0"/>
+                                    <a:ea typeface="Cambria Math" panose="02040503050406030204" pitchFamily="18" charset="0"/>
+                                  </a:rPr>
+                                  <m:t>1</m:t>
+                                </m:r>
+                              </m:sub>
+                            </m:sSub>
+                          </m:num>
+                          <m:den>
+                            <m:sSub>
+                              <m:sSubPr>
+                                <m:ctrlPr>
+                                  <a:rPr lang="it-IT" i="1">
+                                    <a:latin typeface="Cambria Math" panose="02040503050406030204" pitchFamily="18" charset="0"/>
+                                  </a:rPr>
+                                </m:ctrlPr>
+                              </m:sSubPr>
+                              <m:e>
+                                <m:r>
+                                  <a:rPr lang="it-IT" i="1">
+                                    <a:latin typeface="Cambria Math" panose="02040503050406030204" pitchFamily="18" charset="0"/>
+                                  </a:rPr>
+                                  <m:t>𝐼</m:t>
+                                </m:r>
+                              </m:e>
+                              <m:sub>
+                                <m:sSub>
+                                  <m:sSubPr>
+                                    <m:ctrlPr>
+                                      <a:rPr lang="it-IT" i="1">
+                                        <a:latin typeface="Cambria Math" panose="02040503050406030204" pitchFamily="18" charset="0"/>
+                                      </a:rPr>
+                                    </m:ctrlPr>
+                                  </m:sSubPr>
+                                  <m:e>
+                                    <m:r>
+                                      <a:rPr lang="it-IT" i="1">
+                                        <a:latin typeface="Cambria Math" panose="02040503050406030204" pitchFamily="18" charset="0"/>
+                                      </a:rPr>
+                                      <m:t>𝐵</m:t>
+                                    </m:r>
+                                  </m:e>
+                                  <m:sub>
+                                    <m:r>
+                                      <a:rPr lang="it-IT" i="1">
+                                        <a:latin typeface="Cambria Math" panose="02040503050406030204" pitchFamily="18" charset="0"/>
+                                      </a:rPr>
+                                      <m:t>𝑡𝑜𝑡</m:t>
+                                    </m:r>
+                                  </m:sub>
+                                </m:sSub>
+                              </m:sub>
+                            </m:sSub>
+                          </m:den>
+                        </m:f>
+                        <m:r>
+                          <a:rPr lang="it-IT" i="1">
+                            <a:latin typeface="Cambria Math" panose="02040503050406030204" pitchFamily="18" charset="0"/>
+                            <a:ea typeface="Cambria Math" panose="02040503050406030204" pitchFamily="18" charset="0"/>
+                          </a:rPr>
+                          <m:t>∙</m:t>
+                        </m:r>
+                        <m:sSub>
+                          <m:sSubPr>
+                            <m:ctrlPr>
+                              <a:rPr lang="it-IT" i="1">
+                                <a:latin typeface="Cambria Math" panose="02040503050406030204" pitchFamily="18" charset="0"/>
+                                <a:ea typeface="Cambria Math" panose="02040503050406030204" pitchFamily="18" charset="0"/>
+                              </a:rPr>
+                            </m:ctrlPr>
+                          </m:sSubPr>
+                          <m:e>
+                            <m:r>
+                              <a:rPr lang="it-IT" i="1">
+                                <a:latin typeface="Cambria Math" panose="02040503050406030204" pitchFamily="18" charset="0"/>
+                                <a:ea typeface="Cambria Math" panose="02040503050406030204" pitchFamily="18" charset="0"/>
+                              </a:rPr>
+                              <m:t>𝑥</m:t>
+                            </m:r>
+                          </m:e>
+                          <m:sub>
+                            <m:r>
+                              <a:rPr lang="it-IT" i="1">
+                                <a:latin typeface="Cambria Math" panose="02040503050406030204" pitchFamily="18" charset="0"/>
+                                <a:ea typeface="Cambria Math" panose="02040503050406030204" pitchFamily="18" charset="0"/>
+                              </a:rPr>
+                              <m:t>3</m:t>
+                            </m:r>
+                          </m:sub>
+                        </m:sSub>
+                        <m:r>
+                          <a:rPr lang="it-IT" i="1">
+                            <a:latin typeface="Cambria Math" panose="02040503050406030204" pitchFamily="18" charset="0"/>
+                            <a:ea typeface="Cambria Math" panose="02040503050406030204" pitchFamily="18" charset="0"/>
+                          </a:rPr>
+                          <m:t>+</m:t>
+                        </m:r>
+                        <m:d>
+                          <m:dPr>
+                            <m:ctrlPr>
+                              <a:rPr lang="it-IT" i="1">
+                                <a:latin typeface="Cambria Math" panose="02040503050406030204" pitchFamily="18" charset="0"/>
+                              </a:rPr>
+                            </m:ctrlPr>
+                          </m:dPr>
+                          <m:e>
+                            <m:f>
+                              <m:fPr>
+                                <m:ctrlPr>
+                                  <a:rPr lang="it-IT" i="1">
+                                    <a:latin typeface="Cambria Math" panose="02040503050406030204" pitchFamily="18" charset="0"/>
+                                  </a:rPr>
+                                </m:ctrlPr>
+                              </m:fPr>
+                              <m:num>
+                                <m:r>
+                                  <a:rPr lang="it-IT" i="1">
+                                    <a:latin typeface="Cambria Math" panose="02040503050406030204" pitchFamily="18" charset="0"/>
+                                  </a:rPr>
+                                  <m:t>1</m:t>
+                                </m:r>
+                              </m:num>
+                              <m:den>
+                                <m:sSub>
+                                  <m:sSubPr>
+                                    <m:ctrlPr>
+                                      <a:rPr lang="it-IT" i="1">
+                                        <a:latin typeface="Cambria Math" panose="02040503050406030204" pitchFamily="18" charset="0"/>
+                                      </a:rPr>
+                                    </m:ctrlPr>
+                                  </m:sSubPr>
+                                  <m:e>
+                                    <m:r>
+                                      <a:rPr lang="it-IT" i="1">
+                                        <a:latin typeface="Cambria Math" panose="02040503050406030204" pitchFamily="18" charset="0"/>
+                                      </a:rPr>
+                                      <m:t>𝐼</m:t>
+                                    </m:r>
+                                  </m:e>
+                                  <m:sub>
+                                    <m:sSub>
+                                      <m:sSubPr>
+                                        <m:ctrlPr>
+                                          <a:rPr lang="it-IT" i="1">
+                                            <a:latin typeface="Cambria Math" panose="02040503050406030204" pitchFamily="18" charset="0"/>
+                                          </a:rPr>
+                                        </m:ctrlPr>
+                                      </m:sSubPr>
+                                      <m:e>
+                                        <m:r>
+                                          <a:rPr lang="it-IT" i="1">
+                                            <a:latin typeface="Cambria Math" panose="02040503050406030204" pitchFamily="18" charset="0"/>
+                                          </a:rPr>
+                                          <m:t>𝐵</m:t>
+                                        </m:r>
+                                      </m:e>
+                                      <m:sub>
+                                        <m:r>
+                                          <a:rPr lang="it-IT" i="1">
+                                            <a:latin typeface="Cambria Math" panose="02040503050406030204" pitchFamily="18" charset="0"/>
+                                          </a:rPr>
+                                          <m:t>𝑡𝑜𝑡</m:t>
+                                        </m:r>
+                                      </m:sub>
+                                    </m:sSub>
+                                  </m:sub>
+                                </m:sSub>
+                              </m:den>
+                            </m:f>
+                            <m:r>
+                              <a:rPr lang="it-IT" i="1">
+                                <a:latin typeface="Cambria Math" panose="02040503050406030204" pitchFamily="18" charset="0"/>
+                              </a:rPr>
+                              <m:t>+</m:t>
+                            </m:r>
+                            <m:f>
+                              <m:fPr>
+                                <m:ctrlPr>
+                                  <a:rPr lang="it-IT" i="1">
+                                    <a:latin typeface="Cambria Math" panose="02040503050406030204" pitchFamily="18" charset="0"/>
+                                  </a:rPr>
+                                </m:ctrlPr>
+                              </m:fPr>
+                              <m:num>
+                                <m:r>
+                                  <a:rPr lang="it-IT" i="1">
+                                    <a:latin typeface="Cambria Math" panose="02040503050406030204" pitchFamily="18" charset="0"/>
+                                  </a:rPr>
+                                  <m:t>1</m:t>
+                                </m:r>
+                              </m:num>
+                              <m:den>
+                                <m:sSub>
+                                  <m:sSubPr>
+                                    <m:ctrlPr>
+                                      <a:rPr lang="it-IT" i="1">
+                                        <a:latin typeface="Cambria Math" panose="02040503050406030204" pitchFamily="18" charset="0"/>
+                                      </a:rPr>
+                                    </m:ctrlPr>
+                                  </m:sSubPr>
+                                  <m:e>
+                                    <m:r>
+                                      <a:rPr lang="it-IT" i="1">
+                                        <a:latin typeface="Cambria Math" panose="02040503050406030204" pitchFamily="18" charset="0"/>
+                                      </a:rPr>
+                                      <m:t>𝐼</m:t>
+                                    </m:r>
+                                  </m:e>
+                                  <m:sub>
+                                    <m:r>
+                                      <a:rPr lang="it-IT" i="1">
+                                        <a:latin typeface="Cambria Math" panose="02040503050406030204" pitchFamily="18" charset="0"/>
+                                      </a:rPr>
+                                      <m:t>𝐷</m:t>
+                                    </m:r>
+                                  </m:sub>
+                                </m:sSub>
+                              </m:den>
+                            </m:f>
+                          </m:e>
+                        </m:d>
+                        <m:r>
+                          <a:rPr lang="it-IT" i="1">
+                            <a:latin typeface="Cambria Math" panose="02040503050406030204" pitchFamily="18" charset="0"/>
+                            <a:ea typeface="Cambria Math" panose="02040503050406030204" pitchFamily="18" charset="0"/>
+                          </a:rPr>
+                          <m:t>∙</m:t>
+                        </m:r>
+                        <m:r>
+                          <a:rPr lang="it-IT" i="1">
+                            <a:highlight>
+                              <a:srgbClr val="00FF00"/>
+                            </a:highlight>
+                            <a:latin typeface="Cambria Math" panose="02040503050406030204" pitchFamily="18" charset="0"/>
+                            <a:ea typeface="Cambria Math" panose="02040503050406030204" pitchFamily="18" charset="0"/>
+                          </a:rPr>
+                          <m:t>𝑢</m:t>
+                        </m:r>
+                      </m:oMath>
+                    </m:oMathPara>
+                  </a14:m>
+                  <a:endParaRPr lang="it-IT" dirty="0"/>
+                </a:p>
+              </p:txBody>
+            </p:sp>
+          </mc:Choice>
+          <mc:Fallback>
+            <p:sp>
+              <p:nvSpPr>
+                <p:cNvPr id="12" name="Rettangolo 11">
+                  <a:extLst>
+                    <a:ext uri="{FF2B5EF4-FFF2-40B4-BE49-F238E27FC236}">
+                      <a16:creationId xmlns:a16="http://schemas.microsoft.com/office/drawing/2014/main" id="{16BCF218-CD3D-4618-8616-A773D4B925F1}"/>
+                    </a:ext>
+                  </a:extLst>
+                </p:cNvPr>
+                <p:cNvSpPr>
+                  <a:spLocks noRot="1" noChangeAspect="1" noMove="1" noResize="1" noEditPoints="1" noAdjustHandles="1" noChangeArrowheads="1" noChangeShapeType="1" noTextEdit="1"/>
+                </p:cNvSpPr>
+                <p:nvPr/>
+              </p:nvSpPr>
+              <p:spPr>
+                <a:xfrm>
+                  <a:off x="1808147" y="3964169"/>
+                  <a:ext cx="7686948" cy="723531"/>
+                </a:xfrm>
+                <a:prstGeom prst="rect">
+                  <a:avLst/>
+                </a:prstGeom>
+                <a:blipFill>
+                  <a:blip r:embed="rId13"/>
+                  <a:stretch>
+                    <a:fillRect/>
+                  </a:stretch>
+                </a:blipFill>
+              </p:spPr>
+              <p:txBody>
+                <a:bodyPr/>
+                <a:lstStyle/>
+                <a:p>
+                  <a:r>
+                    <a:rPr lang="it-IT">
+                      <a:noFill/>
+                    </a:rPr>
+                    <a:t> </a:t>
+                  </a:r>
+                </a:p>
+              </p:txBody>
+            </p:sp>
+          </mc:Fallback>
+        </mc:AlternateContent>
+        <p:sp>
+          <p:nvSpPr>
+            <p:cNvPr id="23" name="Parentesi graffa aperta 22">
+              <a:extLst>
+                <a:ext uri="{FF2B5EF4-FFF2-40B4-BE49-F238E27FC236}">
+                  <a16:creationId xmlns:a16="http://schemas.microsoft.com/office/drawing/2014/main" id="{0EDEDCBB-E904-4339-832F-D0D6A69342C9}"/>
+                </a:ext>
+              </a:extLst>
+            </p:cNvPr>
+            <p:cNvSpPr/>
+            <p:nvPr/>
+          </p:nvSpPr>
+          <p:spPr>
+            <a:xfrm>
+              <a:off x="1652899" y="3964170"/>
+              <a:ext cx="265049" cy="2147190"/>
+            </a:xfrm>
+            <a:prstGeom prst="leftBrace">
+              <a:avLst>
+                <a:gd name="adj1" fmla="val 152667"/>
+                <a:gd name="adj2" fmla="val 50000"/>
+              </a:avLst>
+            </a:prstGeom>
+            <a:ln w="19050"/>
+          </p:spPr>
+          <p:style>
+            <a:lnRef idx="1">
+              <a:schemeClr val="accent1"/>
+            </a:lnRef>
+            <a:fillRef idx="0">
+              <a:schemeClr val="accent1"/>
+            </a:fillRef>
+            <a:effectRef idx="0">
+              <a:schemeClr val="accent1"/>
+            </a:effectRef>
+            <a:fontRef idx="minor">
+              <a:schemeClr val="tx1"/>
+            </a:fontRef>
+          </p:style>
+          <p:txBody>
+            <a:bodyPr rtlCol="0" anchor="ctr"/>
+            <a:lstStyle/>
+            <a:p>
+              <a:pPr algn="ctr"/>
+              <a:endParaRPr lang="it-IT"/>
+            </a:p>
+          </p:txBody>
+        </p:sp>
+      </p:grpSp>
     </p:spTree>
     <p:extLst>
       <p:ext uri="{BB962C8B-B14F-4D97-AF65-F5344CB8AC3E}">
@@ -7972,6 +12049,7 @@
           <a:bodyPr/>
           <a:lstStyle/>
           <a:p>
+            <a:pPr algn="just"/>
             <a:r>
               <a:rPr lang="it-IT" dirty="0"/>
               <a:t>Obiettivo di controllo: Momento angolare</a:t>
@@ -8037,6 +12115,7 @@
           </a:bodyPr>
           <a:lstStyle/>
           <a:p>
+            <a:pPr algn="just"/>
             <a:r>
               <a:rPr lang="it-IT" dirty="0"/>
               <a:t>Essendo il sistema non lineare, creare una legge di controllo che lo stabilizzi con metodi analitici, risulta essere molto complesso. Si è invece pensato a un controllo agente sul </a:t>
@@ -8067,6 +12146,74 @@
         <p:spPr>
           <a:xfrm>
             <a:off x="1593436" y="1760043"/>
+            <a:ext cx="4212944" cy="1200329"/>
+          </a:xfrm>
+          <a:prstGeom prst="rect">
+            <a:avLst/>
+          </a:prstGeom>
+        </p:spPr>
+        <p:style>
+          <a:lnRef idx="2">
+            <a:schemeClr val="accent1"/>
+          </a:lnRef>
+          <a:fillRef idx="1">
+            <a:schemeClr val="lt1"/>
+          </a:fillRef>
+          <a:effectRef idx="0">
+            <a:schemeClr val="accent1"/>
+          </a:effectRef>
+          <a:fontRef idx="minor">
+            <a:schemeClr val="dk1"/>
+          </a:fontRef>
+        </p:style>
+        <p:txBody>
+          <a:bodyPr wrap="square" rtlCol="0">
+            <a:spAutoFit/>
+          </a:bodyPr>
+          <a:lstStyle/>
+          <a:p>
+            <a:pPr algn="just"/>
+            <a:r>
+              <a:rPr lang="it-IT" b="1" dirty="0" err="1"/>
+              <a:t>Def</a:t>
+            </a:r>
+            <a:r>
+              <a:rPr lang="it-IT" b="1" dirty="0"/>
+              <a:t>. Momento angolare desiderato:</a:t>
+            </a:r>
+          </a:p>
+          <a:p>
+            <a:pPr algn="just"/>
+            <a:r>
+              <a:rPr lang="it-IT" dirty="0"/>
+              <a:t>Coppia da generare nel motore al fine di raggiungere gli </a:t>
+            </a:r>
+            <a:r>
+              <a:rPr lang="it-IT" b="1" dirty="0"/>
+              <a:t>obiettivi di controllo</a:t>
+            </a:r>
+            <a:r>
+              <a:rPr lang="it-IT" dirty="0"/>
+              <a:t> calcolato dal PID.</a:t>
+            </a:r>
+          </a:p>
+        </p:txBody>
+      </p:sp>
+      <p:sp>
+        <p:nvSpPr>
+          <p:cNvPr id="7" name="CasellaDiTesto 6">
+            <a:extLst>
+              <a:ext uri="{FF2B5EF4-FFF2-40B4-BE49-F238E27FC236}">
+                <a16:creationId xmlns:a16="http://schemas.microsoft.com/office/drawing/2014/main" id="{CD696F76-F932-4772-8C8F-832DC69FA6A7}"/>
+              </a:ext>
+            </a:extLst>
+          </p:cNvPr>
+          <p:cNvSpPr txBox="1"/>
+          <p:nvPr/>
+        </p:nvSpPr>
+        <p:spPr>
+          <a:xfrm>
+            <a:off x="6670476" y="2073622"/>
             <a:ext cx="4572984" cy="923330"/>
           </a:xfrm>
           <a:prstGeom prst="rect">
@@ -8093,83 +12240,18 @@
           </a:bodyPr>
           <a:lstStyle/>
           <a:p>
+            <a:pPr algn="just"/>
             <a:r>
               <a:rPr lang="it-IT" b="1" dirty="0" err="1"/>
               <a:t>Def</a:t>
             </a:r>
             <a:r>
               <a:rPr lang="it-IT" b="1" dirty="0"/>
-              <a:t>. Momento angolare desiderato:</a:t>
+              <a:t>. Obiettivi di controllo:</a:t>
             </a:r>
           </a:p>
           <a:p>
-            <a:r>
-              <a:rPr lang="it-IT" dirty="0"/>
-              <a:t>Coppia da dover far generare al motore per raggiungere l’</a:t>
-            </a:r>
-            <a:r>
-              <a:rPr lang="it-IT" b="1" dirty="0"/>
-              <a:t>obiettivo di controllo</a:t>
-            </a:r>
-            <a:r>
-              <a:rPr lang="it-IT" dirty="0"/>
-              <a:t>.</a:t>
-            </a:r>
-          </a:p>
-        </p:txBody>
-      </p:sp>
-      <p:sp>
-        <p:nvSpPr>
-          <p:cNvPr id="7" name="CasellaDiTesto 6">
-            <a:extLst>
-              <a:ext uri="{FF2B5EF4-FFF2-40B4-BE49-F238E27FC236}">
-                <a16:creationId xmlns:a16="http://schemas.microsoft.com/office/drawing/2014/main" id="{CD696F76-F932-4772-8C8F-832DC69FA6A7}"/>
-              </a:ext>
-            </a:extLst>
-          </p:cNvPr>
-          <p:cNvSpPr txBox="1"/>
-          <p:nvPr/>
-        </p:nvSpPr>
-        <p:spPr>
-          <a:xfrm>
-            <a:off x="6670476" y="2182383"/>
-            <a:ext cx="4572984" cy="923330"/>
-          </a:xfrm>
-          <a:prstGeom prst="rect">
-            <a:avLst/>
-          </a:prstGeom>
-        </p:spPr>
-        <p:style>
-          <a:lnRef idx="2">
-            <a:schemeClr val="accent1"/>
-          </a:lnRef>
-          <a:fillRef idx="1">
-            <a:schemeClr val="lt1"/>
-          </a:fillRef>
-          <a:effectRef idx="0">
-            <a:schemeClr val="accent1"/>
-          </a:effectRef>
-          <a:fontRef idx="minor">
-            <a:schemeClr val="dk1"/>
-          </a:fontRef>
-        </p:style>
-        <p:txBody>
-          <a:bodyPr wrap="square" rtlCol="0">
-            <a:spAutoFit/>
-          </a:bodyPr>
-          <a:lstStyle/>
-          <a:p>
-            <a:r>
-              <a:rPr lang="it-IT" b="1" dirty="0" err="1"/>
-              <a:t>Def</a:t>
-            </a:r>
-            <a:r>
-              <a:rPr lang="it-IT" b="1" dirty="0"/>
-              <a:t>. Obiettivo di controllo:</a:t>
-            </a:r>
-          </a:p>
-          <a:p>
-            <a:pPr marL="342900" indent="-342900">
+            <a:pPr marL="342900" indent="-342900" algn="just">
               <a:buFont typeface="+mj-lt"/>
               <a:buAutoNum type="arabicPeriod"/>
             </a:pPr>
@@ -8179,17 +12261,13 @@
             </a:r>
           </a:p>
           <a:p>
-            <a:pPr marL="342900" indent="-342900">
+            <a:pPr marL="342900" indent="-342900" algn="just">
               <a:buFont typeface="+mj-lt"/>
               <a:buAutoNum type="arabicPeriod"/>
             </a:pPr>
             <a:r>
-              <a:rPr lang="it-IT" dirty="0" err="1"/>
-              <a:t>Velocià</a:t>
-            </a:r>
-            <a:r>
               <a:rPr lang="it-IT" dirty="0"/>
-              <a:t> del disco nulla.</a:t>
+              <a:t>Velocità del disco nulla.</a:t>
             </a:r>
           </a:p>
         </p:txBody>
@@ -8264,6 +12342,7 @@
           </a:bodyPr>
           <a:lstStyle/>
           <a:p>
+            <a:pPr algn="just"/>
             <a:r>
               <a:rPr lang="it-IT" dirty="0"/>
               <a:t>Obiettivo di controllo: Braccio verticale</a:t>
@@ -8286,7 +12365,7 @@
         <p:spPr>
           <a:xfrm>
             <a:off x="1593437" y="836713"/>
-            <a:ext cx="9782800" cy="1477328"/>
+            <a:ext cx="9782800" cy="646331"/>
           </a:xfrm>
           <a:prstGeom prst="rect">
             <a:avLst/>
@@ -8299,15 +12378,159 @@
           </a:bodyPr>
           <a:lstStyle/>
           <a:p>
+            <a:pPr algn="just"/>
             <a:r>
               <a:rPr lang="it-IT" dirty="0"/>
               <a:t>Essendo in un pendolo i punti di equilibrio solo i 2 lungo l’asse, e puntando noi a realizzare un pendolo inverso ne segue che il nostro obiettivo è ottenibile solo puntando in alto.</a:t>
             </a:r>
           </a:p>
-          <a:p>
-            <a:endParaRPr lang="it-IT" dirty="0"/>
-          </a:p>
-          <a:p>
+        </p:txBody>
+      </p:sp>
+      <p:sp>
+        <p:nvSpPr>
+          <p:cNvPr id="8" name="CasellaDiTesto 7">
+            <a:extLst>
+              <a:ext uri="{FF2B5EF4-FFF2-40B4-BE49-F238E27FC236}">
+                <a16:creationId xmlns:a16="http://schemas.microsoft.com/office/drawing/2014/main" id="{65FB5418-79CF-464E-849F-2B3E63CAC992}"/>
+              </a:ext>
+            </a:extLst>
+          </p:cNvPr>
+          <p:cNvSpPr txBox="1"/>
+          <p:nvPr/>
+        </p:nvSpPr>
+        <p:spPr>
+          <a:xfrm>
+            <a:off x="1485899" y="3225750"/>
+            <a:ext cx="9890337" cy="923330"/>
+          </a:xfrm>
+          <a:prstGeom prst="rect">
+            <a:avLst/>
+          </a:prstGeom>
+          <a:noFill/>
+        </p:spPr>
+        <p:txBody>
+          <a:bodyPr wrap="square" rtlCol="0">
+            <a:spAutoFit/>
+          </a:bodyPr>
+          <a:lstStyle/>
+          <a:p>
+            <a:pPr algn="just"/>
+            <a:r>
+              <a:rPr lang="it-IT" dirty="0"/>
+              <a:t>La </a:t>
+            </a:r>
+            <a:r>
+              <a:rPr lang="it-IT" b="1" dirty="0"/>
+              <a:t>coppia desiderata </a:t>
+            </a:r>
+            <a:r>
+              <a:rPr lang="it-IT" dirty="0"/>
+              <a:t>(che deve essere generata dal motore) viene calcolata ogni loop di controllo, ed è una formula linearizzante.</a:t>
+            </a:r>
+          </a:p>
+          <a:p>
+            <a:pPr algn="just"/>
+            <a:r>
+              <a:rPr lang="it-IT" dirty="0"/>
+              <a:t>Trasforma il </a:t>
+            </a:r>
+            <a:r>
+              <a:rPr lang="it-IT" b="1" dirty="0"/>
+              <a:t>momento desiderato </a:t>
+            </a:r>
+            <a:r>
+              <a:rPr lang="it-IT" dirty="0"/>
+              <a:t>in una coppia da far generare al motore.</a:t>
+            </a:r>
+          </a:p>
+        </p:txBody>
+      </p:sp>
+      <p:pic>
+        <p:nvPicPr>
+          <p:cNvPr id="9" name="Immagine 8">
+            <a:extLst>
+              <a:ext uri="{FF2B5EF4-FFF2-40B4-BE49-F238E27FC236}">
+                <a16:creationId xmlns:a16="http://schemas.microsoft.com/office/drawing/2014/main" id="{C9494C5A-EB44-4346-ABC0-F93618465010}"/>
+              </a:ext>
+            </a:extLst>
+          </p:cNvPr>
+          <p:cNvPicPr>
+            <a:picLocks noChangeAspect="1"/>
+          </p:cNvPicPr>
+          <p:nvPr/>
+        </p:nvPicPr>
+        <p:blipFill rotWithShape="1">
+          <a:blip r:embed="rId2"/>
+          <a:srcRect l="23686" t="50717" r="21918" b="8000"/>
+          <a:stretch/>
+        </p:blipFill>
+        <p:spPr>
+          <a:xfrm>
+            <a:off x="1701924" y="1610510"/>
+            <a:ext cx="5760640" cy="1502874"/>
+          </a:xfrm>
+          <a:prstGeom prst="rect">
+            <a:avLst/>
+          </a:prstGeom>
+          <a:solidFill>
+            <a:srgbClr val="FFFFFF">
+              <a:shade val="85000"/>
+            </a:srgbClr>
+          </a:solidFill>
+          <a:ln w="190500" cap="rnd">
+            <a:solidFill>
+              <a:srgbClr val="FFFFFF"/>
+            </a:solidFill>
+          </a:ln>
+          <a:effectLst>
+            <a:outerShdw blurRad="50000" algn="tl" rotWithShape="0">
+              <a:srgbClr val="000000">
+                <a:alpha val="41000"/>
+              </a:srgbClr>
+            </a:outerShdw>
+          </a:effectLst>
+          <a:scene3d>
+            <a:camera prst="orthographicFront"/>
+            <a:lightRig rig="twoPt" dir="t">
+              <a:rot lat="0" lon="0" rev="7800000"/>
+            </a:lightRig>
+          </a:scene3d>
+          <a:sp3d contourW="6350">
+            <a:bevelT w="50800" h="16510"/>
+            <a:contourClr>
+              <a:srgbClr val="C0C0C0"/>
+            </a:contourClr>
+          </a:sp3d>
+        </p:spPr>
+      </p:pic>
+      <p:sp>
+        <p:nvSpPr>
+          <p:cNvPr id="2" name="Rettangolo 1">
+            <a:extLst>
+              <a:ext uri="{FF2B5EF4-FFF2-40B4-BE49-F238E27FC236}">
+                <a16:creationId xmlns:a16="http://schemas.microsoft.com/office/drawing/2014/main" id="{557A28A8-AA4F-4CAC-9431-3BE42F3144CD}"/>
+              </a:ext>
+            </a:extLst>
+          </p:cNvPr>
+          <p:cNvSpPr/>
+          <p:nvPr/>
+        </p:nvSpPr>
+        <p:spPr>
+          <a:xfrm>
+            <a:off x="7606580" y="1484784"/>
+            <a:ext cx="3769656" cy="1754326"/>
+          </a:xfrm>
+          <a:prstGeom prst="rect">
+            <a:avLst/>
+          </a:prstGeom>
+        </p:spPr>
+        <p:txBody>
+          <a:bodyPr wrap="square">
+            <a:spAutoFit/>
+          </a:bodyPr>
+          <a:lstStyle/>
+          <a:p>
+            <a:pPr algn="just"/>
             <a:r>
               <a:rPr lang="it-IT" dirty="0"/>
               <a:t>Il controllo è assegnato a un sistema PID che prendendo l’errore rispetto all’obiettivo e tira fuori il momento desiderato per ottenere una stabilizzazione del sistema.</a:t>
@@ -8319,75 +12542,434 @@
         <mc:Choice xmlns:a14="http://schemas.microsoft.com/office/drawing/2010/main" Requires="a14">
           <p:sp>
             <p:nvSpPr>
-              <p:cNvPr id="8" name="CasellaDiTesto 7">
+              <p:cNvPr id="3" name="Rettangolo 2">
                 <a:extLst>
                   <a:ext uri="{FF2B5EF4-FFF2-40B4-BE49-F238E27FC236}">
-                    <a16:creationId xmlns:a16="http://schemas.microsoft.com/office/drawing/2014/main" id="{65FB5418-79CF-464E-849F-2B3E63CAC992}"/>
+                    <a16:creationId xmlns:a16="http://schemas.microsoft.com/office/drawing/2014/main" id="{6156B0C3-557B-4C35-9102-1192C1389178}"/>
                   </a:ext>
                 </a:extLst>
               </p:cNvPr>
-              <p:cNvSpPr txBox="1"/>
+              <p:cNvSpPr/>
               <p:nvPr/>
             </p:nvSpPr>
             <p:spPr>
               <a:xfrm>
-                <a:off x="1593436" y="2690336"/>
-                <a:ext cx="8856984" cy="1477328"/>
+                <a:off x="3782954" y="4248475"/>
+                <a:ext cx="5221056" cy="394532"/>
               </a:xfrm>
               <a:prstGeom prst="rect">
                 <a:avLst/>
               </a:prstGeom>
-              <a:noFill/>
             </p:spPr>
+            <p:style>
+              <a:lnRef idx="2">
+                <a:schemeClr val="accent4"/>
+              </a:lnRef>
+              <a:fillRef idx="1">
+                <a:schemeClr val="lt1"/>
+              </a:fillRef>
+              <a:effectRef idx="0">
+                <a:schemeClr val="accent4"/>
+              </a:effectRef>
+              <a:fontRef idx="minor">
+                <a:schemeClr val="dk1"/>
+              </a:fontRef>
+            </p:style>
             <p:txBody>
-              <a:bodyPr wrap="square" rtlCol="0">
+              <a:bodyPr wrap="square">
                 <a:spAutoFit/>
               </a:bodyPr>
               <a:lstStyle/>
               <a:p>
-                <a:r>
-                  <a:rPr lang="it-IT" dirty="0"/>
-                  <a:t>Il coppia desiderata (che deve essere generata dal motore) viene calcolata trasformando il momento nella coppia leggendo l’attuale stato del sistema.</a:t>
-                </a:r>
-              </a:p>
-              <a:p>
-                <a:r>
-                  <a:rPr lang="it-IT" dirty="0"/>
-                  <a:t>La formula si ottiene invertendo l’equazione di stato della </a:t>
-                </a:r>
+                <a:pPr/>
                 <a14:m>
-                  <m:oMath xmlns:m="http://schemas.openxmlformats.org/officeDocument/2006/math">
-                    <m:sSub>
-                      <m:sSubPr>
-                        <m:ctrlPr>
-                          <a:rPr lang="it-IT" b="0" i="1" smtClean="0">
-                            <a:latin typeface="Cambria Math" panose="02040503050406030204" pitchFamily="18" charset="0"/>
-                          </a:rPr>
-                        </m:ctrlPr>
-                      </m:sSubPr>
-                      <m:e>
-                        <m:r>
-                          <a:rPr lang="it-IT" b="0" i="1" smtClean="0">
-                            <a:latin typeface="Cambria Math" panose="02040503050406030204" pitchFamily="18" charset="0"/>
-                          </a:rPr>
-                          <m:t>𝑥</m:t>
-                        </m:r>
-                      </m:e>
-                      <m:sub>
-                        <m:r>
-                          <a:rPr lang="it-IT" b="0" i="1" smtClean="0">
-                            <a:latin typeface="Cambria Math" panose="02040503050406030204" pitchFamily="18" charset="0"/>
-                          </a:rPr>
-                          <m:t>1</m:t>
-                        </m:r>
-                      </m:sub>
-                    </m:sSub>
-                  </m:oMath>
+                  <m:oMathPara xmlns:m="http://schemas.openxmlformats.org/officeDocument/2006/math">
+                    <m:oMathParaPr>
+                      <m:jc m:val="left"/>
+                    </m:oMathParaPr>
+                    <m:oMath xmlns:m="http://schemas.openxmlformats.org/officeDocument/2006/math">
+                      <m:r>
+                        <a:rPr lang="it-IT" b="0" i="1" smtClean="0">
+                          <a:highlight>
+                            <a:srgbClr val="00FF00"/>
+                          </a:highlight>
+                          <a:latin typeface="Cambria Math" panose="02040503050406030204" pitchFamily="18" charset="0"/>
+                        </a:rPr>
+                        <m:t>𝑢</m:t>
+                      </m:r>
+                      <m:r>
+                        <a:rPr lang="it-IT" b="0" i="1" smtClean="0">
+                          <a:latin typeface="Cambria Math" panose="02040503050406030204" pitchFamily="18" charset="0"/>
+                        </a:rPr>
+                        <m:t>=−</m:t>
+                      </m:r>
+                      <m:acc>
+                        <m:accPr>
+                          <m:chr m:val="̇"/>
+                          <m:ctrlPr>
+                            <a:rPr lang="it-IT" i="1" smtClean="0">
+                              <a:solidFill>
+                                <a:srgbClr val="FF0000"/>
+                              </a:solidFill>
+                              <a:latin typeface="Cambria Math" panose="02040503050406030204" pitchFamily="18" charset="0"/>
+                            </a:rPr>
+                          </m:ctrlPr>
+                        </m:accPr>
+                        <m:e>
+                          <m:sSub>
+                            <m:sSubPr>
+                              <m:ctrlPr>
+                                <a:rPr lang="it-IT" i="1">
+                                  <a:solidFill>
+                                    <a:srgbClr val="FF0000"/>
+                                  </a:solidFill>
+                                  <a:latin typeface="Cambria Math" panose="02040503050406030204" pitchFamily="18" charset="0"/>
+                                </a:rPr>
+                              </m:ctrlPr>
+                            </m:sSubPr>
+                            <m:e>
+                              <m:r>
+                                <a:rPr lang="it-IT" i="1">
+                                  <a:solidFill>
+                                    <a:srgbClr val="FF0000"/>
+                                  </a:solidFill>
+                                  <a:latin typeface="Cambria Math" panose="02040503050406030204" pitchFamily="18" charset="0"/>
+                                </a:rPr>
+                                <m:t>𝑥</m:t>
+                              </m:r>
+                            </m:e>
+                            <m:sub>
+                              <m:r>
+                                <a:rPr lang="it-IT" i="1">
+                                  <a:solidFill>
+                                    <a:srgbClr val="FF0000"/>
+                                  </a:solidFill>
+                                  <a:latin typeface="Cambria Math" panose="02040503050406030204" pitchFamily="18" charset="0"/>
+                                </a:rPr>
+                                <m:t>3</m:t>
+                              </m:r>
+                            </m:sub>
+                          </m:sSub>
+                        </m:e>
+                      </m:acc>
+                      <m:r>
+                        <a:rPr lang="it-IT" i="1">
+                          <a:solidFill>
+                            <a:srgbClr val="FF0000"/>
+                          </a:solidFill>
+                          <a:latin typeface="Cambria Math" panose="02040503050406030204" pitchFamily="18" charset="0"/>
+                          <a:ea typeface="Cambria Math" panose="02040503050406030204" pitchFamily="18" charset="0"/>
+                        </a:rPr>
+                        <m:t>∙</m:t>
+                      </m:r>
+                      <m:sSub>
+                        <m:sSubPr>
+                          <m:ctrlPr>
+                            <a:rPr lang="it-IT" i="1">
+                              <a:solidFill>
+                                <a:srgbClr val="FF0000"/>
+                              </a:solidFill>
+                              <a:latin typeface="Cambria Math" panose="02040503050406030204" pitchFamily="18" charset="0"/>
+                            </a:rPr>
+                          </m:ctrlPr>
+                        </m:sSubPr>
+                        <m:e>
+                          <m:r>
+                            <a:rPr lang="it-IT" i="1">
+                              <a:solidFill>
+                                <a:srgbClr val="FF0000"/>
+                              </a:solidFill>
+                              <a:latin typeface="Cambria Math" panose="02040503050406030204" pitchFamily="18" charset="0"/>
+                            </a:rPr>
+                            <m:t>𝐼</m:t>
+                          </m:r>
+                        </m:e>
+                        <m:sub>
+                          <m:sSub>
+                            <m:sSubPr>
+                              <m:ctrlPr>
+                                <a:rPr lang="it-IT" i="1">
+                                  <a:solidFill>
+                                    <a:srgbClr val="FF0000"/>
+                                  </a:solidFill>
+                                  <a:latin typeface="Cambria Math" panose="02040503050406030204" pitchFamily="18" charset="0"/>
+                                </a:rPr>
+                              </m:ctrlPr>
+                            </m:sSubPr>
+                            <m:e>
+                              <m:r>
+                                <a:rPr lang="it-IT" i="1">
+                                  <a:solidFill>
+                                    <a:srgbClr val="FF0000"/>
+                                  </a:solidFill>
+                                  <a:latin typeface="Cambria Math" panose="02040503050406030204" pitchFamily="18" charset="0"/>
+                                </a:rPr>
+                                <m:t>𝐵</m:t>
+                              </m:r>
+                            </m:e>
+                            <m:sub>
+                              <m:r>
+                                <a:rPr lang="it-IT" i="1">
+                                  <a:solidFill>
+                                    <a:srgbClr val="FF0000"/>
+                                  </a:solidFill>
+                                  <a:latin typeface="Cambria Math" panose="02040503050406030204" pitchFamily="18" charset="0"/>
+                                </a:rPr>
+                                <m:t>𝑡𝑜𝑡</m:t>
+                              </m:r>
+                            </m:sub>
+                          </m:sSub>
+                        </m:sub>
+                      </m:sSub>
+                      <m:r>
+                        <a:rPr lang="it-IT" b="0" i="1" smtClean="0">
+                          <a:latin typeface="Cambria Math" panose="02040503050406030204" pitchFamily="18" charset="0"/>
+                        </a:rPr>
+                        <m:t>+</m:t>
+                      </m:r>
+                      <m:sSub>
+                        <m:sSubPr>
+                          <m:ctrlPr>
+                            <a:rPr lang="it-IT" i="1">
+                              <a:latin typeface="Cambria Math" panose="02040503050406030204" pitchFamily="18" charset="0"/>
+                              <a:ea typeface="Cambria Math" panose="02040503050406030204" pitchFamily="18" charset="0"/>
+                            </a:rPr>
+                          </m:ctrlPr>
+                        </m:sSubPr>
+                        <m:e>
+                          <m:r>
+                            <a:rPr lang="it-IT" i="1">
+                              <a:latin typeface="Cambria Math" panose="02040503050406030204" pitchFamily="18" charset="0"/>
+                              <a:ea typeface="Cambria Math" panose="02040503050406030204" pitchFamily="18" charset="0"/>
+                            </a:rPr>
+                            <m:t>𝐷</m:t>
+                          </m:r>
+                        </m:e>
+                        <m:sub>
+                          <m:r>
+                            <a:rPr lang="it-IT" i="1">
+                              <a:latin typeface="Cambria Math" panose="02040503050406030204" pitchFamily="18" charset="0"/>
+                              <a:ea typeface="Cambria Math" panose="02040503050406030204" pitchFamily="18" charset="0"/>
+                            </a:rPr>
+                            <m:t>2</m:t>
+                          </m:r>
+                        </m:sub>
+                      </m:sSub>
+                      <m:r>
+                        <a:rPr lang="it-IT" i="1">
+                          <a:latin typeface="Cambria Math" panose="02040503050406030204" pitchFamily="18" charset="0"/>
+                          <a:ea typeface="Cambria Math" panose="02040503050406030204" pitchFamily="18" charset="0"/>
+                        </a:rPr>
+                        <m:t>∙</m:t>
+                      </m:r>
+                      <m:sSub>
+                        <m:sSubPr>
+                          <m:ctrlPr>
+                            <a:rPr lang="it-IT" i="1">
+                              <a:latin typeface="Cambria Math" panose="02040503050406030204" pitchFamily="18" charset="0"/>
+                              <a:ea typeface="Cambria Math" panose="02040503050406030204" pitchFamily="18" charset="0"/>
+                            </a:rPr>
+                          </m:ctrlPr>
+                        </m:sSubPr>
+                        <m:e>
+                          <m:r>
+                            <a:rPr lang="it-IT" i="1">
+                              <a:latin typeface="Cambria Math" panose="02040503050406030204" pitchFamily="18" charset="0"/>
+                              <a:ea typeface="Cambria Math" panose="02040503050406030204" pitchFamily="18" charset="0"/>
+                            </a:rPr>
+                            <m:t>𝑥</m:t>
+                          </m:r>
+                        </m:e>
+                        <m:sub>
+                          <m:r>
+                            <a:rPr lang="it-IT" i="1">
+                              <a:latin typeface="Cambria Math" panose="02040503050406030204" pitchFamily="18" charset="0"/>
+                              <a:ea typeface="Cambria Math" panose="02040503050406030204" pitchFamily="18" charset="0"/>
+                            </a:rPr>
+                            <m:t>1</m:t>
+                          </m:r>
+                        </m:sub>
+                      </m:sSub>
+                      <m:r>
+                        <a:rPr lang="it-IT" i="1">
+                          <a:latin typeface="Cambria Math" panose="02040503050406030204" pitchFamily="18" charset="0"/>
+                          <a:ea typeface="Cambria Math" panose="02040503050406030204" pitchFamily="18" charset="0"/>
+                        </a:rPr>
+                        <m:t>+</m:t>
+                      </m:r>
+                      <m:sSub>
+                        <m:sSubPr>
+                          <m:ctrlPr>
+                            <a:rPr lang="it-IT" i="1">
+                              <a:latin typeface="Cambria Math" panose="02040503050406030204" pitchFamily="18" charset="0"/>
+                              <a:ea typeface="Cambria Math" panose="02040503050406030204" pitchFamily="18" charset="0"/>
+                            </a:rPr>
+                          </m:ctrlPr>
+                        </m:sSubPr>
+                        <m:e>
+                          <m:r>
+                            <a:rPr lang="it-IT" i="1">
+                              <a:latin typeface="Cambria Math" panose="02040503050406030204" pitchFamily="18" charset="0"/>
+                              <a:ea typeface="Cambria Math" panose="02040503050406030204" pitchFamily="18" charset="0"/>
+                            </a:rPr>
+                            <m:t>𝐾</m:t>
+                          </m:r>
+                        </m:e>
+                        <m:sub>
+                          <m:r>
+                            <a:rPr lang="it-IT" i="1">
+                              <a:latin typeface="Cambria Math" panose="02040503050406030204" pitchFamily="18" charset="0"/>
+                              <a:ea typeface="Cambria Math" panose="02040503050406030204" pitchFamily="18" charset="0"/>
+                            </a:rPr>
+                            <m:t>𝑚𝑙𝑔</m:t>
+                          </m:r>
+                        </m:sub>
+                      </m:sSub>
+                      <m:r>
+                        <a:rPr lang="it-IT" i="1">
+                          <a:latin typeface="Cambria Math" panose="02040503050406030204" pitchFamily="18" charset="0"/>
+                          <a:ea typeface="Cambria Math" panose="02040503050406030204" pitchFamily="18" charset="0"/>
+                        </a:rPr>
+                        <m:t>∙</m:t>
+                      </m:r>
+                      <m:func>
+                        <m:funcPr>
+                          <m:ctrlPr>
+                            <a:rPr lang="it-IT" i="1">
+                              <a:latin typeface="Cambria Math" panose="02040503050406030204" pitchFamily="18" charset="0"/>
+                              <a:ea typeface="Cambria Math" panose="02040503050406030204" pitchFamily="18" charset="0"/>
+                            </a:rPr>
+                          </m:ctrlPr>
+                        </m:funcPr>
+                        <m:fName>
+                          <m:r>
+                            <m:rPr>
+                              <m:sty m:val="p"/>
+                            </m:rPr>
+                            <a:rPr lang="it-IT">
+                              <a:latin typeface="Cambria Math" panose="02040503050406030204" pitchFamily="18" charset="0"/>
+                              <a:ea typeface="Cambria Math" panose="02040503050406030204" pitchFamily="18" charset="0"/>
+                            </a:rPr>
+                            <m:t>sin</m:t>
+                          </m:r>
+                        </m:fName>
+                        <m:e>
+                          <m:d>
+                            <m:dPr>
+                              <m:ctrlPr>
+                                <a:rPr lang="it-IT" i="1">
+                                  <a:latin typeface="Cambria Math" panose="02040503050406030204" pitchFamily="18" charset="0"/>
+                                  <a:ea typeface="Cambria Math" panose="02040503050406030204" pitchFamily="18" charset="0"/>
+                                </a:rPr>
+                              </m:ctrlPr>
+                            </m:dPr>
+                            <m:e>
+                              <m:sSub>
+                                <m:sSubPr>
+                                  <m:ctrlPr>
+                                    <a:rPr lang="it-IT" i="1">
+                                      <a:latin typeface="Cambria Math" panose="02040503050406030204" pitchFamily="18" charset="0"/>
+                                      <a:ea typeface="Cambria Math" panose="02040503050406030204" pitchFamily="18" charset="0"/>
+                                    </a:rPr>
+                                  </m:ctrlPr>
+                                </m:sSubPr>
+                                <m:e>
+                                  <m:r>
+                                    <a:rPr lang="it-IT" i="1">
+                                      <a:latin typeface="Cambria Math" panose="02040503050406030204" pitchFamily="18" charset="0"/>
+                                      <a:ea typeface="Cambria Math" panose="02040503050406030204" pitchFamily="18" charset="0"/>
+                                    </a:rPr>
+                                    <m:t>𝑥</m:t>
+                                  </m:r>
+                                </m:e>
+                                <m:sub>
+                                  <m:r>
+                                    <a:rPr lang="it-IT" i="1">
+                                      <a:latin typeface="Cambria Math" panose="02040503050406030204" pitchFamily="18" charset="0"/>
+                                      <a:ea typeface="Cambria Math" panose="02040503050406030204" pitchFamily="18" charset="0"/>
+                                    </a:rPr>
+                                    <m:t>4</m:t>
+                                  </m:r>
+                                </m:sub>
+                              </m:sSub>
+                            </m:e>
+                          </m:d>
+                        </m:e>
+                      </m:func>
+                      <m:r>
+                        <a:rPr lang="it-IT" i="1">
+                          <a:latin typeface="Cambria Math" panose="02040503050406030204" pitchFamily="18" charset="0"/>
+                          <a:ea typeface="Cambria Math" panose="02040503050406030204" pitchFamily="18" charset="0"/>
+                        </a:rPr>
+                        <m:t>−</m:t>
+                      </m:r>
+                      <m:sSub>
+                        <m:sSubPr>
+                          <m:ctrlPr>
+                            <a:rPr lang="it-IT" i="1">
+                              <a:latin typeface="Cambria Math" panose="02040503050406030204" pitchFamily="18" charset="0"/>
+                              <a:ea typeface="Cambria Math" panose="02040503050406030204" pitchFamily="18" charset="0"/>
+                            </a:rPr>
+                          </m:ctrlPr>
+                        </m:sSubPr>
+                        <m:e>
+                          <m:r>
+                            <a:rPr lang="it-IT" i="1">
+                              <a:latin typeface="Cambria Math" panose="02040503050406030204" pitchFamily="18" charset="0"/>
+                              <a:ea typeface="Cambria Math" panose="02040503050406030204" pitchFamily="18" charset="0"/>
+                            </a:rPr>
+                            <m:t>𝐷</m:t>
+                          </m:r>
+                        </m:e>
+                        <m:sub>
+                          <m:r>
+                            <a:rPr lang="it-IT" i="1">
+                              <a:latin typeface="Cambria Math" panose="02040503050406030204" pitchFamily="18" charset="0"/>
+                              <a:ea typeface="Cambria Math" panose="02040503050406030204" pitchFamily="18" charset="0"/>
+                            </a:rPr>
+                            <m:t>1</m:t>
+                          </m:r>
+                        </m:sub>
+                      </m:sSub>
+                      <m:r>
+                        <a:rPr lang="it-IT" i="1">
+                          <a:latin typeface="Cambria Math" panose="02040503050406030204" pitchFamily="18" charset="0"/>
+                          <a:ea typeface="Cambria Math" panose="02040503050406030204" pitchFamily="18" charset="0"/>
+                        </a:rPr>
+                        <m:t>∙</m:t>
+                      </m:r>
+                      <m:sSub>
+                        <m:sSubPr>
+                          <m:ctrlPr>
+                            <a:rPr lang="it-IT" i="1">
+                              <a:latin typeface="Cambria Math" panose="02040503050406030204" pitchFamily="18" charset="0"/>
+                              <a:ea typeface="Cambria Math" panose="02040503050406030204" pitchFamily="18" charset="0"/>
+                            </a:rPr>
+                          </m:ctrlPr>
+                        </m:sSubPr>
+                        <m:e>
+                          <m:r>
+                            <a:rPr lang="it-IT" i="1">
+                              <a:latin typeface="Cambria Math" panose="02040503050406030204" pitchFamily="18" charset="0"/>
+                              <a:ea typeface="Cambria Math" panose="02040503050406030204" pitchFamily="18" charset="0"/>
+                            </a:rPr>
+                            <m:t>𝑥</m:t>
+                          </m:r>
+                        </m:e>
+                        <m:sub>
+                          <m:r>
+                            <a:rPr lang="it-IT" i="1">
+                              <a:latin typeface="Cambria Math" panose="02040503050406030204" pitchFamily="18" charset="0"/>
+                              <a:ea typeface="Cambria Math" panose="02040503050406030204" pitchFamily="18" charset="0"/>
+                            </a:rPr>
+                            <m:t>3</m:t>
+                          </m:r>
+                        </m:sub>
+                      </m:sSub>
+                    </m:oMath>
+                  </m:oMathPara>
                 </a14:m>
-                <a:r>
-                  <a:rPr lang="it-IT" dirty="0"/>
-                  <a:t> in funzione dell’ingresso, il blocco nel suo insieme è considerabile come un blocco non lineare istantaneo dipendente dallo stato.</a:t>
-                </a:r>
+                <a:endParaRPr lang="it-IT" dirty="0"/>
               </a:p>
             </p:txBody>
           </p:sp>
@@ -8395,30 +12977,30 @@
         <mc:Fallback>
           <p:sp>
             <p:nvSpPr>
-              <p:cNvPr id="8" name="CasellaDiTesto 7">
+              <p:cNvPr id="3" name="Rettangolo 2">
                 <a:extLst>
                   <a:ext uri="{FF2B5EF4-FFF2-40B4-BE49-F238E27FC236}">
-                    <a16:creationId xmlns:a16="http://schemas.microsoft.com/office/drawing/2014/main" id="{65FB5418-79CF-464E-849F-2B3E63CAC992}"/>
+                    <a16:creationId xmlns:a16="http://schemas.microsoft.com/office/drawing/2014/main" id="{6156B0C3-557B-4C35-9102-1192C1389178}"/>
                   </a:ext>
                 </a:extLst>
               </p:cNvPr>
-              <p:cNvSpPr txBox="1">
+              <p:cNvSpPr>
                 <a:spLocks noRot="1" noChangeAspect="1" noMove="1" noResize="1" noEditPoints="1" noAdjustHandles="1" noChangeArrowheads="1" noChangeShapeType="1" noTextEdit="1"/>
               </p:cNvSpPr>
               <p:nvPr/>
             </p:nvSpPr>
             <p:spPr>
               <a:xfrm>
-                <a:off x="1593436" y="2690336"/>
-                <a:ext cx="8856984" cy="1477328"/>
+                <a:off x="3782954" y="4248475"/>
+                <a:ext cx="5221056" cy="394532"/>
               </a:xfrm>
               <a:prstGeom prst="rect">
                 <a:avLst/>
               </a:prstGeom>
               <a:blipFill>
-                <a:blip r:embed="rId2"/>
+                <a:blip r:embed="rId3"/>
                 <a:stretch>
-                  <a:fillRect l="-551" t="-2469" r="-964" b="-4938"/>
+                  <a:fillRect b="-5970"/>
                 </a:stretch>
               </a:blipFill>
             </p:spPr>
@@ -8437,65 +13019,387 @@
           </p:sp>
         </mc:Fallback>
       </mc:AlternateContent>
-      <p:pic>
-        <p:nvPicPr>
-          <p:cNvPr id="9" name="Immagine 8">
-            <a:extLst>
-              <a:ext uri="{FF2B5EF4-FFF2-40B4-BE49-F238E27FC236}">
-                <a16:creationId xmlns:a16="http://schemas.microsoft.com/office/drawing/2014/main" id="{C9494C5A-EB44-4346-ABC0-F93618465010}"/>
-              </a:ext>
-            </a:extLst>
-          </p:cNvPr>
-          <p:cNvPicPr>
-            <a:picLocks noChangeAspect="1"/>
-          </p:cNvPicPr>
-          <p:nvPr/>
-        </p:nvPicPr>
-        <p:blipFill rotWithShape="1">
-          <a:blip r:embed="rId3"/>
-          <a:srcRect l="23686" t="44000" r="11001" b="8000"/>
-          <a:stretch/>
-        </p:blipFill>
-        <p:spPr>
-          <a:xfrm>
-            <a:off x="1629916" y="4257193"/>
-            <a:ext cx="6840760" cy="1728192"/>
-          </a:xfrm>
-          <a:prstGeom prst="rect">
-            <a:avLst/>
-          </a:prstGeom>
-          <a:solidFill>
-            <a:srgbClr val="FFFFFF">
-              <a:shade val="85000"/>
-            </a:srgbClr>
-          </a:solidFill>
-          <a:ln w="88900" cap="sq">
-            <a:solidFill>
-              <a:srgbClr val="FFFFFF"/>
-            </a:solidFill>
-            <a:miter lim="800000"/>
-          </a:ln>
-          <a:effectLst>
-            <a:outerShdw blurRad="55000" dist="18000" dir="5400000" algn="tl" rotWithShape="0">
-              <a:srgbClr val="000000">
-                <a:alpha val="40000"/>
-              </a:srgbClr>
-            </a:outerShdw>
-          </a:effectLst>
-          <a:scene3d>
-            <a:camera prst="orthographicFront"/>
-            <a:lightRig rig="twoPt" dir="t">
-              <a:rot lat="0" lon="0" rev="7200000"/>
-            </a:lightRig>
-          </a:scene3d>
-          <a:sp3d>
-            <a:bevelT w="25400" h="19050"/>
-            <a:contourClr>
-              <a:srgbClr val="FFFFFF"/>
-            </a:contourClr>
-          </a:sp3d>
-        </p:spPr>
-      </p:pic>
+      <mc:AlternateContent xmlns:mc="http://schemas.openxmlformats.org/markup-compatibility/2006">
+        <mc:Choice xmlns:a14="http://schemas.microsoft.com/office/drawing/2010/main" Requires="a14">
+          <p:sp>
+            <p:nvSpPr>
+              <p:cNvPr id="5" name="Rettangolo 4">
+                <a:extLst>
+                  <a:ext uri="{FF2B5EF4-FFF2-40B4-BE49-F238E27FC236}">
+                    <a16:creationId xmlns:a16="http://schemas.microsoft.com/office/drawing/2014/main" id="{8F8EF85A-3DA4-4522-9AB0-C990C0192A16}"/>
+                  </a:ext>
+                </a:extLst>
+              </p:cNvPr>
+              <p:cNvSpPr/>
+              <p:nvPr/>
+            </p:nvSpPr>
+            <p:spPr>
+              <a:xfrm>
+                <a:off x="1485900" y="4881934"/>
+                <a:ext cx="9815164" cy="923330"/>
+              </a:xfrm>
+              <a:prstGeom prst="rect">
+                <a:avLst/>
+              </a:prstGeom>
+            </p:spPr>
+            <p:txBody>
+              <a:bodyPr wrap="square">
+                <a:spAutoFit/>
+              </a:bodyPr>
+              <a:lstStyle/>
+              <a:p>
+                <a:pPr algn="just"/>
+                <a:r>
+                  <a:rPr lang="it-IT" dirty="0"/>
+                  <a:t>La formula si ottiene invertendo l’equazione di stato della </a:t>
+                </a:r>
+                <a14:m>
+                  <m:oMath xmlns:m="http://schemas.openxmlformats.org/officeDocument/2006/math">
+                    <m:acc>
+                      <m:accPr>
+                        <m:chr m:val="̇"/>
+                        <m:ctrlPr>
+                          <a:rPr lang="it-IT" i="1">
+                            <a:latin typeface="Cambria Math" panose="02040503050406030204" pitchFamily="18" charset="0"/>
+                          </a:rPr>
+                        </m:ctrlPr>
+                      </m:accPr>
+                      <m:e>
+                        <m:sSub>
+                          <m:sSubPr>
+                            <m:ctrlPr>
+                              <a:rPr lang="it-IT" i="1">
+                                <a:latin typeface="Cambria Math" panose="02040503050406030204" pitchFamily="18" charset="0"/>
+                              </a:rPr>
+                            </m:ctrlPr>
+                          </m:sSubPr>
+                          <m:e>
+                            <m:r>
+                              <a:rPr lang="it-IT" i="1">
+                                <a:latin typeface="Cambria Math" panose="02040503050406030204" pitchFamily="18" charset="0"/>
+                              </a:rPr>
+                              <m:t>𝑥</m:t>
+                            </m:r>
+                          </m:e>
+                          <m:sub>
+                            <m:r>
+                              <a:rPr lang="it-IT" i="1">
+                                <a:latin typeface="Cambria Math" panose="02040503050406030204" pitchFamily="18" charset="0"/>
+                              </a:rPr>
+                              <m:t>3</m:t>
+                            </m:r>
+                          </m:sub>
+                        </m:sSub>
+                      </m:e>
+                    </m:acc>
+                  </m:oMath>
+                </a14:m>
+                <a:r>
+                  <a:rPr lang="it-IT" dirty="0"/>
+                  <a:t>in funzione dell’ingresso, ovviamente è un blocco non lineare, con non linearità istantanea, ma </a:t>
+                </a:r>
+                <a:r>
+                  <a:rPr lang="it-IT" b="1" dirty="0"/>
+                  <a:t>la sua presenza linearizza l’intero sistema</a:t>
+                </a:r>
+                <a:r>
+                  <a:rPr lang="it-IT" dirty="0"/>
+                  <a:t>.</a:t>
+                </a:r>
+              </a:p>
+            </p:txBody>
+          </p:sp>
+        </mc:Choice>
+        <mc:Fallback>
+          <p:sp>
+            <p:nvSpPr>
+              <p:cNvPr id="5" name="Rettangolo 4">
+                <a:extLst>
+                  <a:ext uri="{FF2B5EF4-FFF2-40B4-BE49-F238E27FC236}">
+                    <a16:creationId xmlns:a16="http://schemas.microsoft.com/office/drawing/2014/main" id="{8F8EF85A-3DA4-4522-9AB0-C990C0192A16}"/>
+                  </a:ext>
+                </a:extLst>
+              </p:cNvPr>
+              <p:cNvSpPr>
+                <a:spLocks noRot="1" noChangeAspect="1" noMove="1" noResize="1" noEditPoints="1" noAdjustHandles="1" noChangeArrowheads="1" noChangeShapeType="1" noTextEdit="1"/>
+              </p:cNvSpPr>
+              <p:nvPr/>
+            </p:nvSpPr>
+            <p:spPr>
+              <a:xfrm>
+                <a:off x="1485900" y="4881934"/>
+                <a:ext cx="9815164" cy="923330"/>
+              </a:xfrm>
+              <a:prstGeom prst="rect">
+                <a:avLst/>
+              </a:prstGeom>
+              <a:blipFill>
+                <a:blip r:embed="rId4"/>
+                <a:stretch>
+                  <a:fillRect l="-559" t="-4636" r="-497" b="-9272"/>
+                </a:stretch>
+              </a:blipFill>
+            </p:spPr>
+            <p:txBody>
+              <a:bodyPr/>
+              <a:lstStyle/>
+              <a:p>
+                <a:r>
+                  <a:rPr lang="it-IT">
+                    <a:noFill/>
+                  </a:rPr>
+                  <a:t> </a:t>
+                </a:r>
+              </a:p>
+            </p:txBody>
+          </p:sp>
+        </mc:Fallback>
+      </mc:AlternateContent>
+      <mc:AlternateContent xmlns:mc="http://schemas.openxmlformats.org/markup-compatibility/2006">
+        <mc:Choice xmlns:a14="http://schemas.microsoft.com/office/drawing/2010/main" Requires="a14">
+          <p:sp>
+            <p:nvSpPr>
+              <p:cNvPr id="10" name="Rettangolo 9">
+                <a:extLst>
+                  <a:ext uri="{FF2B5EF4-FFF2-40B4-BE49-F238E27FC236}">
+                    <a16:creationId xmlns:a16="http://schemas.microsoft.com/office/drawing/2014/main" id="{31EE0BB2-E84C-40D2-AF13-8B7D3C8EFC20}"/>
+                  </a:ext>
+                </a:extLst>
+              </p:cNvPr>
+              <p:cNvSpPr/>
+              <p:nvPr/>
+            </p:nvSpPr>
+            <p:spPr>
+              <a:xfrm>
+                <a:off x="0" y="5909471"/>
+                <a:ext cx="12188825" cy="948529"/>
+              </a:xfrm>
+              <a:prstGeom prst="rect">
+                <a:avLst/>
+              </a:prstGeom>
+            </p:spPr>
+            <p:style>
+              <a:lnRef idx="2">
+                <a:schemeClr val="accent4">
+                  <a:shade val="50000"/>
+                </a:schemeClr>
+              </a:lnRef>
+              <a:fillRef idx="1">
+                <a:schemeClr val="accent4"/>
+              </a:fillRef>
+              <a:effectRef idx="0">
+                <a:schemeClr val="accent4"/>
+              </a:effectRef>
+              <a:fontRef idx="minor">
+                <a:schemeClr val="lt1"/>
+              </a:fontRef>
+            </p:style>
+            <p:txBody>
+              <a:bodyPr wrap="square">
+                <a:spAutoFit/>
+              </a:bodyPr>
+              <a:lstStyle/>
+              <a:p>
+                <a:pPr algn="ctr"/>
+                <a14:m>
+                  <m:oMath xmlns:m="http://schemas.openxmlformats.org/officeDocument/2006/math">
+                    <m:acc>
+                      <m:accPr>
+                        <m:chr m:val="̇"/>
+                        <m:ctrlPr>
+                          <a:rPr lang="it-IT" i="1" smtClean="0">
+                            <a:solidFill>
+                              <a:srgbClr val="FF0000"/>
+                            </a:solidFill>
+                            <a:latin typeface="Cambria Math" panose="02040503050406030204" pitchFamily="18" charset="0"/>
+                          </a:rPr>
+                        </m:ctrlPr>
+                      </m:accPr>
+                      <m:e>
+                        <m:sSub>
+                          <m:sSubPr>
+                            <m:ctrlPr>
+                              <a:rPr lang="it-IT" i="1">
+                                <a:solidFill>
+                                  <a:srgbClr val="FF0000"/>
+                                </a:solidFill>
+                                <a:latin typeface="Cambria Math" panose="02040503050406030204" pitchFamily="18" charset="0"/>
+                              </a:rPr>
+                            </m:ctrlPr>
+                          </m:sSubPr>
+                          <m:e>
+                            <m:r>
+                              <a:rPr lang="it-IT" i="1">
+                                <a:solidFill>
+                                  <a:srgbClr val="FF0000"/>
+                                </a:solidFill>
+                                <a:latin typeface="Cambria Math" panose="02040503050406030204" pitchFamily="18" charset="0"/>
+                              </a:rPr>
+                              <m:t>𝑥</m:t>
+                            </m:r>
+                          </m:e>
+                          <m:sub>
+                            <m:r>
+                              <a:rPr lang="it-IT" i="1">
+                                <a:solidFill>
+                                  <a:srgbClr val="FF0000"/>
+                                </a:solidFill>
+                                <a:latin typeface="Cambria Math" panose="02040503050406030204" pitchFamily="18" charset="0"/>
+                              </a:rPr>
+                              <m:t>3</m:t>
+                            </m:r>
+                          </m:sub>
+                        </m:sSub>
+                      </m:e>
+                    </m:acc>
+                    <m:r>
+                      <a:rPr lang="it-IT" i="1">
+                        <a:solidFill>
+                          <a:srgbClr val="FF0000"/>
+                        </a:solidFill>
+                        <a:latin typeface="Cambria Math" panose="02040503050406030204" pitchFamily="18" charset="0"/>
+                        <a:ea typeface="Cambria Math" panose="02040503050406030204" pitchFamily="18" charset="0"/>
+                      </a:rPr>
+                      <m:t>∙</m:t>
+                    </m:r>
+                    <m:sSub>
+                      <m:sSubPr>
+                        <m:ctrlPr>
+                          <a:rPr lang="it-IT" i="1">
+                            <a:solidFill>
+                              <a:srgbClr val="FF0000"/>
+                            </a:solidFill>
+                            <a:latin typeface="Cambria Math" panose="02040503050406030204" pitchFamily="18" charset="0"/>
+                          </a:rPr>
+                        </m:ctrlPr>
+                      </m:sSubPr>
+                      <m:e>
+                        <m:r>
+                          <a:rPr lang="it-IT" i="1">
+                            <a:solidFill>
+                              <a:srgbClr val="FF0000"/>
+                            </a:solidFill>
+                            <a:latin typeface="Cambria Math" panose="02040503050406030204" pitchFamily="18" charset="0"/>
+                          </a:rPr>
+                          <m:t>𝐼</m:t>
+                        </m:r>
+                      </m:e>
+                      <m:sub>
+                        <m:sSub>
+                          <m:sSubPr>
+                            <m:ctrlPr>
+                              <a:rPr lang="it-IT" i="1">
+                                <a:solidFill>
+                                  <a:srgbClr val="FF0000"/>
+                                </a:solidFill>
+                                <a:latin typeface="Cambria Math" panose="02040503050406030204" pitchFamily="18" charset="0"/>
+                              </a:rPr>
+                            </m:ctrlPr>
+                          </m:sSubPr>
+                          <m:e>
+                            <m:r>
+                              <a:rPr lang="it-IT" i="1">
+                                <a:solidFill>
+                                  <a:srgbClr val="FF0000"/>
+                                </a:solidFill>
+                                <a:latin typeface="Cambria Math" panose="02040503050406030204" pitchFamily="18" charset="0"/>
+                              </a:rPr>
+                              <m:t>𝐵</m:t>
+                            </m:r>
+                          </m:e>
+                          <m:sub>
+                            <m:r>
+                              <a:rPr lang="it-IT" i="1">
+                                <a:solidFill>
+                                  <a:srgbClr val="FF0000"/>
+                                </a:solidFill>
+                                <a:latin typeface="Cambria Math" panose="02040503050406030204" pitchFamily="18" charset="0"/>
+                              </a:rPr>
+                              <m:t>𝑡𝑜𝑡</m:t>
+                            </m:r>
+                          </m:sub>
+                        </m:sSub>
+                      </m:sub>
+                    </m:sSub>
+                  </m:oMath>
+                </a14:m>
+                <a:r>
+                  <a:rPr lang="it-IT" dirty="0"/>
+                  <a:t> a rigore è un </a:t>
+                </a:r>
+                <a:r>
+                  <a:rPr lang="it-IT" b="1" u="sng" dirty="0"/>
+                  <a:t>termine non noto</a:t>
+                </a:r>
+                <a:r>
+                  <a:rPr lang="it-IT" dirty="0"/>
+                  <a:t>, in un analisi a evoluzione libera, esso rappresenta l’inerzia totale del sistema, nel nostro caso invece è vista come </a:t>
+                </a:r>
+                <a:r>
+                  <a:rPr lang="it-IT" b="1" dirty="0"/>
+                  <a:t>momento desiderato, </a:t>
+                </a:r>
+                <a:r>
+                  <a:rPr lang="it-IT" dirty="0"/>
+                  <a:t>che calcolato dal PID, e nel blocco andiamo a trovare, mediante una retroazione dallo stato, la coppia </a:t>
+                </a:r>
+                <a:r>
+                  <a:rPr lang="it-IT" b="1" dirty="0"/>
+                  <a:t>u</a:t>
+                </a:r>
+                <a:r>
+                  <a:rPr lang="it-IT" dirty="0"/>
+                  <a:t> che realizza il momento totale del sistema!</a:t>
+                </a:r>
+              </a:p>
+            </p:txBody>
+          </p:sp>
+        </mc:Choice>
+        <mc:Fallback>
+          <p:sp>
+            <p:nvSpPr>
+              <p:cNvPr id="10" name="Rettangolo 9">
+                <a:extLst>
+                  <a:ext uri="{FF2B5EF4-FFF2-40B4-BE49-F238E27FC236}">
+                    <a16:creationId xmlns:a16="http://schemas.microsoft.com/office/drawing/2014/main" id="{31EE0BB2-E84C-40D2-AF13-8B7D3C8EFC20}"/>
+                  </a:ext>
+                </a:extLst>
+              </p:cNvPr>
+              <p:cNvSpPr>
+                <a:spLocks noRot="1" noChangeAspect="1" noMove="1" noResize="1" noEditPoints="1" noAdjustHandles="1" noChangeArrowheads="1" noChangeShapeType="1" noTextEdit="1"/>
+              </p:cNvSpPr>
+              <p:nvPr/>
+            </p:nvSpPr>
+            <p:spPr>
+              <a:xfrm>
+                <a:off x="0" y="5909471"/>
+                <a:ext cx="12188825" cy="948529"/>
+              </a:xfrm>
+              <a:prstGeom prst="rect">
+                <a:avLst/>
+              </a:prstGeom>
+              <a:blipFill>
+                <a:blip r:embed="rId5"/>
+                <a:stretch>
+                  <a:fillRect t="-3797" r="-350" b="-8228"/>
+                </a:stretch>
+              </a:blipFill>
+            </p:spPr>
+            <p:txBody>
+              <a:bodyPr/>
+              <a:lstStyle/>
+              <a:p>
+                <a:r>
+                  <a:rPr lang="it-IT">
+                    <a:noFill/>
+                  </a:rPr>
+                  <a:t> </a:t>
+                </a:r>
+              </a:p>
+            </p:txBody>
+          </p:sp>
+        </mc:Fallback>
+      </mc:AlternateContent>
     </p:spTree>
     <p:extLst>
       <p:ext uri="{BB962C8B-B14F-4D97-AF65-F5344CB8AC3E}">
@@ -8566,17 +13470,10 @@
           </a:bodyPr>
           <a:lstStyle/>
           <a:p>
+            <a:pPr algn="just"/>
             <a:r>
               <a:rPr lang="it-IT" dirty="0"/>
-              <a:t>Obiettivo di controllo: </a:t>
-            </a:r>
-            <a:r>
-              <a:rPr lang="it-IT" dirty="0" err="1"/>
-              <a:t>Velocià</a:t>
-            </a:r>
-            <a:r>
-              <a:rPr lang="it-IT" dirty="0"/>
-              <a:t> del disco nulla</a:t>
+              <a:t>Obiettivo di controllo: Velocità del disco nulla</a:t>
             </a:r>
           </a:p>
         </p:txBody>
@@ -8596,7 +13493,7 @@
         <p:spPr>
           <a:xfrm>
             <a:off x="1593437" y="836713"/>
-            <a:ext cx="9782800" cy="923330"/>
+            <a:ext cx="9782800" cy="2031325"/>
           </a:xfrm>
           <a:prstGeom prst="rect">
             <a:avLst/>
@@ -8609,27 +13506,106 @@
           </a:bodyPr>
           <a:lstStyle/>
           <a:p>
+            <a:pPr algn="just"/>
             <a:r>
               <a:rPr lang="it-IT" dirty="0"/>
-              <a:t>Essendo il sistema non lineare, creare una legge di controllo che lo stabilizzi con metodi analitici, risulta essere molto complesso. Si è invece pensato a un controllo agente sul </a:t>
+              <a:t>Arrivati all’equilibrio angolare, non è affatto detto che la velocità del disco sia anch'essa nulla, anzi potrebbe tranquillamente essere vicino alla velocità limite del motore, ciò può portare a 2 possibili esiti:</a:t>
             </a:r>
-            <a:r>
-              <a:rPr lang="it-IT" b="1" dirty="0"/>
-              <a:t>Momento angolare</a:t>
-            </a:r>
+          </a:p>
+          <a:p>
+            <a:pPr marL="342900" indent="-342900" algn="just">
+              <a:buSzPct val="120000"/>
+              <a:buBlip>
+                <a:blip r:embed="rId2"/>
+              </a:buBlip>
+            </a:pPr>
             <a:r>
               <a:rPr lang="it-IT" dirty="0"/>
-              <a:t> desiderato istante per istante.</a:t>
+              <a:t>Un disturbo arriva nel lato «giusto» e per essere compensato necessita di una frenata</a:t>
             </a:r>
+          </a:p>
+          <a:p>
+            <a:pPr marL="342900" indent="-342900" algn="just">
+              <a:buSzPct val="120000"/>
+              <a:buBlip>
+                <a:blip r:embed="rId3"/>
+              </a:buBlip>
+            </a:pPr>
+            <a:r>
+              <a:rPr lang="it-IT" dirty="0"/>
+              <a:t>Un disturbo arriva nel lato «sbagliato» e per essere compensato necessita di accelerare ulteriormente che porta il sistema in saturazione.</a:t>
+            </a:r>
+          </a:p>
+          <a:p>
+            <a:pPr algn="just"/>
+            <a:endParaRPr lang="it-IT" dirty="0"/>
           </a:p>
         </p:txBody>
       </p:sp>
+      <p:pic>
+        <p:nvPicPr>
+          <p:cNvPr id="8" name="Immagine 7">
+            <a:extLst>
+              <a:ext uri="{FF2B5EF4-FFF2-40B4-BE49-F238E27FC236}">
+                <a16:creationId xmlns:a16="http://schemas.microsoft.com/office/drawing/2014/main" id="{DA8B5AD2-D547-4335-A1C7-FD8E319227D6}"/>
+              </a:ext>
+            </a:extLst>
+          </p:cNvPr>
+          <p:cNvPicPr>
+            <a:picLocks noChangeAspect="1"/>
+          </p:cNvPicPr>
+          <p:nvPr/>
+        </p:nvPicPr>
+        <p:blipFill rotWithShape="1">
+          <a:blip r:embed="rId4"/>
+          <a:srcRect t="54000" r="68752" b="16000"/>
+          <a:stretch/>
+        </p:blipFill>
+        <p:spPr>
+          <a:xfrm>
+            <a:off x="1694938" y="3125049"/>
+            <a:ext cx="4010551" cy="1323548"/>
+          </a:xfrm>
+          <a:prstGeom prst="rect">
+            <a:avLst/>
+          </a:prstGeom>
+          <a:solidFill>
+            <a:srgbClr val="FFFFFF">
+              <a:shade val="85000"/>
+            </a:srgbClr>
+          </a:solidFill>
+          <a:ln w="190500" cap="rnd">
+            <a:solidFill>
+              <a:srgbClr val="FFFFFF"/>
+            </a:solidFill>
+          </a:ln>
+          <a:effectLst>
+            <a:outerShdw blurRad="50000" algn="tl" rotWithShape="0">
+              <a:srgbClr val="000000">
+                <a:alpha val="41000"/>
+              </a:srgbClr>
+            </a:outerShdw>
+          </a:effectLst>
+          <a:scene3d>
+            <a:camera prst="orthographicFront"/>
+            <a:lightRig rig="twoPt" dir="t">
+              <a:rot lat="0" lon="0" rev="7800000"/>
+            </a:lightRig>
+          </a:scene3d>
+          <a:sp3d contourW="6350">
+            <a:bevelT w="50800" h="16510"/>
+            <a:contourClr>
+              <a:srgbClr val="C0C0C0"/>
+            </a:contourClr>
+          </a:sp3d>
+        </p:spPr>
+      </p:pic>
       <p:sp>
         <p:nvSpPr>
-          <p:cNvPr id="2" name="CasellaDiTesto 1">
+          <p:cNvPr id="9" name="CasellaDiTesto 8">
             <a:extLst>
               <a:ext uri="{FF2B5EF4-FFF2-40B4-BE49-F238E27FC236}">
-                <a16:creationId xmlns:a16="http://schemas.microsoft.com/office/drawing/2014/main" id="{4D4D8F2E-21C3-4521-9519-BDEF772BDE1F}"/>
+                <a16:creationId xmlns:a16="http://schemas.microsoft.com/office/drawing/2014/main" id="{9EE7CFAC-C200-44E4-A09C-B7CC2CA804EF}"/>
               </a:ext>
             </a:extLst>
           </p:cNvPr>
@@ -8638,130 +13614,66 @@
         </p:nvSpPr>
         <p:spPr>
           <a:xfrm>
-            <a:off x="1593436" y="1760043"/>
-            <a:ext cx="4572984" cy="923330"/>
+            <a:off x="5976348" y="3239343"/>
+            <a:ext cx="5400601" cy="1200329"/>
+          </a:xfrm>
+          <a:prstGeom prst="rect">
+            <a:avLst/>
+          </a:prstGeom>
+          <a:noFill/>
+        </p:spPr>
+        <p:txBody>
+          <a:bodyPr wrap="square" rtlCol="0">
+            <a:spAutoFit/>
+          </a:bodyPr>
+          <a:lstStyle/>
+          <a:p>
+            <a:pPr algn="just"/>
+            <a:r>
+              <a:rPr lang="it-IT" dirty="0"/>
+              <a:t>Per compensare quindi questo problema si è deciso di aggiungere un secondo loop di controllo, che ha come obiettivo quello di rendere la velocità del disco nulla.</a:t>
+            </a:r>
+          </a:p>
+        </p:txBody>
+      </p:sp>
+      <p:sp>
+        <p:nvSpPr>
+          <p:cNvPr id="3" name="Rettangolo 2">
+            <a:extLst>
+              <a:ext uri="{FF2B5EF4-FFF2-40B4-BE49-F238E27FC236}">
+                <a16:creationId xmlns:a16="http://schemas.microsoft.com/office/drawing/2014/main" id="{B61D8767-71AA-49B2-B7EB-13C952B74B67}"/>
+              </a:ext>
+            </a:extLst>
+          </p:cNvPr>
+          <p:cNvSpPr/>
+          <p:nvPr/>
+        </p:nvSpPr>
+        <p:spPr>
+          <a:xfrm>
+            <a:off x="1593436" y="4782984"/>
+            <a:ext cx="9782800" cy="1200329"/>
           </a:xfrm>
           <a:prstGeom prst="rect">
             <a:avLst/>
           </a:prstGeom>
         </p:spPr>
-        <p:style>
-          <a:lnRef idx="2">
-            <a:schemeClr val="accent1"/>
-          </a:lnRef>
-          <a:fillRef idx="1">
-            <a:schemeClr val="lt1"/>
-          </a:fillRef>
-          <a:effectRef idx="0">
-            <a:schemeClr val="accent1"/>
-          </a:effectRef>
-          <a:fontRef idx="minor">
-            <a:schemeClr val="dk1"/>
-          </a:fontRef>
-        </p:style>
         <p:txBody>
-          <a:bodyPr wrap="square" rtlCol="0">
+          <a:bodyPr wrap="square">
             <a:spAutoFit/>
           </a:bodyPr>
           <a:lstStyle/>
           <a:p>
-            <a:r>
-              <a:rPr lang="it-IT" b="1" dirty="0" err="1"/>
-              <a:t>Def</a:t>
-            </a:r>
-            <a:r>
-              <a:rPr lang="it-IT" b="1" dirty="0"/>
-              <a:t>. Momento angolare desiderato:</a:t>
-            </a:r>
-          </a:p>
-          <a:p>
+            <a:pPr algn="just"/>
             <a:r>
               <a:rPr lang="it-IT" dirty="0"/>
-              <a:t>Coppia da dover far generare al motore per raggiungere l’</a:t>
+              <a:t>Per fare ciò, banalmente «sposta» il punto di equilibrio nel lato in cui, per mantenere la posizione, bisogna rallentare.</a:t>
             </a:r>
-            <a:r>
-              <a:rPr lang="it-IT" b="1" dirty="0"/>
-              <a:t>obiettivo di controllo</a:t>
-            </a:r>
+          </a:p>
+          <a:p>
+            <a:pPr algn="just"/>
             <a:r>
               <a:rPr lang="it-IT" dirty="0"/>
-              <a:t>.</a:t>
-            </a:r>
-          </a:p>
-        </p:txBody>
-      </p:sp>
-      <p:sp>
-        <p:nvSpPr>
-          <p:cNvPr id="7" name="CasellaDiTesto 6">
-            <a:extLst>
-              <a:ext uri="{FF2B5EF4-FFF2-40B4-BE49-F238E27FC236}">
-                <a16:creationId xmlns:a16="http://schemas.microsoft.com/office/drawing/2014/main" id="{CD696F76-F932-4772-8C8F-832DC69FA6A7}"/>
-              </a:ext>
-            </a:extLst>
-          </p:cNvPr>
-          <p:cNvSpPr txBox="1"/>
-          <p:nvPr/>
-        </p:nvSpPr>
-        <p:spPr>
-          <a:xfrm>
-            <a:off x="6670476" y="2182383"/>
-            <a:ext cx="4572984" cy="923330"/>
-          </a:xfrm>
-          <a:prstGeom prst="rect">
-            <a:avLst/>
-          </a:prstGeom>
-        </p:spPr>
-        <p:style>
-          <a:lnRef idx="2">
-            <a:schemeClr val="accent1"/>
-          </a:lnRef>
-          <a:fillRef idx="1">
-            <a:schemeClr val="lt1"/>
-          </a:fillRef>
-          <a:effectRef idx="0">
-            <a:schemeClr val="accent1"/>
-          </a:effectRef>
-          <a:fontRef idx="minor">
-            <a:schemeClr val="dk1"/>
-          </a:fontRef>
-        </p:style>
-        <p:txBody>
-          <a:bodyPr wrap="square" rtlCol="0">
-            <a:spAutoFit/>
-          </a:bodyPr>
-          <a:lstStyle/>
-          <a:p>
-            <a:r>
-              <a:rPr lang="it-IT" b="1" dirty="0" err="1"/>
-              <a:t>Def</a:t>
-            </a:r>
-            <a:r>
-              <a:rPr lang="it-IT" b="1" dirty="0"/>
-              <a:t>. Obiettivo di controllo:</a:t>
-            </a:r>
-          </a:p>
-          <a:p>
-            <a:pPr marL="342900" indent="-342900">
-              <a:buFont typeface="+mj-lt"/>
-              <a:buAutoNum type="arabicPeriod"/>
-            </a:pPr>
-            <a:r>
-              <a:rPr lang="it-IT" dirty="0"/>
-              <a:t>Angolo braccio verticale.</a:t>
-            </a:r>
-          </a:p>
-          <a:p>
-            <a:pPr marL="342900" indent="-342900">
-              <a:buFont typeface="+mj-lt"/>
-              <a:buAutoNum type="arabicPeriod"/>
-            </a:pPr>
-            <a:r>
-              <a:rPr lang="it-IT" dirty="0" err="1"/>
-              <a:t>Velocià</a:t>
-            </a:r>
-            <a:r>
-              <a:rPr lang="it-IT" dirty="0"/>
-              <a:t> del disco nulla.</a:t>
+              <a:t>Più lento è il disco minore è la compensazione, e più vicino al punto di equilibrio mi mantengo.</a:t>
             </a:r>
           </a:p>
         </p:txBody>
@@ -8830,7 +13742,7 @@
         </p:blipFill>
         <p:spPr>
           <a:xfrm>
-            <a:off x="981844" y="836712"/>
+            <a:off x="1269876" y="1529409"/>
             <a:ext cx="9887154" cy="5328591"/>
           </a:xfrm>
           <a:prstGeom prst="rect">
@@ -8838,6 +13750,34 @@
           </a:prstGeom>
         </p:spPr>
       </p:pic>
+      <p:sp>
+        <p:nvSpPr>
+          <p:cNvPr id="2" name="Titolo 1">
+            <a:extLst>
+              <a:ext uri="{FF2B5EF4-FFF2-40B4-BE49-F238E27FC236}">
+                <a16:creationId xmlns:a16="http://schemas.microsoft.com/office/drawing/2014/main" id="{0650EA6D-B0C1-407C-920D-149F7671859E}"/>
+              </a:ext>
+            </a:extLst>
+          </p:cNvPr>
+          <p:cNvSpPr>
+            <a:spLocks noGrp="1"/>
+          </p:cNvSpPr>
+          <p:nvPr>
+            <p:ph type="title"/>
+          </p:nvPr>
+        </p:nvSpPr>
+        <p:spPr/>
+        <p:txBody>
+          <a:bodyPr/>
+          <a:lstStyle/>
+          <a:p>
+            <a:r>
+              <a:rPr lang="it-IT" dirty="0"/>
+              <a:t>Simulazione partendo da 50°: sistema</a:t>
+            </a:r>
+          </a:p>
+        </p:txBody>
+      </p:sp>
     </p:spTree>
     <p:extLst>
       <p:ext uri="{BB962C8B-B14F-4D97-AF65-F5344CB8AC3E}">
@@ -8902,7 +13842,7 @@
         </p:blipFill>
         <p:spPr>
           <a:xfrm>
-            <a:off x="957381" y="728700"/>
+            <a:off x="1197868" y="1457400"/>
             <a:ext cx="9961567" cy="5400600"/>
           </a:xfrm>
           <a:prstGeom prst="rect">
@@ -8910,6 +13850,34 @@
           </a:prstGeom>
         </p:spPr>
       </p:pic>
+      <p:sp>
+        <p:nvSpPr>
+          <p:cNvPr id="3" name="Titolo 2">
+            <a:extLst>
+              <a:ext uri="{FF2B5EF4-FFF2-40B4-BE49-F238E27FC236}">
+                <a16:creationId xmlns:a16="http://schemas.microsoft.com/office/drawing/2014/main" id="{E6FDE177-8CFE-436F-8F7D-CBC08C04628E}"/>
+              </a:ext>
+            </a:extLst>
+          </p:cNvPr>
+          <p:cNvSpPr>
+            <a:spLocks noGrp="1"/>
+          </p:cNvSpPr>
+          <p:nvPr>
+            <p:ph type="title"/>
+          </p:nvPr>
+        </p:nvSpPr>
+        <p:spPr/>
+        <p:txBody>
+          <a:bodyPr/>
+          <a:lstStyle/>
+          <a:p>
+            <a:r>
+              <a:rPr lang="it-IT" dirty="0"/>
+              <a:t>Simulazione partendo da 50°: controllo</a:t>
+            </a:r>
+          </a:p>
+        </p:txBody>
+      </p:sp>
     </p:spTree>
     <p:extLst>
       <p:ext uri="{BB962C8B-B14F-4D97-AF65-F5344CB8AC3E}">

--- a/00_Relazione/Simulazione sistema e Modello di controllo/Simulazione e Controllo.pptx
+++ b/00_Relazione/Simulazione sistema e Modello di controllo/Simulazione e Controllo.pptx
@@ -7917,8 +7917,8 @@
               <a:chExt cx="3581237" cy="1667023"/>
             </a:xfrm>
           </p:grpSpPr>
-          <mc:AlternateContent xmlns:mc="http://schemas.openxmlformats.org/markup-compatibility/2006">
-            <mc:Choice xmlns:a14="http://schemas.microsoft.com/office/drawing/2010/main" Requires="a14">
+          <mc:AlternateContent xmlns:mc="http://schemas.openxmlformats.org/markup-compatibility/2006" xmlns:a14="http://schemas.microsoft.com/office/drawing/2010/main">
+            <mc:Choice Requires="a14">
               <p:sp>
                 <p:nvSpPr>
                   <p:cNvPr id="13" name="Rettangolo 12">
@@ -8038,7 +8038,7 @@
                 </p:txBody>
               </p:sp>
             </mc:Choice>
-            <mc:Fallback>
+            <mc:Fallback xmlns="">
               <p:sp>
                 <p:nvSpPr>
                   <p:cNvPr id="13" name="Rettangolo 12">
@@ -8083,8 +8083,8 @@
               </p:sp>
             </mc:Fallback>
           </mc:AlternateContent>
-          <mc:AlternateContent xmlns:mc="http://schemas.openxmlformats.org/markup-compatibility/2006">
-            <mc:Choice xmlns:a14="http://schemas.microsoft.com/office/drawing/2010/main" Requires="a14">
+          <mc:AlternateContent xmlns:mc="http://schemas.openxmlformats.org/markup-compatibility/2006" xmlns:a14="http://schemas.microsoft.com/office/drawing/2010/main">
+            <mc:Choice Requires="a14">
               <p:sp>
                 <p:nvSpPr>
                   <p:cNvPr id="14" name="Rettangolo 13">
@@ -8207,7 +8207,7 @@
                 </p:txBody>
               </p:sp>
             </mc:Choice>
-            <mc:Fallback>
+            <mc:Fallback xmlns="">
               <p:sp>
                 <p:nvSpPr>
                   <p:cNvPr id="14" name="Rettangolo 13">
@@ -8252,8 +8252,8 @@
               </p:sp>
             </mc:Fallback>
           </mc:AlternateContent>
-          <mc:AlternateContent xmlns:mc="http://schemas.openxmlformats.org/markup-compatibility/2006">
-            <mc:Choice xmlns:a14="http://schemas.microsoft.com/office/drawing/2010/main" Requires="a14">
+          <mc:AlternateContent xmlns:mc="http://schemas.openxmlformats.org/markup-compatibility/2006" xmlns:a14="http://schemas.microsoft.com/office/drawing/2010/main">
+            <mc:Choice Requires="a14">
               <p:sp>
                 <p:nvSpPr>
                   <p:cNvPr id="15" name="Rettangolo 14">
@@ -8345,7 +8345,7 @@
                 </p:txBody>
               </p:sp>
             </mc:Choice>
-            <mc:Fallback>
+            <mc:Fallback xmlns="">
               <p:sp>
                 <p:nvSpPr>
                   <p:cNvPr id="15" name="Rettangolo 14">
@@ -8390,8 +8390,8 @@
               </p:sp>
             </mc:Fallback>
           </mc:AlternateContent>
-          <mc:AlternateContent xmlns:mc="http://schemas.openxmlformats.org/markup-compatibility/2006">
-            <mc:Choice xmlns:a14="http://schemas.microsoft.com/office/drawing/2010/main" Requires="a14">
+          <mc:AlternateContent xmlns:mc="http://schemas.openxmlformats.org/markup-compatibility/2006" xmlns:a14="http://schemas.microsoft.com/office/drawing/2010/main">
+            <mc:Choice Requires="a14">
               <p:sp>
                 <p:nvSpPr>
                   <p:cNvPr id="16" name="Rettangolo 15">
@@ -8518,7 +8518,7 @@
                 </p:txBody>
               </p:sp>
             </mc:Choice>
-            <mc:Fallback>
+            <mc:Fallback xmlns="">
               <p:sp>
                 <p:nvSpPr>
                   <p:cNvPr id="16" name="Rettangolo 15">
@@ -8563,8 +8563,8 @@
               </p:sp>
             </mc:Fallback>
           </mc:AlternateContent>
-          <mc:AlternateContent xmlns:mc="http://schemas.openxmlformats.org/markup-compatibility/2006">
-            <mc:Choice xmlns:a14="http://schemas.microsoft.com/office/drawing/2010/main" Requires="a14">
+          <mc:AlternateContent xmlns:mc="http://schemas.openxmlformats.org/markup-compatibility/2006" xmlns:a14="http://schemas.microsoft.com/office/drawing/2010/main">
+            <mc:Choice Requires="a14">
               <p:sp>
                 <p:nvSpPr>
                   <p:cNvPr id="17" name="Rettangolo 16">
@@ -8703,7 +8703,7 @@
                 </p:txBody>
               </p:sp>
             </mc:Choice>
-            <mc:Fallback>
+            <mc:Fallback xmlns="">
               <p:sp>
                 <p:nvSpPr>
                   <p:cNvPr id="17" name="Rettangolo 16">
@@ -8820,8 +8820,8 @@
             <a:chExt cx="7525312" cy="1200329"/>
           </a:xfrm>
         </p:grpSpPr>
-        <mc:AlternateContent xmlns:mc="http://schemas.openxmlformats.org/markup-compatibility/2006">
-          <mc:Choice xmlns:a14="http://schemas.microsoft.com/office/drawing/2010/main" Requires="a14">
+        <mc:AlternateContent xmlns:mc="http://schemas.openxmlformats.org/markup-compatibility/2006" xmlns:a14="http://schemas.microsoft.com/office/drawing/2010/main">
+          <mc:Choice Requires="a14">
             <p:sp>
               <p:nvSpPr>
                 <p:cNvPr id="2" name="CasellaDiTesto 1">
@@ -8850,6 +8850,7 @@
                 </a:bodyPr>
                 <a:lstStyle/>
                 <a:p>
+                  <a:pPr/>
                   <a14:m>
                     <m:oMathPara xmlns:m="http://schemas.openxmlformats.org/officeDocument/2006/math">
                       <m:oMathParaPr>
@@ -9285,7 +9286,7 @@
               </p:txBody>
             </p:sp>
           </mc:Choice>
-          <mc:Fallback>
+          <mc:Fallback xmlns="">
             <p:sp>
               <p:nvSpPr>
                 <p:cNvPr id="2" name="CasellaDiTesto 1">
@@ -9330,8 +9331,8 @@
             </p:sp>
           </mc:Fallback>
         </mc:AlternateContent>
-        <mc:AlternateContent xmlns:mc="http://schemas.openxmlformats.org/markup-compatibility/2006">
-          <mc:Choice xmlns:a14="http://schemas.microsoft.com/office/drawing/2010/main" Requires="a14">
+        <mc:AlternateContent xmlns:mc="http://schemas.openxmlformats.org/markup-compatibility/2006" xmlns:a14="http://schemas.microsoft.com/office/drawing/2010/main">
+          <mc:Choice Requires="a14">
             <p:sp>
               <p:nvSpPr>
                 <p:cNvPr id="6" name="CasellaDiTesto 5">
@@ -9360,6 +9361,7 @@
                 </a:bodyPr>
                 <a:lstStyle/>
                 <a:p>
+                  <a:pPr/>
                   <a14:m>
                     <m:oMathPara xmlns:m="http://schemas.openxmlformats.org/officeDocument/2006/math">
                       <m:oMathParaPr>
@@ -9888,7 +9890,7 @@
               </p:txBody>
             </p:sp>
           </mc:Choice>
-          <mc:Fallback>
+          <mc:Fallback xmlns="">
             <p:sp>
               <p:nvSpPr>
                 <p:cNvPr id="6" name="CasellaDiTesto 5">
@@ -9933,8 +9935,8 @@
             </p:sp>
           </mc:Fallback>
         </mc:AlternateContent>
-        <mc:AlternateContent xmlns:mc="http://schemas.openxmlformats.org/markup-compatibility/2006">
-          <mc:Choice xmlns:a14="http://schemas.microsoft.com/office/drawing/2010/main" Requires="a14">
+        <mc:AlternateContent xmlns:mc="http://schemas.openxmlformats.org/markup-compatibility/2006" xmlns:a14="http://schemas.microsoft.com/office/drawing/2010/main">
+          <mc:Choice Requires="a14">
             <p:sp>
               <p:nvSpPr>
                 <p:cNvPr id="8" name="Rettangolo 7">
@@ -9962,6 +9964,7 @@
                 </a:bodyPr>
                 <a:lstStyle/>
                 <a:p>
+                  <a:pPr/>
                   <a14:m>
                     <m:oMathPara xmlns:m="http://schemas.openxmlformats.org/officeDocument/2006/math">
                       <m:oMathParaPr>
@@ -10039,7 +10042,7 @@
               </p:txBody>
             </p:sp>
           </mc:Choice>
-          <mc:Fallback>
+          <mc:Fallback xmlns="">
             <p:sp>
               <p:nvSpPr>
                 <p:cNvPr id="8" name="Rettangolo 7">
@@ -10159,8 +10162,8 @@
             <a:chExt cx="7842196" cy="2147191"/>
           </a:xfrm>
         </p:grpSpPr>
-        <mc:AlternateContent xmlns:mc="http://schemas.openxmlformats.org/markup-compatibility/2006">
-          <mc:Choice xmlns:a14="http://schemas.microsoft.com/office/drawing/2010/main" Requires="a14">
+        <mc:AlternateContent xmlns:mc="http://schemas.openxmlformats.org/markup-compatibility/2006" xmlns:a14="http://schemas.microsoft.com/office/drawing/2010/main">
+          <mc:Choice Requires="a14">
             <p:sp>
               <p:nvSpPr>
                 <p:cNvPr id="9" name="Rettangolo 8">
@@ -10274,7 +10277,7 @@
               </p:txBody>
             </p:sp>
           </mc:Choice>
-          <mc:Fallback>
+          <mc:Fallback xmlns="">
             <p:sp>
               <p:nvSpPr>
                 <p:cNvPr id="9" name="Rettangolo 8">
@@ -10319,8 +10322,8 @@
             </p:sp>
           </mc:Fallback>
         </mc:AlternateContent>
-        <mc:AlternateContent xmlns:mc="http://schemas.openxmlformats.org/markup-compatibility/2006">
-          <mc:Choice xmlns:a14="http://schemas.microsoft.com/office/drawing/2010/main" Requires="a14">
+        <mc:AlternateContent xmlns:mc="http://schemas.openxmlformats.org/markup-compatibility/2006" xmlns:a14="http://schemas.microsoft.com/office/drawing/2010/main">
+          <mc:Choice Requires="a14">
             <p:sp>
               <p:nvSpPr>
                 <p:cNvPr id="10" name="Rettangolo 9">
@@ -10431,7 +10434,7 @@
               </p:txBody>
             </p:sp>
           </mc:Choice>
-          <mc:Fallback>
+          <mc:Fallback xmlns="">
             <p:sp>
               <p:nvSpPr>
                 <p:cNvPr id="10" name="Rettangolo 9">
@@ -10476,8 +10479,8 @@
             </p:sp>
           </mc:Fallback>
         </mc:AlternateContent>
-        <mc:AlternateContent xmlns:mc="http://schemas.openxmlformats.org/markup-compatibility/2006">
-          <mc:Choice xmlns:a14="http://schemas.microsoft.com/office/drawing/2010/main" Requires="a14">
+        <mc:AlternateContent xmlns:mc="http://schemas.openxmlformats.org/markup-compatibility/2006" xmlns:a14="http://schemas.microsoft.com/office/drawing/2010/main">
+          <mc:Choice Requires="a14">
             <p:sp>
               <p:nvSpPr>
                 <p:cNvPr id="11" name="Rettangolo 10">
@@ -11051,7 +11054,7 @@
               </p:txBody>
             </p:sp>
           </mc:Choice>
-          <mc:Fallback>
+          <mc:Fallback xmlns="">
             <p:sp>
               <p:nvSpPr>
                 <p:cNvPr id="11" name="Rettangolo 10">
@@ -11096,8 +11099,8 @@
             </p:sp>
           </mc:Fallback>
         </mc:AlternateContent>
-        <mc:AlternateContent xmlns:mc="http://schemas.openxmlformats.org/markup-compatibility/2006">
-          <mc:Choice xmlns:a14="http://schemas.microsoft.com/office/drawing/2010/main" Requires="a14">
+        <mc:AlternateContent xmlns:mc="http://schemas.openxmlformats.org/markup-compatibility/2006" xmlns:a14="http://schemas.microsoft.com/office/drawing/2010/main">
+          <mc:Choice Requires="a14">
             <p:sp>
               <p:nvSpPr>
                 <p:cNvPr id="12" name="Rettangolo 11">
@@ -11817,7 +11820,7 @@
               </p:txBody>
             </p:sp>
           </mc:Choice>
-          <mc:Fallback>
+          <mc:Fallback xmlns="">
             <p:sp>
               <p:nvSpPr>
                 <p:cNvPr id="12" name="Rettangolo 11">
@@ -12364,8 +12367,8 @@
         </p:nvSpPr>
         <p:spPr>
           <a:xfrm>
-            <a:off x="1593437" y="836713"/>
-            <a:ext cx="9782800" cy="646331"/>
+            <a:off x="1269876" y="836713"/>
+            <a:ext cx="10106361" cy="646331"/>
           </a:xfrm>
           <a:prstGeom prst="rect">
             <a:avLst/>
@@ -12400,8 +12403,8 @@
         </p:nvSpPr>
         <p:spPr>
           <a:xfrm>
-            <a:off x="1485899" y="3225750"/>
-            <a:ext cx="9890337" cy="923330"/>
+            <a:off x="1269877" y="3225750"/>
+            <a:ext cx="10106360" cy="923330"/>
           </a:xfrm>
           <a:prstGeom prst="rect">
             <a:avLst/>
@@ -12466,7 +12469,7 @@
         </p:blipFill>
         <p:spPr>
           <a:xfrm>
-            <a:off x="1701924" y="1610510"/>
+            <a:off x="1413892" y="1641577"/>
             <a:ext cx="5760640" cy="1502874"/>
           </a:xfrm>
           <a:prstGeom prst="rect">
@@ -12554,7 +12557,7 @@
             </p:nvSpPr>
             <p:spPr>
               <a:xfrm>
-                <a:off x="3782954" y="4248475"/>
+                <a:off x="3782954" y="4149080"/>
                 <a:ext cx="5221056" cy="394532"/>
               </a:xfrm>
               <a:prstGeom prst="rect">
@@ -12603,69 +12606,10 @@
                         </a:rPr>
                         <m:t>=−</m:t>
                       </m:r>
-                      <m:acc>
-                        <m:accPr>
-                          <m:chr m:val="̇"/>
-                          <m:ctrlPr>
-                            <a:rPr lang="it-IT" i="1" smtClean="0">
-                              <a:solidFill>
-                                <a:srgbClr val="FF0000"/>
-                              </a:solidFill>
-                              <a:latin typeface="Cambria Math" panose="02040503050406030204" pitchFamily="18" charset="0"/>
-                            </a:rPr>
-                          </m:ctrlPr>
-                        </m:accPr>
-                        <m:e>
-                          <m:sSub>
-                            <m:sSubPr>
-                              <m:ctrlPr>
-                                <a:rPr lang="it-IT" i="1">
-                                  <a:solidFill>
-                                    <a:srgbClr val="FF0000"/>
-                                  </a:solidFill>
-                                  <a:latin typeface="Cambria Math" panose="02040503050406030204" pitchFamily="18" charset="0"/>
-                                </a:rPr>
-                              </m:ctrlPr>
-                            </m:sSubPr>
-                            <m:e>
-                              <m:r>
-                                <a:rPr lang="it-IT" i="1">
-                                  <a:solidFill>
-                                    <a:srgbClr val="FF0000"/>
-                                  </a:solidFill>
-                                  <a:latin typeface="Cambria Math" panose="02040503050406030204" pitchFamily="18" charset="0"/>
-                                </a:rPr>
-                                <m:t>𝑥</m:t>
-                              </m:r>
-                            </m:e>
-                            <m:sub>
-                              <m:r>
-                                <a:rPr lang="it-IT" i="1">
-                                  <a:solidFill>
-                                    <a:srgbClr val="FF0000"/>
-                                  </a:solidFill>
-                                  <a:latin typeface="Cambria Math" panose="02040503050406030204" pitchFamily="18" charset="0"/>
-                                </a:rPr>
-                                <m:t>3</m:t>
-                              </m:r>
-                            </m:sub>
-                          </m:sSub>
-                        </m:e>
-                      </m:acc>
-                      <m:r>
-                        <a:rPr lang="it-IT" i="1">
-                          <a:solidFill>
-                            <a:srgbClr val="FF0000"/>
-                          </a:solidFill>
-                          <a:latin typeface="Cambria Math" panose="02040503050406030204" pitchFamily="18" charset="0"/>
-                          <a:ea typeface="Cambria Math" panose="02040503050406030204" pitchFamily="18" charset="0"/>
-                        </a:rPr>
-                        <m:t>∙</m:t>
-                      </m:r>
                       <m:sSub>
                         <m:sSubPr>
                           <m:ctrlPr>
-                            <a:rPr lang="it-IT" i="1">
+                            <a:rPr lang="it-IT" b="0" i="1" smtClean="0">
                               <a:solidFill>
                                 <a:srgbClr val="FF0000"/>
                               </a:solidFill>
@@ -12675,50 +12619,25 @@
                         </m:sSubPr>
                         <m:e>
                           <m:r>
-                            <a:rPr lang="it-IT" i="1">
+                            <a:rPr lang="it-IT" b="0" i="1" smtClean="0">
                               <a:solidFill>
                                 <a:srgbClr val="FF0000"/>
                               </a:solidFill>
                               <a:latin typeface="Cambria Math" panose="02040503050406030204" pitchFamily="18" charset="0"/>
                             </a:rPr>
-                            <m:t>𝐼</m:t>
+                            <m:t>𝑀</m:t>
                           </m:r>
                         </m:e>
                         <m:sub>
-                          <m:sSub>
-                            <m:sSubPr>
-                              <m:ctrlPr>
-                                <a:rPr lang="it-IT" i="1">
-                                  <a:solidFill>
-                                    <a:srgbClr val="FF0000"/>
-                                  </a:solidFill>
-                                  <a:latin typeface="Cambria Math" panose="02040503050406030204" pitchFamily="18" charset="0"/>
-                                </a:rPr>
-                              </m:ctrlPr>
-                            </m:sSubPr>
-                            <m:e>
-                              <m:r>
-                                <a:rPr lang="it-IT" i="1">
-                                  <a:solidFill>
-                                    <a:srgbClr val="FF0000"/>
-                                  </a:solidFill>
-                                  <a:latin typeface="Cambria Math" panose="02040503050406030204" pitchFamily="18" charset="0"/>
-                                </a:rPr>
-                                <m:t>𝐵</m:t>
-                              </m:r>
-                            </m:e>
-                            <m:sub>
-                              <m:r>
-                                <a:rPr lang="it-IT" i="1">
-                                  <a:solidFill>
-                                    <a:srgbClr val="FF0000"/>
-                                  </a:solidFill>
-                                  <a:latin typeface="Cambria Math" panose="02040503050406030204" pitchFamily="18" charset="0"/>
-                                </a:rPr>
-                                <m:t>𝑡𝑜𝑡</m:t>
-                              </m:r>
-                            </m:sub>
-                          </m:sSub>
+                          <m:r>
+                            <a:rPr lang="it-IT" b="0" i="1" smtClean="0">
+                              <a:solidFill>
+                                <a:srgbClr val="FF0000"/>
+                              </a:solidFill>
+                              <a:latin typeface="Cambria Math" panose="02040503050406030204" pitchFamily="18" charset="0"/>
+                            </a:rPr>
+                            <m:t>𝑑𝑒𝑠</m:t>
+                          </m:r>
                         </m:sub>
                       </m:sSub>
                       <m:r>
@@ -12991,7 +12910,7 @@
             </p:nvSpPr>
             <p:spPr>
               <a:xfrm>
-                <a:off x="3782954" y="4248475"/>
+                <a:off x="3782954" y="4149080"/>
                 <a:ext cx="5221056" cy="394532"/>
               </a:xfrm>
               <a:prstGeom prst="rect">
@@ -13000,7 +12919,7 @@
               <a:blipFill>
                 <a:blip r:embed="rId3"/>
                 <a:stretch>
-                  <a:fillRect b="-5970"/>
+                  <a:fillRect b="-7576"/>
                 </a:stretch>
               </a:blipFill>
             </p:spPr>
@@ -13035,8 +12954,8 @@
             </p:nvSpPr>
             <p:spPr>
               <a:xfrm>
-                <a:off x="1485900" y="4881934"/>
-                <a:ext cx="9815164" cy="923330"/>
+                <a:off x="1269876" y="4581128"/>
+                <a:ext cx="10513168" cy="646331"/>
               </a:xfrm>
               <a:prstGeom prst="rect">
                 <a:avLst/>
@@ -13127,8 +13046,8 @@
             </p:nvSpPr>
             <p:spPr>
               <a:xfrm>
-                <a:off x="1485900" y="4881934"/>
-                <a:ext cx="9815164" cy="923330"/>
+                <a:off x="1269876" y="4581128"/>
+                <a:ext cx="10513168" cy="646331"/>
               </a:xfrm>
               <a:prstGeom prst="rect">
                 <a:avLst/>
@@ -13136,7 +13055,7 @@
               <a:blipFill>
                 <a:blip r:embed="rId4"/>
                 <a:stretch>
-                  <a:fillRect l="-559" t="-4636" r="-497" b="-9272"/>
+                  <a:fillRect l="-464" t="-5607" r="-522" b="-12150"/>
                 </a:stretch>
               </a:blipFill>
             </p:spPr>
@@ -13171,8 +13090,8 @@
             </p:nvSpPr>
             <p:spPr>
               <a:xfrm>
-                <a:off x="0" y="5909471"/>
-                <a:ext cx="12188825" cy="948529"/>
+                <a:off x="1269877" y="5229200"/>
+                <a:ext cx="10585176" cy="646331"/>
               </a:xfrm>
               <a:prstGeom prst="rect">
                 <a:avLst/>
@@ -13203,65 +13122,6 @@
                 <a:pPr algn="ctr"/>
                 <a14:m>
                   <m:oMath xmlns:m="http://schemas.openxmlformats.org/officeDocument/2006/math">
-                    <m:acc>
-                      <m:accPr>
-                        <m:chr m:val="̇"/>
-                        <m:ctrlPr>
-                          <a:rPr lang="it-IT" i="1" smtClean="0">
-                            <a:solidFill>
-                              <a:srgbClr val="FF0000"/>
-                            </a:solidFill>
-                            <a:latin typeface="Cambria Math" panose="02040503050406030204" pitchFamily="18" charset="0"/>
-                          </a:rPr>
-                        </m:ctrlPr>
-                      </m:accPr>
-                      <m:e>
-                        <m:sSub>
-                          <m:sSubPr>
-                            <m:ctrlPr>
-                              <a:rPr lang="it-IT" i="1">
-                                <a:solidFill>
-                                  <a:srgbClr val="FF0000"/>
-                                </a:solidFill>
-                                <a:latin typeface="Cambria Math" panose="02040503050406030204" pitchFamily="18" charset="0"/>
-                              </a:rPr>
-                            </m:ctrlPr>
-                          </m:sSubPr>
-                          <m:e>
-                            <m:r>
-                              <a:rPr lang="it-IT" i="1">
-                                <a:solidFill>
-                                  <a:srgbClr val="FF0000"/>
-                                </a:solidFill>
-                                <a:latin typeface="Cambria Math" panose="02040503050406030204" pitchFamily="18" charset="0"/>
-                              </a:rPr>
-                              <m:t>𝑥</m:t>
-                            </m:r>
-                          </m:e>
-                          <m:sub>
-                            <m:r>
-                              <a:rPr lang="it-IT" i="1">
-                                <a:solidFill>
-                                  <a:srgbClr val="FF0000"/>
-                                </a:solidFill>
-                                <a:latin typeface="Cambria Math" panose="02040503050406030204" pitchFamily="18" charset="0"/>
-                              </a:rPr>
-                              <m:t>3</m:t>
-                            </m:r>
-                          </m:sub>
-                        </m:sSub>
-                      </m:e>
-                    </m:acc>
-                    <m:r>
-                      <a:rPr lang="it-IT" i="1">
-                        <a:solidFill>
-                          <a:srgbClr val="FF0000"/>
-                        </a:solidFill>
-                        <a:latin typeface="Cambria Math" panose="02040503050406030204" pitchFamily="18" charset="0"/>
-                        <a:ea typeface="Cambria Math" panose="02040503050406030204" pitchFamily="18" charset="0"/>
-                      </a:rPr>
-                      <m:t>∙</m:t>
-                    </m:r>
                     <m:sSub>
                       <m:sSubPr>
                         <m:ctrlPr>
@@ -13281,67 +13141,43 @@
                             </a:solidFill>
                             <a:latin typeface="Cambria Math" panose="02040503050406030204" pitchFamily="18" charset="0"/>
                           </a:rPr>
-                          <m:t>𝐼</m:t>
+                          <m:t>𝑀</m:t>
                         </m:r>
                       </m:e>
                       <m:sub>
-                        <m:sSub>
-                          <m:sSubPr>
-                            <m:ctrlPr>
-                              <a:rPr lang="it-IT" i="1">
-                                <a:solidFill>
-                                  <a:srgbClr val="FF0000"/>
-                                </a:solidFill>
-                                <a:latin typeface="Cambria Math" panose="02040503050406030204" pitchFamily="18" charset="0"/>
-                              </a:rPr>
-                            </m:ctrlPr>
-                          </m:sSubPr>
-                          <m:e>
-                            <m:r>
-                              <a:rPr lang="it-IT" i="1">
-                                <a:solidFill>
-                                  <a:srgbClr val="FF0000"/>
-                                </a:solidFill>
-                                <a:latin typeface="Cambria Math" panose="02040503050406030204" pitchFamily="18" charset="0"/>
-                              </a:rPr>
-                              <m:t>𝐵</m:t>
-                            </m:r>
-                          </m:e>
-                          <m:sub>
-                            <m:r>
-                              <a:rPr lang="it-IT" i="1">
-                                <a:solidFill>
-                                  <a:srgbClr val="FF0000"/>
-                                </a:solidFill>
-                                <a:latin typeface="Cambria Math" panose="02040503050406030204" pitchFamily="18" charset="0"/>
-                              </a:rPr>
-                              <m:t>𝑡𝑜𝑡</m:t>
-                            </m:r>
-                          </m:sub>
-                        </m:sSub>
+                        <m:r>
+                          <a:rPr lang="it-IT" i="1">
+                            <a:solidFill>
+                              <a:srgbClr val="FF0000"/>
+                            </a:solidFill>
+                            <a:latin typeface="Cambria Math" panose="02040503050406030204" pitchFamily="18" charset="0"/>
+                          </a:rPr>
+                          <m:t>𝑑𝑒𝑠</m:t>
+                        </m:r>
                       </m:sub>
                     </m:sSub>
+                    <m:r>
+                      <a:rPr lang="it-IT" i="1">
+                        <a:solidFill>
+                          <a:srgbClr val="FF0000"/>
+                        </a:solidFill>
+                        <a:latin typeface="Cambria Math" panose="02040503050406030204" pitchFamily="18" charset="0"/>
+                      </a:rPr>
+                      <m:t> </m:t>
+                    </m:r>
                   </m:oMath>
                 </a14:m>
                 <a:r>
                   <a:rPr lang="it-IT" dirty="0"/>
-                  <a:t> a rigore è un </a:t>
+                  <a:t>rappresenta il </a:t>
                 </a:r>
                 <a:r>
-                  <a:rPr lang="it-IT" b="1" u="sng" dirty="0"/>
-                  <a:t>termine non noto</a:t>
+                  <a:rPr lang="it-IT" b="1" dirty="0"/>
+                  <a:t>momento totale del sistema desiderato, </a:t>
                 </a:r>
                 <a:r>
                   <a:rPr lang="it-IT" dirty="0"/>
-                  <a:t>, in un analisi a evoluzione libera, esso rappresenta l’inerzia totale del sistema, nel nostro caso invece è vista come </a:t>
-                </a:r>
-                <a:r>
-                  <a:rPr lang="it-IT" b="1" dirty="0"/>
-                  <a:t>momento desiderato, </a:t>
-                </a:r>
-                <a:r>
-                  <a:rPr lang="it-IT" dirty="0"/>
-                  <a:t>che calcolato dal PID, e nel blocco andiamo a trovare, mediante una retroazione dallo stato, la coppia </a:t>
+                  <a:t>che è calcolato dal PID, e con questo calcolo andiamo a trovare, mediante una retroazione dallo stato, la coppia </a:t>
                 </a:r>
                 <a:r>
                   <a:rPr lang="it-IT" b="1" dirty="0"/>
@@ -13349,7 +13185,7 @@
                 </a:r>
                 <a:r>
                   <a:rPr lang="it-IT" dirty="0"/>
-                  <a:t> che realizza il momento totale del sistema!</a:t>
+                  <a:t> che lo realizza!</a:t>
                 </a:r>
               </a:p>
             </p:txBody>
@@ -13372,8 +13208,8 @@
             </p:nvSpPr>
             <p:spPr>
               <a:xfrm>
-                <a:off x="0" y="5909471"/>
-                <a:ext cx="12188825" cy="948529"/>
+                <a:off x="1269877" y="5229200"/>
+                <a:ext cx="10585176" cy="646331"/>
               </a:xfrm>
               <a:prstGeom prst="rect">
                 <a:avLst/>
@@ -13381,7 +13217,7 @@
               <a:blipFill>
                 <a:blip r:embed="rId5"/>
                 <a:stretch>
-                  <a:fillRect t="-3797" r="-350" b="-8228"/>
+                  <a:fillRect t="-5556" b="-12037"/>
                 </a:stretch>
               </a:blipFill>
             </p:spPr>
@@ -13400,6 +13236,1372 @@
           </p:sp>
         </mc:Fallback>
       </mc:AlternateContent>
+      <mc:AlternateContent xmlns:mc="http://schemas.openxmlformats.org/markup-compatibility/2006">
+        <mc:Choice xmlns:a14="http://schemas.microsoft.com/office/drawing/2010/main" Requires="a14">
+          <p:sp>
+            <p:nvSpPr>
+              <p:cNvPr id="11" name="Rettangolo 10">
+                <a:extLst>
+                  <a:ext uri="{FF2B5EF4-FFF2-40B4-BE49-F238E27FC236}">
+                    <a16:creationId xmlns:a16="http://schemas.microsoft.com/office/drawing/2014/main" id="{900F2ED1-F5DF-455A-A5DD-F3855F9EF311}"/>
+                  </a:ext>
+                </a:extLst>
+              </p:cNvPr>
+              <p:cNvSpPr/>
+              <p:nvPr/>
+            </p:nvSpPr>
+            <p:spPr>
+              <a:xfrm>
+                <a:off x="1228252" y="5867980"/>
+                <a:ext cx="4506120" cy="369332"/>
+              </a:xfrm>
+              <a:prstGeom prst="rect">
+                <a:avLst/>
+              </a:prstGeom>
+            </p:spPr>
+            <p:txBody>
+              <a:bodyPr wrap="square">
+                <a:spAutoFit/>
+              </a:bodyPr>
+              <a:lstStyle/>
+              <a:p>
+                <a:pPr algn="just"/>
+                <a:r>
+                  <a:rPr lang="it-IT" dirty="0"/>
+                  <a:t>Sostituendo questa </a:t>
+                </a:r>
+                <a14:m>
+                  <m:oMath xmlns:m="http://schemas.openxmlformats.org/officeDocument/2006/math">
+                    <m:r>
+                      <a:rPr lang="it-IT" i="1">
+                        <a:highlight>
+                          <a:srgbClr val="00FF00"/>
+                        </a:highlight>
+                        <a:latin typeface="Cambria Math" panose="02040503050406030204" pitchFamily="18" charset="0"/>
+                      </a:rPr>
+                      <m:t>𝑢</m:t>
+                    </m:r>
+                    <m:r>
+                      <a:rPr lang="it-IT" i="1">
+                        <a:highlight>
+                          <a:srgbClr val="00FF00"/>
+                        </a:highlight>
+                        <a:latin typeface="Cambria Math" panose="02040503050406030204" pitchFamily="18" charset="0"/>
+                      </a:rPr>
+                      <m:t> </m:t>
+                    </m:r>
+                  </m:oMath>
+                </a14:m>
+                <a:r>
+                  <a:rPr lang="it-IT" dirty="0"/>
+                  <a:t>nel sistema infatti:</a:t>
+                </a:r>
+              </a:p>
+            </p:txBody>
+          </p:sp>
+        </mc:Choice>
+        <mc:Fallback>
+          <p:sp>
+            <p:nvSpPr>
+              <p:cNvPr id="11" name="Rettangolo 10">
+                <a:extLst>
+                  <a:ext uri="{FF2B5EF4-FFF2-40B4-BE49-F238E27FC236}">
+                    <a16:creationId xmlns:a16="http://schemas.microsoft.com/office/drawing/2014/main" id="{900F2ED1-F5DF-455A-A5DD-F3855F9EF311}"/>
+                  </a:ext>
+                </a:extLst>
+              </p:cNvPr>
+              <p:cNvSpPr>
+                <a:spLocks noRot="1" noChangeAspect="1" noMove="1" noResize="1" noEditPoints="1" noAdjustHandles="1" noChangeArrowheads="1" noChangeShapeType="1" noTextEdit="1"/>
+              </p:cNvSpPr>
+              <p:nvPr/>
+            </p:nvSpPr>
+            <p:spPr>
+              <a:xfrm>
+                <a:off x="1228252" y="5867980"/>
+                <a:ext cx="4506120" cy="369332"/>
+              </a:xfrm>
+              <a:prstGeom prst="rect">
+                <a:avLst/>
+              </a:prstGeom>
+              <a:blipFill>
+                <a:blip r:embed="rId6"/>
+                <a:stretch>
+                  <a:fillRect l="-1081" t="-11667" b="-25000"/>
+                </a:stretch>
+              </a:blipFill>
+            </p:spPr>
+            <p:txBody>
+              <a:bodyPr/>
+              <a:lstStyle/>
+              <a:p>
+                <a:r>
+                  <a:rPr lang="it-IT">
+                    <a:noFill/>
+                  </a:rPr>
+                  <a:t> </a:t>
+                </a:r>
+              </a:p>
+            </p:txBody>
+          </p:sp>
+        </mc:Fallback>
+      </mc:AlternateContent>
+      <mc:AlternateContent xmlns:mc="http://schemas.openxmlformats.org/markup-compatibility/2006">
+        <mc:Choice xmlns:a14="http://schemas.microsoft.com/office/drawing/2010/main" Requires="a14">
+          <p:sp>
+            <p:nvSpPr>
+              <p:cNvPr id="7" name="Rettangolo 6">
+                <a:extLst>
+                  <a:ext uri="{FF2B5EF4-FFF2-40B4-BE49-F238E27FC236}">
+                    <a16:creationId xmlns:a16="http://schemas.microsoft.com/office/drawing/2014/main" id="{611FD70E-DA2F-4B1D-AE1B-AE6038D7AD84}"/>
+                  </a:ext>
+                </a:extLst>
+              </p:cNvPr>
+              <p:cNvSpPr/>
+              <p:nvPr/>
+            </p:nvSpPr>
+            <p:spPr>
+              <a:xfrm>
+                <a:off x="1375658" y="6157872"/>
+                <a:ext cx="8958927" cy="719108"/>
+              </a:xfrm>
+              <a:prstGeom prst="rect">
+                <a:avLst/>
+              </a:prstGeom>
+            </p:spPr>
+            <p:txBody>
+              <a:bodyPr wrap="none">
+                <a:spAutoFit/>
+              </a:bodyPr>
+              <a:lstStyle/>
+              <a:p>
+                <a14:m>
+                  <m:oMathPara xmlns:m="http://schemas.openxmlformats.org/officeDocument/2006/math">
+                    <m:oMathParaPr>
+                      <m:jc m:val="centerGroup"/>
+                    </m:oMathParaPr>
+                    <m:oMath xmlns:m="http://schemas.openxmlformats.org/officeDocument/2006/math">
+                      <m:acc>
+                        <m:accPr>
+                          <m:chr m:val="̇"/>
+                          <m:ctrlPr>
+                            <a:rPr lang="it-IT" i="1" smtClean="0">
+                              <a:latin typeface="Cambria Math" panose="02040503050406030204" pitchFamily="18" charset="0"/>
+                            </a:rPr>
+                          </m:ctrlPr>
+                        </m:accPr>
+                        <m:e>
+                          <m:sSub>
+                            <m:sSubPr>
+                              <m:ctrlPr>
+                                <a:rPr lang="it-IT" i="1">
+                                  <a:latin typeface="Cambria Math" panose="02040503050406030204" pitchFamily="18" charset="0"/>
+                                </a:rPr>
+                              </m:ctrlPr>
+                            </m:sSubPr>
+                            <m:e>
+                              <m:r>
+                                <a:rPr lang="it-IT" i="1">
+                                  <a:latin typeface="Cambria Math" panose="02040503050406030204" pitchFamily="18" charset="0"/>
+                                </a:rPr>
+                                <m:t>𝑥</m:t>
+                              </m:r>
+                            </m:e>
+                            <m:sub>
+                              <m:r>
+                                <a:rPr lang="it-IT" i="1">
+                                  <a:latin typeface="Cambria Math" panose="02040503050406030204" pitchFamily="18" charset="0"/>
+                                </a:rPr>
+                                <m:t>3</m:t>
+                              </m:r>
+                            </m:sub>
+                          </m:sSub>
+                        </m:e>
+                      </m:acc>
+                      <m:r>
+                        <a:rPr lang="it-IT" i="1">
+                          <a:latin typeface="Cambria Math" panose="02040503050406030204" pitchFamily="18" charset="0"/>
+                        </a:rPr>
+                        <m:t>=</m:t>
+                      </m:r>
+                      <m:f>
+                        <m:fPr>
+                          <m:ctrlPr>
+                            <a:rPr lang="it-IT" i="1">
+                              <a:latin typeface="Cambria Math" panose="02040503050406030204" pitchFamily="18" charset="0"/>
+                              <a:ea typeface="Cambria Math" panose="02040503050406030204" pitchFamily="18" charset="0"/>
+                            </a:rPr>
+                          </m:ctrlPr>
+                        </m:fPr>
+                        <m:num>
+                          <m:sSub>
+                            <m:sSubPr>
+                              <m:ctrlPr>
+                                <a:rPr lang="it-IT" i="1">
+                                  <a:latin typeface="Cambria Math" panose="02040503050406030204" pitchFamily="18" charset="0"/>
+                                  <a:ea typeface="Cambria Math" panose="02040503050406030204" pitchFamily="18" charset="0"/>
+                                </a:rPr>
+                              </m:ctrlPr>
+                            </m:sSubPr>
+                            <m:e>
+                              <m:r>
+                                <a:rPr lang="it-IT" i="1">
+                                  <a:latin typeface="Cambria Math" panose="02040503050406030204" pitchFamily="18" charset="0"/>
+                                  <a:ea typeface="Cambria Math" panose="02040503050406030204" pitchFamily="18" charset="0"/>
+                                </a:rPr>
+                                <m:t>𝐷</m:t>
+                              </m:r>
+                            </m:e>
+                            <m:sub>
+                              <m:r>
+                                <a:rPr lang="it-IT" i="1">
+                                  <a:latin typeface="Cambria Math" panose="02040503050406030204" pitchFamily="18" charset="0"/>
+                                  <a:ea typeface="Cambria Math" panose="02040503050406030204" pitchFamily="18" charset="0"/>
+                                </a:rPr>
+                                <m:t>2</m:t>
+                              </m:r>
+                            </m:sub>
+                          </m:sSub>
+                        </m:num>
+                        <m:den>
+                          <m:sSub>
+                            <m:sSubPr>
+                              <m:ctrlPr>
+                                <a:rPr lang="it-IT" i="1">
+                                  <a:latin typeface="Cambria Math" panose="02040503050406030204" pitchFamily="18" charset="0"/>
+                                </a:rPr>
+                              </m:ctrlPr>
+                            </m:sSubPr>
+                            <m:e>
+                              <m:r>
+                                <a:rPr lang="it-IT" i="1">
+                                  <a:latin typeface="Cambria Math" panose="02040503050406030204" pitchFamily="18" charset="0"/>
+                                </a:rPr>
+                                <m:t>𝐼</m:t>
+                              </m:r>
+                            </m:e>
+                            <m:sub>
+                              <m:sSub>
+                                <m:sSubPr>
+                                  <m:ctrlPr>
+                                    <a:rPr lang="it-IT" i="1">
+                                      <a:latin typeface="Cambria Math" panose="02040503050406030204" pitchFamily="18" charset="0"/>
+                                    </a:rPr>
+                                  </m:ctrlPr>
+                                </m:sSubPr>
+                                <m:e>
+                                  <m:r>
+                                    <a:rPr lang="it-IT" i="1">
+                                      <a:latin typeface="Cambria Math" panose="02040503050406030204" pitchFamily="18" charset="0"/>
+                                    </a:rPr>
+                                    <m:t>𝐵</m:t>
+                                  </m:r>
+                                </m:e>
+                                <m:sub>
+                                  <m:r>
+                                    <a:rPr lang="it-IT" i="1">
+                                      <a:latin typeface="Cambria Math" panose="02040503050406030204" pitchFamily="18" charset="0"/>
+                                    </a:rPr>
+                                    <m:t>𝑡𝑜𝑡</m:t>
+                                  </m:r>
+                                </m:sub>
+                              </m:sSub>
+                            </m:sub>
+                          </m:sSub>
+                        </m:den>
+                      </m:f>
+                      <m:r>
+                        <a:rPr lang="it-IT" i="1">
+                          <a:latin typeface="Cambria Math" panose="02040503050406030204" pitchFamily="18" charset="0"/>
+                          <a:ea typeface="Cambria Math" panose="02040503050406030204" pitchFamily="18" charset="0"/>
+                        </a:rPr>
+                        <m:t>∙</m:t>
+                      </m:r>
+                      <m:sSub>
+                        <m:sSubPr>
+                          <m:ctrlPr>
+                            <a:rPr lang="it-IT" i="1">
+                              <a:latin typeface="Cambria Math" panose="02040503050406030204" pitchFamily="18" charset="0"/>
+                              <a:ea typeface="Cambria Math" panose="02040503050406030204" pitchFamily="18" charset="0"/>
+                            </a:rPr>
+                          </m:ctrlPr>
+                        </m:sSubPr>
+                        <m:e>
+                          <m:r>
+                            <a:rPr lang="it-IT" i="1">
+                              <a:latin typeface="Cambria Math" panose="02040503050406030204" pitchFamily="18" charset="0"/>
+                              <a:ea typeface="Cambria Math" panose="02040503050406030204" pitchFamily="18" charset="0"/>
+                            </a:rPr>
+                            <m:t>𝑥</m:t>
+                          </m:r>
+                        </m:e>
+                        <m:sub>
+                          <m:r>
+                            <a:rPr lang="it-IT" i="1">
+                              <a:latin typeface="Cambria Math" panose="02040503050406030204" pitchFamily="18" charset="0"/>
+                              <a:ea typeface="Cambria Math" panose="02040503050406030204" pitchFamily="18" charset="0"/>
+                            </a:rPr>
+                            <m:t>1</m:t>
+                          </m:r>
+                        </m:sub>
+                      </m:sSub>
+                      <m:r>
+                        <a:rPr lang="it-IT" i="1">
+                          <a:latin typeface="Cambria Math" panose="02040503050406030204" pitchFamily="18" charset="0"/>
+                          <a:ea typeface="Cambria Math" panose="02040503050406030204" pitchFamily="18" charset="0"/>
+                        </a:rPr>
+                        <m:t>+</m:t>
+                      </m:r>
+                      <m:f>
+                        <m:fPr>
+                          <m:ctrlPr>
+                            <a:rPr lang="it-IT" i="1">
+                              <a:latin typeface="Cambria Math" panose="02040503050406030204" pitchFamily="18" charset="0"/>
+                              <a:ea typeface="Cambria Math" panose="02040503050406030204" pitchFamily="18" charset="0"/>
+                            </a:rPr>
+                          </m:ctrlPr>
+                        </m:fPr>
+                        <m:num>
+                          <m:sSub>
+                            <m:sSubPr>
+                              <m:ctrlPr>
+                                <a:rPr lang="it-IT" i="1">
+                                  <a:latin typeface="Cambria Math" panose="02040503050406030204" pitchFamily="18" charset="0"/>
+                                  <a:ea typeface="Cambria Math" panose="02040503050406030204" pitchFamily="18" charset="0"/>
+                                </a:rPr>
+                              </m:ctrlPr>
+                            </m:sSubPr>
+                            <m:e>
+                              <m:r>
+                                <a:rPr lang="it-IT" i="1">
+                                  <a:latin typeface="Cambria Math" panose="02040503050406030204" pitchFamily="18" charset="0"/>
+                                  <a:ea typeface="Cambria Math" panose="02040503050406030204" pitchFamily="18" charset="0"/>
+                                </a:rPr>
+                                <m:t>𝐾</m:t>
+                              </m:r>
+                            </m:e>
+                            <m:sub>
+                              <m:r>
+                                <a:rPr lang="it-IT" i="1">
+                                  <a:latin typeface="Cambria Math" panose="02040503050406030204" pitchFamily="18" charset="0"/>
+                                  <a:ea typeface="Cambria Math" panose="02040503050406030204" pitchFamily="18" charset="0"/>
+                                </a:rPr>
+                                <m:t>𝑚𝑙𝑔</m:t>
+                              </m:r>
+                            </m:sub>
+                          </m:sSub>
+                        </m:num>
+                        <m:den>
+                          <m:sSub>
+                            <m:sSubPr>
+                              <m:ctrlPr>
+                                <a:rPr lang="it-IT" i="1">
+                                  <a:latin typeface="Cambria Math" panose="02040503050406030204" pitchFamily="18" charset="0"/>
+                                </a:rPr>
+                              </m:ctrlPr>
+                            </m:sSubPr>
+                            <m:e>
+                              <m:r>
+                                <a:rPr lang="it-IT" i="1">
+                                  <a:latin typeface="Cambria Math" panose="02040503050406030204" pitchFamily="18" charset="0"/>
+                                </a:rPr>
+                                <m:t>𝐼</m:t>
+                              </m:r>
+                            </m:e>
+                            <m:sub>
+                              <m:sSub>
+                                <m:sSubPr>
+                                  <m:ctrlPr>
+                                    <a:rPr lang="it-IT" i="1">
+                                      <a:latin typeface="Cambria Math" panose="02040503050406030204" pitchFamily="18" charset="0"/>
+                                    </a:rPr>
+                                  </m:ctrlPr>
+                                </m:sSubPr>
+                                <m:e>
+                                  <m:r>
+                                    <a:rPr lang="it-IT" i="1">
+                                      <a:latin typeface="Cambria Math" panose="02040503050406030204" pitchFamily="18" charset="0"/>
+                                    </a:rPr>
+                                    <m:t>𝐵</m:t>
+                                  </m:r>
+                                </m:e>
+                                <m:sub>
+                                  <m:r>
+                                    <a:rPr lang="it-IT" i="1">
+                                      <a:latin typeface="Cambria Math" panose="02040503050406030204" pitchFamily="18" charset="0"/>
+                                    </a:rPr>
+                                    <m:t>𝑡𝑜𝑡</m:t>
+                                  </m:r>
+                                </m:sub>
+                              </m:sSub>
+                            </m:sub>
+                          </m:sSub>
+                        </m:den>
+                      </m:f>
+                      <m:r>
+                        <a:rPr lang="it-IT" i="1">
+                          <a:latin typeface="Cambria Math" panose="02040503050406030204" pitchFamily="18" charset="0"/>
+                          <a:ea typeface="Cambria Math" panose="02040503050406030204" pitchFamily="18" charset="0"/>
+                        </a:rPr>
+                        <m:t>∙</m:t>
+                      </m:r>
+                      <m:func>
+                        <m:funcPr>
+                          <m:ctrlPr>
+                            <a:rPr lang="it-IT" i="1">
+                              <a:latin typeface="Cambria Math" panose="02040503050406030204" pitchFamily="18" charset="0"/>
+                              <a:ea typeface="Cambria Math" panose="02040503050406030204" pitchFamily="18" charset="0"/>
+                            </a:rPr>
+                          </m:ctrlPr>
+                        </m:funcPr>
+                        <m:fName>
+                          <m:r>
+                            <m:rPr>
+                              <m:sty m:val="p"/>
+                            </m:rPr>
+                            <a:rPr lang="it-IT">
+                              <a:latin typeface="Cambria Math" panose="02040503050406030204" pitchFamily="18" charset="0"/>
+                              <a:ea typeface="Cambria Math" panose="02040503050406030204" pitchFamily="18" charset="0"/>
+                            </a:rPr>
+                            <m:t>sin</m:t>
+                          </m:r>
+                        </m:fName>
+                        <m:e>
+                          <m:d>
+                            <m:dPr>
+                              <m:ctrlPr>
+                                <a:rPr lang="it-IT" i="1">
+                                  <a:latin typeface="Cambria Math" panose="02040503050406030204" pitchFamily="18" charset="0"/>
+                                  <a:ea typeface="Cambria Math" panose="02040503050406030204" pitchFamily="18" charset="0"/>
+                                </a:rPr>
+                              </m:ctrlPr>
+                            </m:dPr>
+                            <m:e>
+                              <m:sSub>
+                                <m:sSubPr>
+                                  <m:ctrlPr>
+                                    <a:rPr lang="it-IT" i="1">
+                                      <a:latin typeface="Cambria Math" panose="02040503050406030204" pitchFamily="18" charset="0"/>
+                                      <a:ea typeface="Cambria Math" panose="02040503050406030204" pitchFamily="18" charset="0"/>
+                                    </a:rPr>
+                                  </m:ctrlPr>
+                                </m:sSubPr>
+                                <m:e>
+                                  <m:r>
+                                    <a:rPr lang="it-IT" i="1">
+                                      <a:latin typeface="Cambria Math" panose="02040503050406030204" pitchFamily="18" charset="0"/>
+                                      <a:ea typeface="Cambria Math" panose="02040503050406030204" pitchFamily="18" charset="0"/>
+                                    </a:rPr>
+                                    <m:t>𝑥</m:t>
+                                  </m:r>
+                                </m:e>
+                                <m:sub>
+                                  <m:r>
+                                    <a:rPr lang="it-IT" i="1">
+                                      <a:latin typeface="Cambria Math" panose="02040503050406030204" pitchFamily="18" charset="0"/>
+                                      <a:ea typeface="Cambria Math" panose="02040503050406030204" pitchFamily="18" charset="0"/>
+                                    </a:rPr>
+                                    <m:t>4</m:t>
+                                  </m:r>
+                                </m:sub>
+                              </m:sSub>
+                            </m:e>
+                          </m:d>
+                        </m:e>
+                      </m:func>
+                      <m:r>
+                        <a:rPr lang="it-IT" i="1">
+                          <a:latin typeface="Cambria Math" panose="02040503050406030204" pitchFamily="18" charset="0"/>
+                          <a:ea typeface="Cambria Math" panose="02040503050406030204" pitchFamily="18" charset="0"/>
+                        </a:rPr>
+                        <m:t>−</m:t>
+                      </m:r>
+                      <m:f>
+                        <m:fPr>
+                          <m:ctrlPr>
+                            <a:rPr lang="it-IT" i="1">
+                              <a:latin typeface="Cambria Math" panose="02040503050406030204" pitchFamily="18" charset="0"/>
+                              <a:ea typeface="Cambria Math" panose="02040503050406030204" pitchFamily="18" charset="0"/>
+                            </a:rPr>
+                          </m:ctrlPr>
+                        </m:fPr>
+                        <m:num>
+                          <m:sSub>
+                            <m:sSubPr>
+                              <m:ctrlPr>
+                                <a:rPr lang="it-IT" i="1">
+                                  <a:latin typeface="Cambria Math" panose="02040503050406030204" pitchFamily="18" charset="0"/>
+                                  <a:ea typeface="Cambria Math" panose="02040503050406030204" pitchFamily="18" charset="0"/>
+                                </a:rPr>
+                              </m:ctrlPr>
+                            </m:sSubPr>
+                            <m:e>
+                              <m:r>
+                                <a:rPr lang="it-IT" i="1">
+                                  <a:latin typeface="Cambria Math" panose="02040503050406030204" pitchFamily="18" charset="0"/>
+                                  <a:ea typeface="Cambria Math" panose="02040503050406030204" pitchFamily="18" charset="0"/>
+                                </a:rPr>
+                                <m:t>𝐷</m:t>
+                              </m:r>
+                            </m:e>
+                            <m:sub>
+                              <m:r>
+                                <a:rPr lang="it-IT" i="1">
+                                  <a:latin typeface="Cambria Math" panose="02040503050406030204" pitchFamily="18" charset="0"/>
+                                  <a:ea typeface="Cambria Math" panose="02040503050406030204" pitchFamily="18" charset="0"/>
+                                </a:rPr>
+                                <m:t>1</m:t>
+                              </m:r>
+                            </m:sub>
+                          </m:sSub>
+                        </m:num>
+                        <m:den>
+                          <m:sSub>
+                            <m:sSubPr>
+                              <m:ctrlPr>
+                                <a:rPr lang="it-IT" i="1">
+                                  <a:latin typeface="Cambria Math" panose="02040503050406030204" pitchFamily="18" charset="0"/>
+                                </a:rPr>
+                              </m:ctrlPr>
+                            </m:sSubPr>
+                            <m:e>
+                              <m:r>
+                                <a:rPr lang="it-IT" i="1">
+                                  <a:latin typeface="Cambria Math" panose="02040503050406030204" pitchFamily="18" charset="0"/>
+                                </a:rPr>
+                                <m:t>𝐼</m:t>
+                              </m:r>
+                            </m:e>
+                            <m:sub>
+                              <m:sSub>
+                                <m:sSubPr>
+                                  <m:ctrlPr>
+                                    <a:rPr lang="it-IT" i="1">
+                                      <a:latin typeface="Cambria Math" panose="02040503050406030204" pitchFamily="18" charset="0"/>
+                                    </a:rPr>
+                                  </m:ctrlPr>
+                                </m:sSubPr>
+                                <m:e>
+                                  <m:r>
+                                    <a:rPr lang="it-IT" i="1">
+                                      <a:latin typeface="Cambria Math" panose="02040503050406030204" pitchFamily="18" charset="0"/>
+                                    </a:rPr>
+                                    <m:t>𝐵</m:t>
+                                  </m:r>
+                                </m:e>
+                                <m:sub>
+                                  <m:r>
+                                    <a:rPr lang="it-IT" i="1">
+                                      <a:latin typeface="Cambria Math" panose="02040503050406030204" pitchFamily="18" charset="0"/>
+                                    </a:rPr>
+                                    <m:t>𝑡𝑜𝑡</m:t>
+                                  </m:r>
+                                </m:sub>
+                              </m:sSub>
+                            </m:sub>
+                          </m:sSub>
+                        </m:den>
+                      </m:f>
+                      <m:r>
+                        <a:rPr lang="it-IT" i="1">
+                          <a:latin typeface="Cambria Math" panose="02040503050406030204" pitchFamily="18" charset="0"/>
+                          <a:ea typeface="Cambria Math" panose="02040503050406030204" pitchFamily="18" charset="0"/>
+                        </a:rPr>
+                        <m:t>∙</m:t>
+                      </m:r>
+                      <m:sSub>
+                        <m:sSubPr>
+                          <m:ctrlPr>
+                            <a:rPr lang="it-IT" i="1">
+                              <a:latin typeface="Cambria Math" panose="02040503050406030204" pitchFamily="18" charset="0"/>
+                              <a:ea typeface="Cambria Math" panose="02040503050406030204" pitchFamily="18" charset="0"/>
+                            </a:rPr>
+                          </m:ctrlPr>
+                        </m:sSubPr>
+                        <m:e>
+                          <m:r>
+                            <a:rPr lang="it-IT" i="1">
+                              <a:latin typeface="Cambria Math" panose="02040503050406030204" pitchFamily="18" charset="0"/>
+                              <a:ea typeface="Cambria Math" panose="02040503050406030204" pitchFamily="18" charset="0"/>
+                            </a:rPr>
+                            <m:t>𝑥</m:t>
+                          </m:r>
+                        </m:e>
+                        <m:sub>
+                          <m:r>
+                            <a:rPr lang="it-IT" i="1">
+                              <a:latin typeface="Cambria Math" panose="02040503050406030204" pitchFamily="18" charset="0"/>
+                              <a:ea typeface="Cambria Math" panose="02040503050406030204" pitchFamily="18" charset="0"/>
+                            </a:rPr>
+                            <m:t>3</m:t>
+                          </m:r>
+                        </m:sub>
+                      </m:sSub>
+                      <m:r>
+                        <a:rPr lang="it-IT" i="1">
+                          <a:latin typeface="Cambria Math" panose="02040503050406030204" pitchFamily="18" charset="0"/>
+                          <a:ea typeface="Cambria Math" panose="02040503050406030204" pitchFamily="18" charset="0"/>
+                        </a:rPr>
+                        <m:t>−</m:t>
+                      </m:r>
+                      <m:f>
+                        <m:fPr>
+                          <m:ctrlPr>
+                            <a:rPr lang="it-IT" i="1">
+                              <a:latin typeface="Cambria Math" panose="02040503050406030204" pitchFamily="18" charset="0"/>
+                              <a:ea typeface="Cambria Math" panose="02040503050406030204" pitchFamily="18" charset="0"/>
+                            </a:rPr>
+                          </m:ctrlPr>
+                        </m:fPr>
+                        <m:num>
+                          <m:r>
+                            <a:rPr lang="it-IT" b="0" i="1" smtClean="0">
+                              <a:highlight>
+                                <a:srgbClr val="00FF00"/>
+                              </a:highlight>
+                              <a:latin typeface="Cambria Math" panose="02040503050406030204" pitchFamily="18" charset="0"/>
+                              <a:ea typeface="Cambria Math" panose="02040503050406030204" pitchFamily="18" charset="0"/>
+                            </a:rPr>
+                            <m:t>(</m:t>
+                          </m:r>
+                          <m:r>
+                            <a:rPr lang="it-IT" i="1">
+                              <a:highlight>
+                                <a:srgbClr val="00FF00"/>
+                              </a:highlight>
+                              <a:latin typeface="Cambria Math" panose="02040503050406030204" pitchFamily="18" charset="0"/>
+                            </a:rPr>
+                            <m:t>−</m:t>
+                          </m:r>
+                          <m:sSub>
+                            <m:sSubPr>
+                              <m:ctrlPr>
+                                <a:rPr lang="it-IT" i="1">
+                                  <a:solidFill>
+                                    <a:srgbClr val="FF0000"/>
+                                  </a:solidFill>
+                                  <a:highlight>
+                                    <a:srgbClr val="00FF00"/>
+                                  </a:highlight>
+                                  <a:latin typeface="Cambria Math" panose="02040503050406030204" pitchFamily="18" charset="0"/>
+                                </a:rPr>
+                              </m:ctrlPr>
+                            </m:sSubPr>
+                            <m:e>
+                              <m:r>
+                                <a:rPr lang="it-IT" i="1">
+                                  <a:solidFill>
+                                    <a:srgbClr val="FF0000"/>
+                                  </a:solidFill>
+                                  <a:highlight>
+                                    <a:srgbClr val="00FF00"/>
+                                  </a:highlight>
+                                  <a:latin typeface="Cambria Math" panose="02040503050406030204" pitchFamily="18" charset="0"/>
+                                </a:rPr>
+                                <m:t>𝑀</m:t>
+                              </m:r>
+                            </m:e>
+                            <m:sub>
+                              <m:r>
+                                <a:rPr lang="it-IT" i="1">
+                                  <a:solidFill>
+                                    <a:srgbClr val="FF0000"/>
+                                  </a:solidFill>
+                                  <a:highlight>
+                                    <a:srgbClr val="00FF00"/>
+                                  </a:highlight>
+                                  <a:latin typeface="Cambria Math" panose="02040503050406030204" pitchFamily="18" charset="0"/>
+                                </a:rPr>
+                                <m:t>𝑑𝑒𝑠</m:t>
+                              </m:r>
+                            </m:sub>
+                          </m:sSub>
+                          <m:r>
+                            <a:rPr lang="it-IT" i="1">
+                              <a:highlight>
+                                <a:srgbClr val="00FF00"/>
+                              </a:highlight>
+                              <a:latin typeface="Cambria Math" panose="02040503050406030204" pitchFamily="18" charset="0"/>
+                            </a:rPr>
+                            <m:t>+</m:t>
+                          </m:r>
+                          <m:sSub>
+                            <m:sSubPr>
+                              <m:ctrlPr>
+                                <a:rPr lang="it-IT" i="1">
+                                  <a:highlight>
+                                    <a:srgbClr val="00FF00"/>
+                                  </a:highlight>
+                                  <a:latin typeface="Cambria Math" panose="02040503050406030204" pitchFamily="18" charset="0"/>
+                                  <a:ea typeface="Cambria Math" panose="02040503050406030204" pitchFamily="18" charset="0"/>
+                                </a:rPr>
+                              </m:ctrlPr>
+                            </m:sSubPr>
+                            <m:e>
+                              <m:r>
+                                <a:rPr lang="it-IT" i="1">
+                                  <a:highlight>
+                                    <a:srgbClr val="00FF00"/>
+                                  </a:highlight>
+                                  <a:latin typeface="Cambria Math" panose="02040503050406030204" pitchFamily="18" charset="0"/>
+                                  <a:ea typeface="Cambria Math" panose="02040503050406030204" pitchFamily="18" charset="0"/>
+                                </a:rPr>
+                                <m:t>𝐷</m:t>
+                              </m:r>
+                            </m:e>
+                            <m:sub>
+                              <m:r>
+                                <a:rPr lang="it-IT" i="1">
+                                  <a:highlight>
+                                    <a:srgbClr val="00FF00"/>
+                                  </a:highlight>
+                                  <a:latin typeface="Cambria Math" panose="02040503050406030204" pitchFamily="18" charset="0"/>
+                                  <a:ea typeface="Cambria Math" panose="02040503050406030204" pitchFamily="18" charset="0"/>
+                                </a:rPr>
+                                <m:t>2</m:t>
+                              </m:r>
+                            </m:sub>
+                          </m:sSub>
+                          <m:r>
+                            <a:rPr lang="it-IT" i="1">
+                              <a:highlight>
+                                <a:srgbClr val="00FF00"/>
+                              </a:highlight>
+                              <a:latin typeface="Cambria Math" panose="02040503050406030204" pitchFamily="18" charset="0"/>
+                              <a:ea typeface="Cambria Math" panose="02040503050406030204" pitchFamily="18" charset="0"/>
+                            </a:rPr>
+                            <m:t>∙</m:t>
+                          </m:r>
+                          <m:sSub>
+                            <m:sSubPr>
+                              <m:ctrlPr>
+                                <a:rPr lang="it-IT" i="1">
+                                  <a:highlight>
+                                    <a:srgbClr val="00FF00"/>
+                                  </a:highlight>
+                                  <a:latin typeface="Cambria Math" panose="02040503050406030204" pitchFamily="18" charset="0"/>
+                                  <a:ea typeface="Cambria Math" panose="02040503050406030204" pitchFamily="18" charset="0"/>
+                                </a:rPr>
+                              </m:ctrlPr>
+                            </m:sSubPr>
+                            <m:e>
+                              <m:r>
+                                <a:rPr lang="it-IT" i="1">
+                                  <a:highlight>
+                                    <a:srgbClr val="00FF00"/>
+                                  </a:highlight>
+                                  <a:latin typeface="Cambria Math" panose="02040503050406030204" pitchFamily="18" charset="0"/>
+                                  <a:ea typeface="Cambria Math" panose="02040503050406030204" pitchFamily="18" charset="0"/>
+                                </a:rPr>
+                                <m:t>𝑥</m:t>
+                              </m:r>
+                            </m:e>
+                            <m:sub>
+                              <m:r>
+                                <a:rPr lang="it-IT" i="1">
+                                  <a:highlight>
+                                    <a:srgbClr val="00FF00"/>
+                                  </a:highlight>
+                                  <a:latin typeface="Cambria Math" panose="02040503050406030204" pitchFamily="18" charset="0"/>
+                                  <a:ea typeface="Cambria Math" panose="02040503050406030204" pitchFamily="18" charset="0"/>
+                                </a:rPr>
+                                <m:t>1</m:t>
+                              </m:r>
+                            </m:sub>
+                          </m:sSub>
+                          <m:r>
+                            <a:rPr lang="it-IT" i="1">
+                              <a:highlight>
+                                <a:srgbClr val="00FF00"/>
+                              </a:highlight>
+                              <a:latin typeface="Cambria Math" panose="02040503050406030204" pitchFamily="18" charset="0"/>
+                              <a:ea typeface="Cambria Math" panose="02040503050406030204" pitchFamily="18" charset="0"/>
+                            </a:rPr>
+                            <m:t>+</m:t>
+                          </m:r>
+                          <m:sSub>
+                            <m:sSubPr>
+                              <m:ctrlPr>
+                                <a:rPr lang="it-IT" i="1">
+                                  <a:highlight>
+                                    <a:srgbClr val="00FF00"/>
+                                  </a:highlight>
+                                  <a:latin typeface="Cambria Math" panose="02040503050406030204" pitchFamily="18" charset="0"/>
+                                  <a:ea typeface="Cambria Math" panose="02040503050406030204" pitchFamily="18" charset="0"/>
+                                </a:rPr>
+                              </m:ctrlPr>
+                            </m:sSubPr>
+                            <m:e>
+                              <m:r>
+                                <a:rPr lang="it-IT" i="1">
+                                  <a:highlight>
+                                    <a:srgbClr val="00FF00"/>
+                                  </a:highlight>
+                                  <a:latin typeface="Cambria Math" panose="02040503050406030204" pitchFamily="18" charset="0"/>
+                                  <a:ea typeface="Cambria Math" panose="02040503050406030204" pitchFamily="18" charset="0"/>
+                                </a:rPr>
+                                <m:t>𝐾</m:t>
+                              </m:r>
+                            </m:e>
+                            <m:sub>
+                              <m:r>
+                                <a:rPr lang="it-IT" i="1">
+                                  <a:highlight>
+                                    <a:srgbClr val="00FF00"/>
+                                  </a:highlight>
+                                  <a:latin typeface="Cambria Math" panose="02040503050406030204" pitchFamily="18" charset="0"/>
+                                  <a:ea typeface="Cambria Math" panose="02040503050406030204" pitchFamily="18" charset="0"/>
+                                </a:rPr>
+                                <m:t>𝑚𝑙𝑔</m:t>
+                              </m:r>
+                            </m:sub>
+                          </m:sSub>
+                          <m:r>
+                            <a:rPr lang="it-IT" i="1">
+                              <a:highlight>
+                                <a:srgbClr val="00FF00"/>
+                              </a:highlight>
+                              <a:latin typeface="Cambria Math" panose="02040503050406030204" pitchFamily="18" charset="0"/>
+                              <a:ea typeface="Cambria Math" panose="02040503050406030204" pitchFamily="18" charset="0"/>
+                            </a:rPr>
+                            <m:t>∙</m:t>
+                          </m:r>
+                          <m:func>
+                            <m:funcPr>
+                              <m:ctrlPr>
+                                <a:rPr lang="it-IT" i="1">
+                                  <a:highlight>
+                                    <a:srgbClr val="00FF00"/>
+                                  </a:highlight>
+                                  <a:latin typeface="Cambria Math" panose="02040503050406030204" pitchFamily="18" charset="0"/>
+                                  <a:ea typeface="Cambria Math" panose="02040503050406030204" pitchFamily="18" charset="0"/>
+                                </a:rPr>
+                              </m:ctrlPr>
+                            </m:funcPr>
+                            <m:fName>
+                              <m:r>
+                                <m:rPr>
+                                  <m:sty m:val="p"/>
+                                </m:rPr>
+                                <a:rPr lang="it-IT">
+                                  <a:highlight>
+                                    <a:srgbClr val="00FF00"/>
+                                  </a:highlight>
+                                  <a:latin typeface="Cambria Math" panose="02040503050406030204" pitchFamily="18" charset="0"/>
+                                  <a:ea typeface="Cambria Math" panose="02040503050406030204" pitchFamily="18" charset="0"/>
+                                </a:rPr>
+                                <m:t>sin</m:t>
+                              </m:r>
+                            </m:fName>
+                            <m:e>
+                              <m:d>
+                                <m:dPr>
+                                  <m:ctrlPr>
+                                    <a:rPr lang="it-IT" i="1">
+                                      <a:highlight>
+                                        <a:srgbClr val="00FF00"/>
+                                      </a:highlight>
+                                      <a:latin typeface="Cambria Math" panose="02040503050406030204" pitchFamily="18" charset="0"/>
+                                      <a:ea typeface="Cambria Math" panose="02040503050406030204" pitchFamily="18" charset="0"/>
+                                    </a:rPr>
+                                  </m:ctrlPr>
+                                </m:dPr>
+                                <m:e>
+                                  <m:sSub>
+                                    <m:sSubPr>
+                                      <m:ctrlPr>
+                                        <a:rPr lang="it-IT" i="1">
+                                          <a:highlight>
+                                            <a:srgbClr val="00FF00"/>
+                                          </a:highlight>
+                                          <a:latin typeface="Cambria Math" panose="02040503050406030204" pitchFamily="18" charset="0"/>
+                                          <a:ea typeface="Cambria Math" panose="02040503050406030204" pitchFamily="18" charset="0"/>
+                                        </a:rPr>
+                                      </m:ctrlPr>
+                                    </m:sSubPr>
+                                    <m:e>
+                                      <m:r>
+                                        <a:rPr lang="it-IT" i="1">
+                                          <a:highlight>
+                                            <a:srgbClr val="00FF00"/>
+                                          </a:highlight>
+                                          <a:latin typeface="Cambria Math" panose="02040503050406030204" pitchFamily="18" charset="0"/>
+                                          <a:ea typeface="Cambria Math" panose="02040503050406030204" pitchFamily="18" charset="0"/>
+                                        </a:rPr>
+                                        <m:t>𝑥</m:t>
+                                      </m:r>
+                                    </m:e>
+                                    <m:sub>
+                                      <m:r>
+                                        <a:rPr lang="it-IT" i="1">
+                                          <a:highlight>
+                                            <a:srgbClr val="00FF00"/>
+                                          </a:highlight>
+                                          <a:latin typeface="Cambria Math" panose="02040503050406030204" pitchFamily="18" charset="0"/>
+                                          <a:ea typeface="Cambria Math" panose="02040503050406030204" pitchFamily="18" charset="0"/>
+                                        </a:rPr>
+                                        <m:t>4</m:t>
+                                      </m:r>
+                                    </m:sub>
+                                  </m:sSub>
+                                </m:e>
+                              </m:d>
+                            </m:e>
+                          </m:func>
+                          <m:r>
+                            <a:rPr lang="it-IT" i="1">
+                              <a:highlight>
+                                <a:srgbClr val="00FF00"/>
+                              </a:highlight>
+                              <a:latin typeface="Cambria Math" panose="02040503050406030204" pitchFamily="18" charset="0"/>
+                              <a:ea typeface="Cambria Math" panose="02040503050406030204" pitchFamily="18" charset="0"/>
+                            </a:rPr>
+                            <m:t>−</m:t>
+                          </m:r>
+                          <m:sSub>
+                            <m:sSubPr>
+                              <m:ctrlPr>
+                                <a:rPr lang="it-IT" i="1">
+                                  <a:highlight>
+                                    <a:srgbClr val="00FF00"/>
+                                  </a:highlight>
+                                  <a:latin typeface="Cambria Math" panose="02040503050406030204" pitchFamily="18" charset="0"/>
+                                  <a:ea typeface="Cambria Math" panose="02040503050406030204" pitchFamily="18" charset="0"/>
+                                </a:rPr>
+                              </m:ctrlPr>
+                            </m:sSubPr>
+                            <m:e>
+                              <m:r>
+                                <a:rPr lang="it-IT" i="1">
+                                  <a:highlight>
+                                    <a:srgbClr val="00FF00"/>
+                                  </a:highlight>
+                                  <a:latin typeface="Cambria Math" panose="02040503050406030204" pitchFamily="18" charset="0"/>
+                                  <a:ea typeface="Cambria Math" panose="02040503050406030204" pitchFamily="18" charset="0"/>
+                                </a:rPr>
+                                <m:t>𝐷</m:t>
+                              </m:r>
+                            </m:e>
+                            <m:sub>
+                              <m:r>
+                                <a:rPr lang="it-IT" i="1">
+                                  <a:highlight>
+                                    <a:srgbClr val="00FF00"/>
+                                  </a:highlight>
+                                  <a:latin typeface="Cambria Math" panose="02040503050406030204" pitchFamily="18" charset="0"/>
+                                  <a:ea typeface="Cambria Math" panose="02040503050406030204" pitchFamily="18" charset="0"/>
+                                </a:rPr>
+                                <m:t>1</m:t>
+                              </m:r>
+                            </m:sub>
+                          </m:sSub>
+                          <m:r>
+                            <a:rPr lang="it-IT" i="1">
+                              <a:highlight>
+                                <a:srgbClr val="00FF00"/>
+                              </a:highlight>
+                              <a:latin typeface="Cambria Math" panose="02040503050406030204" pitchFamily="18" charset="0"/>
+                              <a:ea typeface="Cambria Math" panose="02040503050406030204" pitchFamily="18" charset="0"/>
+                            </a:rPr>
+                            <m:t>∙</m:t>
+                          </m:r>
+                          <m:sSub>
+                            <m:sSubPr>
+                              <m:ctrlPr>
+                                <a:rPr lang="it-IT" i="1">
+                                  <a:highlight>
+                                    <a:srgbClr val="00FF00"/>
+                                  </a:highlight>
+                                  <a:latin typeface="Cambria Math" panose="02040503050406030204" pitchFamily="18" charset="0"/>
+                                  <a:ea typeface="Cambria Math" panose="02040503050406030204" pitchFamily="18" charset="0"/>
+                                </a:rPr>
+                              </m:ctrlPr>
+                            </m:sSubPr>
+                            <m:e>
+                              <m:r>
+                                <a:rPr lang="it-IT" i="1">
+                                  <a:highlight>
+                                    <a:srgbClr val="00FF00"/>
+                                  </a:highlight>
+                                  <a:latin typeface="Cambria Math" panose="02040503050406030204" pitchFamily="18" charset="0"/>
+                                  <a:ea typeface="Cambria Math" panose="02040503050406030204" pitchFamily="18" charset="0"/>
+                                </a:rPr>
+                                <m:t>𝑥</m:t>
+                              </m:r>
+                            </m:e>
+                            <m:sub>
+                              <m:r>
+                                <a:rPr lang="it-IT" i="1">
+                                  <a:highlight>
+                                    <a:srgbClr val="00FF00"/>
+                                  </a:highlight>
+                                  <a:latin typeface="Cambria Math" panose="02040503050406030204" pitchFamily="18" charset="0"/>
+                                  <a:ea typeface="Cambria Math" panose="02040503050406030204" pitchFamily="18" charset="0"/>
+                                </a:rPr>
+                                <m:t>3</m:t>
+                              </m:r>
+                            </m:sub>
+                          </m:sSub>
+                          <m:r>
+                            <a:rPr lang="it-IT" b="0" i="1" smtClean="0">
+                              <a:highlight>
+                                <a:srgbClr val="00FF00"/>
+                              </a:highlight>
+                              <a:latin typeface="Cambria Math" panose="02040503050406030204" pitchFamily="18" charset="0"/>
+                              <a:ea typeface="Cambria Math" panose="02040503050406030204" pitchFamily="18" charset="0"/>
+                            </a:rPr>
+                            <m:t>)</m:t>
+                          </m:r>
+                        </m:num>
+                        <m:den>
+                          <m:sSub>
+                            <m:sSubPr>
+                              <m:ctrlPr>
+                                <a:rPr lang="it-IT" i="1">
+                                  <a:latin typeface="Cambria Math" panose="02040503050406030204" pitchFamily="18" charset="0"/>
+                                </a:rPr>
+                              </m:ctrlPr>
+                            </m:sSubPr>
+                            <m:e>
+                              <m:r>
+                                <a:rPr lang="it-IT" i="1">
+                                  <a:latin typeface="Cambria Math" panose="02040503050406030204" pitchFamily="18" charset="0"/>
+                                </a:rPr>
+                                <m:t>𝐼</m:t>
+                              </m:r>
+                            </m:e>
+                            <m:sub>
+                              <m:sSub>
+                                <m:sSubPr>
+                                  <m:ctrlPr>
+                                    <a:rPr lang="it-IT" i="1">
+                                      <a:latin typeface="Cambria Math" panose="02040503050406030204" pitchFamily="18" charset="0"/>
+                                    </a:rPr>
+                                  </m:ctrlPr>
+                                </m:sSubPr>
+                                <m:e>
+                                  <m:r>
+                                    <a:rPr lang="it-IT" i="1">
+                                      <a:latin typeface="Cambria Math" panose="02040503050406030204" pitchFamily="18" charset="0"/>
+                                    </a:rPr>
+                                    <m:t>𝐵</m:t>
+                                  </m:r>
+                                </m:e>
+                                <m:sub>
+                                  <m:r>
+                                    <a:rPr lang="it-IT" i="1">
+                                      <a:latin typeface="Cambria Math" panose="02040503050406030204" pitchFamily="18" charset="0"/>
+                                    </a:rPr>
+                                    <m:t>𝑡𝑜𝑡</m:t>
+                                  </m:r>
+                                </m:sub>
+                              </m:sSub>
+                            </m:sub>
+                          </m:sSub>
+                        </m:den>
+                      </m:f>
+                    </m:oMath>
+                  </m:oMathPara>
+                </a14:m>
+                <a:endParaRPr lang="it-IT" dirty="0"/>
+              </a:p>
+            </p:txBody>
+          </p:sp>
+        </mc:Choice>
+        <mc:Fallback>
+          <p:sp>
+            <p:nvSpPr>
+              <p:cNvPr id="7" name="Rettangolo 6">
+                <a:extLst>
+                  <a:ext uri="{FF2B5EF4-FFF2-40B4-BE49-F238E27FC236}">
+                    <a16:creationId xmlns:a16="http://schemas.microsoft.com/office/drawing/2014/main" id="{611FD70E-DA2F-4B1D-AE1B-AE6038D7AD84}"/>
+                  </a:ext>
+                </a:extLst>
+              </p:cNvPr>
+              <p:cNvSpPr>
+                <a:spLocks noRot="1" noChangeAspect="1" noMove="1" noResize="1" noEditPoints="1" noAdjustHandles="1" noChangeArrowheads="1" noChangeShapeType="1" noTextEdit="1"/>
+              </p:cNvSpPr>
+              <p:nvPr/>
+            </p:nvSpPr>
+            <p:spPr>
+              <a:xfrm>
+                <a:off x="1375658" y="6157872"/>
+                <a:ext cx="8958927" cy="719108"/>
+              </a:xfrm>
+              <a:prstGeom prst="rect">
+                <a:avLst/>
+              </a:prstGeom>
+              <a:blipFill>
+                <a:blip r:embed="rId7"/>
+                <a:stretch>
+                  <a:fillRect/>
+                </a:stretch>
+              </a:blipFill>
+            </p:spPr>
+            <p:txBody>
+              <a:bodyPr/>
+              <a:lstStyle/>
+              <a:p>
+                <a:r>
+                  <a:rPr lang="it-IT">
+                    <a:noFill/>
+                  </a:rPr>
+                  <a:t> </a:t>
+                </a:r>
+              </a:p>
+            </p:txBody>
+          </p:sp>
+        </mc:Fallback>
+      </mc:AlternateContent>
+      <p:cxnSp>
+        <p:nvCxnSpPr>
+          <p:cNvPr id="13" name="Connettore diritto 12">
+            <a:extLst>
+              <a:ext uri="{FF2B5EF4-FFF2-40B4-BE49-F238E27FC236}">
+                <a16:creationId xmlns:a16="http://schemas.microsoft.com/office/drawing/2014/main" id="{709081E6-08C9-4D4B-B43B-A59E93B2C328}"/>
+              </a:ext>
+            </a:extLst>
+          </p:cNvPr>
+          <p:cNvCxnSpPr>
+            <a:cxnSpLocks/>
+          </p:cNvCxnSpPr>
+          <p:nvPr/>
+        </p:nvCxnSpPr>
+        <p:spPr>
+          <a:xfrm>
+            <a:off x="3214092" y="6237312"/>
+            <a:ext cx="1224136" cy="442887"/>
+          </a:xfrm>
+          <a:prstGeom prst="line">
+            <a:avLst/>
+          </a:prstGeom>
+          <a:ln w="38100"/>
+        </p:spPr>
+        <p:style>
+          <a:lnRef idx="1">
+            <a:schemeClr val="accent1"/>
+          </a:lnRef>
+          <a:fillRef idx="0">
+            <a:schemeClr val="accent1"/>
+          </a:fillRef>
+          <a:effectRef idx="0">
+            <a:schemeClr val="accent1"/>
+          </a:effectRef>
+          <a:fontRef idx="minor">
+            <a:schemeClr val="tx1"/>
+          </a:fontRef>
+        </p:style>
+      </p:cxnSp>
+      <p:cxnSp>
+        <p:nvCxnSpPr>
+          <p:cNvPr id="15" name="Connettore diritto 14">
+            <a:extLst>
+              <a:ext uri="{FF2B5EF4-FFF2-40B4-BE49-F238E27FC236}">
+                <a16:creationId xmlns:a16="http://schemas.microsoft.com/office/drawing/2014/main" id="{6A03D691-3B62-497A-814B-A9EB652D70DE}"/>
+              </a:ext>
+            </a:extLst>
+          </p:cNvPr>
+          <p:cNvCxnSpPr>
+            <a:cxnSpLocks/>
+          </p:cNvCxnSpPr>
+          <p:nvPr/>
+        </p:nvCxnSpPr>
+        <p:spPr>
+          <a:xfrm>
+            <a:off x="7894612" y="6237312"/>
+            <a:ext cx="1224136" cy="221443"/>
+          </a:xfrm>
+          <a:prstGeom prst="line">
+            <a:avLst/>
+          </a:prstGeom>
+          <a:ln w="38100"/>
+        </p:spPr>
+        <p:style>
+          <a:lnRef idx="1">
+            <a:schemeClr val="accent1"/>
+          </a:lnRef>
+          <a:fillRef idx="0">
+            <a:schemeClr val="accent1"/>
+          </a:fillRef>
+          <a:effectRef idx="0">
+            <a:schemeClr val="accent1"/>
+          </a:effectRef>
+          <a:fontRef idx="minor">
+            <a:schemeClr val="tx1"/>
+          </a:fontRef>
+        </p:style>
+      </p:cxnSp>
+      <p:cxnSp>
+        <p:nvCxnSpPr>
+          <p:cNvPr id="18" name="Connettore diritto 17">
+            <a:extLst>
+              <a:ext uri="{FF2B5EF4-FFF2-40B4-BE49-F238E27FC236}">
+                <a16:creationId xmlns:a16="http://schemas.microsoft.com/office/drawing/2014/main" id="{F87F318F-EECF-4E17-A16F-99E09AC564F3}"/>
+              </a:ext>
+            </a:extLst>
+          </p:cNvPr>
+          <p:cNvCxnSpPr>
+            <a:cxnSpLocks/>
+          </p:cNvCxnSpPr>
+          <p:nvPr/>
+        </p:nvCxnSpPr>
+        <p:spPr>
+          <a:xfrm flipV="1">
+            <a:off x="4798268" y="6237312"/>
+            <a:ext cx="720080" cy="522327"/>
+          </a:xfrm>
+          <a:prstGeom prst="line">
+            <a:avLst/>
+          </a:prstGeom>
+          <a:ln w="38100">
+            <a:solidFill>
+              <a:schemeClr val="accent3"/>
+            </a:solidFill>
+          </a:ln>
+        </p:spPr>
+        <p:style>
+          <a:lnRef idx="1">
+            <a:schemeClr val="accent1"/>
+          </a:lnRef>
+          <a:fillRef idx="0">
+            <a:schemeClr val="accent1"/>
+          </a:fillRef>
+          <a:effectRef idx="0">
+            <a:schemeClr val="accent1"/>
+          </a:effectRef>
+          <a:fontRef idx="minor">
+            <a:schemeClr val="tx1"/>
+          </a:fontRef>
+        </p:style>
+      </p:cxnSp>
+      <p:cxnSp>
+        <p:nvCxnSpPr>
+          <p:cNvPr id="21" name="Connettore diritto 20">
+            <a:extLst>
+              <a:ext uri="{FF2B5EF4-FFF2-40B4-BE49-F238E27FC236}">
+                <a16:creationId xmlns:a16="http://schemas.microsoft.com/office/drawing/2014/main" id="{D70A5BC1-4E3A-4BA4-A3F7-120B55CEB910}"/>
+              </a:ext>
+            </a:extLst>
+          </p:cNvPr>
+          <p:cNvCxnSpPr>
+            <a:cxnSpLocks/>
+          </p:cNvCxnSpPr>
+          <p:nvPr/>
+        </p:nvCxnSpPr>
+        <p:spPr>
+          <a:xfrm flipV="1">
+            <a:off x="9334385" y="6076030"/>
+            <a:ext cx="720080" cy="522327"/>
+          </a:xfrm>
+          <a:prstGeom prst="line">
+            <a:avLst/>
+          </a:prstGeom>
+          <a:ln w="38100">
+            <a:solidFill>
+              <a:schemeClr val="accent3"/>
+            </a:solidFill>
+          </a:ln>
+        </p:spPr>
+        <p:style>
+          <a:lnRef idx="1">
+            <a:schemeClr val="accent1"/>
+          </a:lnRef>
+          <a:fillRef idx="0">
+            <a:schemeClr val="accent1"/>
+          </a:fillRef>
+          <a:effectRef idx="0">
+            <a:schemeClr val="accent1"/>
+          </a:effectRef>
+          <a:fontRef idx="minor">
+            <a:schemeClr val="tx1"/>
+          </a:fontRef>
+        </p:style>
+      </p:cxnSp>
+      <p:cxnSp>
+        <p:nvCxnSpPr>
+          <p:cNvPr id="22" name="Connettore diritto 21">
+            <a:extLst>
+              <a:ext uri="{FF2B5EF4-FFF2-40B4-BE49-F238E27FC236}">
+                <a16:creationId xmlns:a16="http://schemas.microsoft.com/office/drawing/2014/main" id="{7F900671-3F6B-4AB1-B197-3735CB7AA3F3}"/>
+              </a:ext>
+            </a:extLst>
+          </p:cNvPr>
+          <p:cNvCxnSpPr>
+            <a:cxnSpLocks/>
+          </p:cNvCxnSpPr>
+          <p:nvPr/>
+        </p:nvCxnSpPr>
+        <p:spPr>
+          <a:xfrm flipV="1">
+            <a:off x="2134360" y="6237312"/>
+            <a:ext cx="215636" cy="522327"/>
+          </a:xfrm>
+          <a:prstGeom prst="line">
+            <a:avLst/>
+          </a:prstGeom>
+          <a:ln w="38100">
+            <a:solidFill>
+              <a:schemeClr val="accent5"/>
+            </a:solidFill>
+          </a:ln>
+        </p:spPr>
+        <p:style>
+          <a:lnRef idx="1">
+            <a:schemeClr val="accent1"/>
+          </a:lnRef>
+          <a:fillRef idx="0">
+            <a:schemeClr val="accent1"/>
+          </a:fillRef>
+          <a:effectRef idx="0">
+            <a:schemeClr val="accent1"/>
+          </a:effectRef>
+          <a:fontRef idx="minor">
+            <a:schemeClr val="tx1"/>
+          </a:fontRef>
+        </p:style>
+      </p:cxnSp>
+      <p:cxnSp>
+        <p:nvCxnSpPr>
+          <p:cNvPr id="25" name="Connettore diritto 24">
+            <a:extLst>
+              <a:ext uri="{FF2B5EF4-FFF2-40B4-BE49-F238E27FC236}">
+                <a16:creationId xmlns:a16="http://schemas.microsoft.com/office/drawing/2014/main" id="{45E433E4-7729-4C46-9DF8-22329FA77770}"/>
+              </a:ext>
+            </a:extLst>
+          </p:cNvPr>
+          <p:cNvCxnSpPr>
+            <a:cxnSpLocks/>
+          </p:cNvCxnSpPr>
+          <p:nvPr/>
+        </p:nvCxnSpPr>
+        <p:spPr>
+          <a:xfrm flipV="1">
+            <a:off x="7030516" y="6237312"/>
+            <a:ext cx="269933" cy="280114"/>
+          </a:xfrm>
+          <a:prstGeom prst="line">
+            <a:avLst/>
+          </a:prstGeom>
+          <a:ln w="38100">
+            <a:solidFill>
+              <a:schemeClr val="accent5"/>
+            </a:solidFill>
+          </a:ln>
+        </p:spPr>
+        <p:style>
+          <a:lnRef idx="1">
+            <a:schemeClr val="accent1"/>
+          </a:lnRef>
+          <a:fillRef idx="0">
+            <a:schemeClr val="accent1"/>
+          </a:fillRef>
+          <a:effectRef idx="0">
+            <a:schemeClr val="accent1"/>
+          </a:effectRef>
+          <a:fontRef idx="minor">
+            <a:schemeClr val="tx1"/>
+          </a:fontRef>
+        </p:style>
+      </p:cxnSp>
     </p:spTree>
     <p:extLst>
       <p:ext uri="{BB962C8B-B14F-4D97-AF65-F5344CB8AC3E}">

--- a/00_Relazione/Simulazione sistema e Modello di controllo/Simulazione e Controllo.pptx
+++ b/00_Relazione/Simulazione sistema e Modello di controllo/Simulazione e Controllo.pptx
@@ -5,10 +5,10 @@
     <p:sldMasterId id="2147483648" r:id="rId1"/>
   </p:sldMasterIdLst>
   <p:notesMasterIdLst>
-    <p:notesMasterId r:id="rId10"/>
+    <p:notesMasterId r:id="rId12"/>
   </p:notesMasterIdLst>
   <p:handoutMasterIdLst>
-    <p:handoutMasterId r:id="rId11"/>
+    <p:handoutMasterId r:id="rId13"/>
   </p:handoutMasterIdLst>
   <p:sldIdLst>
     <p:sldId id="256" r:id="rId2"/>
@@ -16,9 +16,11 @@
     <p:sldId id="258" r:id="rId4"/>
     <p:sldId id="259" r:id="rId5"/>
     <p:sldId id="262" r:id="rId6"/>
-    <p:sldId id="263" r:id="rId7"/>
-    <p:sldId id="260" r:id="rId8"/>
-    <p:sldId id="261" r:id="rId9"/>
+    <p:sldId id="264" r:id="rId7"/>
+    <p:sldId id="265" r:id="rId8"/>
+    <p:sldId id="263" r:id="rId9"/>
+    <p:sldId id="260" r:id="rId10"/>
+    <p:sldId id="261" r:id="rId11"/>
   </p:sldIdLst>
   <p:sldSz cx="12188825" cy="6858000"/>
   <p:notesSz cx="6858000" cy="9144000"/>
@@ -7784,6 +7786,106 @@
 </p:sld>
 </file>
 
+<file path=ppt/slides/slide10.xml><?xml version="1.0" encoding="utf-8"?>
+<p:sld xmlns:a="http://schemas.openxmlformats.org/drawingml/2006/main" xmlns:r="http://schemas.openxmlformats.org/officeDocument/2006/relationships" xmlns:p="http://schemas.openxmlformats.org/presentationml/2006/main">
+  <p:cSld>
+    <p:spTree>
+      <p:nvGrpSpPr>
+        <p:cNvPr id="1" name=""/>
+        <p:cNvGrpSpPr/>
+        <p:nvPr/>
+      </p:nvGrpSpPr>
+      <p:grpSpPr>
+        <a:xfrm>
+          <a:off x="0" y="0"/>
+          <a:ext cx="0" cy="0"/>
+          <a:chOff x="0" y="0"/>
+          <a:chExt cx="0" cy="0"/>
+        </a:xfrm>
+      </p:grpSpPr>
+      <p:pic>
+        <p:nvPicPr>
+          <p:cNvPr id="2" name="Immagine 1">
+            <a:extLst>
+              <a:ext uri="{FF2B5EF4-FFF2-40B4-BE49-F238E27FC236}">
+                <a16:creationId xmlns:a16="http://schemas.microsoft.com/office/drawing/2014/main" id="{5BDFCD20-8553-4898-BDDB-FE4B58631DAA}"/>
+              </a:ext>
+            </a:extLst>
+          </p:cNvPr>
+          <p:cNvPicPr>
+            <a:picLocks noChangeAspect="1"/>
+          </p:cNvPicPr>
+          <p:nvPr/>
+        </p:nvPicPr>
+        <p:blipFill>
+          <a:blip r:embed="rId2"/>
+          <a:stretch>
+            <a:fillRect/>
+          </a:stretch>
+        </p:blipFill>
+        <p:spPr>
+          <a:xfrm>
+            <a:off x="1197868" y="1457400"/>
+            <a:ext cx="9961567" cy="5400600"/>
+          </a:xfrm>
+          <a:prstGeom prst="rect">
+            <a:avLst/>
+          </a:prstGeom>
+        </p:spPr>
+      </p:pic>
+      <p:sp>
+        <p:nvSpPr>
+          <p:cNvPr id="3" name="Titolo 2">
+            <a:extLst>
+              <a:ext uri="{FF2B5EF4-FFF2-40B4-BE49-F238E27FC236}">
+                <a16:creationId xmlns:a16="http://schemas.microsoft.com/office/drawing/2014/main" id="{E6FDE177-8CFE-436F-8F7D-CBC08C04628E}"/>
+              </a:ext>
+            </a:extLst>
+          </p:cNvPr>
+          <p:cNvSpPr>
+            <a:spLocks noGrp="1"/>
+          </p:cNvSpPr>
+          <p:nvPr>
+            <p:ph type="title"/>
+          </p:nvPr>
+        </p:nvSpPr>
+        <p:spPr/>
+        <p:txBody>
+          <a:bodyPr/>
+          <a:lstStyle/>
+          <a:p>
+            <a:r>
+              <a:rPr lang="it-IT" dirty="0"/>
+              <a:t>Simulazione partendo da 50°: controllo</a:t>
+            </a:r>
+          </a:p>
+        </p:txBody>
+      </p:sp>
+    </p:spTree>
+    <p:extLst>
+      <p:ext uri="{BB962C8B-B14F-4D97-AF65-F5344CB8AC3E}">
+        <p14:creationId xmlns:p14="http://schemas.microsoft.com/office/powerpoint/2010/main" val="226198087"/>
+      </p:ext>
+    </p:extLst>
+  </p:cSld>
+  <p:clrMapOvr>
+    <a:masterClrMapping/>
+  </p:clrMapOvr>
+  <mc:AlternateContent xmlns:mc="http://schemas.openxmlformats.org/markup-compatibility/2006" xmlns:p14="http://schemas.microsoft.com/office/powerpoint/2010/main">
+    <mc:Choice Requires="p14">
+      <p:transition spd="med" p14:dur="700">
+        <p:fade/>
+      </p:transition>
+    </mc:Choice>
+    <mc:Fallback xmlns="">
+      <p:transition spd="med">
+        <p:fade/>
+      </p:transition>
+    </mc:Fallback>
+  </mc:AlternateContent>
+</p:sld>
+</file>
+
 <file path=ppt/slides/slide2.xml><?xml version="1.0" encoding="utf-8"?>
 <p:sld xmlns:a="http://schemas.openxmlformats.org/drawingml/2006/main" xmlns:r="http://schemas.openxmlformats.org/officeDocument/2006/relationships" xmlns:p="http://schemas.openxmlformats.org/presentationml/2006/main">
   <p:cSld>
@@ -12301,7 +12403,7 @@
 </file>
 
 <file path=ppt/slides/slide5.xml><?xml version="1.0" encoding="utf-8"?>
-<p:sld xmlns:a="http://schemas.openxmlformats.org/drawingml/2006/main" xmlns:r="http://schemas.openxmlformats.org/officeDocument/2006/relationships" xmlns:p="http://schemas.openxmlformats.org/presentationml/2006/main">
+<p:sld xmlns:a="http://schemas.openxmlformats.org/drawingml/2006/main" xmlns:r="http://schemas.openxmlformats.org/officeDocument/2006/relationships" xmlns:p="http://schemas.openxmlformats.org/presentationml/2006/main" show="0">
   <p:cSld>
     <p:spTree>
       <p:nvGrpSpPr>
@@ -12520,8 +12622,8 @@
         </p:nvSpPr>
         <p:spPr>
           <a:xfrm>
-            <a:off x="7606580" y="1484784"/>
-            <a:ext cx="3769656" cy="1754326"/>
+            <a:off x="7318549" y="1654350"/>
+            <a:ext cx="4057688" cy="1477328"/>
           </a:xfrm>
           <a:prstGeom prst="rect">
             <a:avLst/>
@@ -12537,6 +12639,2631 @@
             <a:r>
               <a:rPr lang="it-IT" dirty="0"/>
               <a:t>Il controllo è assegnato a un sistema PID che prendendo l’errore rispetto all’obiettivo e tira fuori il momento desiderato per ottenere una stabilizzazione del sistema.</a:t>
+            </a:r>
+          </a:p>
+        </p:txBody>
+      </p:sp>
+      <mc:AlternateContent xmlns:mc="http://schemas.openxmlformats.org/markup-compatibility/2006" xmlns:a14="http://schemas.microsoft.com/office/drawing/2010/main">
+        <mc:Choice Requires="a14">
+          <p:sp>
+            <p:nvSpPr>
+              <p:cNvPr id="3" name="Rettangolo 2">
+                <a:extLst>
+                  <a:ext uri="{FF2B5EF4-FFF2-40B4-BE49-F238E27FC236}">
+                    <a16:creationId xmlns:a16="http://schemas.microsoft.com/office/drawing/2014/main" id="{6156B0C3-557B-4C35-9102-1192C1389178}"/>
+                  </a:ext>
+                </a:extLst>
+              </p:cNvPr>
+              <p:cNvSpPr/>
+              <p:nvPr/>
+            </p:nvSpPr>
+            <p:spPr>
+              <a:xfrm>
+                <a:off x="3782954" y="4149080"/>
+                <a:ext cx="5221056" cy="394532"/>
+              </a:xfrm>
+              <a:prstGeom prst="rect">
+                <a:avLst/>
+              </a:prstGeom>
+            </p:spPr>
+            <p:style>
+              <a:lnRef idx="2">
+                <a:schemeClr val="accent4"/>
+              </a:lnRef>
+              <a:fillRef idx="1">
+                <a:schemeClr val="lt1"/>
+              </a:fillRef>
+              <a:effectRef idx="0">
+                <a:schemeClr val="accent4"/>
+              </a:effectRef>
+              <a:fontRef idx="minor">
+                <a:schemeClr val="dk1"/>
+              </a:fontRef>
+            </p:style>
+            <p:txBody>
+              <a:bodyPr wrap="square">
+                <a:spAutoFit/>
+              </a:bodyPr>
+              <a:lstStyle/>
+              <a:p>
+                <a:pPr/>
+                <a14:m>
+                  <m:oMathPara xmlns:m="http://schemas.openxmlformats.org/officeDocument/2006/math">
+                    <m:oMathParaPr>
+                      <m:jc m:val="left"/>
+                    </m:oMathParaPr>
+                    <m:oMath xmlns:m="http://schemas.openxmlformats.org/officeDocument/2006/math">
+                      <m:r>
+                        <a:rPr lang="it-IT" b="0" i="1" smtClean="0">
+                          <a:highlight>
+                            <a:srgbClr val="00FF00"/>
+                          </a:highlight>
+                          <a:latin typeface="Cambria Math" panose="02040503050406030204" pitchFamily="18" charset="0"/>
+                        </a:rPr>
+                        <m:t>𝑢</m:t>
+                      </m:r>
+                      <m:r>
+                        <a:rPr lang="it-IT" b="0" i="1" smtClean="0">
+                          <a:latin typeface="Cambria Math" panose="02040503050406030204" pitchFamily="18" charset="0"/>
+                        </a:rPr>
+                        <m:t>=−</m:t>
+                      </m:r>
+                      <m:sSub>
+                        <m:sSubPr>
+                          <m:ctrlPr>
+                            <a:rPr lang="it-IT" b="0" i="1" smtClean="0">
+                              <a:solidFill>
+                                <a:srgbClr val="FF0000"/>
+                              </a:solidFill>
+                              <a:latin typeface="Cambria Math" panose="02040503050406030204" pitchFamily="18" charset="0"/>
+                            </a:rPr>
+                          </m:ctrlPr>
+                        </m:sSubPr>
+                        <m:e>
+                          <m:r>
+                            <a:rPr lang="it-IT" b="0" i="1" smtClean="0">
+                              <a:solidFill>
+                                <a:srgbClr val="FF0000"/>
+                              </a:solidFill>
+                              <a:latin typeface="Cambria Math" panose="02040503050406030204" pitchFamily="18" charset="0"/>
+                            </a:rPr>
+                            <m:t>𝑀</m:t>
+                          </m:r>
+                        </m:e>
+                        <m:sub>
+                          <m:r>
+                            <a:rPr lang="it-IT" b="0" i="1" smtClean="0">
+                              <a:solidFill>
+                                <a:srgbClr val="FF0000"/>
+                              </a:solidFill>
+                              <a:latin typeface="Cambria Math" panose="02040503050406030204" pitchFamily="18" charset="0"/>
+                            </a:rPr>
+                            <m:t>𝑑𝑒𝑠</m:t>
+                          </m:r>
+                        </m:sub>
+                      </m:sSub>
+                      <m:r>
+                        <a:rPr lang="it-IT" b="0" i="1" smtClean="0">
+                          <a:latin typeface="Cambria Math" panose="02040503050406030204" pitchFamily="18" charset="0"/>
+                        </a:rPr>
+                        <m:t>+</m:t>
+                      </m:r>
+                      <m:sSub>
+                        <m:sSubPr>
+                          <m:ctrlPr>
+                            <a:rPr lang="it-IT" i="1">
+                              <a:latin typeface="Cambria Math" panose="02040503050406030204" pitchFamily="18" charset="0"/>
+                              <a:ea typeface="Cambria Math" panose="02040503050406030204" pitchFamily="18" charset="0"/>
+                            </a:rPr>
+                          </m:ctrlPr>
+                        </m:sSubPr>
+                        <m:e>
+                          <m:r>
+                            <a:rPr lang="it-IT" i="1">
+                              <a:latin typeface="Cambria Math" panose="02040503050406030204" pitchFamily="18" charset="0"/>
+                              <a:ea typeface="Cambria Math" panose="02040503050406030204" pitchFamily="18" charset="0"/>
+                            </a:rPr>
+                            <m:t>𝐷</m:t>
+                          </m:r>
+                        </m:e>
+                        <m:sub>
+                          <m:r>
+                            <a:rPr lang="it-IT" i="1">
+                              <a:latin typeface="Cambria Math" panose="02040503050406030204" pitchFamily="18" charset="0"/>
+                              <a:ea typeface="Cambria Math" panose="02040503050406030204" pitchFamily="18" charset="0"/>
+                            </a:rPr>
+                            <m:t>2</m:t>
+                          </m:r>
+                        </m:sub>
+                      </m:sSub>
+                      <m:r>
+                        <a:rPr lang="it-IT" i="1">
+                          <a:latin typeface="Cambria Math" panose="02040503050406030204" pitchFamily="18" charset="0"/>
+                          <a:ea typeface="Cambria Math" panose="02040503050406030204" pitchFamily="18" charset="0"/>
+                        </a:rPr>
+                        <m:t>∙</m:t>
+                      </m:r>
+                      <m:sSub>
+                        <m:sSubPr>
+                          <m:ctrlPr>
+                            <a:rPr lang="it-IT" i="1">
+                              <a:latin typeface="Cambria Math" panose="02040503050406030204" pitchFamily="18" charset="0"/>
+                              <a:ea typeface="Cambria Math" panose="02040503050406030204" pitchFamily="18" charset="0"/>
+                            </a:rPr>
+                          </m:ctrlPr>
+                        </m:sSubPr>
+                        <m:e>
+                          <m:r>
+                            <a:rPr lang="it-IT" i="1">
+                              <a:latin typeface="Cambria Math" panose="02040503050406030204" pitchFamily="18" charset="0"/>
+                              <a:ea typeface="Cambria Math" panose="02040503050406030204" pitchFamily="18" charset="0"/>
+                            </a:rPr>
+                            <m:t>𝑥</m:t>
+                          </m:r>
+                        </m:e>
+                        <m:sub>
+                          <m:r>
+                            <a:rPr lang="it-IT" i="1">
+                              <a:latin typeface="Cambria Math" panose="02040503050406030204" pitchFamily="18" charset="0"/>
+                              <a:ea typeface="Cambria Math" panose="02040503050406030204" pitchFamily="18" charset="0"/>
+                            </a:rPr>
+                            <m:t>1</m:t>
+                          </m:r>
+                        </m:sub>
+                      </m:sSub>
+                      <m:r>
+                        <a:rPr lang="it-IT" i="1">
+                          <a:latin typeface="Cambria Math" panose="02040503050406030204" pitchFamily="18" charset="0"/>
+                          <a:ea typeface="Cambria Math" panose="02040503050406030204" pitchFamily="18" charset="0"/>
+                        </a:rPr>
+                        <m:t>+</m:t>
+                      </m:r>
+                      <m:sSub>
+                        <m:sSubPr>
+                          <m:ctrlPr>
+                            <a:rPr lang="it-IT" i="1">
+                              <a:latin typeface="Cambria Math" panose="02040503050406030204" pitchFamily="18" charset="0"/>
+                              <a:ea typeface="Cambria Math" panose="02040503050406030204" pitchFamily="18" charset="0"/>
+                            </a:rPr>
+                          </m:ctrlPr>
+                        </m:sSubPr>
+                        <m:e>
+                          <m:r>
+                            <a:rPr lang="it-IT" i="1">
+                              <a:latin typeface="Cambria Math" panose="02040503050406030204" pitchFamily="18" charset="0"/>
+                              <a:ea typeface="Cambria Math" panose="02040503050406030204" pitchFamily="18" charset="0"/>
+                            </a:rPr>
+                            <m:t>𝐾</m:t>
+                          </m:r>
+                        </m:e>
+                        <m:sub>
+                          <m:r>
+                            <a:rPr lang="it-IT" i="1">
+                              <a:latin typeface="Cambria Math" panose="02040503050406030204" pitchFamily="18" charset="0"/>
+                              <a:ea typeface="Cambria Math" panose="02040503050406030204" pitchFamily="18" charset="0"/>
+                            </a:rPr>
+                            <m:t>𝑚𝑙𝑔</m:t>
+                          </m:r>
+                        </m:sub>
+                      </m:sSub>
+                      <m:r>
+                        <a:rPr lang="it-IT" i="1">
+                          <a:latin typeface="Cambria Math" panose="02040503050406030204" pitchFamily="18" charset="0"/>
+                          <a:ea typeface="Cambria Math" panose="02040503050406030204" pitchFamily="18" charset="0"/>
+                        </a:rPr>
+                        <m:t>∙</m:t>
+                      </m:r>
+                      <m:func>
+                        <m:funcPr>
+                          <m:ctrlPr>
+                            <a:rPr lang="it-IT" i="1">
+                              <a:latin typeface="Cambria Math" panose="02040503050406030204" pitchFamily="18" charset="0"/>
+                              <a:ea typeface="Cambria Math" panose="02040503050406030204" pitchFamily="18" charset="0"/>
+                            </a:rPr>
+                          </m:ctrlPr>
+                        </m:funcPr>
+                        <m:fName>
+                          <m:r>
+                            <m:rPr>
+                              <m:sty m:val="p"/>
+                            </m:rPr>
+                            <a:rPr lang="it-IT">
+                              <a:latin typeface="Cambria Math" panose="02040503050406030204" pitchFamily="18" charset="0"/>
+                              <a:ea typeface="Cambria Math" panose="02040503050406030204" pitchFamily="18" charset="0"/>
+                            </a:rPr>
+                            <m:t>sin</m:t>
+                          </m:r>
+                        </m:fName>
+                        <m:e>
+                          <m:d>
+                            <m:dPr>
+                              <m:ctrlPr>
+                                <a:rPr lang="it-IT" i="1">
+                                  <a:latin typeface="Cambria Math" panose="02040503050406030204" pitchFamily="18" charset="0"/>
+                                  <a:ea typeface="Cambria Math" panose="02040503050406030204" pitchFamily="18" charset="0"/>
+                                </a:rPr>
+                              </m:ctrlPr>
+                            </m:dPr>
+                            <m:e>
+                              <m:sSub>
+                                <m:sSubPr>
+                                  <m:ctrlPr>
+                                    <a:rPr lang="it-IT" i="1">
+                                      <a:latin typeface="Cambria Math" panose="02040503050406030204" pitchFamily="18" charset="0"/>
+                                      <a:ea typeface="Cambria Math" panose="02040503050406030204" pitchFamily="18" charset="0"/>
+                                    </a:rPr>
+                                  </m:ctrlPr>
+                                </m:sSubPr>
+                                <m:e>
+                                  <m:r>
+                                    <a:rPr lang="it-IT" i="1">
+                                      <a:latin typeface="Cambria Math" panose="02040503050406030204" pitchFamily="18" charset="0"/>
+                                      <a:ea typeface="Cambria Math" panose="02040503050406030204" pitchFamily="18" charset="0"/>
+                                    </a:rPr>
+                                    <m:t>𝑥</m:t>
+                                  </m:r>
+                                </m:e>
+                                <m:sub>
+                                  <m:r>
+                                    <a:rPr lang="it-IT" i="1">
+                                      <a:latin typeface="Cambria Math" panose="02040503050406030204" pitchFamily="18" charset="0"/>
+                                      <a:ea typeface="Cambria Math" panose="02040503050406030204" pitchFamily="18" charset="0"/>
+                                    </a:rPr>
+                                    <m:t>4</m:t>
+                                  </m:r>
+                                </m:sub>
+                              </m:sSub>
+                            </m:e>
+                          </m:d>
+                        </m:e>
+                      </m:func>
+                      <m:r>
+                        <a:rPr lang="it-IT" i="1">
+                          <a:latin typeface="Cambria Math" panose="02040503050406030204" pitchFamily="18" charset="0"/>
+                          <a:ea typeface="Cambria Math" panose="02040503050406030204" pitchFamily="18" charset="0"/>
+                        </a:rPr>
+                        <m:t>−</m:t>
+                      </m:r>
+                      <m:sSub>
+                        <m:sSubPr>
+                          <m:ctrlPr>
+                            <a:rPr lang="it-IT" i="1">
+                              <a:latin typeface="Cambria Math" panose="02040503050406030204" pitchFamily="18" charset="0"/>
+                              <a:ea typeface="Cambria Math" panose="02040503050406030204" pitchFamily="18" charset="0"/>
+                            </a:rPr>
+                          </m:ctrlPr>
+                        </m:sSubPr>
+                        <m:e>
+                          <m:r>
+                            <a:rPr lang="it-IT" i="1">
+                              <a:latin typeface="Cambria Math" panose="02040503050406030204" pitchFamily="18" charset="0"/>
+                              <a:ea typeface="Cambria Math" panose="02040503050406030204" pitchFamily="18" charset="0"/>
+                            </a:rPr>
+                            <m:t>𝐷</m:t>
+                          </m:r>
+                        </m:e>
+                        <m:sub>
+                          <m:r>
+                            <a:rPr lang="it-IT" i="1">
+                              <a:latin typeface="Cambria Math" panose="02040503050406030204" pitchFamily="18" charset="0"/>
+                              <a:ea typeface="Cambria Math" panose="02040503050406030204" pitchFamily="18" charset="0"/>
+                            </a:rPr>
+                            <m:t>1</m:t>
+                          </m:r>
+                        </m:sub>
+                      </m:sSub>
+                      <m:r>
+                        <a:rPr lang="it-IT" i="1">
+                          <a:latin typeface="Cambria Math" panose="02040503050406030204" pitchFamily="18" charset="0"/>
+                          <a:ea typeface="Cambria Math" panose="02040503050406030204" pitchFamily="18" charset="0"/>
+                        </a:rPr>
+                        <m:t>∙</m:t>
+                      </m:r>
+                      <m:sSub>
+                        <m:sSubPr>
+                          <m:ctrlPr>
+                            <a:rPr lang="it-IT" i="1">
+                              <a:latin typeface="Cambria Math" panose="02040503050406030204" pitchFamily="18" charset="0"/>
+                              <a:ea typeface="Cambria Math" panose="02040503050406030204" pitchFamily="18" charset="0"/>
+                            </a:rPr>
+                          </m:ctrlPr>
+                        </m:sSubPr>
+                        <m:e>
+                          <m:r>
+                            <a:rPr lang="it-IT" i="1">
+                              <a:latin typeface="Cambria Math" panose="02040503050406030204" pitchFamily="18" charset="0"/>
+                              <a:ea typeface="Cambria Math" panose="02040503050406030204" pitchFamily="18" charset="0"/>
+                            </a:rPr>
+                            <m:t>𝑥</m:t>
+                          </m:r>
+                        </m:e>
+                        <m:sub>
+                          <m:r>
+                            <a:rPr lang="it-IT" i="1">
+                              <a:latin typeface="Cambria Math" panose="02040503050406030204" pitchFamily="18" charset="0"/>
+                              <a:ea typeface="Cambria Math" panose="02040503050406030204" pitchFamily="18" charset="0"/>
+                            </a:rPr>
+                            <m:t>3</m:t>
+                          </m:r>
+                        </m:sub>
+                      </m:sSub>
+                    </m:oMath>
+                  </m:oMathPara>
+                </a14:m>
+                <a:endParaRPr lang="it-IT" dirty="0"/>
+              </a:p>
+            </p:txBody>
+          </p:sp>
+        </mc:Choice>
+        <mc:Fallback xmlns="">
+          <p:sp>
+            <p:nvSpPr>
+              <p:cNvPr id="3" name="Rettangolo 2">
+                <a:extLst>
+                  <a:ext uri="{FF2B5EF4-FFF2-40B4-BE49-F238E27FC236}">
+                    <a16:creationId xmlns:a16="http://schemas.microsoft.com/office/drawing/2014/main" id="{6156B0C3-557B-4C35-9102-1192C1389178}"/>
+                  </a:ext>
+                </a:extLst>
+              </p:cNvPr>
+              <p:cNvSpPr>
+                <a:spLocks noRot="1" noChangeAspect="1" noMove="1" noResize="1" noEditPoints="1" noAdjustHandles="1" noChangeArrowheads="1" noChangeShapeType="1" noTextEdit="1"/>
+              </p:cNvSpPr>
+              <p:nvPr/>
+            </p:nvSpPr>
+            <p:spPr>
+              <a:xfrm>
+                <a:off x="3782954" y="4149080"/>
+                <a:ext cx="5221056" cy="394532"/>
+              </a:xfrm>
+              <a:prstGeom prst="rect">
+                <a:avLst/>
+              </a:prstGeom>
+              <a:blipFill>
+                <a:blip r:embed="rId3"/>
+                <a:stretch>
+                  <a:fillRect b="-7576"/>
+                </a:stretch>
+              </a:blipFill>
+            </p:spPr>
+            <p:txBody>
+              <a:bodyPr/>
+              <a:lstStyle/>
+              <a:p>
+                <a:r>
+                  <a:rPr lang="it-IT">
+                    <a:noFill/>
+                  </a:rPr>
+                  <a:t> </a:t>
+                </a:r>
+              </a:p>
+            </p:txBody>
+          </p:sp>
+        </mc:Fallback>
+      </mc:AlternateContent>
+      <mc:AlternateContent xmlns:mc="http://schemas.openxmlformats.org/markup-compatibility/2006" xmlns:a14="http://schemas.microsoft.com/office/drawing/2010/main">
+        <mc:Choice Requires="a14">
+          <p:sp>
+            <p:nvSpPr>
+              <p:cNvPr id="5" name="Rettangolo 4">
+                <a:extLst>
+                  <a:ext uri="{FF2B5EF4-FFF2-40B4-BE49-F238E27FC236}">
+                    <a16:creationId xmlns:a16="http://schemas.microsoft.com/office/drawing/2014/main" id="{8F8EF85A-3DA4-4522-9AB0-C990C0192A16}"/>
+                  </a:ext>
+                </a:extLst>
+              </p:cNvPr>
+              <p:cNvSpPr/>
+              <p:nvPr/>
+            </p:nvSpPr>
+            <p:spPr>
+              <a:xfrm>
+                <a:off x="1269876" y="4581128"/>
+                <a:ext cx="10513168" cy="646331"/>
+              </a:xfrm>
+              <a:prstGeom prst="rect">
+                <a:avLst/>
+              </a:prstGeom>
+            </p:spPr>
+            <p:txBody>
+              <a:bodyPr wrap="square">
+                <a:spAutoFit/>
+              </a:bodyPr>
+              <a:lstStyle/>
+              <a:p>
+                <a:pPr algn="just"/>
+                <a:r>
+                  <a:rPr lang="it-IT" dirty="0"/>
+                  <a:t>La formula si ottiene invertendo l’equazione di stato della </a:t>
+                </a:r>
+                <a14:m>
+                  <m:oMath xmlns:m="http://schemas.openxmlformats.org/officeDocument/2006/math">
+                    <m:acc>
+                      <m:accPr>
+                        <m:chr m:val="̇"/>
+                        <m:ctrlPr>
+                          <a:rPr lang="it-IT" i="1">
+                            <a:latin typeface="Cambria Math" panose="02040503050406030204" pitchFamily="18" charset="0"/>
+                          </a:rPr>
+                        </m:ctrlPr>
+                      </m:accPr>
+                      <m:e>
+                        <m:sSub>
+                          <m:sSubPr>
+                            <m:ctrlPr>
+                              <a:rPr lang="it-IT" i="1">
+                                <a:latin typeface="Cambria Math" panose="02040503050406030204" pitchFamily="18" charset="0"/>
+                              </a:rPr>
+                            </m:ctrlPr>
+                          </m:sSubPr>
+                          <m:e>
+                            <m:r>
+                              <a:rPr lang="it-IT" i="1">
+                                <a:latin typeface="Cambria Math" panose="02040503050406030204" pitchFamily="18" charset="0"/>
+                              </a:rPr>
+                              <m:t>𝑥</m:t>
+                            </m:r>
+                          </m:e>
+                          <m:sub>
+                            <m:r>
+                              <a:rPr lang="it-IT" i="1">
+                                <a:latin typeface="Cambria Math" panose="02040503050406030204" pitchFamily="18" charset="0"/>
+                              </a:rPr>
+                              <m:t>3</m:t>
+                            </m:r>
+                          </m:sub>
+                        </m:sSub>
+                      </m:e>
+                    </m:acc>
+                  </m:oMath>
+                </a14:m>
+                <a:r>
+                  <a:rPr lang="it-IT" dirty="0"/>
+                  <a:t>in funzione dell’ingresso, ovviamente è un blocco non lineare, con non linearità istantanea, ma </a:t>
+                </a:r>
+                <a:r>
+                  <a:rPr lang="it-IT" b="1" dirty="0"/>
+                  <a:t>la sua presenza linearizza l’intero sistema</a:t>
+                </a:r>
+                <a:r>
+                  <a:rPr lang="it-IT" dirty="0"/>
+                  <a:t>.</a:t>
+                </a:r>
+              </a:p>
+            </p:txBody>
+          </p:sp>
+        </mc:Choice>
+        <mc:Fallback xmlns="">
+          <p:sp>
+            <p:nvSpPr>
+              <p:cNvPr id="5" name="Rettangolo 4">
+                <a:extLst>
+                  <a:ext uri="{FF2B5EF4-FFF2-40B4-BE49-F238E27FC236}">
+                    <a16:creationId xmlns:a16="http://schemas.microsoft.com/office/drawing/2014/main" id="{8F8EF85A-3DA4-4522-9AB0-C990C0192A16}"/>
+                  </a:ext>
+                </a:extLst>
+              </p:cNvPr>
+              <p:cNvSpPr>
+                <a:spLocks noRot="1" noChangeAspect="1" noMove="1" noResize="1" noEditPoints="1" noAdjustHandles="1" noChangeArrowheads="1" noChangeShapeType="1" noTextEdit="1"/>
+              </p:cNvSpPr>
+              <p:nvPr/>
+            </p:nvSpPr>
+            <p:spPr>
+              <a:xfrm>
+                <a:off x="1269876" y="4581128"/>
+                <a:ext cx="10513168" cy="646331"/>
+              </a:xfrm>
+              <a:prstGeom prst="rect">
+                <a:avLst/>
+              </a:prstGeom>
+              <a:blipFill>
+                <a:blip r:embed="rId4"/>
+                <a:stretch>
+                  <a:fillRect l="-464" t="-5607" r="-522" b="-12150"/>
+                </a:stretch>
+              </a:blipFill>
+            </p:spPr>
+            <p:txBody>
+              <a:bodyPr/>
+              <a:lstStyle/>
+              <a:p>
+                <a:r>
+                  <a:rPr lang="it-IT">
+                    <a:noFill/>
+                  </a:rPr>
+                  <a:t> </a:t>
+                </a:r>
+              </a:p>
+            </p:txBody>
+          </p:sp>
+        </mc:Fallback>
+      </mc:AlternateContent>
+      <mc:AlternateContent xmlns:mc="http://schemas.openxmlformats.org/markup-compatibility/2006" xmlns:a14="http://schemas.microsoft.com/office/drawing/2010/main">
+        <mc:Choice Requires="a14">
+          <p:sp>
+            <p:nvSpPr>
+              <p:cNvPr id="10" name="Rettangolo 9">
+                <a:extLst>
+                  <a:ext uri="{FF2B5EF4-FFF2-40B4-BE49-F238E27FC236}">
+                    <a16:creationId xmlns:a16="http://schemas.microsoft.com/office/drawing/2014/main" id="{31EE0BB2-E84C-40D2-AF13-8B7D3C8EFC20}"/>
+                  </a:ext>
+                </a:extLst>
+              </p:cNvPr>
+              <p:cNvSpPr/>
+              <p:nvPr/>
+            </p:nvSpPr>
+            <p:spPr>
+              <a:xfrm>
+                <a:off x="1269877" y="5229200"/>
+                <a:ext cx="10585176" cy="646331"/>
+              </a:xfrm>
+              <a:prstGeom prst="rect">
+                <a:avLst/>
+              </a:prstGeom>
+            </p:spPr>
+            <p:style>
+              <a:lnRef idx="2">
+                <a:schemeClr val="accent4">
+                  <a:shade val="50000"/>
+                </a:schemeClr>
+              </a:lnRef>
+              <a:fillRef idx="1">
+                <a:schemeClr val="accent4"/>
+              </a:fillRef>
+              <a:effectRef idx="0">
+                <a:schemeClr val="accent4"/>
+              </a:effectRef>
+              <a:fontRef idx="minor">
+                <a:schemeClr val="lt1"/>
+              </a:fontRef>
+            </p:style>
+            <p:txBody>
+              <a:bodyPr wrap="square">
+                <a:spAutoFit/>
+              </a:bodyPr>
+              <a:lstStyle/>
+              <a:p>
+                <a:pPr algn="ctr"/>
+                <a14:m>
+                  <m:oMath xmlns:m="http://schemas.openxmlformats.org/officeDocument/2006/math">
+                    <m:sSub>
+                      <m:sSubPr>
+                        <m:ctrlPr>
+                          <a:rPr lang="it-IT" i="1">
+                            <a:solidFill>
+                              <a:srgbClr val="FF0000"/>
+                            </a:solidFill>
+                            <a:latin typeface="Cambria Math" panose="02040503050406030204" pitchFamily="18" charset="0"/>
+                          </a:rPr>
+                        </m:ctrlPr>
+                      </m:sSubPr>
+                      <m:e>
+                        <m:r>
+                          <a:rPr lang="it-IT" i="1">
+                            <a:solidFill>
+                              <a:srgbClr val="FF0000"/>
+                            </a:solidFill>
+                            <a:latin typeface="Cambria Math" panose="02040503050406030204" pitchFamily="18" charset="0"/>
+                          </a:rPr>
+                          <m:t>𝑀</m:t>
+                        </m:r>
+                      </m:e>
+                      <m:sub>
+                        <m:r>
+                          <a:rPr lang="it-IT" i="1">
+                            <a:solidFill>
+                              <a:srgbClr val="FF0000"/>
+                            </a:solidFill>
+                            <a:latin typeface="Cambria Math" panose="02040503050406030204" pitchFamily="18" charset="0"/>
+                          </a:rPr>
+                          <m:t>𝑑𝑒𝑠</m:t>
+                        </m:r>
+                      </m:sub>
+                    </m:sSub>
+                    <m:r>
+                      <a:rPr lang="it-IT" i="1">
+                        <a:solidFill>
+                          <a:srgbClr val="FF0000"/>
+                        </a:solidFill>
+                        <a:latin typeface="Cambria Math" panose="02040503050406030204" pitchFamily="18" charset="0"/>
+                      </a:rPr>
+                      <m:t> </m:t>
+                    </m:r>
+                  </m:oMath>
+                </a14:m>
+                <a:r>
+                  <a:rPr lang="it-IT" dirty="0"/>
+                  <a:t>rappresenta il </a:t>
+                </a:r>
+                <a:r>
+                  <a:rPr lang="it-IT" b="1" dirty="0"/>
+                  <a:t>momento totale del sistema desiderato, </a:t>
+                </a:r>
+                <a:r>
+                  <a:rPr lang="it-IT" dirty="0"/>
+                  <a:t>che è calcolato dal PID, e con questo calcolo andiamo a trovare, mediante una retroazione dallo stato, la coppia </a:t>
+                </a:r>
+                <a:r>
+                  <a:rPr lang="it-IT" b="1" dirty="0"/>
+                  <a:t>u</a:t>
+                </a:r>
+                <a:r>
+                  <a:rPr lang="it-IT" dirty="0"/>
+                  <a:t> che lo realizza!</a:t>
+                </a:r>
+              </a:p>
+            </p:txBody>
+          </p:sp>
+        </mc:Choice>
+        <mc:Fallback xmlns="">
+          <p:sp>
+            <p:nvSpPr>
+              <p:cNvPr id="10" name="Rettangolo 9">
+                <a:extLst>
+                  <a:ext uri="{FF2B5EF4-FFF2-40B4-BE49-F238E27FC236}">
+                    <a16:creationId xmlns:a16="http://schemas.microsoft.com/office/drawing/2014/main" id="{31EE0BB2-E84C-40D2-AF13-8B7D3C8EFC20}"/>
+                  </a:ext>
+                </a:extLst>
+              </p:cNvPr>
+              <p:cNvSpPr>
+                <a:spLocks noRot="1" noChangeAspect="1" noMove="1" noResize="1" noEditPoints="1" noAdjustHandles="1" noChangeArrowheads="1" noChangeShapeType="1" noTextEdit="1"/>
+              </p:cNvSpPr>
+              <p:nvPr/>
+            </p:nvSpPr>
+            <p:spPr>
+              <a:xfrm>
+                <a:off x="1269877" y="5229200"/>
+                <a:ext cx="10585176" cy="646331"/>
+              </a:xfrm>
+              <a:prstGeom prst="rect">
+                <a:avLst/>
+              </a:prstGeom>
+              <a:blipFill>
+                <a:blip r:embed="rId5"/>
+                <a:stretch>
+                  <a:fillRect t="-5556" b="-12037"/>
+                </a:stretch>
+              </a:blipFill>
+            </p:spPr>
+            <p:txBody>
+              <a:bodyPr/>
+              <a:lstStyle/>
+              <a:p>
+                <a:r>
+                  <a:rPr lang="it-IT">
+                    <a:noFill/>
+                  </a:rPr>
+                  <a:t> </a:t>
+                </a:r>
+              </a:p>
+            </p:txBody>
+          </p:sp>
+        </mc:Fallback>
+      </mc:AlternateContent>
+      <mc:AlternateContent xmlns:mc="http://schemas.openxmlformats.org/markup-compatibility/2006" xmlns:a14="http://schemas.microsoft.com/office/drawing/2010/main">
+        <mc:Choice Requires="a14">
+          <p:sp>
+            <p:nvSpPr>
+              <p:cNvPr id="11" name="Rettangolo 10">
+                <a:extLst>
+                  <a:ext uri="{FF2B5EF4-FFF2-40B4-BE49-F238E27FC236}">
+                    <a16:creationId xmlns:a16="http://schemas.microsoft.com/office/drawing/2014/main" id="{900F2ED1-F5DF-455A-A5DD-F3855F9EF311}"/>
+                  </a:ext>
+                </a:extLst>
+              </p:cNvPr>
+              <p:cNvSpPr/>
+              <p:nvPr/>
+            </p:nvSpPr>
+            <p:spPr>
+              <a:xfrm>
+                <a:off x="1228252" y="5867980"/>
+                <a:ext cx="4506120" cy="369332"/>
+              </a:xfrm>
+              <a:prstGeom prst="rect">
+                <a:avLst/>
+              </a:prstGeom>
+            </p:spPr>
+            <p:txBody>
+              <a:bodyPr wrap="square">
+                <a:spAutoFit/>
+              </a:bodyPr>
+              <a:lstStyle/>
+              <a:p>
+                <a:pPr algn="just"/>
+                <a:r>
+                  <a:rPr lang="it-IT" dirty="0"/>
+                  <a:t>Sostituendo questa </a:t>
+                </a:r>
+                <a14:m>
+                  <m:oMath xmlns:m="http://schemas.openxmlformats.org/officeDocument/2006/math">
+                    <m:r>
+                      <a:rPr lang="it-IT" i="1">
+                        <a:highlight>
+                          <a:srgbClr val="00FF00"/>
+                        </a:highlight>
+                        <a:latin typeface="Cambria Math" panose="02040503050406030204" pitchFamily="18" charset="0"/>
+                      </a:rPr>
+                      <m:t>𝑢</m:t>
+                    </m:r>
+                    <m:r>
+                      <a:rPr lang="it-IT" i="1">
+                        <a:highlight>
+                          <a:srgbClr val="00FF00"/>
+                        </a:highlight>
+                        <a:latin typeface="Cambria Math" panose="02040503050406030204" pitchFamily="18" charset="0"/>
+                      </a:rPr>
+                      <m:t> </m:t>
+                    </m:r>
+                  </m:oMath>
+                </a14:m>
+                <a:r>
+                  <a:rPr lang="it-IT" dirty="0"/>
+                  <a:t>nel sistema infatti:</a:t>
+                </a:r>
+              </a:p>
+            </p:txBody>
+          </p:sp>
+        </mc:Choice>
+        <mc:Fallback xmlns="">
+          <p:sp>
+            <p:nvSpPr>
+              <p:cNvPr id="11" name="Rettangolo 10">
+                <a:extLst>
+                  <a:ext uri="{FF2B5EF4-FFF2-40B4-BE49-F238E27FC236}">
+                    <a16:creationId xmlns:a16="http://schemas.microsoft.com/office/drawing/2014/main" id="{900F2ED1-F5DF-455A-A5DD-F3855F9EF311}"/>
+                  </a:ext>
+                </a:extLst>
+              </p:cNvPr>
+              <p:cNvSpPr>
+                <a:spLocks noRot="1" noChangeAspect="1" noMove="1" noResize="1" noEditPoints="1" noAdjustHandles="1" noChangeArrowheads="1" noChangeShapeType="1" noTextEdit="1"/>
+              </p:cNvSpPr>
+              <p:nvPr/>
+            </p:nvSpPr>
+            <p:spPr>
+              <a:xfrm>
+                <a:off x="1228252" y="5867980"/>
+                <a:ext cx="4506120" cy="369332"/>
+              </a:xfrm>
+              <a:prstGeom prst="rect">
+                <a:avLst/>
+              </a:prstGeom>
+              <a:blipFill>
+                <a:blip r:embed="rId6"/>
+                <a:stretch>
+                  <a:fillRect l="-1081" t="-11667" b="-25000"/>
+                </a:stretch>
+              </a:blipFill>
+            </p:spPr>
+            <p:txBody>
+              <a:bodyPr/>
+              <a:lstStyle/>
+              <a:p>
+                <a:r>
+                  <a:rPr lang="it-IT">
+                    <a:noFill/>
+                  </a:rPr>
+                  <a:t> </a:t>
+                </a:r>
+              </a:p>
+            </p:txBody>
+          </p:sp>
+        </mc:Fallback>
+      </mc:AlternateContent>
+      <p:grpSp>
+        <p:nvGrpSpPr>
+          <p:cNvPr id="16" name="Gruppo 15">
+            <a:extLst>
+              <a:ext uri="{FF2B5EF4-FFF2-40B4-BE49-F238E27FC236}">
+                <a16:creationId xmlns:a16="http://schemas.microsoft.com/office/drawing/2014/main" id="{0B541DAA-2B2A-4C3A-A4C2-D6580197285B}"/>
+              </a:ext>
+            </a:extLst>
+          </p:cNvPr>
+          <p:cNvGrpSpPr/>
+          <p:nvPr/>
+        </p:nvGrpSpPr>
+        <p:grpSpPr>
+          <a:xfrm>
+            <a:off x="1042513" y="6039789"/>
+            <a:ext cx="10884646" cy="833458"/>
+            <a:chOff x="1042513" y="6039789"/>
+            <a:chExt cx="10884646" cy="833458"/>
+          </a:xfrm>
+        </p:grpSpPr>
+        <p:sp>
+          <p:nvSpPr>
+            <p:cNvPr id="14" name="Rettangolo con angoli arrotondati 13">
+              <a:extLst>
+                <a:ext uri="{FF2B5EF4-FFF2-40B4-BE49-F238E27FC236}">
+                  <a16:creationId xmlns:a16="http://schemas.microsoft.com/office/drawing/2014/main" id="{074CBFB5-7ECE-4685-8B2D-A07341135F07}"/>
+                </a:ext>
+              </a:extLst>
+            </p:cNvPr>
+            <p:cNvSpPr/>
+            <p:nvPr/>
+          </p:nvSpPr>
+          <p:spPr>
+            <a:xfrm>
+              <a:off x="10126860" y="6337194"/>
+              <a:ext cx="1628396" cy="386204"/>
+            </a:xfrm>
+            <a:prstGeom prst="roundRect">
+              <a:avLst/>
+            </a:prstGeom>
+            <a:ln/>
+          </p:spPr>
+          <p:style>
+            <a:lnRef idx="2">
+              <a:schemeClr val="accent4">
+                <a:shade val="50000"/>
+              </a:schemeClr>
+            </a:lnRef>
+            <a:fillRef idx="1">
+              <a:schemeClr val="accent4"/>
+            </a:fillRef>
+            <a:effectRef idx="0">
+              <a:schemeClr val="accent4"/>
+            </a:effectRef>
+            <a:fontRef idx="minor">
+              <a:schemeClr val="lt1"/>
+            </a:fontRef>
+          </p:style>
+          <p:txBody>
+            <a:bodyPr rtlCol="0" anchor="ctr"/>
+            <a:lstStyle/>
+            <a:p>
+              <a:pPr algn="ctr"/>
+              <a:endParaRPr lang="it-IT"/>
+            </a:p>
+          </p:txBody>
+        </p:sp>
+        <p:grpSp>
+          <p:nvGrpSpPr>
+            <p:cNvPr id="12" name="Gruppo 11">
+              <a:extLst>
+                <a:ext uri="{FF2B5EF4-FFF2-40B4-BE49-F238E27FC236}">
+                  <a16:creationId xmlns:a16="http://schemas.microsoft.com/office/drawing/2014/main" id="{9490CD77-0B26-4E63-8F23-2AD907867926}"/>
+                </a:ext>
+              </a:extLst>
+            </p:cNvPr>
+            <p:cNvGrpSpPr/>
+            <p:nvPr/>
+          </p:nvGrpSpPr>
+          <p:grpSpPr>
+            <a:xfrm>
+              <a:off x="1042513" y="6039789"/>
+              <a:ext cx="10884646" cy="833458"/>
+              <a:chOff x="1375658" y="6076030"/>
+              <a:chExt cx="10884646" cy="833458"/>
+            </a:xfrm>
+          </p:grpSpPr>
+          <mc:AlternateContent xmlns:mc="http://schemas.openxmlformats.org/markup-compatibility/2006">
+            <mc:Choice xmlns:a14="http://schemas.microsoft.com/office/drawing/2010/main" Requires="a14">
+              <p:sp>
+                <p:nvSpPr>
+                  <p:cNvPr id="7" name="Rettangolo 6">
+                    <a:extLst>
+                      <a:ext uri="{FF2B5EF4-FFF2-40B4-BE49-F238E27FC236}">
+                        <a16:creationId xmlns:a16="http://schemas.microsoft.com/office/drawing/2014/main" id="{611FD70E-DA2F-4B1D-AE1B-AE6038D7AD84}"/>
+                      </a:ext>
+                    </a:extLst>
+                  </p:cNvPr>
+                  <p:cNvSpPr/>
+                  <p:nvPr/>
+                </p:nvSpPr>
+                <p:spPr>
+                  <a:xfrm>
+                    <a:off x="1375658" y="6157872"/>
+                    <a:ext cx="10884646" cy="751616"/>
+                  </a:xfrm>
+                  <a:prstGeom prst="rect">
+                    <a:avLst/>
+                  </a:prstGeom>
+                </p:spPr>
+                <p:txBody>
+                  <a:bodyPr wrap="none">
+                    <a:spAutoFit/>
+                  </a:bodyPr>
+                  <a:lstStyle/>
+                  <a:p>
+                    <a:pPr/>
+                    <a14:m>
+                      <m:oMathPara xmlns:m="http://schemas.openxmlformats.org/officeDocument/2006/math">
+                        <m:oMathParaPr>
+                          <m:jc m:val="centerGroup"/>
+                        </m:oMathParaPr>
+                        <m:oMath xmlns:m="http://schemas.openxmlformats.org/officeDocument/2006/math">
+                          <m:acc>
+                            <m:accPr>
+                              <m:chr m:val="̇"/>
+                              <m:ctrlPr>
+                                <a:rPr lang="it-IT" i="1" smtClean="0">
+                                  <a:latin typeface="Cambria Math" panose="02040503050406030204" pitchFamily="18" charset="0"/>
+                                </a:rPr>
+                              </m:ctrlPr>
+                            </m:accPr>
+                            <m:e>
+                              <m:sSub>
+                                <m:sSubPr>
+                                  <m:ctrlPr>
+                                    <a:rPr lang="it-IT" i="1">
+                                      <a:latin typeface="Cambria Math" panose="02040503050406030204" pitchFamily="18" charset="0"/>
+                                    </a:rPr>
+                                  </m:ctrlPr>
+                                </m:sSubPr>
+                                <m:e>
+                                  <m:r>
+                                    <a:rPr lang="it-IT" i="1">
+                                      <a:latin typeface="Cambria Math" panose="02040503050406030204" pitchFamily="18" charset="0"/>
+                                    </a:rPr>
+                                    <m:t>𝑥</m:t>
+                                  </m:r>
+                                </m:e>
+                                <m:sub>
+                                  <m:r>
+                                    <a:rPr lang="it-IT" i="1">
+                                      <a:latin typeface="Cambria Math" panose="02040503050406030204" pitchFamily="18" charset="0"/>
+                                    </a:rPr>
+                                    <m:t>3</m:t>
+                                  </m:r>
+                                </m:sub>
+                              </m:sSub>
+                            </m:e>
+                          </m:acc>
+                          <m:r>
+                            <a:rPr lang="it-IT" i="1">
+                              <a:latin typeface="Cambria Math" panose="02040503050406030204" pitchFamily="18" charset="0"/>
+                            </a:rPr>
+                            <m:t>=</m:t>
+                          </m:r>
+                          <m:f>
+                            <m:fPr>
+                              <m:ctrlPr>
+                                <a:rPr lang="it-IT" i="1">
+                                  <a:latin typeface="Cambria Math" panose="02040503050406030204" pitchFamily="18" charset="0"/>
+                                  <a:ea typeface="Cambria Math" panose="02040503050406030204" pitchFamily="18" charset="0"/>
+                                </a:rPr>
+                              </m:ctrlPr>
+                            </m:fPr>
+                            <m:num>
+                              <m:sSub>
+                                <m:sSubPr>
+                                  <m:ctrlPr>
+                                    <a:rPr lang="it-IT" i="1">
+                                      <a:latin typeface="Cambria Math" panose="02040503050406030204" pitchFamily="18" charset="0"/>
+                                      <a:ea typeface="Cambria Math" panose="02040503050406030204" pitchFamily="18" charset="0"/>
+                                    </a:rPr>
+                                  </m:ctrlPr>
+                                </m:sSubPr>
+                                <m:e>
+                                  <m:r>
+                                    <a:rPr lang="it-IT" i="1">
+                                      <a:latin typeface="Cambria Math" panose="02040503050406030204" pitchFamily="18" charset="0"/>
+                                      <a:ea typeface="Cambria Math" panose="02040503050406030204" pitchFamily="18" charset="0"/>
+                                    </a:rPr>
+                                    <m:t>𝐷</m:t>
+                                  </m:r>
+                                </m:e>
+                                <m:sub>
+                                  <m:r>
+                                    <a:rPr lang="it-IT" i="1">
+                                      <a:latin typeface="Cambria Math" panose="02040503050406030204" pitchFamily="18" charset="0"/>
+                                      <a:ea typeface="Cambria Math" panose="02040503050406030204" pitchFamily="18" charset="0"/>
+                                    </a:rPr>
+                                    <m:t>2</m:t>
+                                  </m:r>
+                                </m:sub>
+                              </m:sSub>
+                            </m:num>
+                            <m:den>
+                              <m:sSub>
+                                <m:sSubPr>
+                                  <m:ctrlPr>
+                                    <a:rPr lang="it-IT" i="1">
+                                      <a:latin typeface="Cambria Math" panose="02040503050406030204" pitchFamily="18" charset="0"/>
+                                    </a:rPr>
+                                  </m:ctrlPr>
+                                </m:sSubPr>
+                                <m:e>
+                                  <m:r>
+                                    <a:rPr lang="it-IT" i="1">
+                                      <a:latin typeface="Cambria Math" panose="02040503050406030204" pitchFamily="18" charset="0"/>
+                                    </a:rPr>
+                                    <m:t>𝐼</m:t>
+                                  </m:r>
+                                </m:e>
+                                <m:sub>
+                                  <m:sSub>
+                                    <m:sSubPr>
+                                      <m:ctrlPr>
+                                        <a:rPr lang="it-IT" i="1">
+                                          <a:latin typeface="Cambria Math" panose="02040503050406030204" pitchFamily="18" charset="0"/>
+                                        </a:rPr>
+                                      </m:ctrlPr>
+                                    </m:sSubPr>
+                                    <m:e>
+                                      <m:r>
+                                        <a:rPr lang="it-IT" i="1">
+                                          <a:latin typeface="Cambria Math" panose="02040503050406030204" pitchFamily="18" charset="0"/>
+                                        </a:rPr>
+                                        <m:t>𝐵</m:t>
+                                      </m:r>
+                                    </m:e>
+                                    <m:sub>
+                                      <m:r>
+                                        <a:rPr lang="it-IT" i="1">
+                                          <a:latin typeface="Cambria Math" panose="02040503050406030204" pitchFamily="18" charset="0"/>
+                                        </a:rPr>
+                                        <m:t>𝑡𝑜𝑡</m:t>
+                                      </m:r>
+                                    </m:sub>
+                                  </m:sSub>
+                                </m:sub>
+                              </m:sSub>
+                            </m:den>
+                          </m:f>
+                          <m:r>
+                            <a:rPr lang="it-IT" i="1">
+                              <a:latin typeface="Cambria Math" panose="02040503050406030204" pitchFamily="18" charset="0"/>
+                              <a:ea typeface="Cambria Math" panose="02040503050406030204" pitchFamily="18" charset="0"/>
+                            </a:rPr>
+                            <m:t>∙</m:t>
+                          </m:r>
+                          <m:sSub>
+                            <m:sSubPr>
+                              <m:ctrlPr>
+                                <a:rPr lang="it-IT" i="1">
+                                  <a:latin typeface="Cambria Math" panose="02040503050406030204" pitchFamily="18" charset="0"/>
+                                  <a:ea typeface="Cambria Math" panose="02040503050406030204" pitchFamily="18" charset="0"/>
+                                </a:rPr>
+                              </m:ctrlPr>
+                            </m:sSubPr>
+                            <m:e>
+                              <m:r>
+                                <a:rPr lang="it-IT" i="1">
+                                  <a:latin typeface="Cambria Math" panose="02040503050406030204" pitchFamily="18" charset="0"/>
+                                  <a:ea typeface="Cambria Math" panose="02040503050406030204" pitchFamily="18" charset="0"/>
+                                </a:rPr>
+                                <m:t>𝑥</m:t>
+                              </m:r>
+                            </m:e>
+                            <m:sub>
+                              <m:r>
+                                <a:rPr lang="it-IT" i="1">
+                                  <a:latin typeface="Cambria Math" panose="02040503050406030204" pitchFamily="18" charset="0"/>
+                                  <a:ea typeface="Cambria Math" panose="02040503050406030204" pitchFamily="18" charset="0"/>
+                                </a:rPr>
+                                <m:t>1</m:t>
+                              </m:r>
+                            </m:sub>
+                          </m:sSub>
+                          <m:r>
+                            <a:rPr lang="it-IT" i="1">
+                              <a:latin typeface="Cambria Math" panose="02040503050406030204" pitchFamily="18" charset="0"/>
+                              <a:ea typeface="Cambria Math" panose="02040503050406030204" pitchFamily="18" charset="0"/>
+                            </a:rPr>
+                            <m:t>+</m:t>
+                          </m:r>
+                          <m:f>
+                            <m:fPr>
+                              <m:ctrlPr>
+                                <a:rPr lang="it-IT" i="1">
+                                  <a:latin typeface="Cambria Math" panose="02040503050406030204" pitchFamily="18" charset="0"/>
+                                  <a:ea typeface="Cambria Math" panose="02040503050406030204" pitchFamily="18" charset="0"/>
+                                </a:rPr>
+                              </m:ctrlPr>
+                            </m:fPr>
+                            <m:num>
+                              <m:sSub>
+                                <m:sSubPr>
+                                  <m:ctrlPr>
+                                    <a:rPr lang="it-IT" i="1">
+                                      <a:latin typeface="Cambria Math" panose="02040503050406030204" pitchFamily="18" charset="0"/>
+                                      <a:ea typeface="Cambria Math" panose="02040503050406030204" pitchFamily="18" charset="0"/>
+                                    </a:rPr>
+                                  </m:ctrlPr>
+                                </m:sSubPr>
+                                <m:e>
+                                  <m:r>
+                                    <a:rPr lang="it-IT" i="1">
+                                      <a:latin typeface="Cambria Math" panose="02040503050406030204" pitchFamily="18" charset="0"/>
+                                      <a:ea typeface="Cambria Math" panose="02040503050406030204" pitchFamily="18" charset="0"/>
+                                    </a:rPr>
+                                    <m:t>𝐾</m:t>
+                                  </m:r>
+                                </m:e>
+                                <m:sub>
+                                  <m:r>
+                                    <a:rPr lang="it-IT" i="1">
+                                      <a:latin typeface="Cambria Math" panose="02040503050406030204" pitchFamily="18" charset="0"/>
+                                      <a:ea typeface="Cambria Math" panose="02040503050406030204" pitchFamily="18" charset="0"/>
+                                    </a:rPr>
+                                    <m:t>𝑚𝑙𝑔</m:t>
+                                  </m:r>
+                                </m:sub>
+                              </m:sSub>
+                            </m:num>
+                            <m:den>
+                              <m:sSub>
+                                <m:sSubPr>
+                                  <m:ctrlPr>
+                                    <a:rPr lang="it-IT" i="1">
+                                      <a:latin typeface="Cambria Math" panose="02040503050406030204" pitchFamily="18" charset="0"/>
+                                    </a:rPr>
+                                  </m:ctrlPr>
+                                </m:sSubPr>
+                                <m:e>
+                                  <m:r>
+                                    <a:rPr lang="it-IT" i="1">
+                                      <a:latin typeface="Cambria Math" panose="02040503050406030204" pitchFamily="18" charset="0"/>
+                                    </a:rPr>
+                                    <m:t>𝐼</m:t>
+                                  </m:r>
+                                </m:e>
+                                <m:sub>
+                                  <m:sSub>
+                                    <m:sSubPr>
+                                      <m:ctrlPr>
+                                        <a:rPr lang="it-IT" i="1">
+                                          <a:latin typeface="Cambria Math" panose="02040503050406030204" pitchFamily="18" charset="0"/>
+                                        </a:rPr>
+                                      </m:ctrlPr>
+                                    </m:sSubPr>
+                                    <m:e>
+                                      <m:r>
+                                        <a:rPr lang="it-IT" i="1">
+                                          <a:latin typeface="Cambria Math" panose="02040503050406030204" pitchFamily="18" charset="0"/>
+                                        </a:rPr>
+                                        <m:t>𝐵</m:t>
+                                      </m:r>
+                                    </m:e>
+                                    <m:sub>
+                                      <m:r>
+                                        <a:rPr lang="it-IT" i="1">
+                                          <a:latin typeface="Cambria Math" panose="02040503050406030204" pitchFamily="18" charset="0"/>
+                                        </a:rPr>
+                                        <m:t>𝑡𝑜𝑡</m:t>
+                                      </m:r>
+                                    </m:sub>
+                                  </m:sSub>
+                                </m:sub>
+                              </m:sSub>
+                            </m:den>
+                          </m:f>
+                          <m:r>
+                            <a:rPr lang="it-IT" i="1">
+                              <a:latin typeface="Cambria Math" panose="02040503050406030204" pitchFamily="18" charset="0"/>
+                              <a:ea typeface="Cambria Math" panose="02040503050406030204" pitchFamily="18" charset="0"/>
+                            </a:rPr>
+                            <m:t>∙</m:t>
+                          </m:r>
+                          <m:func>
+                            <m:funcPr>
+                              <m:ctrlPr>
+                                <a:rPr lang="it-IT" i="1">
+                                  <a:latin typeface="Cambria Math" panose="02040503050406030204" pitchFamily="18" charset="0"/>
+                                  <a:ea typeface="Cambria Math" panose="02040503050406030204" pitchFamily="18" charset="0"/>
+                                </a:rPr>
+                              </m:ctrlPr>
+                            </m:funcPr>
+                            <m:fName>
+                              <m:r>
+                                <m:rPr>
+                                  <m:sty m:val="p"/>
+                                </m:rPr>
+                                <a:rPr lang="it-IT">
+                                  <a:latin typeface="Cambria Math" panose="02040503050406030204" pitchFamily="18" charset="0"/>
+                                  <a:ea typeface="Cambria Math" panose="02040503050406030204" pitchFamily="18" charset="0"/>
+                                </a:rPr>
+                                <m:t>sin</m:t>
+                              </m:r>
+                            </m:fName>
+                            <m:e>
+                              <m:d>
+                                <m:dPr>
+                                  <m:ctrlPr>
+                                    <a:rPr lang="it-IT" i="1">
+                                      <a:latin typeface="Cambria Math" panose="02040503050406030204" pitchFamily="18" charset="0"/>
+                                      <a:ea typeface="Cambria Math" panose="02040503050406030204" pitchFamily="18" charset="0"/>
+                                    </a:rPr>
+                                  </m:ctrlPr>
+                                </m:dPr>
+                                <m:e>
+                                  <m:sSub>
+                                    <m:sSubPr>
+                                      <m:ctrlPr>
+                                        <a:rPr lang="it-IT" i="1">
+                                          <a:latin typeface="Cambria Math" panose="02040503050406030204" pitchFamily="18" charset="0"/>
+                                          <a:ea typeface="Cambria Math" panose="02040503050406030204" pitchFamily="18" charset="0"/>
+                                        </a:rPr>
+                                      </m:ctrlPr>
+                                    </m:sSubPr>
+                                    <m:e>
+                                      <m:r>
+                                        <a:rPr lang="it-IT" i="1">
+                                          <a:latin typeface="Cambria Math" panose="02040503050406030204" pitchFamily="18" charset="0"/>
+                                          <a:ea typeface="Cambria Math" panose="02040503050406030204" pitchFamily="18" charset="0"/>
+                                        </a:rPr>
+                                        <m:t>𝑥</m:t>
+                                      </m:r>
+                                    </m:e>
+                                    <m:sub>
+                                      <m:r>
+                                        <a:rPr lang="it-IT" i="1">
+                                          <a:latin typeface="Cambria Math" panose="02040503050406030204" pitchFamily="18" charset="0"/>
+                                          <a:ea typeface="Cambria Math" panose="02040503050406030204" pitchFamily="18" charset="0"/>
+                                        </a:rPr>
+                                        <m:t>4</m:t>
+                                      </m:r>
+                                    </m:sub>
+                                  </m:sSub>
+                                </m:e>
+                              </m:d>
+                            </m:e>
+                          </m:func>
+                          <m:r>
+                            <a:rPr lang="it-IT" i="1">
+                              <a:latin typeface="Cambria Math" panose="02040503050406030204" pitchFamily="18" charset="0"/>
+                              <a:ea typeface="Cambria Math" panose="02040503050406030204" pitchFamily="18" charset="0"/>
+                            </a:rPr>
+                            <m:t>−</m:t>
+                          </m:r>
+                          <m:f>
+                            <m:fPr>
+                              <m:ctrlPr>
+                                <a:rPr lang="it-IT" i="1">
+                                  <a:latin typeface="Cambria Math" panose="02040503050406030204" pitchFamily="18" charset="0"/>
+                                  <a:ea typeface="Cambria Math" panose="02040503050406030204" pitchFamily="18" charset="0"/>
+                                </a:rPr>
+                              </m:ctrlPr>
+                            </m:fPr>
+                            <m:num>
+                              <m:sSub>
+                                <m:sSubPr>
+                                  <m:ctrlPr>
+                                    <a:rPr lang="it-IT" i="1">
+                                      <a:latin typeface="Cambria Math" panose="02040503050406030204" pitchFamily="18" charset="0"/>
+                                      <a:ea typeface="Cambria Math" panose="02040503050406030204" pitchFamily="18" charset="0"/>
+                                    </a:rPr>
+                                  </m:ctrlPr>
+                                </m:sSubPr>
+                                <m:e>
+                                  <m:r>
+                                    <a:rPr lang="it-IT" i="1">
+                                      <a:latin typeface="Cambria Math" panose="02040503050406030204" pitchFamily="18" charset="0"/>
+                                      <a:ea typeface="Cambria Math" panose="02040503050406030204" pitchFamily="18" charset="0"/>
+                                    </a:rPr>
+                                    <m:t>𝐷</m:t>
+                                  </m:r>
+                                </m:e>
+                                <m:sub>
+                                  <m:r>
+                                    <a:rPr lang="it-IT" i="1">
+                                      <a:latin typeface="Cambria Math" panose="02040503050406030204" pitchFamily="18" charset="0"/>
+                                      <a:ea typeface="Cambria Math" panose="02040503050406030204" pitchFamily="18" charset="0"/>
+                                    </a:rPr>
+                                    <m:t>1</m:t>
+                                  </m:r>
+                                </m:sub>
+                              </m:sSub>
+                            </m:num>
+                            <m:den>
+                              <m:sSub>
+                                <m:sSubPr>
+                                  <m:ctrlPr>
+                                    <a:rPr lang="it-IT" i="1">
+                                      <a:latin typeface="Cambria Math" panose="02040503050406030204" pitchFamily="18" charset="0"/>
+                                    </a:rPr>
+                                  </m:ctrlPr>
+                                </m:sSubPr>
+                                <m:e>
+                                  <m:r>
+                                    <a:rPr lang="it-IT" i="1">
+                                      <a:latin typeface="Cambria Math" panose="02040503050406030204" pitchFamily="18" charset="0"/>
+                                    </a:rPr>
+                                    <m:t>𝐼</m:t>
+                                  </m:r>
+                                </m:e>
+                                <m:sub>
+                                  <m:sSub>
+                                    <m:sSubPr>
+                                      <m:ctrlPr>
+                                        <a:rPr lang="it-IT" i="1">
+                                          <a:latin typeface="Cambria Math" panose="02040503050406030204" pitchFamily="18" charset="0"/>
+                                        </a:rPr>
+                                      </m:ctrlPr>
+                                    </m:sSubPr>
+                                    <m:e>
+                                      <m:r>
+                                        <a:rPr lang="it-IT" i="1">
+                                          <a:latin typeface="Cambria Math" panose="02040503050406030204" pitchFamily="18" charset="0"/>
+                                        </a:rPr>
+                                        <m:t>𝐵</m:t>
+                                      </m:r>
+                                    </m:e>
+                                    <m:sub>
+                                      <m:r>
+                                        <a:rPr lang="it-IT" i="1">
+                                          <a:latin typeface="Cambria Math" panose="02040503050406030204" pitchFamily="18" charset="0"/>
+                                        </a:rPr>
+                                        <m:t>𝑡𝑜𝑡</m:t>
+                                      </m:r>
+                                    </m:sub>
+                                  </m:sSub>
+                                </m:sub>
+                              </m:sSub>
+                            </m:den>
+                          </m:f>
+                          <m:r>
+                            <a:rPr lang="it-IT" i="1">
+                              <a:latin typeface="Cambria Math" panose="02040503050406030204" pitchFamily="18" charset="0"/>
+                              <a:ea typeface="Cambria Math" panose="02040503050406030204" pitchFamily="18" charset="0"/>
+                            </a:rPr>
+                            <m:t>∙</m:t>
+                          </m:r>
+                          <m:sSub>
+                            <m:sSubPr>
+                              <m:ctrlPr>
+                                <a:rPr lang="it-IT" i="1">
+                                  <a:latin typeface="Cambria Math" panose="02040503050406030204" pitchFamily="18" charset="0"/>
+                                  <a:ea typeface="Cambria Math" panose="02040503050406030204" pitchFamily="18" charset="0"/>
+                                </a:rPr>
+                              </m:ctrlPr>
+                            </m:sSubPr>
+                            <m:e>
+                              <m:r>
+                                <a:rPr lang="it-IT" i="1">
+                                  <a:latin typeface="Cambria Math" panose="02040503050406030204" pitchFamily="18" charset="0"/>
+                                  <a:ea typeface="Cambria Math" panose="02040503050406030204" pitchFamily="18" charset="0"/>
+                                </a:rPr>
+                                <m:t>𝑥</m:t>
+                              </m:r>
+                            </m:e>
+                            <m:sub>
+                              <m:r>
+                                <a:rPr lang="it-IT" i="1">
+                                  <a:latin typeface="Cambria Math" panose="02040503050406030204" pitchFamily="18" charset="0"/>
+                                  <a:ea typeface="Cambria Math" panose="02040503050406030204" pitchFamily="18" charset="0"/>
+                                </a:rPr>
+                                <m:t>3</m:t>
+                              </m:r>
+                            </m:sub>
+                          </m:sSub>
+                          <m:r>
+                            <a:rPr lang="it-IT" i="1">
+                              <a:latin typeface="Cambria Math" panose="02040503050406030204" pitchFamily="18" charset="0"/>
+                              <a:ea typeface="Cambria Math" panose="02040503050406030204" pitchFamily="18" charset="0"/>
+                            </a:rPr>
+                            <m:t>−</m:t>
+                          </m:r>
+                          <m:f>
+                            <m:fPr>
+                              <m:ctrlPr>
+                                <a:rPr lang="it-IT" i="1">
+                                  <a:latin typeface="Cambria Math" panose="02040503050406030204" pitchFamily="18" charset="0"/>
+                                  <a:ea typeface="Cambria Math" panose="02040503050406030204" pitchFamily="18" charset="0"/>
+                                </a:rPr>
+                              </m:ctrlPr>
+                            </m:fPr>
+                            <m:num>
+                              <m:d>
+                                <m:dPr>
+                                  <m:ctrlPr>
+                                    <a:rPr lang="it-IT" b="0" i="1" smtClean="0">
+                                      <a:highlight>
+                                        <a:srgbClr val="00FF00"/>
+                                      </a:highlight>
+                                      <a:latin typeface="Cambria Math" panose="02040503050406030204" pitchFamily="18" charset="0"/>
+                                      <a:ea typeface="Cambria Math" panose="02040503050406030204" pitchFamily="18" charset="0"/>
+                                    </a:rPr>
+                                  </m:ctrlPr>
+                                </m:dPr>
+                                <m:e>
+                                  <m:r>
+                                    <a:rPr lang="it-IT" i="1">
+                                      <a:highlight>
+                                        <a:srgbClr val="00FF00"/>
+                                      </a:highlight>
+                                      <a:latin typeface="Cambria Math" panose="02040503050406030204" pitchFamily="18" charset="0"/>
+                                    </a:rPr>
+                                    <m:t>−</m:t>
+                                  </m:r>
+                                  <m:sSub>
+                                    <m:sSubPr>
+                                      <m:ctrlPr>
+                                        <a:rPr lang="it-IT" i="1">
+                                          <a:solidFill>
+                                            <a:srgbClr val="FF0000"/>
+                                          </a:solidFill>
+                                          <a:highlight>
+                                            <a:srgbClr val="00FF00"/>
+                                          </a:highlight>
+                                          <a:latin typeface="Cambria Math" panose="02040503050406030204" pitchFamily="18" charset="0"/>
+                                        </a:rPr>
+                                      </m:ctrlPr>
+                                    </m:sSubPr>
+                                    <m:e>
+                                      <m:r>
+                                        <a:rPr lang="it-IT" i="1">
+                                          <a:solidFill>
+                                            <a:srgbClr val="FF0000"/>
+                                          </a:solidFill>
+                                          <a:highlight>
+                                            <a:srgbClr val="00FF00"/>
+                                          </a:highlight>
+                                          <a:latin typeface="Cambria Math" panose="02040503050406030204" pitchFamily="18" charset="0"/>
+                                        </a:rPr>
+                                        <m:t>𝑀</m:t>
+                                      </m:r>
+                                    </m:e>
+                                    <m:sub>
+                                      <m:r>
+                                        <a:rPr lang="it-IT" i="1">
+                                          <a:solidFill>
+                                            <a:srgbClr val="FF0000"/>
+                                          </a:solidFill>
+                                          <a:highlight>
+                                            <a:srgbClr val="00FF00"/>
+                                          </a:highlight>
+                                          <a:latin typeface="Cambria Math" panose="02040503050406030204" pitchFamily="18" charset="0"/>
+                                        </a:rPr>
+                                        <m:t>𝑑𝑒𝑠</m:t>
+                                      </m:r>
+                                    </m:sub>
+                                  </m:sSub>
+                                  <m:r>
+                                    <a:rPr lang="it-IT" i="1">
+                                      <a:highlight>
+                                        <a:srgbClr val="00FF00"/>
+                                      </a:highlight>
+                                      <a:latin typeface="Cambria Math" panose="02040503050406030204" pitchFamily="18" charset="0"/>
+                                    </a:rPr>
+                                    <m:t>+</m:t>
+                                  </m:r>
+                                  <m:sSub>
+                                    <m:sSubPr>
+                                      <m:ctrlPr>
+                                        <a:rPr lang="it-IT" i="1">
+                                          <a:highlight>
+                                            <a:srgbClr val="00FF00"/>
+                                          </a:highlight>
+                                          <a:latin typeface="Cambria Math" panose="02040503050406030204" pitchFamily="18" charset="0"/>
+                                          <a:ea typeface="Cambria Math" panose="02040503050406030204" pitchFamily="18" charset="0"/>
+                                        </a:rPr>
+                                      </m:ctrlPr>
+                                    </m:sSubPr>
+                                    <m:e>
+                                      <m:r>
+                                        <a:rPr lang="it-IT" i="1">
+                                          <a:highlight>
+                                            <a:srgbClr val="00FF00"/>
+                                          </a:highlight>
+                                          <a:latin typeface="Cambria Math" panose="02040503050406030204" pitchFamily="18" charset="0"/>
+                                          <a:ea typeface="Cambria Math" panose="02040503050406030204" pitchFamily="18" charset="0"/>
+                                        </a:rPr>
+                                        <m:t>𝐷</m:t>
+                                      </m:r>
+                                    </m:e>
+                                    <m:sub>
+                                      <m:r>
+                                        <a:rPr lang="it-IT" i="1">
+                                          <a:highlight>
+                                            <a:srgbClr val="00FF00"/>
+                                          </a:highlight>
+                                          <a:latin typeface="Cambria Math" panose="02040503050406030204" pitchFamily="18" charset="0"/>
+                                          <a:ea typeface="Cambria Math" panose="02040503050406030204" pitchFamily="18" charset="0"/>
+                                        </a:rPr>
+                                        <m:t>2</m:t>
+                                      </m:r>
+                                    </m:sub>
+                                  </m:sSub>
+                                  <m:r>
+                                    <a:rPr lang="it-IT" i="1">
+                                      <a:highlight>
+                                        <a:srgbClr val="00FF00"/>
+                                      </a:highlight>
+                                      <a:latin typeface="Cambria Math" panose="02040503050406030204" pitchFamily="18" charset="0"/>
+                                      <a:ea typeface="Cambria Math" panose="02040503050406030204" pitchFamily="18" charset="0"/>
+                                    </a:rPr>
+                                    <m:t>∙</m:t>
+                                  </m:r>
+                                  <m:sSub>
+                                    <m:sSubPr>
+                                      <m:ctrlPr>
+                                        <a:rPr lang="it-IT" i="1">
+                                          <a:highlight>
+                                            <a:srgbClr val="00FF00"/>
+                                          </a:highlight>
+                                          <a:latin typeface="Cambria Math" panose="02040503050406030204" pitchFamily="18" charset="0"/>
+                                          <a:ea typeface="Cambria Math" panose="02040503050406030204" pitchFamily="18" charset="0"/>
+                                        </a:rPr>
+                                      </m:ctrlPr>
+                                    </m:sSubPr>
+                                    <m:e>
+                                      <m:r>
+                                        <a:rPr lang="it-IT" i="1">
+                                          <a:highlight>
+                                            <a:srgbClr val="00FF00"/>
+                                          </a:highlight>
+                                          <a:latin typeface="Cambria Math" panose="02040503050406030204" pitchFamily="18" charset="0"/>
+                                          <a:ea typeface="Cambria Math" panose="02040503050406030204" pitchFamily="18" charset="0"/>
+                                        </a:rPr>
+                                        <m:t>𝑥</m:t>
+                                      </m:r>
+                                    </m:e>
+                                    <m:sub>
+                                      <m:r>
+                                        <a:rPr lang="it-IT" i="1">
+                                          <a:highlight>
+                                            <a:srgbClr val="00FF00"/>
+                                          </a:highlight>
+                                          <a:latin typeface="Cambria Math" panose="02040503050406030204" pitchFamily="18" charset="0"/>
+                                          <a:ea typeface="Cambria Math" panose="02040503050406030204" pitchFamily="18" charset="0"/>
+                                        </a:rPr>
+                                        <m:t>1</m:t>
+                                      </m:r>
+                                    </m:sub>
+                                  </m:sSub>
+                                  <m:r>
+                                    <a:rPr lang="it-IT" i="1">
+                                      <a:highlight>
+                                        <a:srgbClr val="00FF00"/>
+                                      </a:highlight>
+                                      <a:latin typeface="Cambria Math" panose="02040503050406030204" pitchFamily="18" charset="0"/>
+                                      <a:ea typeface="Cambria Math" panose="02040503050406030204" pitchFamily="18" charset="0"/>
+                                    </a:rPr>
+                                    <m:t>+</m:t>
+                                  </m:r>
+                                  <m:sSub>
+                                    <m:sSubPr>
+                                      <m:ctrlPr>
+                                        <a:rPr lang="it-IT" i="1">
+                                          <a:highlight>
+                                            <a:srgbClr val="00FF00"/>
+                                          </a:highlight>
+                                          <a:latin typeface="Cambria Math" panose="02040503050406030204" pitchFamily="18" charset="0"/>
+                                          <a:ea typeface="Cambria Math" panose="02040503050406030204" pitchFamily="18" charset="0"/>
+                                        </a:rPr>
+                                      </m:ctrlPr>
+                                    </m:sSubPr>
+                                    <m:e>
+                                      <m:r>
+                                        <a:rPr lang="it-IT" i="1">
+                                          <a:highlight>
+                                            <a:srgbClr val="00FF00"/>
+                                          </a:highlight>
+                                          <a:latin typeface="Cambria Math" panose="02040503050406030204" pitchFamily="18" charset="0"/>
+                                          <a:ea typeface="Cambria Math" panose="02040503050406030204" pitchFamily="18" charset="0"/>
+                                        </a:rPr>
+                                        <m:t>𝐾</m:t>
+                                      </m:r>
+                                    </m:e>
+                                    <m:sub>
+                                      <m:r>
+                                        <a:rPr lang="it-IT" i="1">
+                                          <a:highlight>
+                                            <a:srgbClr val="00FF00"/>
+                                          </a:highlight>
+                                          <a:latin typeface="Cambria Math" panose="02040503050406030204" pitchFamily="18" charset="0"/>
+                                          <a:ea typeface="Cambria Math" panose="02040503050406030204" pitchFamily="18" charset="0"/>
+                                        </a:rPr>
+                                        <m:t>𝑚𝑙𝑔</m:t>
+                                      </m:r>
+                                    </m:sub>
+                                  </m:sSub>
+                                  <m:r>
+                                    <a:rPr lang="it-IT" i="1">
+                                      <a:highlight>
+                                        <a:srgbClr val="00FF00"/>
+                                      </a:highlight>
+                                      <a:latin typeface="Cambria Math" panose="02040503050406030204" pitchFamily="18" charset="0"/>
+                                      <a:ea typeface="Cambria Math" panose="02040503050406030204" pitchFamily="18" charset="0"/>
+                                    </a:rPr>
+                                    <m:t>∙</m:t>
+                                  </m:r>
+                                  <m:func>
+                                    <m:funcPr>
+                                      <m:ctrlPr>
+                                        <a:rPr lang="it-IT" i="1">
+                                          <a:highlight>
+                                            <a:srgbClr val="00FF00"/>
+                                          </a:highlight>
+                                          <a:latin typeface="Cambria Math" panose="02040503050406030204" pitchFamily="18" charset="0"/>
+                                          <a:ea typeface="Cambria Math" panose="02040503050406030204" pitchFamily="18" charset="0"/>
+                                        </a:rPr>
+                                      </m:ctrlPr>
+                                    </m:funcPr>
+                                    <m:fName>
+                                      <m:r>
+                                        <m:rPr>
+                                          <m:sty m:val="p"/>
+                                        </m:rPr>
+                                        <a:rPr lang="it-IT">
+                                          <a:highlight>
+                                            <a:srgbClr val="00FF00"/>
+                                          </a:highlight>
+                                          <a:latin typeface="Cambria Math" panose="02040503050406030204" pitchFamily="18" charset="0"/>
+                                          <a:ea typeface="Cambria Math" panose="02040503050406030204" pitchFamily="18" charset="0"/>
+                                        </a:rPr>
+                                        <m:t>sin</m:t>
+                                      </m:r>
+                                    </m:fName>
+                                    <m:e>
+                                      <m:d>
+                                        <m:dPr>
+                                          <m:ctrlPr>
+                                            <a:rPr lang="it-IT" i="1">
+                                              <a:highlight>
+                                                <a:srgbClr val="00FF00"/>
+                                              </a:highlight>
+                                              <a:latin typeface="Cambria Math" panose="02040503050406030204" pitchFamily="18" charset="0"/>
+                                              <a:ea typeface="Cambria Math" panose="02040503050406030204" pitchFamily="18" charset="0"/>
+                                            </a:rPr>
+                                          </m:ctrlPr>
+                                        </m:dPr>
+                                        <m:e>
+                                          <m:sSub>
+                                            <m:sSubPr>
+                                              <m:ctrlPr>
+                                                <a:rPr lang="it-IT" i="1">
+                                                  <a:highlight>
+                                                    <a:srgbClr val="00FF00"/>
+                                                  </a:highlight>
+                                                  <a:latin typeface="Cambria Math" panose="02040503050406030204" pitchFamily="18" charset="0"/>
+                                                  <a:ea typeface="Cambria Math" panose="02040503050406030204" pitchFamily="18" charset="0"/>
+                                                </a:rPr>
+                                              </m:ctrlPr>
+                                            </m:sSubPr>
+                                            <m:e>
+                                              <m:r>
+                                                <a:rPr lang="it-IT" i="1">
+                                                  <a:highlight>
+                                                    <a:srgbClr val="00FF00"/>
+                                                  </a:highlight>
+                                                  <a:latin typeface="Cambria Math" panose="02040503050406030204" pitchFamily="18" charset="0"/>
+                                                  <a:ea typeface="Cambria Math" panose="02040503050406030204" pitchFamily="18" charset="0"/>
+                                                </a:rPr>
+                                                <m:t>𝑥</m:t>
+                                              </m:r>
+                                            </m:e>
+                                            <m:sub>
+                                              <m:r>
+                                                <a:rPr lang="it-IT" i="1">
+                                                  <a:highlight>
+                                                    <a:srgbClr val="00FF00"/>
+                                                  </a:highlight>
+                                                  <a:latin typeface="Cambria Math" panose="02040503050406030204" pitchFamily="18" charset="0"/>
+                                                  <a:ea typeface="Cambria Math" panose="02040503050406030204" pitchFamily="18" charset="0"/>
+                                                </a:rPr>
+                                                <m:t>4</m:t>
+                                              </m:r>
+                                            </m:sub>
+                                          </m:sSub>
+                                        </m:e>
+                                      </m:d>
+                                    </m:e>
+                                  </m:func>
+                                  <m:r>
+                                    <a:rPr lang="it-IT" i="1">
+                                      <a:highlight>
+                                        <a:srgbClr val="00FF00"/>
+                                      </a:highlight>
+                                      <a:latin typeface="Cambria Math" panose="02040503050406030204" pitchFamily="18" charset="0"/>
+                                      <a:ea typeface="Cambria Math" panose="02040503050406030204" pitchFamily="18" charset="0"/>
+                                    </a:rPr>
+                                    <m:t>−</m:t>
+                                  </m:r>
+                                  <m:sSub>
+                                    <m:sSubPr>
+                                      <m:ctrlPr>
+                                        <a:rPr lang="it-IT" i="1">
+                                          <a:highlight>
+                                            <a:srgbClr val="00FF00"/>
+                                          </a:highlight>
+                                          <a:latin typeface="Cambria Math" panose="02040503050406030204" pitchFamily="18" charset="0"/>
+                                          <a:ea typeface="Cambria Math" panose="02040503050406030204" pitchFamily="18" charset="0"/>
+                                        </a:rPr>
+                                      </m:ctrlPr>
+                                    </m:sSubPr>
+                                    <m:e>
+                                      <m:r>
+                                        <a:rPr lang="it-IT" i="1">
+                                          <a:highlight>
+                                            <a:srgbClr val="00FF00"/>
+                                          </a:highlight>
+                                          <a:latin typeface="Cambria Math" panose="02040503050406030204" pitchFamily="18" charset="0"/>
+                                          <a:ea typeface="Cambria Math" panose="02040503050406030204" pitchFamily="18" charset="0"/>
+                                        </a:rPr>
+                                        <m:t>𝐷</m:t>
+                                      </m:r>
+                                    </m:e>
+                                    <m:sub>
+                                      <m:r>
+                                        <a:rPr lang="it-IT" i="1">
+                                          <a:highlight>
+                                            <a:srgbClr val="00FF00"/>
+                                          </a:highlight>
+                                          <a:latin typeface="Cambria Math" panose="02040503050406030204" pitchFamily="18" charset="0"/>
+                                          <a:ea typeface="Cambria Math" panose="02040503050406030204" pitchFamily="18" charset="0"/>
+                                        </a:rPr>
+                                        <m:t>1</m:t>
+                                      </m:r>
+                                    </m:sub>
+                                  </m:sSub>
+                                  <m:r>
+                                    <a:rPr lang="it-IT" i="1">
+                                      <a:highlight>
+                                        <a:srgbClr val="00FF00"/>
+                                      </a:highlight>
+                                      <a:latin typeface="Cambria Math" panose="02040503050406030204" pitchFamily="18" charset="0"/>
+                                      <a:ea typeface="Cambria Math" panose="02040503050406030204" pitchFamily="18" charset="0"/>
+                                    </a:rPr>
+                                    <m:t>∙</m:t>
+                                  </m:r>
+                                  <m:sSub>
+                                    <m:sSubPr>
+                                      <m:ctrlPr>
+                                        <a:rPr lang="it-IT" i="1">
+                                          <a:highlight>
+                                            <a:srgbClr val="00FF00"/>
+                                          </a:highlight>
+                                          <a:latin typeface="Cambria Math" panose="02040503050406030204" pitchFamily="18" charset="0"/>
+                                          <a:ea typeface="Cambria Math" panose="02040503050406030204" pitchFamily="18" charset="0"/>
+                                        </a:rPr>
+                                      </m:ctrlPr>
+                                    </m:sSubPr>
+                                    <m:e>
+                                      <m:r>
+                                        <a:rPr lang="it-IT" i="1">
+                                          <a:highlight>
+                                            <a:srgbClr val="00FF00"/>
+                                          </a:highlight>
+                                          <a:latin typeface="Cambria Math" panose="02040503050406030204" pitchFamily="18" charset="0"/>
+                                          <a:ea typeface="Cambria Math" panose="02040503050406030204" pitchFamily="18" charset="0"/>
+                                        </a:rPr>
+                                        <m:t>𝑥</m:t>
+                                      </m:r>
+                                    </m:e>
+                                    <m:sub>
+                                      <m:r>
+                                        <a:rPr lang="it-IT" i="1">
+                                          <a:highlight>
+                                            <a:srgbClr val="00FF00"/>
+                                          </a:highlight>
+                                          <a:latin typeface="Cambria Math" panose="02040503050406030204" pitchFamily="18" charset="0"/>
+                                          <a:ea typeface="Cambria Math" panose="02040503050406030204" pitchFamily="18" charset="0"/>
+                                        </a:rPr>
+                                        <m:t>3</m:t>
+                                      </m:r>
+                                    </m:sub>
+                                  </m:sSub>
+                                </m:e>
+                              </m:d>
+                            </m:num>
+                            <m:den>
+                              <m:sSub>
+                                <m:sSubPr>
+                                  <m:ctrlPr>
+                                    <a:rPr lang="it-IT" i="1">
+                                      <a:latin typeface="Cambria Math" panose="02040503050406030204" pitchFamily="18" charset="0"/>
+                                    </a:rPr>
+                                  </m:ctrlPr>
+                                </m:sSubPr>
+                                <m:e>
+                                  <m:r>
+                                    <a:rPr lang="it-IT" i="1">
+                                      <a:latin typeface="Cambria Math" panose="02040503050406030204" pitchFamily="18" charset="0"/>
+                                    </a:rPr>
+                                    <m:t>𝐼</m:t>
+                                  </m:r>
+                                </m:e>
+                                <m:sub>
+                                  <m:sSub>
+                                    <m:sSubPr>
+                                      <m:ctrlPr>
+                                        <a:rPr lang="it-IT" i="1">
+                                          <a:latin typeface="Cambria Math" panose="02040503050406030204" pitchFamily="18" charset="0"/>
+                                        </a:rPr>
+                                      </m:ctrlPr>
+                                    </m:sSubPr>
+                                    <m:e>
+                                      <m:r>
+                                        <a:rPr lang="it-IT" i="1">
+                                          <a:latin typeface="Cambria Math" panose="02040503050406030204" pitchFamily="18" charset="0"/>
+                                        </a:rPr>
+                                        <m:t>𝐵</m:t>
+                                      </m:r>
+                                    </m:e>
+                                    <m:sub>
+                                      <m:r>
+                                        <a:rPr lang="it-IT" i="1">
+                                          <a:latin typeface="Cambria Math" panose="02040503050406030204" pitchFamily="18" charset="0"/>
+                                        </a:rPr>
+                                        <m:t>𝑡𝑜𝑡</m:t>
+                                      </m:r>
+                                    </m:sub>
+                                  </m:sSub>
+                                </m:sub>
+                              </m:sSub>
+                            </m:den>
+                          </m:f>
+                          <m:r>
+                            <a:rPr lang="it-IT" i="1" smtClean="0">
+                              <a:latin typeface="Cambria Math" panose="02040503050406030204" pitchFamily="18" charset="0"/>
+                              <a:ea typeface="Cambria Math" panose="02040503050406030204" pitchFamily="18" charset="0"/>
+                            </a:rPr>
+                            <m:t>→</m:t>
+                          </m:r>
+                          <m:sSub>
+                            <m:sSubPr>
+                              <m:ctrlPr>
+                                <a:rPr lang="it-IT" i="1">
+                                  <a:latin typeface="Cambria Math" panose="02040503050406030204" pitchFamily="18" charset="0"/>
+                                </a:rPr>
+                              </m:ctrlPr>
+                            </m:sSubPr>
+                            <m:e>
+                              <m:r>
+                                <a:rPr lang="it-IT" i="1">
+                                  <a:latin typeface="Cambria Math" panose="02040503050406030204" pitchFamily="18" charset="0"/>
+                                </a:rPr>
+                                <m:t>𝐼</m:t>
+                              </m:r>
+                            </m:e>
+                            <m:sub>
+                              <m:sSub>
+                                <m:sSubPr>
+                                  <m:ctrlPr>
+                                    <a:rPr lang="it-IT" i="1">
+                                      <a:latin typeface="Cambria Math" panose="02040503050406030204" pitchFamily="18" charset="0"/>
+                                    </a:rPr>
+                                  </m:ctrlPr>
+                                </m:sSubPr>
+                                <m:e>
+                                  <m:r>
+                                    <a:rPr lang="it-IT" i="1">
+                                      <a:latin typeface="Cambria Math" panose="02040503050406030204" pitchFamily="18" charset="0"/>
+                                    </a:rPr>
+                                    <m:t>𝐵</m:t>
+                                  </m:r>
+                                </m:e>
+                                <m:sub>
+                                  <m:r>
+                                    <a:rPr lang="it-IT" i="1">
+                                      <a:latin typeface="Cambria Math" panose="02040503050406030204" pitchFamily="18" charset="0"/>
+                                    </a:rPr>
+                                    <m:t>𝑡𝑜𝑡</m:t>
+                                  </m:r>
+                                </m:sub>
+                              </m:sSub>
+                            </m:sub>
+                          </m:sSub>
+                          <m:r>
+                            <a:rPr lang="it-IT" i="1" smtClean="0">
+                              <a:latin typeface="Cambria Math" panose="02040503050406030204" pitchFamily="18" charset="0"/>
+                              <a:ea typeface="Cambria Math" panose="02040503050406030204" pitchFamily="18" charset="0"/>
+                            </a:rPr>
+                            <m:t>∙</m:t>
+                          </m:r>
+                          <m:acc>
+                            <m:accPr>
+                              <m:chr m:val="̇"/>
+                              <m:ctrlPr>
+                                <a:rPr lang="it-IT" i="1">
+                                  <a:latin typeface="Cambria Math" panose="02040503050406030204" pitchFamily="18" charset="0"/>
+                                </a:rPr>
+                              </m:ctrlPr>
+                            </m:accPr>
+                            <m:e>
+                              <m:sSub>
+                                <m:sSubPr>
+                                  <m:ctrlPr>
+                                    <a:rPr lang="it-IT" i="1">
+                                      <a:latin typeface="Cambria Math" panose="02040503050406030204" pitchFamily="18" charset="0"/>
+                                    </a:rPr>
+                                  </m:ctrlPr>
+                                </m:sSubPr>
+                                <m:e>
+                                  <m:r>
+                                    <a:rPr lang="it-IT" i="1">
+                                      <a:latin typeface="Cambria Math" panose="02040503050406030204" pitchFamily="18" charset="0"/>
+                                    </a:rPr>
+                                    <m:t>𝑥</m:t>
+                                  </m:r>
+                                </m:e>
+                                <m:sub>
+                                  <m:r>
+                                    <a:rPr lang="it-IT" i="1">
+                                      <a:latin typeface="Cambria Math" panose="02040503050406030204" pitchFamily="18" charset="0"/>
+                                    </a:rPr>
+                                    <m:t>3</m:t>
+                                  </m:r>
+                                </m:sub>
+                              </m:sSub>
+                            </m:e>
+                          </m:acc>
+                          <m:r>
+                            <a:rPr lang="it-IT" b="0" i="1" smtClean="0">
+                              <a:latin typeface="Cambria Math" panose="02040503050406030204" pitchFamily="18" charset="0"/>
+                            </a:rPr>
+                            <m:t>=</m:t>
+                          </m:r>
+                          <m:sSub>
+                            <m:sSubPr>
+                              <m:ctrlPr>
+                                <a:rPr lang="it-IT" i="1">
+                                  <a:solidFill>
+                                    <a:srgbClr val="FF0000"/>
+                                  </a:solidFill>
+                                  <a:latin typeface="Cambria Math" panose="02040503050406030204" pitchFamily="18" charset="0"/>
+                                </a:rPr>
+                              </m:ctrlPr>
+                            </m:sSubPr>
+                            <m:e>
+                              <m:r>
+                                <a:rPr lang="it-IT" i="1">
+                                  <a:solidFill>
+                                    <a:srgbClr val="FF0000"/>
+                                  </a:solidFill>
+                                  <a:latin typeface="Cambria Math" panose="02040503050406030204" pitchFamily="18" charset="0"/>
+                                </a:rPr>
+                                <m:t>𝑀</m:t>
+                              </m:r>
+                            </m:e>
+                            <m:sub>
+                              <m:r>
+                                <a:rPr lang="it-IT" i="1">
+                                  <a:solidFill>
+                                    <a:srgbClr val="FF0000"/>
+                                  </a:solidFill>
+                                  <a:latin typeface="Cambria Math" panose="02040503050406030204" pitchFamily="18" charset="0"/>
+                                </a:rPr>
+                                <m:t>𝑑𝑒𝑠</m:t>
+                              </m:r>
+                            </m:sub>
+                          </m:sSub>
+                        </m:oMath>
+                      </m:oMathPara>
+                    </a14:m>
+                    <a:endParaRPr lang="it-IT" dirty="0"/>
+                  </a:p>
+                </p:txBody>
+              </p:sp>
+            </mc:Choice>
+            <mc:Fallback>
+              <p:sp>
+                <p:nvSpPr>
+                  <p:cNvPr id="7" name="Rettangolo 6">
+                    <a:extLst>
+                      <a:ext uri="{FF2B5EF4-FFF2-40B4-BE49-F238E27FC236}">
+                        <a16:creationId xmlns:a16="http://schemas.microsoft.com/office/drawing/2014/main" id="{611FD70E-DA2F-4B1D-AE1B-AE6038D7AD84}"/>
+                      </a:ext>
+                    </a:extLst>
+                  </p:cNvPr>
+                  <p:cNvSpPr>
+                    <a:spLocks noRot="1" noChangeAspect="1" noMove="1" noResize="1" noEditPoints="1" noAdjustHandles="1" noChangeArrowheads="1" noChangeShapeType="1" noTextEdit="1"/>
+                  </p:cNvSpPr>
+                  <p:nvPr/>
+                </p:nvSpPr>
+                <p:spPr>
+                  <a:xfrm>
+                    <a:off x="1375658" y="6157872"/>
+                    <a:ext cx="10884646" cy="751616"/>
+                  </a:xfrm>
+                  <a:prstGeom prst="rect">
+                    <a:avLst/>
+                  </a:prstGeom>
+                  <a:blipFill>
+                    <a:blip r:embed="rId7"/>
+                    <a:stretch>
+                      <a:fillRect/>
+                    </a:stretch>
+                  </a:blipFill>
+                </p:spPr>
+                <p:txBody>
+                  <a:bodyPr/>
+                  <a:lstStyle/>
+                  <a:p>
+                    <a:r>
+                      <a:rPr lang="it-IT">
+                        <a:noFill/>
+                      </a:rPr>
+                      <a:t> </a:t>
+                    </a:r>
+                  </a:p>
+                </p:txBody>
+              </p:sp>
+            </mc:Fallback>
+          </mc:AlternateContent>
+          <p:cxnSp>
+            <p:nvCxnSpPr>
+              <p:cNvPr id="13" name="Connettore diritto 12">
+                <a:extLst>
+                  <a:ext uri="{FF2B5EF4-FFF2-40B4-BE49-F238E27FC236}">
+                    <a16:creationId xmlns:a16="http://schemas.microsoft.com/office/drawing/2014/main" id="{709081E6-08C9-4D4B-B43B-A59E93B2C328}"/>
+                  </a:ext>
+                </a:extLst>
+              </p:cNvPr>
+              <p:cNvCxnSpPr>
+                <a:cxnSpLocks/>
+              </p:cNvCxnSpPr>
+              <p:nvPr/>
+            </p:nvCxnSpPr>
+            <p:spPr>
+              <a:xfrm>
+                <a:off x="3214092" y="6237312"/>
+                <a:ext cx="1224136" cy="442887"/>
+              </a:xfrm>
+              <a:prstGeom prst="line">
+                <a:avLst/>
+              </a:prstGeom>
+              <a:ln w="38100"/>
+            </p:spPr>
+            <p:style>
+              <a:lnRef idx="1">
+                <a:schemeClr val="accent1"/>
+              </a:lnRef>
+              <a:fillRef idx="0">
+                <a:schemeClr val="accent1"/>
+              </a:fillRef>
+              <a:effectRef idx="0">
+                <a:schemeClr val="accent1"/>
+              </a:effectRef>
+              <a:fontRef idx="minor">
+                <a:schemeClr val="tx1"/>
+              </a:fontRef>
+            </p:style>
+          </p:cxnSp>
+          <p:cxnSp>
+            <p:nvCxnSpPr>
+              <p:cNvPr id="15" name="Connettore diritto 14">
+                <a:extLst>
+                  <a:ext uri="{FF2B5EF4-FFF2-40B4-BE49-F238E27FC236}">
+                    <a16:creationId xmlns:a16="http://schemas.microsoft.com/office/drawing/2014/main" id="{6A03D691-3B62-497A-814B-A9EB652D70DE}"/>
+                  </a:ext>
+                </a:extLst>
+              </p:cNvPr>
+              <p:cNvCxnSpPr>
+                <a:cxnSpLocks/>
+              </p:cNvCxnSpPr>
+              <p:nvPr/>
+            </p:nvCxnSpPr>
+            <p:spPr>
+              <a:xfrm>
+                <a:off x="7894612" y="6237312"/>
+                <a:ext cx="1224136" cy="221443"/>
+              </a:xfrm>
+              <a:prstGeom prst="line">
+                <a:avLst/>
+              </a:prstGeom>
+              <a:ln w="38100"/>
+            </p:spPr>
+            <p:style>
+              <a:lnRef idx="1">
+                <a:schemeClr val="accent1"/>
+              </a:lnRef>
+              <a:fillRef idx="0">
+                <a:schemeClr val="accent1"/>
+              </a:fillRef>
+              <a:effectRef idx="0">
+                <a:schemeClr val="accent1"/>
+              </a:effectRef>
+              <a:fontRef idx="minor">
+                <a:schemeClr val="tx1"/>
+              </a:fontRef>
+            </p:style>
+          </p:cxnSp>
+          <p:cxnSp>
+            <p:nvCxnSpPr>
+              <p:cNvPr id="18" name="Connettore diritto 17">
+                <a:extLst>
+                  <a:ext uri="{FF2B5EF4-FFF2-40B4-BE49-F238E27FC236}">
+                    <a16:creationId xmlns:a16="http://schemas.microsoft.com/office/drawing/2014/main" id="{F87F318F-EECF-4E17-A16F-99E09AC564F3}"/>
+                  </a:ext>
+                </a:extLst>
+              </p:cNvPr>
+              <p:cNvCxnSpPr>
+                <a:cxnSpLocks/>
+              </p:cNvCxnSpPr>
+              <p:nvPr/>
+            </p:nvCxnSpPr>
+            <p:spPr>
+              <a:xfrm flipV="1">
+                <a:off x="4798268" y="6237312"/>
+                <a:ext cx="720080" cy="522327"/>
+              </a:xfrm>
+              <a:prstGeom prst="line">
+                <a:avLst/>
+              </a:prstGeom>
+              <a:ln w="38100">
+                <a:solidFill>
+                  <a:schemeClr val="accent3"/>
+                </a:solidFill>
+              </a:ln>
+            </p:spPr>
+            <p:style>
+              <a:lnRef idx="1">
+                <a:schemeClr val="accent1"/>
+              </a:lnRef>
+              <a:fillRef idx="0">
+                <a:schemeClr val="accent1"/>
+              </a:fillRef>
+              <a:effectRef idx="0">
+                <a:schemeClr val="accent1"/>
+              </a:effectRef>
+              <a:fontRef idx="minor">
+                <a:schemeClr val="tx1"/>
+              </a:fontRef>
+            </p:style>
+          </p:cxnSp>
+          <p:cxnSp>
+            <p:nvCxnSpPr>
+              <p:cNvPr id="21" name="Connettore diritto 20">
+                <a:extLst>
+                  <a:ext uri="{FF2B5EF4-FFF2-40B4-BE49-F238E27FC236}">
+                    <a16:creationId xmlns:a16="http://schemas.microsoft.com/office/drawing/2014/main" id="{D70A5BC1-4E3A-4BA4-A3F7-120B55CEB910}"/>
+                  </a:ext>
+                </a:extLst>
+              </p:cNvPr>
+              <p:cNvCxnSpPr>
+                <a:cxnSpLocks/>
+              </p:cNvCxnSpPr>
+              <p:nvPr/>
+            </p:nvCxnSpPr>
+            <p:spPr>
+              <a:xfrm flipV="1">
+                <a:off x="9334385" y="6076030"/>
+                <a:ext cx="720080" cy="522327"/>
+              </a:xfrm>
+              <a:prstGeom prst="line">
+                <a:avLst/>
+              </a:prstGeom>
+              <a:ln w="38100">
+                <a:solidFill>
+                  <a:schemeClr val="accent3"/>
+                </a:solidFill>
+              </a:ln>
+            </p:spPr>
+            <p:style>
+              <a:lnRef idx="1">
+                <a:schemeClr val="accent1"/>
+              </a:lnRef>
+              <a:fillRef idx="0">
+                <a:schemeClr val="accent1"/>
+              </a:fillRef>
+              <a:effectRef idx="0">
+                <a:schemeClr val="accent1"/>
+              </a:effectRef>
+              <a:fontRef idx="minor">
+                <a:schemeClr val="tx1"/>
+              </a:fontRef>
+            </p:style>
+          </p:cxnSp>
+          <p:cxnSp>
+            <p:nvCxnSpPr>
+              <p:cNvPr id="22" name="Connettore diritto 21">
+                <a:extLst>
+                  <a:ext uri="{FF2B5EF4-FFF2-40B4-BE49-F238E27FC236}">
+                    <a16:creationId xmlns:a16="http://schemas.microsoft.com/office/drawing/2014/main" id="{7F900671-3F6B-4AB1-B197-3735CB7AA3F3}"/>
+                  </a:ext>
+                </a:extLst>
+              </p:cNvPr>
+              <p:cNvCxnSpPr>
+                <a:cxnSpLocks/>
+              </p:cNvCxnSpPr>
+              <p:nvPr/>
+            </p:nvCxnSpPr>
+            <p:spPr>
+              <a:xfrm flipV="1">
+                <a:off x="2134360" y="6237312"/>
+                <a:ext cx="215636" cy="522327"/>
+              </a:xfrm>
+              <a:prstGeom prst="line">
+                <a:avLst/>
+              </a:prstGeom>
+              <a:ln w="38100">
+                <a:solidFill>
+                  <a:schemeClr val="accent5"/>
+                </a:solidFill>
+              </a:ln>
+            </p:spPr>
+            <p:style>
+              <a:lnRef idx="1">
+                <a:schemeClr val="accent1"/>
+              </a:lnRef>
+              <a:fillRef idx="0">
+                <a:schemeClr val="accent1"/>
+              </a:fillRef>
+              <a:effectRef idx="0">
+                <a:schemeClr val="accent1"/>
+              </a:effectRef>
+              <a:fontRef idx="minor">
+                <a:schemeClr val="tx1"/>
+              </a:fontRef>
+            </p:style>
+          </p:cxnSp>
+          <p:cxnSp>
+            <p:nvCxnSpPr>
+              <p:cNvPr id="25" name="Connettore diritto 24">
+                <a:extLst>
+                  <a:ext uri="{FF2B5EF4-FFF2-40B4-BE49-F238E27FC236}">
+                    <a16:creationId xmlns:a16="http://schemas.microsoft.com/office/drawing/2014/main" id="{45E433E4-7729-4C46-9DF8-22329FA77770}"/>
+                  </a:ext>
+                </a:extLst>
+              </p:cNvPr>
+              <p:cNvCxnSpPr>
+                <a:cxnSpLocks/>
+              </p:cNvCxnSpPr>
+              <p:nvPr/>
+            </p:nvCxnSpPr>
+            <p:spPr>
+              <a:xfrm flipV="1">
+                <a:off x="7030516" y="6237312"/>
+                <a:ext cx="269933" cy="280114"/>
+              </a:xfrm>
+              <a:prstGeom prst="line">
+                <a:avLst/>
+              </a:prstGeom>
+              <a:ln w="38100">
+                <a:solidFill>
+                  <a:schemeClr val="accent5"/>
+                </a:solidFill>
+              </a:ln>
+            </p:spPr>
+            <p:style>
+              <a:lnRef idx="1">
+                <a:schemeClr val="accent1"/>
+              </a:lnRef>
+              <a:fillRef idx="0">
+                <a:schemeClr val="accent1"/>
+              </a:fillRef>
+              <a:effectRef idx="0">
+                <a:schemeClr val="accent1"/>
+              </a:effectRef>
+              <a:fontRef idx="minor">
+                <a:schemeClr val="tx1"/>
+              </a:fontRef>
+            </p:style>
+          </p:cxnSp>
+        </p:grpSp>
+      </p:grpSp>
+    </p:spTree>
+    <p:extLst>
+      <p:ext uri="{BB962C8B-B14F-4D97-AF65-F5344CB8AC3E}">
+        <p14:creationId xmlns:p14="http://schemas.microsoft.com/office/powerpoint/2010/main" val="105745494"/>
+      </p:ext>
+    </p:extLst>
+  </p:cSld>
+  <p:clrMapOvr>
+    <a:masterClrMapping/>
+  </p:clrMapOvr>
+  <mc:AlternateContent xmlns:mc="http://schemas.openxmlformats.org/markup-compatibility/2006">
+    <mc:Choice xmlns:p14="http://schemas.microsoft.com/office/powerpoint/2010/main" Requires="p14">
+      <p:transition spd="med" p14:dur="700">
+        <p:fade/>
+      </p:transition>
+    </mc:Choice>
+    <mc:Fallback>
+      <p:transition spd="med">
+        <p:fade/>
+      </p:transition>
+    </mc:Fallback>
+  </mc:AlternateContent>
+</p:sld>
+</file>
+
+<file path=ppt/slides/slide6.xml><?xml version="1.0" encoding="utf-8"?>
+<p:sld xmlns:a="http://schemas.openxmlformats.org/drawingml/2006/main" xmlns:r="http://schemas.openxmlformats.org/officeDocument/2006/relationships" xmlns:p="http://schemas.openxmlformats.org/presentationml/2006/main">
+  <p:cSld>
+    <p:spTree>
+      <p:nvGrpSpPr>
+        <p:cNvPr id="1" name=""/>
+        <p:cNvGrpSpPr/>
+        <p:nvPr/>
+      </p:nvGrpSpPr>
+      <p:grpSpPr>
+        <a:xfrm>
+          <a:off x="0" y="0"/>
+          <a:ext cx="0" cy="0"/>
+          <a:chOff x="0" y="0"/>
+          <a:chExt cx="0" cy="0"/>
+        </a:xfrm>
+      </p:grpSpPr>
+      <p:sp>
+        <p:nvSpPr>
+          <p:cNvPr id="4" name="Titolo 3">
+            <a:extLst>
+              <a:ext uri="{FF2B5EF4-FFF2-40B4-BE49-F238E27FC236}">
+                <a16:creationId xmlns:a16="http://schemas.microsoft.com/office/drawing/2014/main" id="{2FE12BBA-6FCB-4BD1-9683-562229BEC7E8}"/>
+              </a:ext>
+            </a:extLst>
+          </p:cNvPr>
+          <p:cNvSpPr>
+            <a:spLocks noGrp="1"/>
+          </p:cNvSpPr>
+          <p:nvPr>
+            <p:ph type="title"/>
+          </p:nvPr>
+        </p:nvSpPr>
+        <p:spPr>
+          <a:xfrm>
+            <a:off x="1593436" y="177801"/>
+            <a:ext cx="9782801" cy="658912"/>
+          </a:xfrm>
+        </p:spPr>
+        <p:txBody>
+          <a:bodyPr>
+            <a:normAutofit/>
+          </a:bodyPr>
+          <a:lstStyle/>
+          <a:p>
+            <a:pPr algn="just"/>
+            <a:r>
+              <a:rPr lang="it-IT" dirty="0"/>
+              <a:t>Obiettivo di controllo: Braccio verticale</a:t>
+            </a:r>
+          </a:p>
+        </p:txBody>
+      </p:sp>
+      <p:sp>
+        <p:nvSpPr>
+          <p:cNvPr id="6" name="CasellaDiTesto 5">
+            <a:extLst>
+              <a:ext uri="{FF2B5EF4-FFF2-40B4-BE49-F238E27FC236}">
+                <a16:creationId xmlns:a16="http://schemas.microsoft.com/office/drawing/2014/main" id="{28DBEF25-35E1-495B-9107-59E019927EA2}"/>
+              </a:ext>
+            </a:extLst>
+          </p:cNvPr>
+          <p:cNvSpPr txBox="1"/>
+          <p:nvPr/>
+        </p:nvSpPr>
+        <p:spPr>
+          <a:xfrm>
+            <a:off x="1269876" y="836713"/>
+            <a:ext cx="10106361" cy="646331"/>
+          </a:xfrm>
+          <a:prstGeom prst="rect">
+            <a:avLst/>
+          </a:prstGeom>
+          <a:noFill/>
+        </p:spPr>
+        <p:txBody>
+          <a:bodyPr wrap="square" rtlCol="0">
+            <a:spAutoFit/>
+          </a:bodyPr>
+          <a:lstStyle/>
+          <a:p>
+            <a:pPr algn="just"/>
+            <a:r>
+              <a:rPr lang="it-IT" dirty="0"/>
+              <a:t>Essendo in un pendolo i punti di equilibrio solo i 2 lungo l’asse, e puntando noi a realizzare un pendolo inverso ne segue che il nostro obiettivo è ottenibile solo puntando in alto.</a:t>
+            </a:r>
+          </a:p>
+        </p:txBody>
+      </p:sp>
+      <p:sp>
+        <p:nvSpPr>
+          <p:cNvPr id="8" name="CasellaDiTesto 7">
+            <a:extLst>
+              <a:ext uri="{FF2B5EF4-FFF2-40B4-BE49-F238E27FC236}">
+                <a16:creationId xmlns:a16="http://schemas.microsoft.com/office/drawing/2014/main" id="{65FB5418-79CF-464E-849F-2B3E63CAC992}"/>
+              </a:ext>
+            </a:extLst>
+          </p:cNvPr>
+          <p:cNvSpPr txBox="1"/>
+          <p:nvPr/>
+        </p:nvSpPr>
+        <p:spPr>
+          <a:xfrm>
+            <a:off x="1269877" y="4953942"/>
+            <a:ext cx="10106360" cy="923330"/>
+          </a:xfrm>
+          <a:prstGeom prst="rect">
+            <a:avLst/>
+          </a:prstGeom>
+          <a:noFill/>
+        </p:spPr>
+        <p:txBody>
+          <a:bodyPr wrap="square" rtlCol="0">
+            <a:spAutoFit/>
+          </a:bodyPr>
+          <a:lstStyle/>
+          <a:p>
+            <a:pPr algn="just"/>
+            <a:r>
+              <a:rPr lang="it-IT" dirty="0"/>
+              <a:t>La </a:t>
+            </a:r>
+            <a:r>
+              <a:rPr lang="it-IT" b="1" dirty="0"/>
+              <a:t>coppia desiderata </a:t>
+            </a:r>
+            <a:r>
+              <a:rPr lang="it-IT" dirty="0"/>
+              <a:t>(che deve essere generata dal motore) viene calcolata ogni loop di controllo, ed è una formula linearizzante.</a:t>
+            </a:r>
+          </a:p>
+          <a:p>
+            <a:pPr algn="just"/>
+            <a:r>
+              <a:rPr lang="it-IT" dirty="0"/>
+              <a:t>Trasforma il </a:t>
+            </a:r>
+            <a:r>
+              <a:rPr lang="it-IT" b="1" dirty="0"/>
+              <a:t>momento desiderato </a:t>
+            </a:r>
+            <a:r>
+              <a:rPr lang="it-IT" dirty="0"/>
+              <a:t>in una coppia da far generare al motore.</a:t>
+            </a:r>
+          </a:p>
+        </p:txBody>
+      </p:sp>
+      <p:pic>
+        <p:nvPicPr>
+          <p:cNvPr id="9" name="Immagine 8">
+            <a:extLst>
+              <a:ext uri="{FF2B5EF4-FFF2-40B4-BE49-F238E27FC236}">
+                <a16:creationId xmlns:a16="http://schemas.microsoft.com/office/drawing/2014/main" id="{C9494C5A-EB44-4346-ABC0-F93618465010}"/>
+              </a:ext>
+            </a:extLst>
+          </p:cNvPr>
+          <p:cNvPicPr>
+            <a:picLocks noChangeAspect="1"/>
+          </p:cNvPicPr>
+          <p:nvPr/>
+        </p:nvPicPr>
+        <p:blipFill rotWithShape="1">
+          <a:blip r:embed="rId2"/>
+          <a:srcRect l="23686" t="50717" r="21918" b="8000"/>
+          <a:stretch/>
+        </p:blipFill>
+        <p:spPr>
+          <a:xfrm>
+            <a:off x="1413892" y="2132856"/>
+            <a:ext cx="5760640" cy="1502874"/>
+          </a:xfrm>
+          <a:prstGeom prst="rect">
+            <a:avLst/>
+          </a:prstGeom>
+          <a:solidFill>
+            <a:srgbClr val="FFFFFF">
+              <a:shade val="85000"/>
+            </a:srgbClr>
+          </a:solidFill>
+          <a:ln w="190500" cap="rnd">
+            <a:solidFill>
+              <a:srgbClr val="FFFFFF"/>
+            </a:solidFill>
+          </a:ln>
+          <a:effectLst>
+            <a:outerShdw blurRad="50000" algn="tl" rotWithShape="0">
+              <a:srgbClr val="000000">
+                <a:alpha val="41000"/>
+              </a:srgbClr>
+            </a:outerShdw>
+          </a:effectLst>
+          <a:scene3d>
+            <a:camera prst="orthographicFront"/>
+            <a:lightRig rig="twoPt" dir="t">
+              <a:rot lat="0" lon="0" rev="7800000"/>
+            </a:lightRig>
+          </a:scene3d>
+          <a:sp3d contourW="6350">
+            <a:bevelT w="50800" h="16510"/>
+            <a:contourClr>
+              <a:srgbClr val="C0C0C0"/>
+            </a:contourClr>
+          </a:sp3d>
+        </p:spPr>
+      </p:pic>
+      <p:sp>
+        <p:nvSpPr>
+          <p:cNvPr id="2" name="Rettangolo 1">
+            <a:extLst>
+              <a:ext uri="{FF2B5EF4-FFF2-40B4-BE49-F238E27FC236}">
+                <a16:creationId xmlns:a16="http://schemas.microsoft.com/office/drawing/2014/main" id="{557A28A8-AA4F-4CAC-9431-3BE42F3144CD}"/>
+              </a:ext>
+            </a:extLst>
+          </p:cNvPr>
+          <p:cNvSpPr/>
+          <p:nvPr/>
+        </p:nvSpPr>
+        <p:spPr>
+          <a:xfrm>
+            <a:off x="7318549" y="2887776"/>
+            <a:ext cx="4057688" cy="1477328"/>
+          </a:xfrm>
+          <a:prstGeom prst="rect">
+            <a:avLst/>
+          </a:prstGeom>
+        </p:spPr>
+        <p:txBody>
+          <a:bodyPr wrap="square">
+            <a:spAutoFit/>
+          </a:bodyPr>
+          <a:lstStyle/>
+          <a:p>
+            <a:pPr algn="just"/>
+            <a:r>
+              <a:rPr lang="it-IT" dirty="0"/>
+              <a:t>Il controllo è assegnato a un sistema PID che prendendo l’errore rispetto all’obiettivo e tira fuori il momento desiderato per ottenere una stabilizzazione del sistema.</a:t>
+            </a:r>
+          </a:p>
+        </p:txBody>
+      </p:sp>
+    </p:spTree>
+    <p:extLst>
+      <p:ext uri="{BB962C8B-B14F-4D97-AF65-F5344CB8AC3E}">
+        <p14:creationId xmlns:p14="http://schemas.microsoft.com/office/powerpoint/2010/main" val="3280962632"/>
+      </p:ext>
+    </p:extLst>
+  </p:cSld>
+  <p:clrMapOvr>
+    <a:masterClrMapping/>
+  </p:clrMapOvr>
+  <mc:AlternateContent xmlns:mc="http://schemas.openxmlformats.org/markup-compatibility/2006" xmlns:p14="http://schemas.microsoft.com/office/powerpoint/2010/main">
+    <mc:Choice Requires="p14">
+      <p:transition spd="med" p14:dur="700">
+        <p:fade/>
+      </p:transition>
+    </mc:Choice>
+    <mc:Fallback xmlns="">
+      <p:transition spd="med">
+        <p:fade/>
+      </p:transition>
+    </mc:Fallback>
+  </mc:AlternateContent>
+</p:sld>
+</file>
+
+<file path=ppt/slides/slide7.xml><?xml version="1.0" encoding="utf-8"?>
+<p:sld xmlns:a="http://schemas.openxmlformats.org/drawingml/2006/main" xmlns:r="http://schemas.openxmlformats.org/officeDocument/2006/relationships" xmlns:p="http://schemas.openxmlformats.org/presentationml/2006/main">
+  <p:cSld>
+    <p:spTree>
+      <p:nvGrpSpPr>
+        <p:cNvPr id="1" name=""/>
+        <p:cNvGrpSpPr/>
+        <p:nvPr/>
+      </p:nvGrpSpPr>
+      <p:grpSpPr>
+        <a:xfrm>
+          <a:off x="0" y="0"/>
+          <a:ext cx="0" cy="0"/>
+          <a:chOff x="0" y="0"/>
+          <a:chExt cx="0" cy="0"/>
+        </a:xfrm>
+      </p:grpSpPr>
+      <p:sp>
+        <p:nvSpPr>
+          <p:cNvPr id="4" name="Titolo 3">
+            <a:extLst>
+              <a:ext uri="{FF2B5EF4-FFF2-40B4-BE49-F238E27FC236}">
+                <a16:creationId xmlns:a16="http://schemas.microsoft.com/office/drawing/2014/main" id="{2FE12BBA-6FCB-4BD1-9683-562229BEC7E8}"/>
+              </a:ext>
+            </a:extLst>
+          </p:cNvPr>
+          <p:cNvSpPr>
+            <a:spLocks noGrp="1"/>
+          </p:cNvSpPr>
+          <p:nvPr>
+            <p:ph type="title"/>
+          </p:nvPr>
+        </p:nvSpPr>
+        <p:spPr>
+          <a:xfrm>
+            <a:off x="1593436" y="177801"/>
+            <a:ext cx="9782801" cy="658912"/>
+          </a:xfrm>
+        </p:spPr>
+        <p:txBody>
+          <a:bodyPr>
+            <a:normAutofit/>
+          </a:bodyPr>
+          <a:lstStyle/>
+          <a:p>
+            <a:pPr algn="just"/>
+            <a:r>
+              <a:rPr lang="it-IT" dirty="0"/>
+              <a:t>Obiettivo di controllo: Braccio verticale</a:t>
             </a:r>
           </a:p>
         </p:txBody>
@@ -12557,7 +15284,7 @@
             </p:nvSpPr>
             <p:spPr>
               <a:xfrm>
-                <a:off x="3782954" y="4149080"/>
+                <a:off x="3782954" y="1268760"/>
                 <a:ext cx="5221056" cy="394532"/>
               </a:xfrm>
               <a:prstGeom prst="rect">
@@ -12910,16 +15637,16 @@
             </p:nvSpPr>
             <p:spPr>
               <a:xfrm>
-                <a:off x="3782954" y="4149080"/>
+                <a:off x="3782954" y="1268760"/>
                 <a:ext cx="5221056" cy="394532"/>
               </a:xfrm>
               <a:prstGeom prst="rect">
                 <a:avLst/>
               </a:prstGeom>
               <a:blipFill>
-                <a:blip r:embed="rId3"/>
+                <a:blip r:embed="rId2"/>
                 <a:stretch>
-                  <a:fillRect b="-7576"/>
+                  <a:fillRect b="-7463"/>
                 </a:stretch>
               </a:blipFill>
             </p:spPr>
@@ -12954,7 +15681,7 @@
             </p:nvSpPr>
             <p:spPr>
               <a:xfrm>
-                <a:off x="1269876" y="4581128"/>
+                <a:off x="1269876" y="1988840"/>
                 <a:ext cx="10513168" cy="646331"/>
               </a:xfrm>
               <a:prstGeom prst="rect">
@@ -13046,16 +15773,16 @@
             </p:nvSpPr>
             <p:spPr>
               <a:xfrm>
-                <a:off x="1269876" y="4581128"/>
+                <a:off x="1269876" y="1988840"/>
                 <a:ext cx="10513168" cy="646331"/>
               </a:xfrm>
               <a:prstGeom prst="rect">
                 <a:avLst/>
               </a:prstGeom>
               <a:blipFill>
-                <a:blip r:embed="rId4"/>
+                <a:blip r:embed="rId3"/>
                 <a:stretch>
-                  <a:fillRect l="-464" t="-5607" r="-522" b="-12150"/>
+                  <a:fillRect l="-464" t="-5660" r="-522" b="-13208"/>
                 </a:stretch>
               </a:blipFill>
             </p:spPr>
@@ -13090,7 +15817,7 @@
             </p:nvSpPr>
             <p:spPr>
               <a:xfrm>
-                <a:off x="1269877" y="5229200"/>
+                <a:off x="1267055" y="3121345"/>
                 <a:ext cx="10585176" cy="646331"/>
               </a:xfrm>
               <a:prstGeom prst="rect">
@@ -13208,16 +15935,16 @@
             </p:nvSpPr>
             <p:spPr>
               <a:xfrm>
-                <a:off x="1269877" y="5229200"/>
+                <a:off x="1267055" y="3121345"/>
                 <a:ext cx="10585176" cy="646331"/>
               </a:xfrm>
               <a:prstGeom prst="rect">
                 <a:avLst/>
               </a:prstGeom>
               <a:blipFill>
-                <a:blip r:embed="rId5"/>
+                <a:blip r:embed="rId4"/>
                 <a:stretch>
-                  <a:fillRect t="-5556" b="-12037"/>
+                  <a:fillRect t="-4630" b="-12037"/>
                 </a:stretch>
               </a:blipFill>
             </p:spPr>
@@ -13252,7 +15979,7 @@
             </p:nvSpPr>
             <p:spPr>
               <a:xfrm>
-                <a:off x="1228252" y="5867980"/>
+                <a:off x="1228252" y="4439957"/>
                 <a:ext cx="4506120" cy="369332"/>
               </a:xfrm>
               <a:prstGeom prst="rect">
@@ -13317,16 +16044,16 @@
             </p:nvSpPr>
             <p:spPr>
               <a:xfrm>
-                <a:off x="1228252" y="5867980"/>
+                <a:off x="1228252" y="4439957"/>
                 <a:ext cx="4506120" cy="369332"/>
               </a:xfrm>
               <a:prstGeom prst="rect">
                 <a:avLst/>
               </a:prstGeom>
               <a:blipFill>
-                <a:blip r:embed="rId6"/>
+                <a:blip r:embed="rId5"/>
                 <a:stretch>
-                  <a:fillRect l="-1081" t="-11667" b="-25000"/>
+                  <a:fillRect l="-1081" t="-9836" b="-22951"/>
                 </a:stretch>
               </a:blipFill>
             </p:spPr>
@@ -13349,10 +16076,10 @@
         <mc:Choice xmlns:a14="http://schemas.microsoft.com/office/drawing/2010/main" Requires="a14">
           <p:sp>
             <p:nvSpPr>
-              <p:cNvPr id="7" name="Rettangolo 6">
+              <p:cNvPr id="14" name="Rettangolo con angoli arrotondati 13">
                 <a:extLst>
                   <a:ext uri="{FF2B5EF4-FFF2-40B4-BE49-F238E27FC236}">
-                    <a16:creationId xmlns:a16="http://schemas.microsoft.com/office/drawing/2014/main" id="{611FD70E-DA2F-4B1D-AE1B-AE6038D7AD84}"/>
+                    <a16:creationId xmlns:a16="http://schemas.microsoft.com/office/drawing/2014/main" id="{074CBFB5-7ECE-4685-8B2D-A07341135F07}"/>
                   </a:ext>
                 </a:extLst>
               </p:cNvPr>
@@ -13361,30 +16088,104 @@
             </p:nvSpPr>
             <p:spPr>
               <a:xfrm>
-                <a:off x="1375658" y="6157872"/>
-                <a:ext cx="8958927" cy="719108"/>
+                <a:off x="2282428" y="5803247"/>
+                <a:ext cx="2371479" cy="520502"/>
               </a:xfrm>
-              <a:prstGeom prst="rect">
+              <a:prstGeom prst="roundRect">
                 <a:avLst/>
               </a:prstGeom>
+              <a:ln/>
             </p:spPr>
+            <p:style>
+              <a:lnRef idx="2">
+                <a:schemeClr val="accent4">
+                  <a:shade val="50000"/>
+                </a:schemeClr>
+              </a:lnRef>
+              <a:fillRef idx="1">
+                <a:schemeClr val="accent4"/>
+              </a:fillRef>
+              <a:effectRef idx="0">
+                <a:schemeClr val="accent4"/>
+              </a:effectRef>
+              <a:fontRef idx="minor">
+                <a:schemeClr val="lt1"/>
+              </a:fontRef>
+            </p:style>
             <p:txBody>
-              <a:bodyPr wrap="none">
-                <a:spAutoFit/>
-              </a:bodyPr>
+              <a:bodyPr rtlCol="0" anchor="ctr"/>
               <a:lstStyle/>
               <a:p>
+                <a:pPr algn="ctr"/>
                 <a14:m>
                   <m:oMathPara xmlns:m="http://schemas.openxmlformats.org/officeDocument/2006/math">
                     <m:oMathParaPr>
                       <m:jc m:val="centerGroup"/>
                     </m:oMathParaPr>
                     <m:oMath xmlns:m="http://schemas.openxmlformats.org/officeDocument/2006/math">
+                      <m:r>
+                        <a:rPr lang="it-IT" i="1" smtClean="0">
+                          <a:latin typeface="Cambria Math" panose="02040503050406030204" pitchFamily="18" charset="0"/>
+                          <a:ea typeface="Cambria Math" panose="02040503050406030204" pitchFamily="18" charset="0"/>
+                        </a:rPr>
+                        <m:t>→</m:t>
+                      </m:r>
+                      <m:sSub>
+                        <m:sSubPr>
+                          <m:ctrlPr>
+                            <a:rPr lang="it-IT" i="1">
+                              <a:latin typeface="Cambria Math" panose="02040503050406030204" pitchFamily="18" charset="0"/>
+                            </a:rPr>
+                          </m:ctrlPr>
+                        </m:sSubPr>
+                        <m:e>
+                          <m:r>
+                            <a:rPr lang="it-IT" i="1">
+                              <a:latin typeface="Cambria Math" panose="02040503050406030204" pitchFamily="18" charset="0"/>
+                            </a:rPr>
+                            <m:t>𝐼</m:t>
+                          </m:r>
+                        </m:e>
+                        <m:sub>
+                          <m:sSub>
+                            <m:sSubPr>
+                              <m:ctrlPr>
+                                <a:rPr lang="it-IT" i="1">
+                                  <a:latin typeface="Cambria Math" panose="02040503050406030204" pitchFamily="18" charset="0"/>
+                                </a:rPr>
+                              </m:ctrlPr>
+                            </m:sSubPr>
+                            <m:e>
+                              <m:r>
+                                <a:rPr lang="it-IT" i="1">
+                                  <a:latin typeface="Cambria Math" panose="02040503050406030204" pitchFamily="18" charset="0"/>
+                                </a:rPr>
+                                <m:t>𝐵</m:t>
+                              </m:r>
+                            </m:e>
+                            <m:sub>
+                              <m:r>
+                                <a:rPr lang="it-IT" i="1">
+                                  <a:latin typeface="Cambria Math" panose="02040503050406030204" pitchFamily="18" charset="0"/>
+                                </a:rPr>
+                                <m:t>𝑡𝑜𝑡</m:t>
+                              </m:r>
+                            </m:sub>
+                          </m:sSub>
+                        </m:sub>
+                      </m:sSub>
+                      <m:r>
+                        <a:rPr lang="it-IT" i="1">
+                          <a:latin typeface="Cambria Math" panose="02040503050406030204" pitchFamily="18" charset="0"/>
+                          <a:ea typeface="Cambria Math" panose="02040503050406030204" pitchFamily="18" charset="0"/>
+                        </a:rPr>
+                        <m:t>∙</m:t>
+                      </m:r>
                       <m:acc>
                         <m:accPr>
                           <m:chr m:val="̇"/>
                           <m:ctrlPr>
-                            <a:rPr lang="it-IT" i="1" smtClean="0">
+                            <a:rPr lang="it-IT" i="1">
                               <a:latin typeface="Cambria Math" panose="02040503050406030204" pitchFamily="18" charset="0"/>
                             </a:rPr>
                           </m:ctrlPr>
@@ -13423,882 +16224,40 @@
                         </a:rPr>
                         <m:t>=</m:t>
                       </m:r>
-                      <m:f>
-                        <m:fPr>
-                          <m:ctrlPr>
-                            <a:rPr lang="it-IT" i="1">
-                              <a:latin typeface="Cambria Math" panose="02040503050406030204" pitchFamily="18" charset="0"/>
-                              <a:ea typeface="Cambria Math" panose="02040503050406030204" pitchFamily="18" charset="0"/>
-                            </a:rPr>
-                          </m:ctrlPr>
-                        </m:fPr>
-                        <m:num>
-                          <m:sSub>
-                            <m:sSubPr>
-                              <m:ctrlPr>
-                                <a:rPr lang="it-IT" i="1">
-                                  <a:latin typeface="Cambria Math" panose="02040503050406030204" pitchFamily="18" charset="0"/>
-                                  <a:ea typeface="Cambria Math" panose="02040503050406030204" pitchFamily="18" charset="0"/>
-                                </a:rPr>
-                              </m:ctrlPr>
-                            </m:sSubPr>
-                            <m:e>
-                              <m:r>
-                                <a:rPr lang="it-IT" i="1">
-                                  <a:latin typeface="Cambria Math" panose="02040503050406030204" pitchFamily="18" charset="0"/>
-                                  <a:ea typeface="Cambria Math" panose="02040503050406030204" pitchFamily="18" charset="0"/>
-                                </a:rPr>
-                                <m:t>𝐷</m:t>
-                              </m:r>
-                            </m:e>
-                            <m:sub>
-                              <m:r>
-                                <a:rPr lang="it-IT" i="1">
-                                  <a:latin typeface="Cambria Math" panose="02040503050406030204" pitchFamily="18" charset="0"/>
-                                  <a:ea typeface="Cambria Math" panose="02040503050406030204" pitchFamily="18" charset="0"/>
-                                </a:rPr>
-                                <m:t>2</m:t>
-                              </m:r>
-                            </m:sub>
-                          </m:sSub>
-                        </m:num>
-                        <m:den>
-                          <m:sSub>
-                            <m:sSubPr>
-                              <m:ctrlPr>
-                                <a:rPr lang="it-IT" i="1">
-                                  <a:latin typeface="Cambria Math" panose="02040503050406030204" pitchFamily="18" charset="0"/>
-                                </a:rPr>
-                              </m:ctrlPr>
-                            </m:sSubPr>
-                            <m:e>
-                              <m:r>
-                                <a:rPr lang="it-IT" i="1">
-                                  <a:latin typeface="Cambria Math" panose="02040503050406030204" pitchFamily="18" charset="0"/>
-                                </a:rPr>
-                                <m:t>𝐼</m:t>
-                              </m:r>
-                            </m:e>
-                            <m:sub>
-                              <m:sSub>
-                                <m:sSubPr>
-                                  <m:ctrlPr>
-                                    <a:rPr lang="it-IT" i="1">
-                                      <a:latin typeface="Cambria Math" panose="02040503050406030204" pitchFamily="18" charset="0"/>
-                                    </a:rPr>
-                                  </m:ctrlPr>
-                                </m:sSubPr>
-                                <m:e>
-                                  <m:r>
-                                    <a:rPr lang="it-IT" i="1">
-                                      <a:latin typeface="Cambria Math" panose="02040503050406030204" pitchFamily="18" charset="0"/>
-                                    </a:rPr>
-                                    <m:t>𝐵</m:t>
-                                  </m:r>
-                                </m:e>
-                                <m:sub>
-                                  <m:r>
-                                    <a:rPr lang="it-IT" i="1">
-                                      <a:latin typeface="Cambria Math" panose="02040503050406030204" pitchFamily="18" charset="0"/>
-                                    </a:rPr>
-                                    <m:t>𝑡𝑜𝑡</m:t>
-                                  </m:r>
-                                </m:sub>
-                              </m:sSub>
-                            </m:sub>
-                          </m:sSub>
-                        </m:den>
-                      </m:f>
-                      <m:r>
-                        <a:rPr lang="it-IT" i="1">
-                          <a:latin typeface="Cambria Math" panose="02040503050406030204" pitchFamily="18" charset="0"/>
-                          <a:ea typeface="Cambria Math" panose="02040503050406030204" pitchFamily="18" charset="0"/>
-                        </a:rPr>
-                        <m:t>∙</m:t>
-                      </m:r>
                       <m:sSub>
                         <m:sSubPr>
                           <m:ctrlPr>
                             <a:rPr lang="it-IT" i="1">
+                              <a:solidFill>
+                                <a:srgbClr val="FF0000"/>
+                              </a:solidFill>
                               <a:latin typeface="Cambria Math" panose="02040503050406030204" pitchFamily="18" charset="0"/>
-                              <a:ea typeface="Cambria Math" panose="02040503050406030204" pitchFamily="18" charset="0"/>
                             </a:rPr>
                           </m:ctrlPr>
                         </m:sSubPr>
                         <m:e>
                           <m:r>
                             <a:rPr lang="it-IT" i="1">
+                              <a:solidFill>
+                                <a:srgbClr val="FF0000"/>
+                              </a:solidFill>
                               <a:latin typeface="Cambria Math" panose="02040503050406030204" pitchFamily="18" charset="0"/>
-                              <a:ea typeface="Cambria Math" panose="02040503050406030204" pitchFamily="18" charset="0"/>
                             </a:rPr>
-                            <m:t>𝑥</m:t>
+                            <m:t>𝑀</m:t>
                           </m:r>
                         </m:e>
                         <m:sub>
                           <m:r>
                             <a:rPr lang="it-IT" i="1">
+                              <a:solidFill>
+                                <a:srgbClr val="FF0000"/>
+                              </a:solidFill>
                               <a:latin typeface="Cambria Math" panose="02040503050406030204" pitchFamily="18" charset="0"/>
-                              <a:ea typeface="Cambria Math" panose="02040503050406030204" pitchFamily="18" charset="0"/>
                             </a:rPr>
-                            <m:t>1</m:t>
+                            <m:t>𝑑𝑒𝑠</m:t>
                           </m:r>
                         </m:sub>
                       </m:sSub>
-                      <m:r>
-                        <a:rPr lang="it-IT" i="1">
-                          <a:latin typeface="Cambria Math" panose="02040503050406030204" pitchFamily="18" charset="0"/>
-                          <a:ea typeface="Cambria Math" panose="02040503050406030204" pitchFamily="18" charset="0"/>
-                        </a:rPr>
-                        <m:t>+</m:t>
-                      </m:r>
-                      <m:f>
-                        <m:fPr>
-                          <m:ctrlPr>
-                            <a:rPr lang="it-IT" i="1">
-                              <a:latin typeface="Cambria Math" panose="02040503050406030204" pitchFamily="18" charset="0"/>
-                              <a:ea typeface="Cambria Math" panose="02040503050406030204" pitchFamily="18" charset="0"/>
-                            </a:rPr>
-                          </m:ctrlPr>
-                        </m:fPr>
-                        <m:num>
-                          <m:sSub>
-                            <m:sSubPr>
-                              <m:ctrlPr>
-                                <a:rPr lang="it-IT" i="1">
-                                  <a:latin typeface="Cambria Math" panose="02040503050406030204" pitchFamily="18" charset="0"/>
-                                  <a:ea typeface="Cambria Math" panose="02040503050406030204" pitchFamily="18" charset="0"/>
-                                </a:rPr>
-                              </m:ctrlPr>
-                            </m:sSubPr>
-                            <m:e>
-                              <m:r>
-                                <a:rPr lang="it-IT" i="1">
-                                  <a:latin typeface="Cambria Math" panose="02040503050406030204" pitchFamily="18" charset="0"/>
-                                  <a:ea typeface="Cambria Math" panose="02040503050406030204" pitchFamily="18" charset="0"/>
-                                </a:rPr>
-                                <m:t>𝐾</m:t>
-                              </m:r>
-                            </m:e>
-                            <m:sub>
-                              <m:r>
-                                <a:rPr lang="it-IT" i="1">
-                                  <a:latin typeface="Cambria Math" panose="02040503050406030204" pitchFamily="18" charset="0"/>
-                                  <a:ea typeface="Cambria Math" panose="02040503050406030204" pitchFamily="18" charset="0"/>
-                                </a:rPr>
-                                <m:t>𝑚𝑙𝑔</m:t>
-                              </m:r>
-                            </m:sub>
-                          </m:sSub>
-                        </m:num>
-                        <m:den>
-                          <m:sSub>
-                            <m:sSubPr>
-                              <m:ctrlPr>
-                                <a:rPr lang="it-IT" i="1">
-                                  <a:latin typeface="Cambria Math" panose="02040503050406030204" pitchFamily="18" charset="0"/>
-                                </a:rPr>
-                              </m:ctrlPr>
-                            </m:sSubPr>
-                            <m:e>
-                              <m:r>
-                                <a:rPr lang="it-IT" i="1">
-                                  <a:latin typeface="Cambria Math" panose="02040503050406030204" pitchFamily="18" charset="0"/>
-                                </a:rPr>
-                                <m:t>𝐼</m:t>
-                              </m:r>
-                            </m:e>
-                            <m:sub>
-                              <m:sSub>
-                                <m:sSubPr>
-                                  <m:ctrlPr>
-                                    <a:rPr lang="it-IT" i="1">
-                                      <a:latin typeface="Cambria Math" panose="02040503050406030204" pitchFamily="18" charset="0"/>
-                                    </a:rPr>
-                                  </m:ctrlPr>
-                                </m:sSubPr>
-                                <m:e>
-                                  <m:r>
-                                    <a:rPr lang="it-IT" i="1">
-                                      <a:latin typeface="Cambria Math" panose="02040503050406030204" pitchFamily="18" charset="0"/>
-                                    </a:rPr>
-                                    <m:t>𝐵</m:t>
-                                  </m:r>
-                                </m:e>
-                                <m:sub>
-                                  <m:r>
-                                    <a:rPr lang="it-IT" i="1">
-                                      <a:latin typeface="Cambria Math" panose="02040503050406030204" pitchFamily="18" charset="0"/>
-                                    </a:rPr>
-                                    <m:t>𝑡𝑜𝑡</m:t>
-                                  </m:r>
-                                </m:sub>
-                              </m:sSub>
-                            </m:sub>
-                          </m:sSub>
-                        </m:den>
-                      </m:f>
-                      <m:r>
-                        <a:rPr lang="it-IT" i="1">
-                          <a:latin typeface="Cambria Math" panose="02040503050406030204" pitchFamily="18" charset="0"/>
-                          <a:ea typeface="Cambria Math" panose="02040503050406030204" pitchFamily="18" charset="0"/>
-                        </a:rPr>
-                        <m:t>∙</m:t>
-                      </m:r>
-                      <m:func>
-                        <m:funcPr>
-                          <m:ctrlPr>
-                            <a:rPr lang="it-IT" i="1">
-                              <a:latin typeface="Cambria Math" panose="02040503050406030204" pitchFamily="18" charset="0"/>
-                              <a:ea typeface="Cambria Math" panose="02040503050406030204" pitchFamily="18" charset="0"/>
-                            </a:rPr>
-                          </m:ctrlPr>
-                        </m:funcPr>
-                        <m:fName>
-                          <m:r>
-                            <m:rPr>
-                              <m:sty m:val="p"/>
-                            </m:rPr>
-                            <a:rPr lang="it-IT">
-                              <a:latin typeface="Cambria Math" panose="02040503050406030204" pitchFamily="18" charset="0"/>
-                              <a:ea typeface="Cambria Math" panose="02040503050406030204" pitchFamily="18" charset="0"/>
-                            </a:rPr>
-                            <m:t>sin</m:t>
-                          </m:r>
-                        </m:fName>
-                        <m:e>
-                          <m:d>
-                            <m:dPr>
-                              <m:ctrlPr>
-                                <a:rPr lang="it-IT" i="1">
-                                  <a:latin typeface="Cambria Math" panose="02040503050406030204" pitchFamily="18" charset="0"/>
-                                  <a:ea typeface="Cambria Math" panose="02040503050406030204" pitchFamily="18" charset="0"/>
-                                </a:rPr>
-                              </m:ctrlPr>
-                            </m:dPr>
-                            <m:e>
-                              <m:sSub>
-                                <m:sSubPr>
-                                  <m:ctrlPr>
-                                    <a:rPr lang="it-IT" i="1">
-                                      <a:latin typeface="Cambria Math" panose="02040503050406030204" pitchFamily="18" charset="0"/>
-                                      <a:ea typeface="Cambria Math" panose="02040503050406030204" pitchFamily="18" charset="0"/>
-                                    </a:rPr>
-                                  </m:ctrlPr>
-                                </m:sSubPr>
-                                <m:e>
-                                  <m:r>
-                                    <a:rPr lang="it-IT" i="1">
-                                      <a:latin typeface="Cambria Math" panose="02040503050406030204" pitchFamily="18" charset="0"/>
-                                      <a:ea typeface="Cambria Math" panose="02040503050406030204" pitchFamily="18" charset="0"/>
-                                    </a:rPr>
-                                    <m:t>𝑥</m:t>
-                                  </m:r>
-                                </m:e>
-                                <m:sub>
-                                  <m:r>
-                                    <a:rPr lang="it-IT" i="1">
-                                      <a:latin typeface="Cambria Math" panose="02040503050406030204" pitchFamily="18" charset="0"/>
-                                      <a:ea typeface="Cambria Math" panose="02040503050406030204" pitchFamily="18" charset="0"/>
-                                    </a:rPr>
-                                    <m:t>4</m:t>
-                                  </m:r>
-                                </m:sub>
-                              </m:sSub>
-                            </m:e>
-                          </m:d>
-                        </m:e>
-                      </m:func>
-                      <m:r>
-                        <a:rPr lang="it-IT" i="1">
-                          <a:latin typeface="Cambria Math" panose="02040503050406030204" pitchFamily="18" charset="0"/>
-                          <a:ea typeface="Cambria Math" panose="02040503050406030204" pitchFamily="18" charset="0"/>
-                        </a:rPr>
-                        <m:t>−</m:t>
-                      </m:r>
-                      <m:f>
-                        <m:fPr>
-                          <m:ctrlPr>
-                            <a:rPr lang="it-IT" i="1">
-                              <a:latin typeface="Cambria Math" panose="02040503050406030204" pitchFamily="18" charset="0"/>
-                              <a:ea typeface="Cambria Math" panose="02040503050406030204" pitchFamily="18" charset="0"/>
-                            </a:rPr>
-                          </m:ctrlPr>
-                        </m:fPr>
-                        <m:num>
-                          <m:sSub>
-                            <m:sSubPr>
-                              <m:ctrlPr>
-                                <a:rPr lang="it-IT" i="1">
-                                  <a:latin typeface="Cambria Math" panose="02040503050406030204" pitchFamily="18" charset="0"/>
-                                  <a:ea typeface="Cambria Math" panose="02040503050406030204" pitchFamily="18" charset="0"/>
-                                </a:rPr>
-                              </m:ctrlPr>
-                            </m:sSubPr>
-                            <m:e>
-                              <m:r>
-                                <a:rPr lang="it-IT" i="1">
-                                  <a:latin typeface="Cambria Math" panose="02040503050406030204" pitchFamily="18" charset="0"/>
-                                  <a:ea typeface="Cambria Math" panose="02040503050406030204" pitchFamily="18" charset="0"/>
-                                </a:rPr>
-                                <m:t>𝐷</m:t>
-                              </m:r>
-                            </m:e>
-                            <m:sub>
-                              <m:r>
-                                <a:rPr lang="it-IT" i="1">
-                                  <a:latin typeface="Cambria Math" panose="02040503050406030204" pitchFamily="18" charset="0"/>
-                                  <a:ea typeface="Cambria Math" panose="02040503050406030204" pitchFamily="18" charset="0"/>
-                                </a:rPr>
-                                <m:t>1</m:t>
-                              </m:r>
-                            </m:sub>
-                          </m:sSub>
-                        </m:num>
-                        <m:den>
-                          <m:sSub>
-                            <m:sSubPr>
-                              <m:ctrlPr>
-                                <a:rPr lang="it-IT" i="1">
-                                  <a:latin typeface="Cambria Math" panose="02040503050406030204" pitchFamily="18" charset="0"/>
-                                </a:rPr>
-                              </m:ctrlPr>
-                            </m:sSubPr>
-                            <m:e>
-                              <m:r>
-                                <a:rPr lang="it-IT" i="1">
-                                  <a:latin typeface="Cambria Math" panose="02040503050406030204" pitchFamily="18" charset="0"/>
-                                </a:rPr>
-                                <m:t>𝐼</m:t>
-                              </m:r>
-                            </m:e>
-                            <m:sub>
-                              <m:sSub>
-                                <m:sSubPr>
-                                  <m:ctrlPr>
-                                    <a:rPr lang="it-IT" i="1">
-                                      <a:latin typeface="Cambria Math" panose="02040503050406030204" pitchFamily="18" charset="0"/>
-                                    </a:rPr>
-                                  </m:ctrlPr>
-                                </m:sSubPr>
-                                <m:e>
-                                  <m:r>
-                                    <a:rPr lang="it-IT" i="1">
-                                      <a:latin typeface="Cambria Math" panose="02040503050406030204" pitchFamily="18" charset="0"/>
-                                    </a:rPr>
-                                    <m:t>𝐵</m:t>
-                                  </m:r>
-                                </m:e>
-                                <m:sub>
-                                  <m:r>
-                                    <a:rPr lang="it-IT" i="1">
-                                      <a:latin typeface="Cambria Math" panose="02040503050406030204" pitchFamily="18" charset="0"/>
-                                    </a:rPr>
-                                    <m:t>𝑡𝑜𝑡</m:t>
-                                  </m:r>
-                                </m:sub>
-                              </m:sSub>
-                            </m:sub>
-                          </m:sSub>
-                        </m:den>
-                      </m:f>
-                      <m:r>
-                        <a:rPr lang="it-IT" i="1">
-                          <a:latin typeface="Cambria Math" panose="02040503050406030204" pitchFamily="18" charset="0"/>
-                          <a:ea typeface="Cambria Math" panose="02040503050406030204" pitchFamily="18" charset="0"/>
-                        </a:rPr>
-                        <m:t>∙</m:t>
-                      </m:r>
-                      <m:sSub>
-                        <m:sSubPr>
-                          <m:ctrlPr>
-                            <a:rPr lang="it-IT" i="1">
-                              <a:latin typeface="Cambria Math" panose="02040503050406030204" pitchFamily="18" charset="0"/>
-                              <a:ea typeface="Cambria Math" panose="02040503050406030204" pitchFamily="18" charset="0"/>
-                            </a:rPr>
-                          </m:ctrlPr>
-                        </m:sSubPr>
-                        <m:e>
-                          <m:r>
-                            <a:rPr lang="it-IT" i="1">
-                              <a:latin typeface="Cambria Math" panose="02040503050406030204" pitchFamily="18" charset="0"/>
-                              <a:ea typeface="Cambria Math" panose="02040503050406030204" pitchFamily="18" charset="0"/>
-                            </a:rPr>
-                            <m:t>𝑥</m:t>
-                          </m:r>
-                        </m:e>
-                        <m:sub>
-                          <m:r>
-                            <a:rPr lang="it-IT" i="1">
-                              <a:latin typeface="Cambria Math" panose="02040503050406030204" pitchFamily="18" charset="0"/>
-                              <a:ea typeface="Cambria Math" panose="02040503050406030204" pitchFamily="18" charset="0"/>
-                            </a:rPr>
-                            <m:t>3</m:t>
-                          </m:r>
-                        </m:sub>
-                      </m:sSub>
-                      <m:r>
-                        <a:rPr lang="it-IT" i="1">
-                          <a:latin typeface="Cambria Math" panose="02040503050406030204" pitchFamily="18" charset="0"/>
-                          <a:ea typeface="Cambria Math" panose="02040503050406030204" pitchFamily="18" charset="0"/>
-                        </a:rPr>
-                        <m:t>−</m:t>
-                      </m:r>
-                      <m:f>
-                        <m:fPr>
-                          <m:ctrlPr>
-                            <a:rPr lang="it-IT" i="1">
-                              <a:latin typeface="Cambria Math" panose="02040503050406030204" pitchFamily="18" charset="0"/>
-                              <a:ea typeface="Cambria Math" panose="02040503050406030204" pitchFamily="18" charset="0"/>
-                            </a:rPr>
-                          </m:ctrlPr>
-                        </m:fPr>
-                        <m:num>
-                          <m:r>
-                            <a:rPr lang="it-IT" b="0" i="1" smtClean="0">
-                              <a:highlight>
-                                <a:srgbClr val="00FF00"/>
-                              </a:highlight>
-                              <a:latin typeface="Cambria Math" panose="02040503050406030204" pitchFamily="18" charset="0"/>
-                              <a:ea typeface="Cambria Math" panose="02040503050406030204" pitchFamily="18" charset="0"/>
-                            </a:rPr>
-                            <m:t>(</m:t>
-                          </m:r>
-                          <m:r>
-                            <a:rPr lang="it-IT" i="1">
-                              <a:highlight>
-                                <a:srgbClr val="00FF00"/>
-                              </a:highlight>
-                              <a:latin typeface="Cambria Math" panose="02040503050406030204" pitchFamily="18" charset="0"/>
-                            </a:rPr>
-                            <m:t>−</m:t>
-                          </m:r>
-                          <m:sSub>
-                            <m:sSubPr>
-                              <m:ctrlPr>
-                                <a:rPr lang="it-IT" i="1">
-                                  <a:solidFill>
-                                    <a:srgbClr val="FF0000"/>
-                                  </a:solidFill>
-                                  <a:highlight>
-                                    <a:srgbClr val="00FF00"/>
-                                  </a:highlight>
-                                  <a:latin typeface="Cambria Math" panose="02040503050406030204" pitchFamily="18" charset="0"/>
-                                </a:rPr>
-                              </m:ctrlPr>
-                            </m:sSubPr>
-                            <m:e>
-                              <m:r>
-                                <a:rPr lang="it-IT" i="1">
-                                  <a:solidFill>
-                                    <a:srgbClr val="FF0000"/>
-                                  </a:solidFill>
-                                  <a:highlight>
-                                    <a:srgbClr val="00FF00"/>
-                                  </a:highlight>
-                                  <a:latin typeface="Cambria Math" panose="02040503050406030204" pitchFamily="18" charset="0"/>
-                                </a:rPr>
-                                <m:t>𝑀</m:t>
-                              </m:r>
-                            </m:e>
-                            <m:sub>
-                              <m:r>
-                                <a:rPr lang="it-IT" i="1">
-                                  <a:solidFill>
-                                    <a:srgbClr val="FF0000"/>
-                                  </a:solidFill>
-                                  <a:highlight>
-                                    <a:srgbClr val="00FF00"/>
-                                  </a:highlight>
-                                  <a:latin typeface="Cambria Math" panose="02040503050406030204" pitchFamily="18" charset="0"/>
-                                </a:rPr>
-                                <m:t>𝑑𝑒𝑠</m:t>
-                              </m:r>
-                            </m:sub>
-                          </m:sSub>
-                          <m:r>
-                            <a:rPr lang="it-IT" i="1">
-                              <a:highlight>
-                                <a:srgbClr val="00FF00"/>
-                              </a:highlight>
-                              <a:latin typeface="Cambria Math" panose="02040503050406030204" pitchFamily="18" charset="0"/>
-                            </a:rPr>
-                            <m:t>+</m:t>
-                          </m:r>
-                          <m:sSub>
-                            <m:sSubPr>
-                              <m:ctrlPr>
-                                <a:rPr lang="it-IT" i="1">
-                                  <a:highlight>
-                                    <a:srgbClr val="00FF00"/>
-                                  </a:highlight>
-                                  <a:latin typeface="Cambria Math" panose="02040503050406030204" pitchFamily="18" charset="0"/>
-                                  <a:ea typeface="Cambria Math" panose="02040503050406030204" pitchFamily="18" charset="0"/>
-                                </a:rPr>
-                              </m:ctrlPr>
-                            </m:sSubPr>
-                            <m:e>
-                              <m:r>
-                                <a:rPr lang="it-IT" i="1">
-                                  <a:highlight>
-                                    <a:srgbClr val="00FF00"/>
-                                  </a:highlight>
-                                  <a:latin typeface="Cambria Math" panose="02040503050406030204" pitchFamily="18" charset="0"/>
-                                  <a:ea typeface="Cambria Math" panose="02040503050406030204" pitchFamily="18" charset="0"/>
-                                </a:rPr>
-                                <m:t>𝐷</m:t>
-                              </m:r>
-                            </m:e>
-                            <m:sub>
-                              <m:r>
-                                <a:rPr lang="it-IT" i="1">
-                                  <a:highlight>
-                                    <a:srgbClr val="00FF00"/>
-                                  </a:highlight>
-                                  <a:latin typeface="Cambria Math" panose="02040503050406030204" pitchFamily="18" charset="0"/>
-                                  <a:ea typeface="Cambria Math" panose="02040503050406030204" pitchFamily="18" charset="0"/>
-                                </a:rPr>
-                                <m:t>2</m:t>
-                              </m:r>
-                            </m:sub>
-                          </m:sSub>
-                          <m:r>
-                            <a:rPr lang="it-IT" i="1">
-                              <a:highlight>
-                                <a:srgbClr val="00FF00"/>
-                              </a:highlight>
-                              <a:latin typeface="Cambria Math" panose="02040503050406030204" pitchFamily="18" charset="0"/>
-                              <a:ea typeface="Cambria Math" panose="02040503050406030204" pitchFamily="18" charset="0"/>
-                            </a:rPr>
-                            <m:t>∙</m:t>
-                          </m:r>
-                          <m:sSub>
-                            <m:sSubPr>
-                              <m:ctrlPr>
-                                <a:rPr lang="it-IT" i="1">
-                                  <a:highlight>
-                                    <a:srgbClr val="00FF00"/>
-                                  </a:highlight>
-                                  <a:latin typeface="Cambria Math" panose="02040503050406030204" pitchFamily="18" charset="0"/>
-                                  <a:ea typeface="Cambria Math" panose="02040503050406030204" pitchFamily="18" charset="0"/>
-                                </a:rPr>
-                              </m:ctrlPr>
-                            </m:sSubPr>
-                            <m:e>
-                              <m:r>
-                                <a:rPr lang="it-IT" i="1">
-                                  <a:highlight>
-                                    <a:srgbClr val="00FF00"/>
-                                  </a:highlight>
-                                  <a:latin typeface="Cambria Math" panose="02040503050406030204" pitchFamily="18" charset="0"/>
-                                  <a:ea typeface="Cambria Math" panose="02040503050406030204" pitchFamily="18" charset="0"/>
-                                </a:rPr>
-                                <m:t>𝑥</m:t>
-                              </m:r>
-                            </m:e>
-                            <m:sub>
-                              <m:r>
-                                <a:rPr lang="it-IT" i="1">
-                                  <a:highlight>
-                                    <a:srgbClr val="00FF00"/>
-                                  </a:highlight>
-                                  <a:latin typeface="Cambria Math" panose="02040503050406030204" pitchFamily="18" charset="0"/>
-                                  <a:ea typeface="Cambria Math" panose="02040503050406030204" pitchFamily="18" charset="0"/>
-                                </a:rPr>
-                                <m:t>1</m:t>
-                              </m:r>
-                            </m:sub>
-                          </m:sSub>
-                          <m:r>
-                            <a:rPr lang="it-IT" i="1">
-                              <a:highlight>
-                                <a:srgbClr val="00FF00"/>
-                              </a:highlight>
-                              <a:latin typeface="Cambria Math" panose="02040503050406030204" pitchFamily="18" charset="0"/>
-                              <a:ea typeface="Cambria Math" panose="02040503050406030204" pitchFamily="18" charset="0"/>
-                            </a:rPr>
-                            <m:t>+</m:t>
-                          </m:r>
-                          <m:sSub>
-                            <m:sSubPr>
-                              <m:ctrlPr>
-                                <a:rPr lang="it-IT" i="1">
-                                  <a:highlight>
-                                    <a:srgbClr val="00FF00"/>
-                                  </a:highlight>
-                                  <a:latin typeface="Cambria Math" panose="02040503050406030204" pitchFamily="18" charset="0"/>
-                                  <a:ea typeface="Cambria Math" panose="02040503050406030204" pitchFamily="18" charset="0"/>
-                                </a:rPr>
-                              </m:ctrlPr>
-                            </m:sSubPr>
-                            <m:e>
-                              <m:r>
-                                <a:rPr lang="it-IT" i="1">
-                                  <a:highlight>
-                                    <a:srgbClr val="00FF00"/>
-                                  </a:highlight>
-                                  <a:latin typeface="Cambria Math" panose="02040503050406030204" pitchFamily="18" charset="0"/>
-                                  <a:ea typeface="Cambria Math" panose="02040503050406030204" pitchFamily="18" charset="0"/>
-                                </a:rPr>
-                                <m:t>𝐾</m:t>
-                              </m:r>
-                            </m:e>
-                            <m:sub>
-                              <m:r>
-                                <a:rPr lang="it-IT" i="1">
-                                  <a:highlight>
-                                    <a:srgbClr val="00FF00"/>
-                                  </a:highlight>
-                                  <a:latin typeface="Cambria Math" panose="02040503050406030204" pitchFamily="18" charset="0"/>
-                                  <a:ea typeface="Cambria Math" panose="02040503050406030204" pitchFamily="18" charset="0"/>
-                                </a:rPr>
-                                <m:t>𝑚𝑙𝑔</m:t>
-                              </m:r>
-                            </m:sub>
-                          </m:sSub>
-                          <m:r>
-                            <a:rPr lang="it-IT" i="1">
-                              <a:highlight>
-                                <a:srgbClr val="00FF00"/>
-                              </a:highlight>
-                              <a:latin typeface="Cambria Math" panose="02040503050406030204" pitchFamily="18" charset="0"/>
-                              <a:ea typeface="Cambria Math" panose="02040503050406030204" pitchFamily="18" charset="0"/>
-                            </a:rPr>
-                            <m:t>∙</m:t>
-                          </m:r>
-                          <m:func>
-                            <m:funcPr>
-                              <m:ctrlPr>
-                                <a:rPr lang="it-IT" i="1">
-                                  <a:highlight>
-                                    <a:srgbClr val="00FF00"/>
-                                  </a:highlight>
-                                  <a:latin typeface="Cambria Math" panose="02040503050406030204" pitchFamily="18" charset="0"/>
-                                  <a:ea typeface="Cambria Math" panose="02040503050406030204" pitchFamily="18" charset="0"/>
-                                </a:rPr>
-                              </m:ctrlPr>
-                            </m:funcPr>
-                            <m:fName>
-                              <m:r>
-                                <m:rPr>
-                                  <m:sty m:val="p"/>
-                                </m:rPr>
-                                <a:rPr lang="it-IT">
-                                  <a:highlight>
-                                    <a:srgbClr val="00FF00"/>
-                                  </a:highlight>
-                                  <a:latin typeface="Cambria Math" panose="02040503050406030204" pitchFamily="18" charset="0"/>
-                                  <a:ea typeface="Cambria Math" panose="02040503050406030204" pitchFamily="18" charset="0"/>
-                                </a:rPr>
-                                <m:t>sin</m:t>
-                              </m:r>
-                            </m:fName>
-                            <m:e>
-                              <m:d>
-                                <m:dPr>
-                                  <m:ctrlPr>
-                                    <a:rPr lang="it-IT" i="1">
-                                      <a:highlight>
-                                        <a:srgbClr val="00FF00"/>
-                                      </a:highlight>
-                                      <a:latin typeface="Cambria Math" panose="02040503050406030204" pitchFamily="18" charset="0"/>
-                                      <a:ea typeface="Cambria Math" panose="02040503050406030204" pitchFamily="18" charset="0"/>
-                                    </a:rPr>
-                                  </m:ctrlPr>
-                                </m:dPr>
-                                <m:e>
-                                  <m:sSub>
-                                    <m:sSubPr>
-                                      <m:ctrlPr>
-                                        <a:rPr lang="it-IT" i="1">
-                                          <a:highlight>
-                                            <a:srgbClr val="00FF00"/>
-                                          </a:highlight>
-                                          <a:latin typeface="Cambria Math" panose="02040503050406030204" pitchFamily="18" charset="0"/>
-                                          <a:ea typeface="Cambria Math" panose="02040503050406030204" pitchFamily="18" charset="0"/>
-                                        </a:rPr>
-                                      </m:ctrlPr>
-                                    </m:sSubPr>
-                                    <m:e>
-                                      <m:r>
-                                        <a:rPr lang="it-IT" i="1">
-                                          <a:highlight>
-                                            <a:srgbClr val="00FF00"/>
-                                          </a:highlight>
-                                          <a:latin typeface="Cambria Math" panose="02040503050406030204" pitchFamily="18" charset="0"/>
-                                          <a:ea typeface="Cambria Math" panose="02040503050406030204" pitchFamily="18" charset="0"/>
-                                        </a:rPr>
-                                        <m:t>𝑥</m:t>
-                                      </m:r>
-                                    </m:e>
-                                    <m:sub>
-                                      <m:r>
-                                        <a:rPr lang="it-IT" i="1">
-                                          <a:highlight>
-                                            <a:srgbClr val="00FF00"/>
-                                          </a:highlight>
-                                          <a:latin typeface="Cambria Math" panose="02040503050406030204" pitchFamily="18" charset="0"/>
-                                          <a:ea typeface="Cambria Math" panose="02040503050406030204" pitchFamily="18" charset="0"/>
-                                        </a:rPr>
-                                        <m:t>4</m:t>
-                                      </m:r>
-                                    </m:sub>
-                                  </m:sSub>
-                                </m:e>
-                              </m:d>
-                            </m:e>
-                          </m:func>
-                          <m:r>
-                            <a:rPr lang="it-IT" i="1">
-                              <a:highlight>
-                                <a:srgbClr val="00FF00"/>
-                              </a:highlight>
-                              <a:latin typeface="Cambria Math" panose="02040503050406030204" pitchFamily="18" charset="0"/>
-                              <a:ea typeface="Cambria Math" panose="02040503050406030204" pitchFamily="18" charset="0"/>
-                            </a:rPr>
-                            <m:t>−</m:t>
-                          </m:r>
-                          <m:sSub>
-                            <m:sSubPr>
-                              <m:ctrlPr>
-                                <a:rPr lang="it-IT" i="1">
-                                  <a:highlight>
-                                    <a:srgbClr val="00FF00"/>
-                                  </a:highlight>
-                                  <a:latin typeface="Cambria Math" panose="02040503050406030204" pitchFamily="18" charset="0"/>
-                                  <a:ea typeface="Cambria Math" panose="02040503050406030204" pitchFamily="18" charset="0"/>
-                                </a:rPr>
-                              </m:ctrlPr>
-                            </m:sSubPr>
-                            <m:e>
-                              <m:r>
-                                <a:rPr lang="it-IT" i="1">
-                                  <a:highlight>
-                                    <a:srgbClr val="00FF00"/>
-                                  </a:highlight>
-                                  <a:latin typeface="Cambria Math" panose="02040503050406030204" pitchFamily="18" charset="0"/>
-                                  <a:ea typeface="Cambria Math" panose="02040503050406030204" pitchFamily="18" charset="0"/>
-                                </a:rPr>
-                                <m:t>𝐷</m:t>
-                              </m:r>
-                            </m:e>
-                            <m:sub>
-                              <m:r>
-                                <a:rPr lang="it-IT" i="1">
-                                  <a:highlight>
-                                    <a:srgbClr val="00FF00"/>
-                                  </a:highlight>
-                                  <a:latin typeface="Cambria Math" panose="02040503050406030204" pitchFamily="18" charset="0"/>
-                                  <a:ea typeface="Cambria Math" panose="02040503050406030204" pitchFamily="18" charset="0"/>
-                                </a:rPr>
-                                <m:t>1</m:t>
-                              </m:r>
-                            </m:sub>
-                          </m:sSub>
-                          <m:r>
-                            <a:rPr lang="it-IT" i="1">
-                              <a:highlight>
-                                <a:srgbClr val="00FF00"/>
-                              </a:highlight>
-                              <a:latin typeface="Cambria Math" panose="02040503050406030204" pitchFamily="18" charset="0"/>
-                              <a:ea typeface="Cambria Math" panose="02040503050406030204" pitchFamily="18" charset="0"/>
-                            </a:rPr>
-                            <m:t>∙</m:t>
-                          </m:r>
-                          <m:sSub>
-                            <m:sSubPr>
-                              <m:ctrlPr>
-                                <a:rPr lang="it-IT" i="1">
-                                  <a:highlight>
-                                    <a:srgbClr val="00FF00"/>
-                                  </a:highlight>
-                                  <a:latin typeface="Cambria Math" panose="02040503050406030204" pitchFamily="18" charset="0"/>
-                                  <a:ea typeface="Cambria Math" panose="02040503050406030204" pitchFamily="18" charset="0"/>
-                                </a:rPr>
-                              </m:ctrlPr>
-                            </m:sSubPr>
-                            <m:e>
-                              <m:r>
-                                <a:rPr lang="it-IT" i="1">
-                                  <a:highlight>
-                                    <a:srgbClr val="00FF00"/>
-                                  </a:highlight>
-                                  <a:latin typeface="Cambria Math" panose="02040503050406030204" pitchFamily="18" charset="0"/>
-                                  <a:ea typeface="Cambria Math" panose="02040503050406030204" pitchFamily="18" charset="0"/>
-                                </a:rPr>
-                                <m:t>𝑥</m:t>
-                              </m:r>
-                            </m:e>
-                            <m:sub>
-                              <m:r>
-                                <a:rPr lang="it-IT" i="1">
-                                  <a:highlight>
-                                    <a:srgbClr val="00FF00"/>
-                                  </a:highlight>
-                                  <a:latin typeface="Cambria Math" panose="02040503050406030204" pitchFamily="18" charset="0"/>
-                                  <a:ea typeface="Cambria Math" panose="02040503050406030204" pitchFamily="18" charset="0"/>
-                                </a:rPr>
-                                <m:t>3</m:t>
-                              </m:r>
-                            </m:sub>
-                          </m:sSub>
-                          <m:r>
-                            <a:rPr lang="it-IT" b="0" i="1" smtClean="0">
-                              <a:highlight>
-                                <a:srgbClr val="00FF00"/>
-                              </a:highlight>
-                              <a:latin typeface="Cambria Math" panose="02040503050406030204" pitchFamily="18" charset="0"/>
-                              <a:ea typeface="Cambria Math" panose="02040503050406030204" pitchFamily="18" charset="0"/>
-                            </a:rPr>
-                            <m:t>)</m:t>
-                          </m:r>
-                        </m:num>
-                        <m:den>
-                          <m:sSub>
-                            <m:sSubPr>
-                              <m:ctrlPr>
-                                <a:rPr lang="it-IT" i="1">
-                                  <a:latin typeface="Cambria Math" panose="02040503050406030204" pitchFamily="18" charset="0"/>
-                                </a:rPr>
-                              </m:ctrlPr>
-                            </m:sSubPr>
-                            <m:e>
-                              <m:r>
-                                <a:rPr lang="it-IT" i="1">
-                                  <a:latin typeface="Cambria Math" panose="02040503050406030204" pitchFamily="18" charset="0"/>
-                                </a:rPr>
-                                <m:t>𝐼</m:t>
-                              </m:r>
-                            </m:e>
-                            <m:sub>
-                              <m:sSub>
-                                <m:sSubPr>
-                                  <m:ctrlPr>
-                                    <a:rPr lang="it-IT" i="1">
-                                      <a:latin typeface="Cambria Math" panose="02040503050406030204" pitchFamily="18" charset="0"/>
-                                    </a:rPr>
-                                  </m:ctrlPr>
-                                </m:sSubPr>
-                                <m:e>
-                                  <m:r>
-                                    <a:rPr lang="it-IT" i="1">
-                                      <a:latin typeface="Cambria Math" panose="02040503050406030204" pitchFamily="18" charset="0"/>
-                                    </a:rPr>
-                                    <m:t>𝐵</m:t>
-                                  </m:r>
-                                </m:e>
-                                <m:sub>
-                                  <m:r>
-                                    <a:rPr lang="it-IT" i="1">
-                                      <a:latin typeface="Cambria Math" panose="02040503050406030204" pitchFamily="18" charset="0"/>
-                                    </a:rPr>
-                                    <m:t>𝑡𝑜𝑡</m:t>
-                                  </m:r>
-                                </m:sub>
-                              </m:sSub>
-                            </m:sub>
-                          </m:sSub>
-                        </m:den>
-                      </m:f>
                     </m:oMath>
                   </m:oMathPara>
                 </a14:m>
@@ -14310,10 +16269,10 @@
         <mc:Fallback>
           <p:sp>
             <p:nvSpPr>
-              <p:cNvPr id="7" name="Rettangolo 6">
+              <p:cNvPr id="14" name="Rettangolo con angoli arrotondati 13">
                 <a:extLst>
                   <a:ext uri="{FF2B5EF4-FFF2-40B4-BE49-F238E27FC236}">
-                    <a16:creationId xmlns:a16="http://schemas.microsoft.com/office/drawing/2014/main" id="{611FD70E-DA2F-4B1D-AE1B-AE6038D7AD84}"/>
+                    <a16:creationId xmlns:a16="http://schemas.microsoft.com/office/drawing/2014/main" id="{074CBFB5-7ECE-4685-8B2D-A07341135F07}"/>
                   </a:ext>
                 </a:extLst>
               </p:cNvPr>
@@ -14324,18 +16283,19 @@
             </p:nvSpPr>
             <p:spPr>
               <a:xfrm>
-                <a:off x="1375658" y="6157872"/>
-                <a:ext cx="8958927" cy="719108"/>
+                <a:off x="2282428" y="5803247"/>
+                <a:ext cx="2371479" cy="520502"/>
               </a:xfrm>
-              <a:prstGeom prst="rect">
+              <a:prstGeom prst="roundRect">
                 <a:avLst/>
               </a:prstGeom>
               <a:blipFill>
-                <a:blip r:embed="rId7"/>
+                <a:blip r:embed="rId6"/>
                 <a:stretch>
                   <a:fillRect/>
                 </a:stretch>
               </a:blipFill>
+              <a:ln/>
             </p:spPr>
             <p:txBody>
               <a:bodyPr/>
@@ -14352,260 +16312,1319 @@
           </p:sp>
         </mc:Fallback>
       </mc:AlternateContent>
-      <p:cxnSp>
-        <p:nvCxnSpPr>
-          <p:cNvPr id="13" name="Connettore diritto 12">
+      <p:grpSp>
+        <p:nvGrpSpPr>
+          <p:cNvPr id="12" name="Gruppo 11">
             <a:extLst>
               <a:ext uri="{FF2B5EF4-FFF2-40B4-BE49-F238E27FC236}">
-                <a16:creationId xmlns:a16="http://schemas.microsoft.com/office/drawing/2014/main" id="{709081E6-08C9-4D4B-B43B-A59E93B2C328}"/>
+                <a16:creationId xmlns:a16="http://schemas.microsoft.com/office/drawing/2014/main" id="{9490CD77-0B26-4E63-8F23-2AD907867926}"/>
               </a:ext>
             </a:extLst>
           </p:cNvPr>
-          <p:cNvCxnSpPr>
-            <a:cxnSpLocks/>
-          </p:cNvCxnSpPr>
+          <p:cNvGrpSpPr/>
           <p:nvPr/>
-        </p:nvCxnSpPr>
-        <p:spPr>
+        </p:nvGrpSpPr>
+        <p:grpSpPr>
           <a:xfrm>
-            <a:off x="3214092" y="6237312"/>
-            <a:ext cx="1224136" cy="442887"/>
+            <a:off x="1231297" y="4739555"/>
+            <a:ext cx="8973930" cy="833458"/>
+            <a:chOff x="1375658" y="6076030"/>
+            <a:chExt cx="8973930" cy="833458"/>
           </a:xfrm>
-          <a:prstGeom prst="line">
-            <a:avLst/>
-          </a:prstGeom>
-          <a:ln w="38100"/>
-        </p:spPr>
-        <p:style>
-          <a:lnRef idx="1">
-            <a:schemeClr val="accent1"/>
-          </a:lnRef>
-          <a:fillRef idx="0">
-            <a:schemeClr val="accent1"/>
-          </a:fillRef>
-          <a:effectRef idx="0">
-            <a:schemeClr val="accent1"/>
-          </a:effectRef>
-          <a:fontRef idx="minor">
-            <a:schemeClr val="tx1"/>
-          </a:fontRef>
-        </p:style>
-      </p:cxnSp>
-      <p:cxnSp>
-        <p:nvCxnSpPr>
-          <p:cNvPr id="15" name="Connettore diritto 14">
+        </p:grpSpPr>
+        <mc:AlternateContent xmlns:mc="http://schemas.openxmlformats.org/markup-compatibility/2006">
+          <mc:Choice xmlns:a14="http://schemas.microsoft.com/office/drawing/2010/main" Requires="a14">
+            <p:sp>
+              <p:nvSpPr>
+                <p:cNvPr id="7" name="Rettangolo 6">
+                  <a:extLst>
+                    <a:ext uri="{FF2B5EF4-FFF2-40B4-BE49-F238E27FC236}">
+                      <a16:creationId xmlns:a16="http://schemas.microsoft.com/office/drawing/2014/main" id="{611FD70E-DA2F-4B1D-AE1B-AE6038D7AD84}"/>
+                    </a:ext>
+                  </a:extLst>
+                </p:cNvPr>
+                <p:cNvSpPr/>
+                <p:nvPr/>
+              </p:nvSpPr>
+              <p:spPr>
+                <a:xfrm>
+                  <a:off x="1375658" y="6157872"/>
+                  <a:ext cx="8973930" cy="751616"/>
+                </a:xfrm>
+                <a:prstGeom prst="rect">
+                  <a:avLst/>
+                </a:prstGeom>
+              </p:spPr>
+              <p:txBody>
+                <a:bodyPr wrap="none">
+                  <a:spAutoFit/>
+                </a:bodyPr>
+                <a:lstStyle/>
+                <a:p>
+                  <a:pPr/>
+                  <a14:m>
+                    <m:oMathPara xmlns:m="http://schemas.openxmlformats.org/officeDocument/2006/math">
+                      <m:oMathParaPr>
+                        <m:jc m:val="centerGroup"/>
+                      </m:oMathParaPr>
+                      <m:oMath xmlns:m="http://schemas.openxmlformats.org/officeDocument/2006/math">
+                        <m:acc>
+                          <m:accPr>
+                            <m:chr m:val="̇"/>
+                            <m:ctrlPr>
+                              <a:rPr lang="it-IT" i="1" smtClean="0">
+                                <a:latin typeface="Cambria Math" panose="02040503050406030204" pitchFamily="18" charset="0"/>
+                              </a:rPr>
+                            </m:ctrlPr>
+                          </m:accPr>
+                          <m:e>
+                            <m:sSub>
+                              <m:sSubPr>
+                                <m:ctrlPr>
+                                  <a:rPr lang="it-IT" i="1">
+                                    <a:latin typeface="Cambria Math" panose="02040503050406030204" pitchFamily="18" charset="0"/>
+                                  </a:rPr>
+                                </m:ctrlPr>
+                              </m:sSubPr>
+                              <m:e>
+                                <m:r>
+                                  <a:rPr lang="it-IT" i="1">
+                                    <a:latin typeface="Cambria Math" panose="02040503050406030204" pitchFamily="18" charset="0"/>
+                                  </a:rPr>
+                                  <m:t>𝑥</m:t>
+                                </m:r>
+                              </m:e>
+                              <m:sub>
+                                <m:r>
+                                  <a:rPr lang="it-IT" i="1">
+                                    <a:latin typeface="Cambria Math" panose="02040503050406030204" pitchFamily="18" charset="0"/>
+                                  </a:rPr>
+                                  <m:t>3</m:t>
+                                </m:r>
+                              </m:sub>
+                            </m:sSub>
+                          </m:e>
+                        </m:acc>
+                        <m:r>
+                          <a:rPr lang="it-IT" i="1">
+                            <a:latin typeface="Cambria Math" panose="02040503050406030204" pitchFamily="18" charset="0"/>
+                          </a:rPr>
+                          <m:t>=</m:t>
+                        </m:r>
+                        <m:f>
+                          <m:fPr>
+                            <m:ctrlPr>
+                              <a:rPr lang="it-IT" i="1">
+                                <a:latin typeface="Cambria Math" panose="02040503050406030204" pitchFamily="18" charset="0"/>
+                                <a:ea typeface="Cambria Math" panose="02040503050406030204" pitchFamily="18" charset="0"/>
+                              </a:rPr>
+                            </m:ctrlPr>
+                          </m:fPr>
+                          <m:num>
+                            <m:sSub>
+                              <m:sSubPr>
+                                <m:ctrlPr>
+                                  <a:rPr lang="it-IT" i="1">
+                                    <a:latin typeface="Cambria Math" panose="02040503050406030204" pitchFamily="18" charset="0"/>
+                                    <a:ea typeface="Cambria Math" panose="02040503050406030204" pitchFamily="18" charset="0"/>
+                                  </a:rPr>
+                                </m:ctrlPr>
+                              </m:sSubPr>
+                              <m:e>
+                                <m:r>
+                                  <a:rPr lang="it-IT" i="1">
+                                    <a:latin typeface="Cambria Math" panose="02040503050406030204" pitchFamily="18" charset="0"/>
+                                    <a:ea typeface="Cambria Math" panose="02040503050406030204" pitchFamily="18" charset="0"/>
+                                  </a:rPr>
+                                  <m:t>𝐷</m:t>
+                                </m:r>
+                              </m:e>
+                              <m:sub>
+                                <m:r>
+                                  <a:rPr lang="it-IT" i="1">
+                                    <a:latin typeface="Cambria Math" panose="02040503050406030204" pitchFamily="18" charset="0"/>
+                                    <a:ea typeface="Cambria Math" panose="02040503050406030204" pitchFamily="18" charset="0"/>
+                                  </a:rPr>
+                                  <m:t>2</m:t>
+                                </m:r>
+                              </m:sub>
+                            </m:sSub>
+                          </m:num>
+                          <m:den>
+                            <m:sSub>
+                              <m:sSubPr>
+                                <m:ctrlPr>
+                                  <a:rPr lang="it-IT" i="1">
+                                    <a:latin typeface="Cambria Math" panose="02040503050406030204" pitchFamily="18" charset="0"/>
+                                  </a:rPr>
+                                </m:ctrlPr>
+                              </m:sSubPr>
+                              <m:e>
+                                <m:r>
+                                  <a:rPr lang="it-IT" i="1">
+                                    <a:latin typeface="Cambria Math" panose="02040503050406030204" pitchFamily="18" charset="0"/>
+                                  </a:rPr>
+                                  <m:t>𝐼</m:t>
+                                </m:r>
+                              </m:e>
+                              <m:sub>
+                                <m:sSub>
+                                  <m:sSubPr>
+                                    <m:ctrlPr>
+                                      <a:rPr lang="it-IT" i="1">
+                                        <a:latin typeface="Cambria Math" panose="02040503050406030204" pitchFamily="18" charset="0"/>
+                                      </a:rPr>
+                                    </m:ctrlPr>
+                                  </m:sSubPr>
+                                  <m:e>
+                                    <m:r>
+                                      <a:rPr lang="it-IT" i="1">
+                                        <a:latin typeface="Cambria Math" panose="02040503050406030204" pitchFamily="18" charset="0"/>
+                                      </a:rPr>
+                                      <m:t>𝐵</m:t>
+                                    </m:r>
+                                  </m:e>
+                                  <m:sub>
+                                    <m:r>
+                                      <a:rPr lang="it-IT" i="1">
+                                        <a:latin typeface="Cambria Math" panose="02040503050406030204" pitchFamily="18" charset="0"/>
+                                      </a:rPr>
+                                      <m:t>𝑡𝑜𝑡</m:t>
+                                    </m:r>
+                                  </m:sub>
+                                </m:sSub>
+                              </m:sub>
+                            </m:sSub>
+                          </m:den>
+                        </m:f>
+                        <m:r>
+                          <a:rPr lang="it-IT" i="1">
+                            <a:latin typeface="Cambria Math" panose="02040503050406030204" pitchFamily="18" charset="0"/>
+                            <a:ea typeface="Cambria Math" panose="02040503050406030204" pitchFamily="18" charset="0"/>
+                          </a:rPr>
+                          <m:t>∙</m:t>
+                        </m:r>
+                        <m:sSub>
+                          <m:sSubPr>
+                            <m:ctrlPr>
+                              <a:rPr lang="it-IT" i="1">
+                                <a:latin typeface="Cambria Math" panose="02040503050406030204" pitchFamily="18" charset="0"/>
+                                <a:ea typeface="Cambria Math" panose="02040503050406030204" pitchFamily="18" charset="0"/>
+                              </a:rPr>
+                            </m:ctrlPr>
+                          </m:sSubPr>
+                          <m:e>
+                            <m:r>
+                              <a:rPr lang="it-IT" i="1">
+                                <a:latin typeface="Cambria Math" panose="02040503050406030204" pitchFamily="18" charset="0"/>
+                                <a:ea typeface="Cambria Math" panose="02040503050406030204" pitchFamily="18" charset="0"/>
+                              </a:rPr>
+                              <m:t>𝑥</m:t>
+                            </m:r>
+                          </m:e>
+                          <m:sub>
+                            <m:r>
+                              <a:rPr lang="it-IT" i="1">
+                                <a:latin typeface="Cambria Math" panose="02040503050406030204" pitchFamily="18" charset="0"/>
+                                <a:ea typeface="Cambria Math" panose="02040503050406030204" pitchFamily="18" charset="0"/>
+                              </a:rPr>
+                              <m:t>1</m:t>
+                            </m:r>
+                          </m:sub>
+                        </m:sSub>
+                        <m:r>
+                          <a:rPr lang="it-IT" i="1">
+                            <a:latin typeface="Cambria Math" panose="02040503050406030204" pitchFamily="18" charset="0"/>
+                            <a:ea typeface="Cambria Math" panose="02040503050406030204" pitchFamily="18" charset="0"/>
+                          </a:rPr>
+                          <m:t>+</m:t>
+                        </m:r>
+                        <m:f>
+                          <m:fPr>
+                            <m:ctrlPr>
+                              <a:rPr lang="it-IT" i="1">
+                                <a:latin typeface="Cambria Math" panose="02040503050406030204" pitchFamily="18" charset="0"/>
+                                <a:ea typeface="Cambria Math" panose="02040503050406030204" pitchFamily="18" charset="0"/>
+                              </a:rPr>
+                            </m:ctrlPr>
+                          </m:fPr>
+                          <m:num>
+                            <m:sSub>
+                              <m:sSubPr>
+                                <m:ctrlPr>
+                                  <a:rPr lang="it-IT" i="1">
+                                    <a:latin typeface="Cambria Math" panose="02040503050406030204" pitchFamily="18" charset="0"/>
+                                    <a:ea typeface="Cambria Math" panose="02040503050406030204" pitchFamily="18" charset="0"/>
+                                  </a:rPr>
+                                </m:ctrlPr>
+                              </m:sSubPr>
+                              <m:e>
+                                <m:r>
+                                  <a:rPr lang="it-IT" i="1">
+                                    <a:latin typeface="Cambria Math" panose="02040503050406030204" pitchFamily="18" charset="0"/>
+                                    <a:ea typeface="Cambria Math" panose="02040503050406030204" pitchFamily="18" charset="0"/>
+                                  </a:rPr>
+                                  <m:t>𝐾</m:t>
+                                </m:r>
+                              </m:e>
+                              <m:sub>
+                                <m:r>
+                                  <a:rPr lang="it-IT" i="1">
+                                    <a:latin typeface="Cambria Math" panose="02040503050406030204" pitchFamily="18" charset="0"/>
+                                    <a:ea typeface="Cambria Math" panose="02040503050406030204" pitchFamily="18" charset="0"/>
+                                  </a:rPr>
+                                  <m:t>𝑚𝑙𝑔</m:t>
+                                </m:r>
+                              </m:sub>
+                            </m:sSub>
+                          </m:num>
+                          <m:den>
+                            <m:sSub>
+                              <m:sSubPr>
+                                <m:ctrlPr>
+                                  <a:rPr lang="it-IT" i="1">
+                                    <a:latin typeface="Cambria Math" panose="02040503050406030204" pitchFamily="18" charset="0"/>
+                                  </a:rPr>
+                                </m:ctrlPr>
+                              </m:sSubPr>
+                              <m:e>
+                                <m:r>
+                                  <a:rPr lang="it-IT" i="1">
+                                    <a:latin typeface="Cambria Math" panose="02040503050406030204" pitchFamily="18" charset="0"/>
+                                  </a:rPr>
+                                  <m:t>𝐼</m:t>
+                                </m:r>
+                              </m:e>
+                              <m:sub>
+                                <m:sSub>
+                                  <m:sSubPr>
+                                    <m:ctrlPr>
+                                      <a:rPr lang="it-IT" i="1">
+                                        <a:latin typeface="Cambria Math" panose="02040503050406030204" pitchFamily="18" charset="0"/>
+                                      </a:rPr>
+                                    </m:ctrlPr>
+                                  </m:sSubPr>
+                                  <m:e>
+                                    <m:r>
+                                      <a:rPr lang="it-IT" i="1">
+                                        <a:latin typeface="Cambria Math" panose="02040503050406030204" pitchFamily="18" charset="0"/>
+                                      </a:rPr>
+                                      <m:t>𝐵</m:t>
+                                    </m:r>
+                                  </m:e>
+                                  <m:sub>
+                                    <m:r>
+                                      <a:rPr lang="it-IT" i="1">
+                                        <a:latin typeface="Cambria Math" panose="02040503050406030204" pitchFamily="18" charset="0"/>
+                                      </a:rPr>
+                                      <m:t>𝑡𝑜𝑡</m:t>
+                                    </m:r>
+                                  </m:sub>
+                                </m:sSub>
+                              </m:sub>
+                            </m:sSub>
+                          </m:den>
+                        </m:f>
+                        <m:r>
+                          <a:rPr lang="it-IT" i="1">
+                            <a:latin typeface="Cambria Math" panose="02040503050406030204" pitchFamily="18" charset="0"/>
+                            <a:ea typeface="Cambria Math" panose="02040503050406030204" pitchFamily="18" charset="0"/>
+                          </a:rPr>
+                          <m:t>∙</m:t>
+                        </m:r>
+                        <m:func>
+                          <m:funcPr>
+                            <m:ctrlPr>
+                              <a:rPr lang="it-IT" i="1">
+                                <a:latin typeface="Cambria Math" panose="02040503050406030204" pitchFamily="18" charset="0"/>
+                                <a:ea typeface="Cambria Math" panose="02040503050406030204" pitchFamily="18" charset="0"/>
+                              </a:rPr>
+                            </m:ctrlPr>
+                          </m:funcPr>
+                          <m:fName>
+                            <m:r>
+                              <m:rPr>
+                                <m:sty m:val="p"/>
+                              </m:rPr>
+                              <a:rPr lang="it-IT">
+                                <a:latin typeface="Cambria Math" panose="02040503050406030204" pitchFamily="18" charset="0"/>
+                                <a:ea typeface="Cambria Math" panose="02040503050406030204" pitchFamily="18" charset="0"/>
+                              </a:rPr>
+                              <m:t>sin</m:t>
+                            </m:r>
+                          </m:fName>
+                          <m:e>
+                            <m:d>
+                              <m:dPr>
+                                <m:ctrlPr>
+                                  <a:rPr lang="it-IT" i="1">
+                                    <a:latin typeface="Cambria Math" panose="02040503050406030204" pitchFamily="18" charset="0"/>
+                                    <a:ea typeface="Cambria Math" panose="02040503050406030204" pitchFamily="18" charset="0"/>
+                                  </a:rPr>
+                                </m:ctrlPr>
+                              </m:dPr>
+                              <m:e>
+                                <m:sSub>
+                                  <m:sSubPr>
+                                    <m:ctrlPr>
+                                      <a:rPr lang="it-IT" i="1">
+                                        <a:latin typeface="Cambria Math" panose="02040503050406030204" pitchFamily="18" charset="0"/>
+                                        <a:ea typeface="Cambria Math" panose="02040503050406030204" pitchFamily="18" charset="0"/>
+                                      </a:rPr>
+                                    </m:ctrlPr>
+                                  </m:sSubPr>
+                                  <m:e>
+                                    <m:r>
+                                      <a:rPr lang="it-IT" i="1">
+                                        <a:latin typeface="Cambria Math" panose="02040503050406030204" pitchFamily="18" charset="0"/>
+                                        <a:ea typeface="Cambria Math" panose="02040503050406030204" pitchFamily="18" charset="0"/>
+                                      </a:rPr>
+                                      <m:t>𝑥</m:t>
+                                    </m:r>
+                                  </m:e>
+                                  <m:sub>
+                                    <m:r>
+                                      <a:rPr lang="it-IT" i="1">
+                                        <a:latin typeface="Cambria Math" panose="02040503050406030204" pitchFamily="18" charset="0"/>
+                                        <a:ea typeface="Cambria Math" panose="02040503050406030204" pitchFamily="18" charset="0"/>
+                                      </a:rPr>
+                                      <m:t>4</m:t>
+                                    </m:r>
+                                  </m:sub>
+                                </m:sSub>
+                              </m:e>
+                            </m:d>
+                          </m:e>
+                        </m:func>
+                        <m:r>
+                          <a:rPr lang="it-IT" i="1">
+                            <a:latin typeface="Cambria Math" panose="02040503050406030204" pitchFamily="18" charset="0"/>
+                            <a:ea typeface="Cambria Math" panose="02040503050406030204" pitchFamily="18" charset="0"/>
+                          </a:rPr>
+                          <m:t>−</m:t>
+                        </m:r>
+                        <m:f>
+                          <m:fPr>
+                            <m:ctrlPr>
+                              <a:rPr lang="it-IT" i="1">
+                                <a:latin typeface="Cambria Math" panose="02040503050406030204" pitchFamily="18" charset="0"/>
+                                <a:ea typeface="Cambria Math" panose="02040503050406030204" pitchFamily="18" charset="0"/>
+                              </a:rPr>
+                            </m:ctrlPr>
+                          </m:fPr>
+                          <m:num>
+                            <m:sSub>
+                              <m:sSubPr>
+                                <m:ctrlPr>
+                                  <a:rPr lang="it-IT" i="1">
+                                    <a:latin typeface="Cambria Math" panose="02040503050406030204" pitchFamily="18" charset="0"/>
+                                    <a:ea typeface="Cambria Math" panose="02040503050406030204" pitchFamily="18" charset="0"/>
+                                  </a:rPr>
+                                </m:ctrlPr>
+                              </m:sSubPr>
+                              <m:e>
+                                <m:r>
+                                  <a:rPr lang="it-IT" i="1">
+                                    <a:latin typeface="Cambria Math" panose="02040503050406030204" pitchFamily="18" charset="0"/>
+                                    <a:ea typeface="Cambria Math" panose="02040503050406030204" pitchFamily="18" charset="0"/>
+                                  </a:rPr>
+                                  <m:t>𝐷</m:t>
+                                </m:r>
+                              </m:e>
+                              <m:sub>
+                                <m:r>
+                                  <a:rPr lang="it-IT" i="1">
+                                    <a:latin typeface="Cambria Math" panose="02040503050406030204" pitchFamily="18" charset="0"/>
+                                    <a:ea typeface="Cambria Math" panose="02040503050406030204" pitchFamily="18" charset="0"/>
+                                  </a:rPr>
+                                  <m:t>1</m:t>
+                                </m:r>
+                              </m:sub>
+                            </m:sSub>
+                          </m:num>
+                          <m:den>
+                            <m:sSub>
+                              <m:sSubPr>
+                                <m:ctrlPr>
+                                  <a:rPr lang="it-IT" i="1">
+                                    <a:latin typeface="Cambria Math" panose="02040503050406030204" pitchFamily="18" charset="0"/>
+                                  </a:rPr>
+                                </m:ctrlPr>
+                              </m:sSubPr>
+                              <m:e>
+                                <m:r>
+                                  <a:rPr lang="it-IT" i="1">
+                                    <a:latin typeface="Cambria Math" panose="02040503050406030204" pitchFamily="18" charset="0"/>
+                                  </a:rPr>
+                                  <m:t>𝐼</m:t>
+                                </m:r>
+                              </m:e>
+                              <m:sub>
+                                <m:sSub>
+                                  <m:sSubPr>
+                                    <m:ctrlPr>
+                                      <a:rPr lang="it-IT" i="1">
+                                        <a:latin typeface="Cambria Math" panose="02040503050406030204" pitchFamily="18" charset="0"/>
+                                      </a:rPr>
+                                    </m:ctrlPr>
+                                  </m:sSubPr>
+                                  <m:e>
+                                    <m:r>
+                                      <a:rPr lang="it-IT" i="1">
+                                        <a:latin typeface="Cambria Math" panose="02040503050406030204" pitchFamily="18" charset="0"/>
+                                      </a:rPr>
+                                      <m:t>𝐵</m:t>
+                                    </m:r>
+                                  </m:e>
+                                  <m:sub>
+                                    <m:r>
+                                      <a:rPr lang="it-IT" i="1">
+                                        <a:latin typeface="Cambria Math" panose="02040503050406030204" pitchFamily="18" charset="0"/>
+                                      </a:rPr>
+                                      <m:t>𝑡𝑜𝑡</m:t>
+                                    </m:r>
+                                  </m:sub>
+                                </m:sSub>
+                              </m:sub>
+                            </m:sSub>
+                          </m:den>
+                        </m:f>
+                        <m:r>
+                          <a:rPr lang="it-IT" i="1">
+                            <a:latin typeface="Cambria Math" panose="02040503050406030204" pitchFamily="18" charset="0"/>
+                            <a:ea typeface="Cambria Math" panose="02040503050406030204" pitchFamily="18" charset="0"/>
+                          </a:rPr>
+                          <m:t>∙</m:t>
+                        </m:r>
+                        <m:sSub>
+                          <m:sSubPr>
+                            <m:ctrlPr>
+                              <a:rPr lang="it-IT" i="1">
+                                <a:latin typeface="Cambria Math" panose="02040503050406030204" pitchFamily="18" charset="0"/>
+                                <a:ea typeface="Cambria Math" panose="02040503050406030204" pitchFamily="18" charset="0"/>
+                              </a:rPr>
+                            </m:ctrlPr>
+                          </m:sSubPr>
+                          <m:e>
+                            <m:r>
+                              <a:rPr lang="it-IT" i="1">
+                                <a:latin typeface="Cambria Math" panose="02040503050406030204" pitchFamily="18" charset="0"/>
+                                <a:ea typeface="Cambria Math" panose="02040503050406030204" pitchFamily="18" charset="0"/>
+                              </a:rPr>
+                              <m:t>𝑥</m:t>
+                            </m:r>
+                          </m:e>
+                          <m:sub>
+                            <m:r>
+                              <a:rPr lang="it-IT" i="1">
+                                <a:latin typeface="Cambria Math" panose="02040503050406030204" pitchFamily="18" charset="0"/>
+                                <a:ea typeface="Cambria Math" panose="02040503050406030204" pitchFamily="18" charset="0"/>
+                              </a:rPr>
+                              <m:t>3</m:t>
+                            </m:r>
+                          </m:sub>
+                        </m:sSub>
+                        <m:r>
+                          <a:rPr lang="it-IT" i="1">
+                            <a:latin typeface="Cambria Math" panose="02040503050406030204" pitchFamily="18" charset="0"/>
+                            <a:ea typeface="Cambria Math" panose="02040503050406030204" pitchFamily="18" charset="0"/>
+                          </a:rPr>
+                          <m:t>−</m:t>
+                        </m:r>
+                        <m:f>
+                          <m:fPr>
+                            <m:ctrlPr>
+                              <a:rPr lang="it-IT" i="1">
+                                <a:latin typeface="Cambria Math" panose="02040503050406030204" pitchFamily="18" charset="0"/>
+                                <a:ea typeface="Cambria Math" panose="02040503050406030204" pitchFamily="18" charset="0"/>
+                              </a:rPr>
+                            </m:ctrlPr>
+                          </m:fPr>
+                          <m:num>
+                            <m:d>
+                              <m:dPr>
+                                <m:ctrlPr>
+                                  <a:rPr lang="it-IT" b="0" i="1" smtClean="0">
+                                    <a:highlight>
+                                      <a:srgbClr val="00FF00"/>
+                                    </a:highlight>
+                                    <a:latin typeface="Cambria Math" panose="02040503050406030204" pitchFamily="18" charset="0"/>
+                                    <a:ea typeface="Cambria Math" panose="02040503050406030204" pitchFamily="18" charset="0"/>
+                                  </a:rPr>
+                                </m:ctrlPr>
+                              </m:dPr>
+                              <m:e>
+                                <m:r>
+                                  <a:rPr lang="it-IT" i="1">
+                                    <a:highlight>
+                                      <a:srgbClr val="00FF00"/>
+                                    </a:highlight>
+                                    <a:latin typeface="Cambria Math" panose="02040503050406030204" pitchFamily="18" charset="0"/>
+                                  </a:rPr>
+                                  <m:t>−</m:t>
+                                </m:r>
+                                <m:sSub>
+                                  <m:sSubPr>
+                                    <m:ctrlPr>
+                                      <a:rPr lang="it-IT" i="1">
+                                        <a:solidFill>
+                                          <a:srgbClr val="FF0000"/>
+                                        </a:solidFill>
+                                        <a:highlight>
+                                          <a:srgbClr val="00FF00"/>
+                                        </a:highlight>
+                                        <a:latin typeface="Cambria Math" panose="02040503050406030204" pitchFamily="18" charset="0"/>
+                                      </a:rPr>
+                                    </m:ctrlPr>
+                                  </m:sSubPr>
+                                  <m:e>
+                                    <m:r>
+                                      <a:rPr lang="it-IT" i="1">
+                                        <a:solidFill>
+                                          <a:srgbClr val="FF0000"/>
+                                        </a:solidFill>
+                                        <a:highlight>
+                                          <a:srgbClr val="00FF00"/>
+                                        </a:highlight>
+                                        <a:latin typeface="Cambria Math" panose="02040503050406030204" pitchFamily="18" charset="0"/>
+                                      </a:rPr>
+                                      <m:t>𝑀</m:t>
+                                    </m:r>
+                                  </m:e>
+                                  <m:sub>
+                                    <m:r>
+                                      <a:rPr lang="it-IT" i="1">
+                                        <a:solidFill>
+                                          <a:srgbClr val="FF0000"/>
+                                        </a:solidFill>
+                                        <a:highlight>
+                                          <a:srgbClr val="00FF00"/>
+                                        </a:highlight>
+                                        <a:latin typeface="Cambria Math" panose="02040503050406030204" pitchFamily="18" charset="0"/>
+                                      </a:rPr>
+                                      <m:t>𝑑𝑒𝑠</m:t>
+                                    </m:r>
+                                  </m:sub>
+                                </m:sSub>
+                                <m:r>
+                                  <a:rPr lang="it-IT" i="1">
+                                    <a:highlight>
+                                      <a:srgbClr val="00FF00"/>
+                                    </a:highlight>
+                                    <a:latin typeface="Cambria Math" panose="02040503050406030204" pitchFamily="18" charset="0"/>
+                                  </a:rPr>
+                                  <m:t>+</m:t>
+                                </m:r>
+                                <m:sSub>
+                                  <m:sSubPr>
+                                    <m:ctrlPr>
+                                      <a:rPr lang="it-IT" i="1">
+                                        <a:highlight>
+                                          <a:srgbClr val="00FF00"/>
+                                        </a:highlight>
+                                        <a:latin typeface="Cambria Math" panose="02040503050406030204" pitchFamily="18" charset="0"/>
+                                        <a:ea typeface="Cambria Math" panose="02040503050406030204" pitchFamily="18" charset="0"/>
+                                      </a:rPr>
+                                    </m:ctrlPr>
+                                  </m:sSubPr>
+                                  <m:e>
+                                    <m:r>
+                                      <a:rPr lang="it-IT" i="1">
+                                        <a:highlight>
+                                          <a:srgbClr val="00FF00"/>
+                                        </a:highlight>
+                                        <a:latin typeface="Cambria Math" panose="02040503050406030204" pitchFamily="18" charset="0"/>
+                                        <a:ea typeface="Cambria Math" panose="02040503050406030204" pitchFamily="18" charset="0"/>
+                                      </a:rPr>
+                                      <m:t>𝐷</m:t>
+                                    </m:r>
+                                  </m:e>
+                                  <m:sub>
+                                    <m:r>
+                                      <a:rPr lang="it-IT" i="1">
+                                        <a:highlight>
+                                          <a:srgbClr val="00FF00"/>
+                                        </a:highlight>
+                                        <a:latin typeface="Cambria Math" panose="02040503050406030204" pitchFamily="18" charset="0"/>
+                                        <a:ea typeface="Cambria Math" panose="02040503050406030204" pitchFamily="18" charset="0"/>
+                                      </a:rPr>
+                                      <m:t>2</m:t>
+                                    </m:r>
+                                  </m:sub>
+                                </m:sSub>
+                                <m:r>
+                                  <a:rPr lang="it-IT" i="1">
+                                    <a:highlight>
+                                      <a:srgbClr val="00FF00"/>
+                                    </a:highlight>
+                                    <a:latin typeface="Cambria Math" panose="02040503050406030204" pitchFamily="18" charset="0"/>
+                                    <a:ea typeface="Cambria Math" panose="02040503050406030204" pitchFamily="18" charset="0"/>
+                                  </a:rPr>
+                                  <m:t>∙</m:t>
+                                </m:r>
+                                <m:sSub>
+                                  <m:sSubPr>
+                                    <m:ctrlPr>
+                                      <a:rPr lang="it-IT" i="1">
+                                        <a:highlight>
+                                          <a:srgbClr val="00FF00"/>
+                                        </a:highlight>
+                                        <a:latin typeface="Cambria Math" panose="02040503050406030204" pitchFamily="18" charset="0"/>
+                                        <a:ea typeface="Cambria Math" panose="02040503050406030204" pitchFamily="18" charset="0"/>
+                                      </a:rPr>
+                                    </m:ctrlPr>
+                                  </m:sSubPr>
+                                  <m:e>
+                                    <m:r>
+                                      <a:rPr lang="it-IT" i="1">
+                                        <a:highlight>
+                                          <a:srgbClr val="00FF00"/>
+                                        </a:highlight>
+                                        <a:latin typeface="Cambria Math" panose="02040503050406030204" pitchFamily="18" charset="0"/>
+                                        <a:ea typeface="Cambria Math" panose="02040503050406030204" pitchFamily="18" charset="0"/>
+                                      </a:rPr>
+                                      <m:t>𝑥</m:t>
+                                    </m:r>
+                                  </m:e>
+                                  <m:sub>
+                                    <m:r>
+                                      <a:rPr lang="it-IT" i="1">
+                                        <a:highlight>
+                                          <a:srgbClr val="00FF00"/>
+                                        </a:highlight>
+                                        <a:latin typeface="Cambria Math" panose="02040503050406030204" pitchFamily="18" charset="0"/>
+                                        <a:ea typeface="Cambria Math" panose="02040503050406030204" pitchFamily="18" charset="0"/>
+                                      </a:rPr>
+                                      <m:t>1</m:t>
+                                    </m:r>
+                                  </m:sub>
+                                </m:sSub>
+                                <m:r>
+                                  <a:rPr lang="it-IT" i="1">
+                                    <a:highlight>
+                                      <a:srgbClr val="00FF00"/>
+                                    </a:highlight>
+                                    <a:latin typeface="Cambria Math" panose="02040503050406030204" pitchFamily="18" charset="0"/>
+                                    <a:ea typeface="Cambria Math" panose="02040503050406030204" pitchFamily="18" charset="0"/>
+                                  </a:rPr>
+                                  <m:t>+</m:t>
+                                </m:r>
+                                <m:sSub>
+                                  <m:sSubPr>
+                                    <m:ctrlPr>
+                                      <a:rPr lang="it-IT" i="1">
+                                        <a:highlight>
+                                          <a:srgbClr val="00FF00"/>
+                                        </a:highlight>
+                                        <a:latin typeface="Cambria Math" panose="02040503050406030204" pitchFamily="18" charset="0"/>
+                                        <a:ea typeface="Cambria Math" panose="02040503050406030204" pitchFamily="18" charset="0"/>
+                                      </a:rPr>
+                                    </m:ctrlPr>
+                                  </m:sSubPr>
+                                  <m:e>
+                                    <m:r>
+                                      <a:rPr lang="it-IT" i="1">
+                                        <a:highlight>
+                                          <a:srgbClr val="00FF00"/>
+                                        </a:highlight>
+                                        <a:latin typeface="Cambria Math" panose="02040503050406030204" pitchFamily="18" charset="0"/>
+                                        <a:ea typeface="Cambria Math" panose="02040503050406030204" pitchFamily="18" charset="0"/>
+                                      </a:rPr>
+                                      <m:t>𝐾</m:t>
+                                    </m:r>
+                                  </m:e>
+                                  <m:sub>
+                                    <m:r>
+                                      <a:rPr lang="it-IT" i="1">
+                                        <a:highlight>
+                                          <a:srgbClr val="00FF00"/>
+                                        </a:highlight>
+                                        <a:latin typeface="Cambria Math" panose="02040503050406030204" pitchFamily="18" charset="0"/>
+                                        <a:ea typeface="Cambria Math" panose="02040503050406030204" pitchFamily="18" charset="0"/>
+                                      </a:rPr>
+                                      <m:t>𝑚𝑙𝑔</m:t>
+                                    </m:r>
+                                  </m:sub>
+                                </m:sSub>
+                                <m:r>
+                                  <a:rPr lang="it-IT" i="1">
+                                    <a:highlight>
+                                      <a:srgbClr val="00FF00"/>
+                                    </a:highlight>
+                                    <a:latin typeface="Cambria Math" panose="02040503050406030204" pitchFamily="18" charset="0"/>
+                                    <a:ea typeface="Cambria Math" panose="02040503050406030204" pitchFamily="18" charset="0"/>
+                                  </a:rPr>
+                                  <m:t>∙</m:t>
+                                </m:r>
+                                <m:func>
+                                  <m:funcPr>
+                                    <m:ctrlPr>
+                                      <a:rPr lang="it-IT" i="1">
+                                        <a:highlight>
+                                          <a:srgbClr val="00FF00"/>
+                                        </a:highlight>
+                                        <a:latin typeface="Cambria Math" panose="02040503050406030204" pitchFamily="18" charset="0"/>
+                                        <a:ea typeface="Cambria Math" panose="02040503050406030204" pitchFamily="18" charset="0"/>
+                                      </a:rPr>
+                                    </m:ctrlPr>
+                                  </m:funcPr>
+                                  <m:fName>
+                                    <m:r>
+                                      <m:rPr>
+                                        <m:sty m:val="p"/>
+                                      </m:rPr>
+                                      <a:rPr lang="it-IT">
+                                        <a:highlight>
+                                          <a:srgbClr val="00FF00"/>
+                                        </a:highlight>
+                                        <a:latin typeface="Cambria Math" panose="02040503050406030204" pitchFamily="18" charset="0"/>
+                                        <a:ea typeface="Cambria Math" panose="02040503050406030204" pitchFamily="18" charset="0"/>
+                                      </a:rPr>
+                                      <m:t>sin</m:t>
+                                    </m:r>
+                                  </m:fName>
+                                  <m:e>
+                                    <m:d>
+                                      <m:dPr>
+                                        <m:ctrlPr>
+                                          <a:rPr lang="it-IT" i="1">
+                                            <a:highlight>
+                                              <a:srgbClr val="00FF00"/>
+                                            </a:highlight>
+                                            <a:latin typeface="Cambria Math" panose="02040503050406030204" pitchFamily="18" charset="0"/>
+                                            <a:ea typeface="Cambria Math" panose="02040503050406030204" pitchFamily="18" charset="0"/>
+                                          </a:rPr>
+                                        </m:ctrlPr>
+                                      </m:dPr>
+                                      <m:e>
+                                        <m:sSub>
+                                          <m:sSubPr>
+                                            <m:ctrlPr>
+                                              <a:rPr lang="it-IT" i="1">
+                                                <a:highlight>
+                                                  <a:srgbClr val="00FF00"/>
+                                                </a:highlight>
+                                                <a:latin typeface="Cambria Math" panose="02040503050406030204" pitchFamily="18" charset="0"/>
+                                                <a:ea typeface="Cambria Math" panose="02040503050406030204" pitchFamily="18" charset="0"/>
+                                              </a:rPr>
+                                            </m:ctrlPr>
+                                          </m:sSubPr>
+                                          <m:e>
+                                            <m:r>
+                                              <a:rPr lang="it-IT" i="1">
+                                                <a:highlight>
+                                                  <a:srgbClr val="00FF00"/>
+                                                </a:highlight>
+                                                <a:latin typeface="Cambria Math" panose="02040503050406030204" pitchFamily="18" charset="0"/>
+                                                <a:ea typeface="Cambria Math" panose="02040503050406030204" pitchFamily="18" charset="0"/>
+                                              </a:rPr>
+                                              <m:t>𝑥</m:t>
+                                            </m:r>
+                                          </m:e>
+                                          <m:sub>
+                                            <m:r>
+                                              <a:rPr lang="it-IT" i="1">
+                                                <a:highlight>
+                                                  <a:srgbClr val="00FF00"/>
+                                                </a:highlight>
+                                                <a:latin typeface="Cambria Math" panose="02040503050406030204" pitchFamily="18" charset="0"/>
+                                                <a:ea typeface="Cambria Math" panose="02040503050406030204" pitchFamily="18" charset="0"/>
+                                              </a:rPr>
+                                              <m:t>4</m:t>
+                                            </m:r>
+                                          </m:sub>
+                                        </m:sSub>
+                                      </m:e>
+                                    </m:d>
+                                  </m:e>
+                                </m:func>
+                                <m:r>
+                                  <a:rPr lang="it-IT" i="1">
+                                    <a:highlight>
+                                      <a:srgbClr val="00FF00"/>
+                                    </a:highlight>
+                                    <a:latin typeface="Cambria Math" panose="02040503050406030204" pitchFamily="18" charset="0"/>
+                                    <a:ea typeface="Cambria Math" panose="02040503050406030204" pitchFamily="18" charset="0"/>
+                                  </a:rPr>
+                                  <m:t>−</m:t>
+                                </m:r>
+                                <m:sSub>
+                                  <m:sSubPr>
+                                    <m:ctrlPr>
+                                      <a:rPr lang="it-IT" i="1">
+                                        <a:highlight>
+                                          <a:srgbClr val="00FF00"/>
+                                        </a:highlight>
+                                        <a:latin typeface="Cambria Math" panose="02040503050406030204" pitchFamily="18" charset="0"/>
+                                        <a:ea typeface="Cambria Math" panose="02040503050406030204" pitchFamily="18" charset="0"/>
+                                      </a:rPr>
+                                    </m:ctrlPr>
+                                  </m:sSubPr>
+                                  <m:e>
+                                    <m:r>
+                                      <a:rPr lang="it-IT" i="1">
+                                        <a:highlight>
+                                          <a:srgbClr val="00FF00"/>
+                                        </a:highlight>
+                                        <a:latin typeface="Cambria Math" panose="02040503050406030204" pitchFamily="18" charset="0"/>
+                                        <a:ea typeface="Cambria Math" panose="02040503050406030204" pitchFamily="18" charset="0"/>
+                                      </a:rPr>
+                                      <m:t>𝐷</m:t>
+                                    </m:r>
+                                  </m:e>
+                                  <m:sub>
+                                    <m:r>
+                                      <a:rPr lang="it-IT" i="1">
+                                        <a:highlight>
+                                          <a:srgbClr val="00FF00"/>
+                                        </a:highlight>
+                                        <a:latin typeface="Cambria Math" panose="02040503050406030204" pitchFamily="18" charset="0"/>
+                                        <a:ea typeface="Cambria Math" panose="02040503050406030204" pitchFamily="18" charset="0"/>
+                                      </a:rPr>
+                                      <m:t>1</m:t>
+                                    </m:r>
+                                  </m:sub>
+                                </m:sSub>
+                                <m:r>
+                                  <a:rPr lang="it-IT" i="1">
+                                    <a:highlight>
+                                      <a:srgbClr val="00FF00"/>
+                                    </a:highlight>
+                                    <a:latin typeface="Cambria Math" panose="02040503050406030204" pitchFamily="18" charset="0"/>
+                                    <a:ea typeface="Cambria Math" panose="02040503050406030204" pitchFamily="18" charset="0"/>
+                                  </a:rPr>
+                                  <m:t>∙</m:t>
+                                </m:r>
+                                <m:sSub>
+                                  <m:sSubPr>
+                                    <m:ctrlPr>
+                                      <a:rPr lang="it-IT" i="1">
+                                        <a:highlight>
+                                          <a:srgbClr val="00FF00"/>
+                                        </a:highlight>
+                                        <a:latin typeface="Cambria Math" panose="02040503050406030204" pitchFamily="18" charset="0"/>
+                                        <a:ea typeface="Cambria Math" panose="02040503050406030204" pitchFamily="18" charset="0"/>
+                                      </a:rPr>
+                                    </m:ctrlPr>
+                                  </m:sSubPr>
+                                  <m:e>
+                                    <m:r>
+                                      <a:rPr lang="it-IT" i="1">
+                                        <a:highlight>
+                                          <a:srgbClr val="00FF00"/>
+                                        </a:highlight>
+                                        <a:latin typeface="Cambria Math" panose="02040503050406030204" pitchFamily="18" charset="0"/>
+                                        <a:ea typeface="Cambria Math" panose="02040503050406030204" pitchFamily="18" charset="0"/>
+                                      </a:rPr>
+                                      <m:t>𝑥</m:t>
+                                    </m:r>
+                                  </m:e>
+                                  <m:sub>
+                                    <m:r>
+                                      <a:rPr lang="it-IT" i="1">
+                                        <a:highlight>
+                                          <a:srgbClr val="00FF00"/>
+                                        </a:highlight>
+                                        <a:latin typeface="Cambria Math" panose="02040503050406030204" pitchFamily="18" charset="0"/>
+                                        <a:ea typeface="Cambria Math" panose="02040503050406030204" pitchFamily="18" charset="0"/>
+                                      </a:rPr>
+                                      <m:t>3</m:t>
+                                    </m:r>
+                                  </m:sub>
+                                </m:sSub>
+                              </m:e>
+                            </m:d>
+                          </m:num>
+                          <m:den>
+                            <m:sSub>
+                              <m:sSubPr>
+                                <m:ctrlPr>
+                                  <a:rPr lang="it-IT" i="1">
+                                    <a:latin typeface="Cambria Math" panose="02040503050406030204" pitchFamily="18" charset="0"/>
+                                  </a:rPr>
+                                </m:ctrlPr>
+                              </m:sSubPr>
+                              <m:e>
+                                <m:r>
+                                  <a:rPr lang="it-IT" i="1">
+                                    <a:latin typeface="Cambria Math" panose="02040503050406030204" pitchFamily="18" charset="0"/>
+                                  </a:rPr>
+                                  <m:t>𝐼</m:t>
+                                </m:r>
+                              </m:e>
+                              <m:sub>
+                                <m:sSub>
+                                  <m:sSubPr>
+                                    <m:ctrlPr>
+                                      <a:rPr lang="it-IT" i="1">
+                                        <a:latin typeface="Cambria Math" panose="02040503050406030204" pitchFamily="18" charset="0"/>
+                                      </a:rPr>
+                                    </m:ctrlPr>
+                                  </m:sSubPr>
+                                  <m:e>
+                                    <m:r>
+                                      <a:rPr lang="it-IT" i="1">
+                                        <a:latin typeface="Cambria Math" panose="02040503050406030204" pitchFamily="18" charset="0"/>
+                                      </a:rPr>
+                                      <m:t>𝐵</m:t>
+                                    </m:r>
+                                  </m:e>
+                                  <m:sub>
+                                    <m:r>
+                                      <a:rPr lang="it-IT" i="1">
+                                        <a:latin typeface="Cambria Math" panose="02040503050406030204" pitchFamily="18" charset="0"/>
+                                      </a:rPr>
+                                      <m:t>𝑡𝑜𝑡</m:t>
+                                    </m:r>
+                                  </m:sub>
+                                </m:sSub>
+                              </m:sub>
+                            </m:sSub>
+                          </m:den>
+                        </m:f>
+                      </m:oMath>
+                    </m:oMathPara>
+                  </a14:m>
+                  <a:endParaRPr lang="it-IT" dirty="0"/>
+                </a:p>
+              </p:txBody>
+            </p:sp>
+          </mc:Choice>
+          <mc:Fallback>
+            <p:sp>
+              <p:nvSpPr>
+                <p:cNvPr id="7" name="Rettangolo 6">
+                  <a:extLst>
+                    <a:ext uri="{FF2B5EF4-FFF2-40B4-BE49-F238E27FC236}">
+                      <a16:creationId xmlns:a16="http://schemas.microsoft.com/office/drawing/2014/main" id="{611FD70E-DA2F-4B1D-AE1B-AE6038D7AD84}"/>
+                    </a:ext>
+                  </a:extLst>
+                </p:cNvPr>
+                <p:cNvSpPr>
+                  <a:spLocks noRot="1" noChangeAspect="1" noMove="1" noResize="1" noEditPoints="1" noAdjustHandles="1" noChangeArrowheads="1" noChangeShapeType="1" noTextEdit="1"/>
+                </p:cNvSpPr>
+                <p:nvPr/>
+              </p:nvSpPr>
+              <p:spPr>
+                <a:xfrm>
+                  <a:off x="1375658" y="6157872"/>
+                  <a:ext cx="8973930" cy="751616"/>
+                </a:xfrm>
+                <a:prstGeom prst="rect">
+                  <a:avLst/>
+                </a:prstGeom>
+                <a:blipFill>
+                  <a:blip r:embed="rId7"/>
+                  <a:stretch>
+                    <a:fillRect/>
+                  </a:stretch>
+                </a:blipFill>
+              </p:spPr>
+              <p:txBody>
+                <a:bodyPr/>
+                <a:lstStyle/>
+                <a:p>
+                  <a:r>
+                    <a:rPr lang="it-IT">
+                      <a:noFill/>
+                    </a:rPr>
+                    <a:t> </a:t>
+                  </a:r>
+                </a:p>
+              </p:txBody>
+            </p:sp>
+          </mc:Fallback>
+        </mc:AlternateContent>
+        <p:cxnSp>
+          <p:nvCxnSpPr>
+            <p:cNvPr id="13" name="Connettore diritto 12">
+              <a:extLst>
+                <a:ext uri="{FF2B5EF4-FFF2-40B4-BE49-F238E27FC236}">
+                  <a16:creationId xmlns:a16="http://schemas.microsoft.com/office/drawing/2014/main" id="{709081E6-08C9-4D4B-B43B-A59E93B2C328}"/>
+                </a:ext>
+              </a:extLst>
+            </p:cNvPr>
+            <p:cNvCxnSpPr>
+              <a:cxnSpLocks/>
+            </p:cNvCxnSpPr>
+            <p:nvPr/>
+          </p:nvCxnSpPr>
+          <p:spPr>
+            <a:xfrm>
+              <a:off x="3214092" y="6237312"/>
+              <a:ext cx="1224136" cy="442887"/>
+            </a:xfrm>
+            <a:prstGeom prst="line">
+              <a:avLst/>
+            </a:prstGeom>
+            <a:ln w="38100"/>
+          </p:spPr>
+          <p:style>
+            <a:lnRef idx="1">
+              <a:schemeClr val="accent1"/>
+            </a:lnRef>
+            <a:fillRef idx="0">
+              <a:schemeClr val="accent1"/>
+            </a:fillRef>
+            <a:effectRef idx="0">
+              <a:schemeClr val="accent1"/>
+            </a:effectRef>
+            <a:fontRef idx="minor">
+              <a:schemeClr val="tx1"/>
+            </a:fontRef>
+          </p:style>
+        </p:cxnSp>
+        <p:cxnSp>
+          <p:nvCxnSpPr>
+            <p:cNvPr id="15" name="Connettore diritto 14">
+              <a:extLst>
+                <a:ext uri="{FF2B5EF4-FFF2-40B4-BE49-F238E27FC236}">
+                  <a16:creationId xmlns:a16="http://schemas.microsoft.com/office/drawing/2014/main" id="{6A03D691-3B62-497A-814B-A9EB652D70DE}"/>
+                </a:ext>
+              </a:extLst>
+            </p:cNvPr>
+            <p:cNvCxnSpPr>
+              <a:cxnSpLocks/>
+            </p:cNvCxnSpPr>
+            <p:nvPr/>
+          </p:nvCxnSpPr>
+          <p:spPr>
+            <a:xfrm>
+              <a:off x="7894612" y="6237312"/>
+              <a:ext cx="1224136" cy="221443"/>
+            </a:xfrm>
+            <a:prstGeom prst="line">
+              <a:avLst/>
+            </a:prstGeom>
+            <a:ln w="38100"/>
+          </p:spPr>
+          <p:style>
+            <a:lnRef idx="1">
+              <a:schemeClr val="accent1"/>
+            </a:lnRef>
+            <a:fillRef idx="0">
+              <a:schemeClr val="accent1"/>
+            </a:fillRef>
+            <a:effectRef idx="0">
+              <a:schemeClr val="accent1"/>
+            </a:effectRef>
+            <a:fontRef idx="minor">
+              <a:schemeClr val="tx1"/>
+            </a:fontRef>
+          </p:style>
+        </p:cxnSp>
+        <p:cxnSp>
+          <p:nvCxnSpPr>
+            <p:cNvPr id="18" name="Connettore diritto 17">
+              <a:extLst>
+                <a:ext uri="{FF2B5EF4-FFF2-40B4-BE49-F238E27FC236}">
+                  <a16:creationId xmlns:a16="http://schemas.microsoft.com/office/drawing/2014/main" id="{F87F318F-EECF-4E17-A16F-99E09AC564F3}"/>
+                </a:ext>
+              </a:extLst>
+            </p:cNvPr>
+            <p:cNvCxnSpPr>
+              <a:cxnSpLocks/>
+            </p:cNvCxnSpPr>
+            <p:nvPr/>
+          </p:nvCxnSpPr>
+          <p:spPr>
+            <a:xfrm flipV="1">
+              <a:off x="4798268" y="6237312"/>
+              <a:ext cx="720080" cy="522327"/>
+            </a:xfrm>
+            <a:prstGeom prst="line">
+              <a:avLst/>
+            </a:prstGeom>
+            <a:ln w="38100">
+              <a:solidFill>
+                <a:schemeClr val="accent3"/>
+              </a:solidFill>
+            </a:ln>
+          </p:spPr>
+          <p:style>
+            <a:lnRef idx="1">
+              <a:schemeClr val="accent1"/>
+            </a:lnRef>
+            <a:fillRef idx="0">
+              <a:schemeClr val="accent1"/>
+            </a:fillRef>
+            <a:effectRef idx="0">
+              <a:schemeClr val="accent1"/>
+            </a:effectRef>
+            <a:fontRef idx="minor">
+              <a:schemeClr val="tx1"/>
+            </a:fontRef>
+          </p:style>
+        </p:cxnSp>
+        <p:cxnSp>
+          <p:nvCxnSpPr>
+            <p:cNvPr id="21" name="Connettore diritto 20">
+              <a:extLst>
+                <a:ext uri="{FF2B5EF4-FFF2-40B4-BE49-F238E27FC236}">
+                  <a16:creationId xmlns:a16="http://schemas.microsoft.com/office/drawing/2014/main" id="{D70A5BC1-4E3A-4BA4-A3F7-120B55CEB910}"/>
+                </a:ext>
+              </a:extLst>
+            </p:cNvPr>
+            <p:cNvCxnSpPr>
+              <a:cxnSpLocks/>
+            </p:cNvCxnSpPr>
+            <p:nvPr/>
+          </p:nvCxnSpPr>
+          <p:spPr>
+            <a:xfrm flipV="1">
+              <a:off x="9334385" y="6076030"/>
+              <a:ext cx="720080" cy="522327"/>
+            </a:xfrm>
+            <a:prstGeom prst="line">
+              <a:avLst/>
+            </a:prstGeom>
+            <a:ln w="38100">
+              <a:solidFill>
+                <a:schemeClr val="accent3"/>
+              </a:solidFill>
+            </a:ln>
+          </p:spPr>
+          <p:style>
+            <a:lnRef idx="1">
+              <a:schemeClr val="accent1"/>
+            </a:lnRef>
+            <a:fillRef idx="0">
+              <a:schemeClr val="accent1"/>
+            </a:fillRef>
+            <a:effectRef idx="0">
+              <a:schemeClr val="accent1"/>
+            </a:effectRef>
+            <a:fontRef idx="minor">
+              <a:schemeClr val="tx1"/>
+            </a:fontRef>
+          </p:style>
+        </p:cxnSp>
+        <p:cxnSp>
+          <p:nvCxnSpPr>
+            <p:cNvPr id="22" name="Connettore diritto 21">
+              <a:extLst>
+                <a:ext uri="{FF2B5EF4-FFF2-40B4-BE49-F238E27FC236}">
+                  <a16:creationId xmlns:a16="http://schemas.microsoft.com/office/drawing/2014/main" id="{7F900671-3F6B-4AB1-B197-3735CB7AA3F3}"/>
+                </a:ext>
+              </a:extLst>
+            </p:cNvPr>
+            <p:cNvCxnSpPr>
+              <a:cxnSpLocks/>
+            </p:cNvCxnSpPr>
+            <p:nvPr/>
+          </p:nvCxnSpPr>
+          <p:spPr>
+            <a:xfrm flipV="1">
+              <a:off x="2134360" y="6237312"/>
+              <a:ext cx="215636" cy="522327"/>
+            </a:xfrm>
+            <a:prstGeom prst="line">
+              <a:avLst/>
+            </a:prstGeom>
+            <a:ln w="38100">
+              <a:solidFill>
+                <a:schemeClr val="accent5"/>
+              </a:solidFill>
+            </a:ln>
+          </p:spPr>
+          <p:style>
+            <a:lnRef idx="1">
+              <a:schemeClr val="accent1"/>
+            </a:lnRef>
+            <a:fillRef idx="0">
+              <a:schemeClr val="accent1"/>
+            </a:fillRef>
+            <a:effectRef idx="0">
+              <a:schemeClr val="accent1"/>
+            </a:effectRef>
+            <a:fontRef idx="minor">
+              <a:schemeClr val="tx1"/>
+            </a:fontRef>
+          </p:style>
+        </p:cxnSp>
+        <p:cxnSp>
+          <p:nvCxnSpPr>
+            <p:cNvPr id="25" name="Connettore diritto 24">
+              <a:extLst>
+                <a:ext uri="{FF2B5EF4-FFF2-40B4-BE49-F238E27FC236}">
+                  <a16:creationId xmlns:a16="http://schemas.microsoft.com/office/drawing/2014/main" id="{45E433E4-7729-4C46-9DF8-22329FA77770}"/>
+                </a:ext>
+              </a:extLst>
+            </p:cNvPr>
+            <p:cNvCxnSpPr>
+              <a:cxnSpLocks/>
+            </p:cNvCxnSpPr>
+            <p:nvPr/>
+          </p:nvCxnSpPr>
+          <p:spPr>
+            <a:xfrm flipV="1">
+              <a:off x="7030516" y="6237312"/>
+              <a:ext cx="269933" cy="280114"/>
+            </a:xfrm>
+            <a:prstGeom prst="line">
+              <a:avLst/>
+            </a:prstGeom>
+            <a:ln w="38100">
+              <a:solidFill>
+                <a:schemeClr val="accent5"/>
+              </a:solidFill>
+            </a:ln>
+          </p:spPr>
+          <p:style>
+            <a:lnRef idx="1">
+              <a:schemeClr val="accent1"/>
+            </a:lnRef>
+            <a:fillRef idx="0">
+              <a:schemeClr val="accent1"/>
+            </a:fillRef>
+            <a:effectRef idx="0">
+              <a:schemeClr val="accent1"/>
+            </a:effectRef>
+            <a:fontRef idx="minor">
+              <a:schemeClr val="tx1"/>
+            </a:fontRef>
+          </p:style>
+        </p:cxnSp>
+      </p:grpSp>
+      <p:sp>
+        <p:nvSpPr>
+          <p:cNvPr id="23" name="Rettangolo 22">
             <a:extLst>
               <a:ext uri="{FF2B5EF4-FFF2-40B4-BE49-F238E27FC236}">
-                <a16:creationId xmlns:a16="http://schemas.microsoft.com/office/drawing/2014/main" id="{6A03D691-3B62-497A-814B-A9EB652D70DE}"/>
+                <a16:creationId xmlns:a16="http://schemas.microsoft.com/office/drawing/2014/main" id="{C160ED74-4462-4EE3-8494-DB9E60021FF0}"/>
               </a:ext>
             </a:extLst>
           </p:cNvPr>
-          <p:cNvCxnSpPr>
-            <a:cxnSpLocks/>
-          </p:cNvCxnSpPr>
+          <p:cNvSpPr/>
           <p:nvPr/>
-        </p:nvCxnSpPr>
+        </p:nvSpPr>
         <p:spPr>
           <a:xfrm>
-            <a:off x="7894612" y="6237312"/>
-            <a:ext cx="1224136" cy="221443"/>
+            <a:off x="5326162" y="5883694"/>
+            <a:ext cx="5194350" cy="369332"/>
           </a:xfrm>
-          <a:prstGeom prst="line">
+          <a:prstGeom prst="rect">
             <a:avLst/>
           </a:prstGeom>
-          <a:ln w="38100"/>
         </p:spPr>
-        <p:style>
-          <a:lnRef idx="1">
-            <a:schemeClr val="accent1"/>
-          </a:lnRef>
-          <a:fillRef idx="0">
-            <a:schemeClr val="accent1"/>
-          </a:fillRef>
-          <a:effectRef idx="0">
-            <a:schemeClr val="accent1"/>
-          </a:effectRef>
-          <a:fontRef idx="minor">
-            <a:schemeClr val="tx1"/>
-          </a:fontRef>
-        </p:style>
-      </p:cxnSp>
-      <p:cxnSp>
-        <p:nvCxnSpPr>
-          <p:cNvPr id="18" name="Connettore diritto 17">
-            <a:extLst>
-              <a:ext uri="{FF2B5EF4-FFF2-40B4-BE49-F238E27FC236}">
-                <a16:creationId xmlns:a16="http://schemas.microsoft.com/office/drawing/2014/main" id="{F87F318F-EECF-4E17-A16F-99E09AC564F3}"/>
-              </a:ext>
-            </a:extLst>
-          </p:cNvPr>
-          <p:cNvCxnSpPr>
-            <a:cxnSpLocks/>
-          </p:cNvCxnSpPr>
-          <p:nvPr/>
-        </p:nvCxnSpPr>
-        <p:spPr>
-          <a:xfrm flipV="1">
-            <a:off x="4798268" y="6237312"/>
-            <a:ext cx="720080" cy="522327"/>
-          </a:xfrm>
-          <a:prstGeom prst="line">
-            <a:avLst/>
-          </a:prstGeom>
-          <a:ln w="38100">
-            <a:solidFill>
-              <a:schemeClr val="accent3"/>
-            </a:solidFill>
-          </a:ln>
-        </p:spPr>
-        <p:style>
-          <a:lnRef idx="1">
-            <a:schemeClr val="accent1"/>
-          </a:lnRef>
-          <a:fillRef idx="0">
-            <a:schemeClr val="accent1"/>
-          </a:fillRef>
-          <a:effectRef idx="0">
-            <a:schemeClr val="accent1"/>
-          </a:effectRef>
-          <a:fontRef idx="minor">
-            <a:schemeClr val="tx1"/>
-          </a:fontRef>
-        </p:style>
-      </p:cxnSp>
-      <p:cxnSp>
-        <p:nvCxnSpPr>
-          <p:cNvPr id="21" name="Connettore diritto 20">
-            <a:extLst>
-              <a:ext uri="{FF2B5EF4-FFF2-40B4-BE49-F238E27FC236}">
-                <a16:creationId xmlns:a16="http://schemas.microsoft.com/office/drawing/2014/main" id="{D70A5BC1-4E3A-4BA4-A3F7-120B55CEB910}"/>
-              </a:ext>
-            </a:extLst>
-          </p:cNvPr>
-          <p:cNvCxnSpPr>
-            <a:cxnSpLocks/>
-          </p:cNvCxnSpPr>
-          <p:nvPr/>
-        </p:nvCxnSpPr>
-        <p:spPr>
-          <a:xfrm flipV="1">
-            <a:off x="9334385" y="6076030"/>
-            <a:ext cx="720080" cy="522327"/>
-          </a:xfrm>
-          <a:prstGeom prst="line">
-            <a:avLst/>
-          </a:prstGeom>
-          <a:ln w="38100">
-            <a:solidFill>
-              <a:schemeClr val="accent3"/>
-            </a:solidFill>
-          </a:ln>
-        </p:spPr>
-        <p:style>
-          <a:lnRef idx="1">
-            <a:schemeClr val="accent1"/>
-          </a:lnRef>
-          <a:fillRef idx="0">
-            <a:schemeClr val="accent1"/>
-          </a:fillRef>
-          <a:effectRef idx="0">
-            <a:schemeClr val="accent1"/>
-          </a:effectRef>
-          <a:fontRef idx="minor">
-            <a:schemeClr val="tx1"/>
-          </a:fontRef>
-        </p:style>
-      </p:cxnSp>
-      <p:cxnSp>
-        <p:nvCxnSpPr>
-          <p:cNvPr id="22" name="Connettore diritto 21">
-            <a:extLst>
-              <a:ext uri="{FF2B5EF4-FFF2-40B4-BE49-F238E27FC236}">
-                <a16:creationId xmlns:a16="http://schemas.microsoft.com/office/drawing/2014/main" id="{7F900671-3F6B-4AB1-B197-3735CB7AA3F3}"/>
-              </a:ext>
-            </a:extLst>
-          </p:cNvPr>
-          <p:cNvCxnSpPr>
-            <a:cxnSpLocks/>
-          </p:cNvCxnSpPr>
-          <p:nvPr/>
-        </p:nvCxnSpPr>
-        <p:spPr>
-          <a:xfrm flipV="1">
-            <a:off x="2134360" y="6237312"/>
-            <a:ext cx="215636" cy="522327"/>
-          </a:xfrm>
-          <a:prstGeom prst="line">
-            <a:avLst/>
-          </a:prstGeom>
-          <a:ln w="38100">
-            <a:solidFill>
-              <a:schemeClr val="accent5"/>
-            </a:solidFill>
-          </a:ln>
-        </p:spPr>
-        <p:style>
-          <a:lnRef idx="1">
-            <a:schemeClr val="accent1"/>
-          </a:lnRef>
-          <a:fillRef idx="0">
-            <a:schemeClr val="accent1"/>
-          </a:fillRef>
-          <a:effectRef idx="0">
-            <a:schemeClr val="accent1"/>
-          </a:effectRef>
-          <a:fontRef idx="minor">
-            <a:schemeClr val="tx1"/>
-          </a:fontRef>
-        </p:style>
-      </p:cxnSp>
-      <p:cxnSp>
-        <p:nvCxnSpPr>
-          <p:cNvPr id="25" name="Connettore diritto 24">
-            <a:extLst>
-              <a:ext uri="{FF2B5EF4-FFF2-40B4-BE49-F238E27FC236}">
-                <a16:creationId xmlns:a16="http://schemas.microsoft.com/office/drawing/2014/main" id="{45E433E4-7729-4C46-9DF8-22329FA77770}"/>
-              </a:ext>
-            </a:extLst>
-          </p:cNvPr>
-          <p:cNvCxnSpPr>
-            <a:cxnSpLocks/>
-          </p:cNvCxnSpPr>
-          <p:nvPr/>
-        </p:nvCxnSpPr>
-        <p:spPr>
-          <a:xfrm flipV="1">
-            <a:off x="7030516" y="6237312"/>
-            <a:ext cx="269933" cy="280114"/>
-          </a:xfrm>
-          <a:prstGeom prst="line">
-            <a:avLst/>
-          </a:prstGeom>
-          <a:ln w="38100">
-            <a:solidFill>
-              <a:schemeClr val="accent5"/>
-            </a:solidFill>
-          </a:ln>
-        </p:spPr>
-        <p:style>
-          <a:lnRef idx="1">
-            <a:schemeClr val="accent1"/>
-          </a:lnRef>
-          <a:fillRef idx="0">
-            <a:schemeClr val="accent1"/>
-          </a:fillRef>
-          <a:effectRef idx="0">
-            <a:schemeClr val="accent1"/>
-          </a:effectRef>
-          <a:fontRef idx="minor">
-            <a:schemeClr val="tx1"/>
-          </a:fontRef>
-        </p:style>
-      </p:cxnSp>
+        <p:txBody>
+          <a:bodyPr wrap="square">
+            <a:spAutoFit/>
+          </a:bodyPr>
+          <a:lstStyle/>
+          <a:p>
+            <a:pPr algn="just"/>
+            <a:r>
+              <a:rPr lang="it-IT" dirty="0"/>
+              <a:t>E otteniamo un controllo equivalente lineare!!!</a:t>
+            </a:r>
+          </a:p>
+        </p:txBody>
+      </p:sp>
     </p:spTree>
     <p:extLst>
       <p:ext uri="{BB962C8B-B14F-4D97-AF65-F5344CB8AC3E}">
-        <p14:creationId xmlns:p14="http://schemas.microsoft.com/office/powerpoint/2010/main" val="105745494"/>
+        <p14:creationId xmlns:p14="http://schemas.microsoft.com/office/powerpoint/2010/main" val="808973782"/>
       </p:ext>
     </p:extLst>
   </p:cSld>
@@ -14627,7 +17646,7 @@
 </p:sld>
 </file>
 
-<file path=ppt/slides/slide6.xml><?xml version="1.0" encoding="utf-8"?>
+<file path=ppt/slides/slide8.xml><?xml version="1.0" encoding="utf-8"?>
 <p:sld xmlns:a="http://schemas.openxmlformats.org/drawingml/2006/main" xmlns:r="http://schemas.openxmlformats.org/officeDocument/2006/relationships" xmlns:p="http://schemas.openxmlformats.org/presentationml/2006/main">
   <p:cSld>
     <p:spTree>
@@ -14905,7 +17924,7 @@
 </p:sld>
 </file>
 
-<file path=ppt/slides/slide7.xml><?xml version="1.0" encoding="utf-8"?>
+<file path=ppt/slides/slide9.xml><?xml version="1.0" encoding="utf-8"?>
 <p:sld xmlns:a="http://schemas.openxmlformats.org/drawingml/2006/main" xmlns:r="http://schemas.openxmlformats.org/officeDocument/2006/relationships" xmlns:p="http://schemas.openxmlformats.org/presentationml/2006/main">
   <p:cSld>
     <p:spTree>
@@ -14944,7 +17963,7 @@
         </p:blipFill>
         <p:spPr>
           <a:xfrm>
-            <a:off x="1269876" y="1529409"/>
+            <a:off x="1197868" y="1529409"/>
             <a:ext cx="9887154" cy="5328591"/>
           </a:xfrm>
           <a:prstGeom prst="rect">
@@ -14984,106 +18003,6 @@
     <p:extLst>
       <p:ext uri="{BB962C8B-B14F-4D97-AF65-F5344CB8AC3E}">
         <p14:creationId xmlns:p14="http://schemas.microsoft.com/office/powerpoint/2010/main" val="3522735238"/>
-      </p:ext>
-    </p:extLst>
-  </p:cSld>
-  <p:clrMapOvr>
-    <a:masterClrMapping/>
-  </p:clrMapOvr>
-  <mc:AlternateContent xmlns:mc="http://schemas.openxmlformats.org/markup-compatibility/2006" xmlns:p14="http://schemas.microsoft.com/office/powerpoint/2010/main">
-    <mc:Choice Requires="p14">
-      <p:transition spd="med" p14:dur="700">
-        <p:fade/>
-      </p:transition>
-    </mc:Choice>
-    <mc:Fallback xmlns="">
-      <p:transition spd="med">
-        <p:fade/>
-      </p:transition>
-    </mc:Fallback>
-  </mc:AlternateContent>
-</p:sld>
-</file>
-
-<file path=ppt/slides/slide8.xml><?xml version="1.0" encoding="utf-8"?>
-<p:sld xmlns:a="http://schemas.openxmlformats.org/drawingml/2006/main" xmlns:r="http://schemas.openxmlformats.org/officeDocument/2006/relationships" xmlns:p="http://schemas.openxmlformats.org/presentationml/2006/main">
-  <p:cSld>
-    <p:spTree>
-      <p:nvGrpSpPr>
-        <p:cNvPr id="1" name=""/>
-        <p:cNvGrpSpPr/>
-        <p:nvPr/>
-      </p:nvGrpSpPr>
-      <p:grpSpPr>
-        <a:xfrm>
-          <a:off x="0" y="0"/>
-          <a:ext cx="0" cy="0"/>
-          <a:chOff x="0" y="0"/>
-          <a:chExt cx="0" cy="0"/>
-        </a:xfrm>
-      </p:grpSpPr>
-      <p:pic>
-        <p:nvPicPr>
-          <p:cNvPr id="2" name="Immagine 1">
-            <a:extLst>
-              <a:ext uri="{FF2B5EF4-FFF2-40B4-BE49-F238E27FC236}">
-                <a16:creationId xmlns:a16="http://schemas.microsoft.com/office/drawing/2014/main" id="{5BDFCD20-8553-4898-BDDB-FE4B58631DAA}"/>
-              </a:ext>
-            </a:extLst>
-          </p:cNvPr>
-          <p:cNvPicPr>
-            <a:picLocks noChangeAspect="1"/>
-          </p:cNvPicPr>
-          <p:nvPr/>
-        </p:nvPicPr>
-        <p:blipFill>
-          <a:blip r:embed="rId2"/>
-          <a:stretch>
-            <a:fillRect/>
-          </a:stretch>
-        </p:blipFill>
-        <p:spPr>
-          <a:xfrm>
-            <a:off x="1197868" y="1457400"/>
-            <a:ext cx="9961567" cy="5400600"/>
-          </a:xfrm>
-          <a:prstGeom prst="rect">
-            <a:avLst/>
-          </a:prstGeom>
-        </p:spPr>
-      </p:pic>
-      <p:sp>
-        <p:nvSpPr>
-          <p:cNvPr id="3" name="Titolo 2">
-            <a:extLst>
-              <a:ext uri="{FF2B5EF4-FFF2-40B4-BE49-F238E27FC236}">
-                <a16:creationId xmlns:a16="http://schemas.microsoft.com/office/drawing/2014/main" id="{E6FDE177-8CFE-436F-8F7D-CBC08C04628E}"/>
-              </a:ext>
-            </a:extLst>
-          </p:cNvPr>
-          <p:cNvSpPr>
-            <a:spLocks noGrp="1"/>
-          </p:cNvSpPr>
-          <p:nvPr>
-            <p:ph type="title"/>
-          </p:nvPr>
-        </p:nvSpPr>
-        <p:spPr/>
-        <p:txBody>
-          <a:bodyPr/>
-          <a:lstStyle/>
-          <a:p>
-            <a:r>
-              <a:rPr lang="it-IT" dirty="0"/>
-              <a:t>Simulazione partendo da 50°: controllo</a:t>
-            </a:r>
-          </a:p>
-        </p:txBody>
-      </p:sp>
-    </p:spTree>
-    <p:extLst>
-      <p:ext uri="{BB962C8B-B14F-4D97-AF65-F5344CB8AC3E}">
-        <p14:creationId xmlns:p14="http://schemas.microsoft.com/office/powerpoint/2010/main" val="226198087"/>
       </p:ext>
     </p:extLst>
   </p:cSld>

--- a/00_Relazione/Simulazione sistema e Modello di controllo/Simulazione e Controllo.pptx
+++ b/00_Relazione/Simulazione sistema e Modello di controllo/Simulazione e Controllo.pptx
@@ -241,7 +241,7 @@
             <a:pPr rtl="0"/>
             <a:fld id="{23AEF8A9-CFB5-40C0-BAE2-5B4633EC9F63}" type="datetime1">
               <a:rPr lang="it-IT" smtClean="0"/>
-              <a:t>15/01/2020</a:t>
+              <a:t>08/02/2020</a:t>
             </a:fld>
             <a:endParaRPr lang="it-IT" dirty="0"/>
           </a:p>
@@ -418,7 +418,7 @@
             <a:fld id="{09F431D3-F76B-41A6-8072-4F6D884C46F8}" type="datetime1">
               <a:rPr lang="it-IT" smtClean="0"/>
               <a:pPr/>
-              <a:t>15/01/2020</a:t>
+              <a:t>08/02/2020</a:t>
             </a:fld>
             <a:endParaRPr lang="it-IT" dirty="0"/>
           </a:p>
@@ -1616,7 +1616,7 @@
             <a:fld id="{982DBDC9-B003-41F0-B8B2-2F0AA2C1B651}" type="datetime1">
               <a:rPr lang="it-IT" smtClean="0"/>
               <a:pPr/>
-              <a:t>15/01/2020</a:t>
+              <a:t>08/02/2020</a:t>
             </a:fld>
             <a:endParaRPr lang="it-IT" dirty="0"/>
           </a:p>
@@ -1847,7 +1847,7 @@
             <a:fld id="{07E64E86-02CD-4AD8-8F6E-73FB87F29031}" type="datetime1">
               <a:rPr lang="it-IT" smtClean="0"/>
               <a:pPr/>
-              <a:t>15/01/2020</a:t>
+              <a:t>08/02/2020</a:t>
             </a:fld>
             <a:endParaRPr lang="it-IT" dirty="0"/>
           </a:p>
@@ -2673,7 +2673,7 @@
             <a:fld id="{56884175-B988-418C-8366-CD8114C73802}" type="datetime1">
               <a:rPr lang="it-IT" smtClean="0"/>
               <a:pPr/>
-              <a:t>15/01/2020</a:t>
+              <a:t>08/02/2020</a:t>
             </a:fld>
             <a:endParaRPr lang="it-IT" dirty="0"/>
           </a:p>
@@ -2882,7 +2882,7 @@
             <a:fld id="{07EF584B-7CE1-48A1-AB7A-1EEAB5F615CD}" type="datetime1">
               <a:rPr lang="it-IT" smtClean="0"/>
               <a:pPr/>
-              <a:t>15/01/2020</a:t>
+              <a:t>08/02/2020</a:t>
             </a:fld>
             <a:endParaRPr lang="it-IT" dirty="0"/>
           </a:p>
@@ -4151,7 +4151,7 @@
             <a:fld id="{2F956552-D53A-4557-8C38-42CBEA2EE1F9}" type="datetime1">
               <a:rPr lang="it-IT" smtClean="0"/>
               <a:pPr/>
-              <a:t>15/01/2020</a:t>
+              <a:t>08/02/2020</a:t>
             </a:fld>
             <a:endParaRPr lang="it-IT" dirty="0"/>
           </a:p>
@@ -4484,7 +4484,7 @@
             <a:fld id="{F68A04E6-3A63-4A5D-901F-B7E0EE19AFD7}" type="datetime1">
               <a:rPr lang="it-IT" smtClean="0"/>
               <a:pPr/>
-              <a:t>15/01/2020</a:t>
+              <a:t>08/02/2020</a:t>
             </a:fld>
             <a:endParaRPr lang="it-IT" dirty="0"/>
           </a:p>
@@ -4943,7 +4943,7 @@
             <a:fld id="{E89D5404-FB42-4B9E-BE7A-7821366B0BBC}" type="datetime1">
               <a:rPr lang="it-IT" smtClean="0"/>
               <a:pPr/>
-              <a:t>15/01/2020</a:t>
+              <a:t>08/02/2020</a:t>
             </a:fld>
             <a:endParaRPr lang="it-IT" dirty="0"/>
           </a:p>
@@ -5084,7 +5084,7 @@
             <a:fld id="{DA63B92F-6927-4909-8675-8FB028AE3CD8}" type="datetime1">
               <a:rPr lang="it-IT" smtClean="0"/>
               <a:pPr/>
-              <a:t>15/01/2020</a:t>
+              <a:t>08/02/2020</a:t>
             </a:fld>
             <a:endParaRPr lang="it-IT" dirty="0"/>
           </a:p>
@@ -5429,7 +5429,7 @@
             <a:fld id="{ACB5D043-5A31-4D67-9FB4-6681AB6A05C6}" type="datetime1">
               <a:rPr lang="it-IT" smtClean="0"/>
               <a:pPr/>
-              <a:t>15/01/2020</a:t>
+              <a:t>08/02/2020</a:t>
             </a:fld>
             <a:endParaRPr lang="it-IT" dirty="0"/>
           </a:p>
@@ -5932,7 +5932,7 @@
             <a:fld id="{7B44B99B-722F-4DC5-AC4D-948C49352303}" type="datetime1">
               <a:rPr lang="it-IT" smtClean="0"/>
               <a:pPr/>
-              <a:t>15/01/2020</a:t>
+              <a:t>08/02/2020</a:t>
             </a:fld>
             <a:endParaRPr lang="it-IT" dirty="0"/>
           </a:p>
@@ -6388,7 +6388,7 @@
             <a:fld id="{239C2E7C-B484-43C6-BE81-E8A28A90F8D9}" type="datetime1">
               <a:rPr lang="it-IT" smtClean="0"/>
               <a:pPr/>
-              <a:t>15/01/2020</a:t>
+              <a:t>08/02/2020</a:t>
             </a:fld>
             <a:endParaRPr lang="it-IT" dirty="0"/>
           </a:p>
@@ -7291,7 +7291,7 @@
             <a:fld id="{62DE71F0-C68A-46D7-94E0-C7A236B6AC63}" type="datetime1">
               <a:rPr lang="it-IT" smtClean="0"/>
               <a:pPr/>
-              <a:t>15/01/2020</a:t>
+              <a:t>08/02/2020</a:t>
             </a:fld>
             <a:endParaRPr lang="it-IT" dirty="0"/>
           </a:p>
@@ -8185,8 +8185,8 @@
               </p:sp>
             </mc:Fallback>
           </mc:AlternateContent>
-          <mc:AlternateContent xmlns:mc="http://schemas.openxmlformats.org/markup-compatibility/2006" xmlns:a14="http://schemas.microsoft.com/office/drawing/2010/main">
-            <mc:Choice Requires="a14">
+          <mc:AlternateContent xmlns:mc="http://schemas.openxmlformats.org/markup-compatibility/2006">
+            <mc:Choice xmlns:a14="http://schemas.microsoft.com/office/drawing/2010/main" Requires="a14">
               <p:sp>
                 <p:nvSpPr>
                   <p:cNvPr id="14" name="Rettangolo 13">
@@ -8275,7 +8275,13 @@
                             <a:rPr lang="it-IT" b="0" i="1" smtClean="0">
                               <a:latin typeface="Cambria Math" panose="02040503050406030204" pitchFamily="18" charset="0"/>
                             </a:rPr>
-                            <m:t>𝐼𝑛𝑒𝑟𝑖𝑧𝑎</m:t>
+                            <m:t>𝐼𝑛𝑒𝑟𝑧𝑖</m:t>
+                          </m:r>
+                          <m:r>
+                            <a:rPr lang="it-IT" b="0" i="1" smtClean="0">
+                              <a:latin typeface="Cambria Math" panose="02040503050406030204" pitchFamily="18" charset="0"/>
+                            </a:rPr>
+                            <m:t>𝑎</m:t>
                           </m:r>
                           <m:r>
                             <a:rPr lang="it-IT" b="0" i="1" smtClean="0">
@@ -8309,7 +8315,7 @@
                 </p:txBody>
               </p:sp>
             </mc:Choice>
-            <mc:Fallback xmlns="">
+            <mc:Fallback>
               <p:sp>
                 <p:nvSpPr>
                   <p:cNvPr id="14" name="Rettangolo 13">
@@ -8492,8 +8498,8 @@
               </p:sp>
             </mc:Fallback>
           </mc:AlternateContent>
-          <mc:AlternateContent xmlns:mc="http://schemas.openxmlformats.org/markup-compatibility/2006" xmlns:a14="http://schemas.microsoft.com/office/drawing/2010/main">
-            <mc:Choice Requires="a14">
+          <mc:AlternateContent xmlns:mc="http://schemas.openxmlformats.org/markup-compatibility/2006">
+            <mc:Choice xmlns:a14="http://schemas.microsoft.com/office/drawing/2010/main" Requires="a14">
               <p:sp>
                 <p:nvSpPr>
                   <p:cNvPr id="16" name="Rettangolo 15">
@@ -8592,11 +8598,14 @@
                             <m:t> </m:t>
                           </m:r>
                           <m:r>
+                            <m:rPr>
+                              <m:sty m:val="p"/>
+                            </m:rPr>
                             <a:rPr lang="it-IT" b="0" i="1" smtClean="0">
                               <a:latin typeface="Cambria Math" panose="02040503050406030204" pitchFamily="18" charset="0"/>
                               <a:ea typeface="Cambria Math" panose="02040503050406030204" pitchFamily="18" charset="0"/>
                             </a:rPr>
-                            <m:t>𝑠𝑢𝑙</m:t>
+                            <m:t>sul</m:t>
                           </m:r>
                           <m:r>
                             <a:rPr lang="it-IT" b="0" i="1" smtClean="0">
@@ -8620,7 +8629,7 @@
                 </p:txBody>
               </p:sp>
             </mc:Choice>
-            <mc:Fallback xmlns="">
+            <mc:Fallback>
               <p:sp>
                 <p:nvSpPr>
                   <p:cNvPr id="16" name="Rettangolo 15">
@@ -8665,8 +8674,8 @@
               </p:sp>
             </mc:Fallback>
           </mc:AlternateContent>
-          <mc:AlternateContent xmlns:mc="http://schemas.openxmlformats.org/markup-compatibility/2006" xmlns:a14="http://schemas.microsoft.com/office/drawing/2010/main">
-            <mc:Choice Requires="a14">
+          <mc:AlternateContent xmlns:mc="http://schemas.openxmlformats.org/markup-compatibility/2006">
+            <mc:Choice xmlns:a14="http://schemas.microsoft.com/office/drawing/2010/main" Requires="a14">
               <p:sp>
                 <p:nvSpPr>
                   <p:cNvPr id="17" name="Rettangolo 16">
@@ -8682,7 +8691,7 @@
                 <p:spPr>
                   <a:xfrm>
                     <a:off x="7750596" y="5976758"/>
-                    <a:ext cx="3244029" cy="369332"/>
+                    <a:ext cx="3359959" cy="369332"/>
                   </a:xfrm>
                   <a:prstGeom prst="rect">
                     <a:avLst/>
@@ -8737,34 +8746,28 @@
                             <m:t>≔</m:t>
                           </m:r>
                           <m:r>
-                            <m:rPr>
-                              <m:sty m:val="p"/>
-                            </m:rPr>
-                            <a:rPr lang="it-IT" b="0" i="0" smtClean="0">
+                            <a:rPr lang="it-IT" b="0" i="1" smtClean="0">
                               <a:latin typeface="Cambria Math" panose="02040503050406030204" pitchFamily="18" charset="0"/>
                               <a:ea typeface="Cambria Math" panose="02040503050406030204" pitchFamily="18" charset="0"/>
                             </a:rPr>
-                            <m:t>Attrito</m:t>
+                            <m:t>𝐴𝑡𝑡𝑟𝑖𝑡𝑜</m:t>
                           </m:r>
                           <m:r>
-                            <a:rPr lang="it-IT" b="0" i="0" smtClean="0">
+                            <a:rPr lang="it-IT" b="0" i="1" smtClean="0">
                               <a:latin typeface="Cambria Math" panose="02040503050406030204" pitchFamily="18" charset="0"/>
                               <a:ea typeface="Cambria Math" panose="02040503050406030204" pitchFamily="18" charset="0"/>
                             </a:rPr>
                             <m:t> </m:t>
                           </m:r>
                           <m:r>
-                            <m:rPr>
-                              <m:sty m:val="p"/>
-                            </m:rPr>
-                            <a:rPr lang="it-IT" b="0" i="0" smtClean="0">
+                            <a:rPr lang="it-IT" b="0" i="1" smtClean="0">
                               <a:latin typeface="Cambria Math" panose="02040503050406030204" pitchFamily="18" charset="0"/>
                               <a:ea typeface="Cambria Math" panose="02040503050406030204" pitchFamily="18" charset="0"/>
                             </a:rPr>
-                            <m:t>viscoso</m:t>
+                            <m:t>𝑣𝑖𝑠𝑐𝑜𝑠𝑜</m:t>
                           </m:r>
                           <m:r>
-                            <a:rPr lang="it-IT" b="0" i="0" smtClean="0">
+                            <a:rPr lang="it-IT" b="0" i="1" smtClean="0">
                               <a:latin typeface="Cambria Math" panose="02040503050406030204" pitchFamily="18" charset="0"/>
                               <a:ea typeface="Cambria Math" panose="02040503050406030204" pitchFamily="18" charset="0"/>
                             </a:rPr>
@@ -8805,7 +8808,7 @@
                 </p:txBody>
               </p:sp>
             </mc:Choice>
-            <mc:Fallback xmlns="">
+            <mc:Fallback>
               <p:sp>
                 <p:nvSpPr>
                   <p:cNvPr id="17" name="Rettangolo 16">
@@ -8823,7 +8826,7 @@
                 <p:spPr>
                   <a:xfrm>
                     <a:off x="7750596" y="5976758"/>
-                    <a:ext cx="3244029" cy="369332"/>
+                    <a:ext cx="3359959" cy="369332"/>
                   </a:xfrm>
                   <a:prstGeom prst="rect">
                     <a:avLst/>
@@ -13040,8 +13043,8 @@
           </p:sp>
         </mc:Fallback>
       </mc:AlternateContent>
-      <mc:AlternateContent xmlns:mc="http://schemas.openxmlformats.org/markup-compatibility/2006" xmlns:a14="http://schemas.microsoft.com/office/drawing/2010/main">
-        <mc:Choice Requires="a14">
+      <mc:AlternateContent xmlns:mc="http://schemas.openxmlformats.org/markup-compatibility/2006">
+        <mc:Choice xmlns:a14="http://schemas.microsoft.com/office/drawing/2010/main" Requires="a14">
           <p:sp>
             <p:nvSpPr>
               <p:cNvPr id="5" name="Rettangolo 4">
@@ -13076,43 +13079,49 @@
                 </a:r>
                 <a14:m>
                   <m:oMath xmlns:m="http://schemas.openxmlformats.org/officeDocument/2006/math">
-                    <m:acc>
-                      <m:accPr>
-                        <m:chr m:val="̇"/>
+                    <m:sSub>
+                      <m:sSubPr>
                         <m:ctrlPr>
-                          <a:rPr lang="it-IT" i="1">
+                          <a:rPr lang="it-IT" i="1" smtClean="0">
                             <a:latin typeface="Cambria Math" panose="02040503050406030204" pitchFamily="18" charset="0"/>
                           </a:rPr>
                         </m:ctrlPr>
-                      </m:accPr>
+                      </m:sSubPr>
                       <m:e>
-                        <m:sSub>
-                          <m:sSubPr>
+                        <m:acc>
+                          <m:accPr>
+                            <m:chr m:val="̇"/>
                             <m:ctrlPr>
-                              <a:rPr lang="it-IT" i="1">
+                              <a:rPr lang="it-IT" i="1" smtClean="0">
                                 <a:latin typeface="Cambria Math" panose="02040503050406030204" pitchFamily="18" charset="0"/>
                               </a:rPr>
                             </m:ctrlPr>
-                          </m:sSubPr>
+                          </m:accPr>
                           <m:e>
                             <m:r>
-                              <a:rPr lang="it-IT" i="1">
+                              <a:rPr lang="it-IT" b="0" i="1" smtClean="0">
                                 <a:latin typeface="Cambria Math" panose="02040503050406030204" pitchFamily="18" charset="0"/>
                               </a:rPr>
                               <m:t>𝑥</m:t>
                             </m:r>
                           </m:e>
-                          <m:sub>
-                            <m:r>
-                              <a:rPr lang="it-IT" i="1">
-                                <a:latin typeface="Cambria Math" panose="02040503050406030204" pitchFamily="18" charset="0"/>
-                              </a:rPr>
-                              <m:t>3</m:t>
-                            </m:r>
-                          </m:sub>
-                        </m:sSub>
+                        </m:acc>
                       </m:e>
-                    </m:acc>
+                      <m:sub>
+                        <m:r>
+                          <a:rPr lang="it-IT" b="0" i="1" smtClean="0">
+                            <a:latin typeface="Cambria Math" panose="02040503050406030204" pitchFamily="18" charset="0"/>
+                          </a:rPr>
+                          <m:t>3</m:t>
+                        </m:r>
+                      </m:sub>
+                    </m:sSub>
+                    <m:r>
+                      <a:rPr lang="it-IT" b="0" i="0" smtClean="0">
+                        <a:latin typeface="Cambria Math" panose="02040503050406030204" pitchFamily="18" charset="0"/>
+                      </a:rPr>
+                      <m:t> </m:t>
+                    </m:r>
                   </m:oMath>
                 </a14:m>
                 <a:r>
@@ -13131,7 +13140,7 @@
             </p:txBody>
           </p:sp>
         </mc:Choice>
-        <mc:Fallback xmlns="">
+        <mc:Fallback>
           <p:sp>
             <p:nvSpPr>
               <p:cNvPr id="5" name="Rettangolo 4">
@@ -13176,8 +13185,8 @@
           </p:sp>
         </mc:Fallback>
       </mc:AlternateContent>
-      <mc:AlternateContent xmlns:mc="http://schemas.openxmlformats.org/markup-compatibility/2006" xmlns:a14="http://schemas.microsoft.com/office/drawing/2010/main">
-        <mc:Choice Requires="a14">
+      <mc:AlternateContent xmlns:mc="http://schemas.openxmlformats.org/markup-compatibility/2006">
+        <mc:Choice xmlns:a14="http://schemas.microsoft.com/office/drawing/2010/main" Requires="a14">
           <p:sp>
             <p:nvSpPr>
               <p:cNvPr id="10" name="Rettangolo 9">
@@ -13293,7 +13302,7 @@
             </p:txBody>
           </p:sp>
         </mc:Choice>
-        <mc:Fallback xmlns="">
+        <mc:Fallback>
           <p:sp>
             <p:nvSpPr>
               <p:cNvPr id="10" name="Rettangolo 9">
@@ -13534,8 +13543,8 @@
               <a:chExt cx="10884646" cy="833458"/>
             </a:xfrm>
           </p:grpSpPr>
-          <mc:AlternateContent xmlns:mc="http://schemas.openxmlformats.org/markup-compatibility/2006">
-            <mc:Choice xmlns:a14="http://schemas.microsoft.com/office/drawing/2010/main" Requires="a14">
+          <mc:AlternateContent xmlns:mc="http://schemas.openxmlformats.org/markup-compatibility/2006" xmlns:a14="http://schemas.microsoft.com/office/drawing/2010/main">
+            <mc:Choice Requires="a14">
               <p:sp>
                 <p:nvSpPr>
                   <p:cNvPr id="7" name="Rettangolo 6">
@@ -14627,7 +14636,7 @@
                 </p:txBody>
               </p:sp>
             </mc:Choice>
-            <mc:Fallback>
+            <mc:Fallback xmlns="">
               <p:sp>
                 <p:nvSpPr>
                   <p:cNvPr id="7" name="Rettangolo 6">
@@ -14934,13 +14943,13 @@
   <p:clrMapOvr>
     <a:masterClrMapping/>
   </p:clrMapOvr>
-  <mc:AlternateContent xmlns:mc="http://schemas.openxmlformats.org/markup-compatibility/2006">
-    <mc:Choice xmlns:p14="http://schemas.microsoft.com/office/powerpoint/2010/main" Requires="p14">
+  <mc:AlternateContent xmlns:mc="http://schemas.openxmlformats.org/markup-compatibility/2006" xmlns:p14="http://schemas.microsoft.com/office/powerpoint/2010/main">
+    <mc:Choice Requires="p14">
       <p:transition spd="med" p14:dur="700">
         <p:fade/>
       </p:transition>
     </mc:Choice>
-    <mc:Fallback>
+    <mc:Fallback xmlns="">
       <p:transition spd="med">
         <p:fade/>
       </p:transition>
@@ -15268,8 +15277,8 @@
           </a:p>
         </p:txBody>
       </p:sp>
-      <mc:AlternateContent xmlns:mc="http://schemas.openxmlformats.org/markup-compatibility/2006">
-        <mc:Choice xmlns:a14="http://schemas.microsoft.com/office/drawing/2010/main" Requires="a14">
+      <mc:AlternateContent xmlns:mc="http://schemas.openxmlformats.org/markup-compatibility/2006" xmlns:a14="http://schemas.microsoft.com/office/drawing/2010/main">
+        <mc:Choice Requires="a14">
           <p:sp>
             <p:nvSpPr>
               <p:cNvPr id="3" name="Rettangolo 2">
@@ -15620,7 +15629,7 @@
             </p:txBody>
           </p:sp>
         </mc:Choice>
-        <mc:Fallback>
+        <mc:Fallback xmlns="">
           <p:sp>
             <p:nvSpPr>
               <p:cNvPr id="3" name="Rettangolo 2">
@@ -15665,8 +15674,8 @@
           </p:sp>
         </mc:Fallback>
       </mc:AlternateContent>
-      <mc:AlternateContent xmlns:mc="http://schemas.openxmlformats.org/markup-compatibility/2006">
-        <mc:Choice xmlns:a14="http://schemas.microsoft.com/office/drawing/2010/main" Requires="a14">
+      <mc:AlternateContent xmlns:mc="http://schemas.openxmlformats.org/markup-compatibility/2006" xmlns:a14="http://schemas.microsoft.com/office/drawing/2010/main">
+        <mc:Choice Requires="a14">
           <p:sp>
             <p:nvSpPr>
               <p:cNvPr id="5" name="Rettangolo 4">
@@ -15756,7 +15765,7 @@
             </p:txBody>
           </p:sp>
         </mc:Choice>
-        <mc:Fallback>
+        <mc:Fallback xmlns="">
           <p:sp>
             <p:nvSpPr>
               <p:cNvPr id="5" name="Rettangolo 4">
@@ -15801,8 +15810,8 @@
           </p:sp>
         </mc:Fallback>
       </mc:AlternateContent>
-      <mc:AlternateContent xmlns:mc="http://schemas.openxmlformats.org/markup-compatibility/2006">
-        <mc:Choice xmlns:a14="http://schemas.microsoft.com/office/drawing/2010/main" Requires="a14">
+      <mc:AlternateContent xmlns:mc="http://schemas.openxmlformats.org/markup-compatibility/2006" xmlns:a14="http://schemas.microsoft.com/office/drawing/2010/main">
+        <mc:Choice Requires="a14">
           <p:sp>
             <p:nvSpPr>
               <p:cNvPr id="10" name="Rettangolo 9">
@@ -15918,7 +15927,7 @@
             </p:txBody>
           </p:sp>
         </mc:Choice>
-        <mc:Fallback>
+        <mc:Fallback xmlns="">
           <p:sp>
             <p:nvSpPr>
               <p:cNvPr id="10" name="Rettangolo 9">
@@ -15963,8 +15972,8 @@
           </p:sp>
         </mc:Fallback>
       </mc:AlternateContent>
-      <mc:AlternateContent xmlns:mc="http://schemas.openxmlformats.org/markup-compatibility/2006">
-        <mc:Choice xmlns:a14="http://schemas.microsoft.com/office/drawing/2010/main" Requires="a14">
+      <mc:AlternateContent xmlns:mc="http://schemas.openxmlformats.org/markup-compatibility/2006" xmlns:a14="http://schemas.microsoft.com/office/drawing/2010/main">
+        <mc:Choice Requires="a14">
           <p:sp>
             <p:nvSpPr>
               <p:cNvPr id="11" name="Rettangolo 10">
@@ -16027,7 +16036,7 @@
             </p:txBody>
           </p:sp>
         </mc:Choice>
-        <mc:Fallback>
+        <mc:Fallback xmlns="">
           <p:sp>
             <p:nvSpPr>
               <p:cNvPr id="11" name="Rettangolo 10">
@@ -16072,8 +16081,8 @@
           </p:sp>
         </mc:Fallback>
       </mc:AlternateContent>
-      <mc:AlternateContent xmlns:mc="http://schemas.openxmlformats.org/markup-compatibility/2006">
-        <mc:Choice xmlns:a14="http://schemas.microsoft.com/office/drawing/2010/main" Requires="a14">
+      <mc:AlternateContent xmlns:mc="http://schemas.openxmlformats.org/markup-compatibility/2006" xmlns:a14="http://schemas.microsoft.com/office/drawing/2010/main">
+        <mc:Choice Requires="a14">
           <p:sp>
             <p:nvSpPr>
               <p:cNvPr id="14" name="Rettangolo con angoli arrotondati 13">
@@ -16266,7 +16275,7 @@
             </p:txBody>
           </p:sp>
         </mc:Choice>
-        <mc:Fallback>
+        <mc:Fallback xmlns="">
           <p:sp>
             <p:nvSpPr>
               <p:cNvPr id="14" name="Rettangolo con angoli arrotondati 13">
@@ -16332,8 +16341,8 @@
             <a:chExt cx="8973930" cy="833458"/>
           </a:xfrm>
         </p:grpSpPr>
-        <mc:AlternateContent xmlns:mc="http://schemas.openxmlformats.org/markup-compatibility/2006">
-          <mc:Choice xmlns:a14="http://schemas.microsoft.com/office/drawing/2010/main" Requires="a14">
+        <mc:AlternateContent xmlns:mc="http://schemas.openxmlformats.org/markup-compatibility/2006" xmlns:a14="http://schemas.microsoft.com/office/drawing/2010/main">
+          <mc:Choice Requires="a14">
             <p:sp>
               <p:nvSpPr>
                 <p:cNvPr id="7" name="Rettangolo 6">
@@ -17290,7 +17299,7 @@
               </p:txBody>
             </p:sp>
           </mc:Choice>
-          <mc:Fallback>
+          <mc:Fallback xmlns="">
             <p:sp>
               <p:nvSpPr>
                 <p:cNvPr id="7" name="Rettangolo 6">
